--- a/docker-workshop-files/Docker-Workshop.pptx
+++ b/docker-workshop-files/Docker-Workshop.pptx
@@ -4,8 +4,19 @@
   <p:sldMasterIdLst>
     <p:sldMasterId id="2147483648" r:id="rId1"/>
   </p:sldMasterIdLst>
+  <p:notesMasterIdLst>
+    <p:notesMasterId r:id="rId11"/>
+  </p:notesMasterIdLst>
   <p:sldIdLst>
     <p:sldId id="256" r:id="rId2"/>
+    <p:sldId id="440" r:id="rId3"/>
+    <p:sldId id="441" r:id="rId4"/>
+    <p:sldId id="442" r:id="rId5"/>
+    <p:sldId id="444" r:id="rId6"/>
+    <p:sldId id="443" r:id="rId7"/>
+    <p:sldId id="445" r:id="rId8"/>
+    <p:sldId id="447" r:id="rId9"/>
+    <p:sldId id="448" r:id="rId10"/>
   </p:sldIdLst>
   <p:sldSz cx="12192000" cy="6858000"/>
   <p:notesSz cx="6858000" cy="9144000"/>
@@ -104,7 +115,361 @@
       </a:defRPr>
     </a:lvl9pPr>
   </p:defaultTextStyle>
+  <p:extLst>
+    <p:ext uri="{EFAFB233-063F-42B5-8137-9DF3F51BA10A}">
+      <p15:sldGuideLst xmlns:p15="http://schemas.microsoft.com/office/powerpoint/2012/main"/>
+    </p:ext>
+  </p:extLst>
 </p:presentation>
+</file>
+
+<file path=ppt/notesMasters/notesMaster1.xml><?xml version="1.0" encoding="utf-8"?>
+<p:notesMaster xmlns:a="http://schemas.openxmlformats.org/drawingml/2006/main" xmlns:r="http://schemas.openxmlformats.org/officeDocument/2006/relationships" xmlns:p="http://schemas.openxmlformats.org/presentationml/2006/main">
+  <p:cSld>
+    <p:bg>
+      <p:bgRef idx="1001">
+        <a:schemeClr val="bg1"/>
+      </p:bgRef>
+    </p:bg>
+    <p:spTree>
+      <p:nvGrpSpPr>
+        <p:cNvPr id="1" name=""/>
+        <p:cNvGrpSpPr/>
+        <p:nvPr/>
+      </p:nvGrpSpPr>
+      <p:grpSpPr>
+        <a:xfrm>
+          <a:off x="0" y="0"/>
+          <a:ext cx="0" cy="0"/>
+          <a:chOff x="0" y="0"/>
+          <a:chExt cx="0" cy="0"/>
+        </a:xfrm>
+      </p:grpSpPr>
+      <p:sp>
+        <p:nvSpPr>
+          <p:cNvPr id="2" name="Header Placeholder 1"/>
+          <p:cNvSpPr>
+            <a:spLocks noGrp="1"/>
+          </p:cNvSpPr>
+          <p:nvPr>
+            <p:ph type="hdr" sz="quarter"/>
+          </p:nvPr>
+        </p:nvSpPr>
+        <p:spPr>
+          <a:xfrm>
+            <a:off x="0" y="0"/>
+            <a:ext cx="2971800" cy="458788"/>
+          </a:xfrm>
+          <a:prstGeom prst="rect">
+            <a:avLst/>
+          </a:prstGeom>
+        </p:spPr>
+        <p:txBody>
+          <a:bodyPr vert="horz" lIns="91440" tIns="45720" rIns="91440" bIns="45720" rtlCol="0"/>
+          <a:lstStyle>
+            <a:lvl1pPr algn="l">
+              <a:defRPr sz="1200"/>
+            </a:lvl1pPr>
+          </a:lstStyle>
+          <a:p>
+            <a:endParaRPr lang="en-US"/>
+          </a:p>
+        </p:txBody>
+      </p:sp>
+      <p:sp>
+        <p:nvSpPr>
+          <p:cNvPr id="3" name="Date Placeholder 2"/>
+          <p:cNvSpPr>
+            <a:spLocks noGrp="1"/>
+          </p:cNvSpPr>
+          <p:nvPr>
+            <p:ph type="dt" idx="1"/>
+          </p:nvPr>
+        </p:nvSpPr>
+        <p:spPr>
+          <a:xfrm>
+            <a:off x="3884613" y="0"/>
+            <a:ext cx="2971800" cy="458788"/>
+          </a:xfrm>
+          <a:prstGeom prst="rect">
+            <a:avLst/>
+          </a:prstGeom>
+        </p:spPr>
+        <p:txBody>
+          <a:bodyPr vert="horz" lIns="91440" tIns="45720" rIns="91440" bIns="45720" rtlCol="0"/>
+          <a:lstStyle>
+            <a:lvl1pPr algn="r">
+              <a:defRPr sz="1200"/>
+            </a:lvl1pPr>
+          </a:lstStyle>
+          <a:p>
+            <a:fld id="{77C995E8-1C11-4F37-8FB4-51BE8A406924}" type="datetimeFigureOut">
+              <a:rPr lang="en-US" smtClean="0"/>
+              <a:t>1/1/2022</a:t>
+            </a:fld>
+            <a:endParaRPr lang="en-US"/>
+          </a:p>
+        </p:txBody>
+      </p:sp>
+      <p:sp>
+        <p:nvSpPr>
+          <p:cNvPr id="4" name="Slide Image Placeholder 3"/>
+          <p:cNvSpPr>
+            <a:spLocks noGrp="1" noRot="1" noChangeAspect="1"/>
+          </p:cNvSpPr>
+          <p:nvPr>
+            <p:ph type="sldImg" idx="2"/>
+          </p:nvPr>
+        </p:nvSpPr>
+        <p:spPr>
+          <a:xfrm>
+            <a:off x="685800" y="1143000"/>
+            <a:ext cx="5486400" cy="3086100"/>
+          </a:xfrm>
+          <a:prstGeom prst="rect">
+            <a:avLst/>
+          </a:prstGeom>
+          <a:noFill/>
+          <a:ln w="12700">
+            <a:solidFill>
+              <a:prstClr val="black"/>
+            </a:solidFill>
+          </a:ln>
+        </p:spPr>
+        <p:txBody>
+          <a:bodyPr vert="horz" lIns="91440" tIns="45720" rIns="91440" bIns="45720" rtlCol="0" anchor="ctr"/>
+          <a:lstStyle/>
+          <a:p>
+            <a:endParaRPr lang="en-US"/>
+          </a:p>
+        </p:txBody>
+      </p:sp>
+      <p:sp>
+        <p:nvSpPr>
+          <p:cNvPr id="5" name="Notes Placeholder 4"/>
+          <p:cNvSpPr>
+            <a:spLocks noGrp="1"/>
+          </p:cNvSpPr>
+          <p:nvPr>
+            <p:ph type="body" sz="quarter" idx="3"/>
+          </p:nvPr>
+        </p:nvSpPr>
+        <p:spPr>
+          <a:xfrm>
+            <a:off x="685800" y="4400550"/>
+            <a:ext cx="5486400" cy="3600450"/>
+          </a:xfrm>
+          <a:prstGeom prst="rect">
+            <a:avLst/>
+          </a:prstGeom>
+        </p:spPr>
+        <p:txBody>
+          <a:bodyPr vert="horz" lIns="91440" tIns="45720" rIns="91440" bIns="45720" rtlCol="0"/>
+          <a:lstStyle/>
+          <a:p>
+            <a:pPr lvl="0"/>
+            <a:r>
+              <a:rPr lang="en-US"/>
+              <a:t>Click to edit Master text styles</a:t>
+            </a:r>
+          </a:p>
+          <a:p>
+            <a:pPr lvl="1"/>
+            <a:r>
+              <a:rPr lang="en-US"/>
+              <a:t>Second level</a:t>
+            </a:r>
+          </a:p>
+          <a:p>
+            <a:pPr lvl="2"/>
+            <a:r>
+              <a:rPr lang="en-US"/>
+              <a:t>Third level</a:t>
+            </a:r>
+          </a:p>
+          <a:p>
+            <a:pPr lvl="3"/>
+            <a:r>
+              <a:rPr lang="en-US"/>
+              <a:t>Fourth level</a:t>
+            </a:r>
+          </a:p>
+          <a:p>
+            <a:pPr lvl="4"/>
+            <a:r>
+              <a:rPr lang="en-US"/>
+              <a:t>Fifth level</a:t>
+            </a:r>
+          </a:p>
+        </p:txBody>
+      </p:sp>
+      <p:sp>
+        <p:nvSpPr>
+          <p:cNvPr id="6" name="Footer Placeholder 5"/>
+          <p:cNvSpPr>
+            <a:spLocks noGrp="1"/>
+          </p:cNvSpPr>
+          <p:nvPr>
+            <p:ph type="ftr" sz="quarter" idx="4"/>
+          </p:nvPr>
+        </p:nvSpPr>
+        <p:spPr>
+          <a:xfrm>
+            <a:off x="0" y="8685213"/>
+            <a:ext cx="2971800" cy="458787"/>
+          </a:xfrm>
+          <a:prstGeom prst="rect">
+            <a:avLst/>
+          </a:prstGeom>
+        </p:spPr>
+        <p:txBody>
+          <a:bodyPr vert="horz" lIns="91440" tIns="45720" rIns="91440" bIns="45720" rtlCol="0" anchor="b"/>
+          <a:lstStyle>
+            <a:lvl1pPr algn="l">
+              <a:defRPr sz="1200"/>
+            </a:lvl1pPr>
+          </a:lstStyle>
+          <a:p>
+            <a:endParaRPr lang="en-US"/>
+          </a:p>
+        </p:txBody>
+      </p:sp>
+      <p:sp>
+        <p:nvSpPr>
+          <p:cNvPr id="7" name="Slide Number Placeholder 6"/>
+          <p:cNvSpPr>
+            <a:spLocks noGrp="1"/>
+          </p:cNvSpPr>
+          <p:nvPr>
+            <p:ph type="sldNum" sz="quarter" idx="5"/>
+          </p:nvPr>
+        </p:nvSpPr>
+        <p:spPr>
+          <a:xfrm>
+            <a:off x="3884613" y="8685213"/>
+            <a:ext cx="2971800" cy="458787"/>
+          </a:xfrm>
+          <a:prstGeom prst="rect">
+            <a:avLst/>
+          </a:prstGeom>
+        </p:spPr>
+        <p:txBody>
+          <a:bodyPr vert="horz" lIns="91440" tIns="45720" rIns="91440" bIns="45720" rtlCol="0" anchor="b"/>
+          <a:lstStyle>
+            <a:lvl1pPr algn="r">
+              <a:defRPr sz="1200"/>
+            </a:lvl1pPr>
+          </a:lstStyle>
+          <a:p>
+            <a:fld id="{768A6589-1FC6-4472-903A-3B5B5E364C1D}" type="slidenum">
+              <a:rPr lang="en-US" smtClean="0"/>
+              <a:t>‹#›</a:t>
+            </a:fld>
+            <a:endParaRPr lang="en-US"/>
+          </a:p>
+        </p:txBody>
+      </p:sp>
+    </p:spTree>
+    <p:extLst>
+      <p:ext uri="{BB962C8B-B14F-4D97-AF65-F5344CB8AC3E}">
+        <p14:creationId xmlns:p14="http://schemas.microsoft.com/office/powerpoint/2010/main" val="1583914885"/>
+      </p:ext>
+    </p:extLst>
+  </p:cSld>
+  <p:clrMap bg1="lt1" tx1="dk1" bg2="lt2" tx2="dk2" accent1="accent1" accent2="accent2" accent3="accent3" accent4="accent4" accent5="accent5" accent6="accent6" hlink="hlink" folHlink="folHlink"/>
+  <p:notesStyle>
+    <a:lvl1pPr marL="0" algn="l" defTabSz="914400" rtl="0" eaLnBrk="1" latinLnBrk="0" hangingPunct="1">
+      <a:defRPr sz="1200" kern="1200">
+        <a:solidFill>
+          <a:schemeClr val="tx1"/>
+        </a:solidFill>
+        <a:latin typeface="+mn-lt"/>
+        <a:ea typeface="+mn-ea"/>
+        <a:cs typeface="+mn-cs"/>
+      </a:defRPr>
+    </a:lvl1pPr>
+    <a:lvl2pPr marL="457200" algn="l" defTabSz="914400" rtl="0" eaLnBrk="1" latinLnBrk="0" hangingPunct="1">
+      <a:defRPr sz="1200" kern="1200">
+        <a:solidFill>
+          <a:schemeClr val="tx1"/>
+        </a:solidFill>
+        <a:latin typeface="+mn-lt"/>
+        <a:ea typeface="+mn-ea"/>
+        <a:cs typeface="+mn-cs"/>
+      </a:defRPr>
+    </a:lvl2pPr>
+    <a:lvl3pPr marL="914400" algn="l" defTabSz="914400" rtl="0" eaLnBrk="1" latinLnBrk="0" hangingPunct="1">
+      <a:defRPr sz="1200" kern="1200">
+        <a:solidFill>
+          <a:schemeClr val="tx1"/>
+        </a:solidFill>
+        <a:latin typeface="+mn-lt"/>
+        <a:ea typeface="+mn-ea"/>
+        <a:cs typeface="+mn-cs"/>
+      </a:defRPr>
+    </a:lvl3pPr>
+    <a:lvl4pPr marL="1371600" algn="l" defTabSz="914400" rtl="0" eaLnBrk="1" latinLnBrk="0" hangingPunct="1">
+      <a:defRPr sz="1200" kern="1200">
+        <a:solidFill>
+          <a:schemeClr val="tx1"/>
+        </a:solidFill>
+        <a:latin typeface="+mn-lt"/>
+        <a:ea typeface="+mn-ea"/>
+        <a:cs typeface="+mn-cs"/>
+      </a:defRPr>
+    </a:lvl4pPr>
+    <a:lvl5pPr marL="1828800" algn="l" defTabSz="914400" rtl="0" eaLnBrk="1" latinLnBrk="0" hangingPunct="1">
+      <a:defRPr sz="1200" kern="1200">
+        <a:solidFill>
+          <a:schemeClr val="tx1"/>
+        </a:solidFill>
+        <a:latin typeface="+mn-lt"/>
+        <a:ea typeface="+mn-ea"/>
+        <a:cs typeface="+mn-cs"/>
+      </a:defRPr>
+    </a:lvl5pPr>
+    <a:lvl6pPr marL="2286000" algn="l" defTabSz="914400" rtl="0" eaLnBrk="1" latinLnBrk="0" hangingPunct="1">
+      <a:defRPr sz="1200" kern="1200">
+        <a:solidFill>
+          <a:schemeClr val="tx1"/>
+        </a:solidFill>
+        <a:latin typeface="+mn-lt"/>
+        <a:ea typeface="+mn-ea"/>
+        <a:cs typeface="+mn-cs"/>
+      </a:defRPr>
+    </a:lvl6pPr>
+    <a:lvl7pPr marL="2743200" algn="l" defTabSz="914400" rtl="0" eaLnBrk="1" latinLnBrk="0" hangingPunct="1">
+      <a:defRPr sz="1200" kern="1200">
+        <a:solidFill>
+          <a:schemeClr val="tx1"/>
+        </a:solidFill>
+        <a:latin typeface="+mn-lt"/>
+        <a:ea typeface="+mn-ea"/>
+        <a:cs typeface="+mn-cs"/>
+      </a:defRPr>
+    </a:lvl7pPr>
+    <a:lvl8pPr marL="3200400" algn="l" defTabSz="914400" rtl="0" eaLnBrk="1" latinLnBrk="0" hangingPunct="1">
+      <a:defRPr sz="1200" kern="1200">
+        <a:solidFill>
+          <a:schemeClr val="tx1"/>
+        </a:solidFill>
+        <a:latin typeface="+mn-lt"/>
+        <a:ea typeface="+mn-ea"/>
+        <a:cs typeface="+mn-cs"/>
+      </a:defRPr>
+    </a:lvl8pPr>
+    <a:lvl9pPr marL="3657600" algn="l" defTabSz="914400" rtl="0" eaLnBrk="1" latinLnBrk="0" hangingPunct="1">
+      <a:defRPr sz="1200" kern="1200">
+        <a:solidFill>
+          <a:schemeClr val="tx1"/>
+        </a:solidFill>
+        <a:latin typeface="+mn-lt"/>
+        <a:ea typeface="+mn-ea"/>
+        <a:cs typeface="+mn-cs"/>
+      </a:defRPr>
+    </a:lvl9pPr>
+  </p:notesStyle>
+</p:notesMaster>
 </file>
 
 <file path=ppt/slideLayouts/slideLayout1.xml><?xml version="1.0" encoding="utf-8"?>
@@ -254,7 +619,7 @@
           <a:p>
             <a:fld id="{4DBE8E04-ED98-45F7-9C60-9B27ABC20268}" type="datetimeFigureOut">
               <a:rPr lang="en-US" smtClean="0"/>
-              <a:t>9/23/2021</a:t>
+              <a:t>1/1/2022</a:t>
             </a:fld>
             <a:endParaRPr lang="en-US"/>
           </a:p>
@@ -452,7 +817,7 @@
           <a:p>
             <a:fld id="{4DBE8E04-ED98-45F7-9C60-9B27ABC20268}" type="datetimeFigureOut">
               <a:rPr lang="en-US" smtClean="0"/>
-              <a:t>9/23/2021</a:t>
+              <a:t>1/1/2022</a:t>
             </a:fld>
             <a:endParaRPr lang="en-US"/>
           </a:p>
@@ -660,7 +1025,7 @@
           <a:p>
             <a:fld id="{4DBE8E04-ED98-45F7-9C60-9B27ABC20268}" type="datetimeFigureOut">
               <a:rPr lang="en-US" smtClean="0"/>
-              <a:t>9/23/2021</a:t>
+              <a:t>1/1/2022</a:t>
             </a:fld>
             <a:endParaRPr lang="en-US"/>
           </a:p>
@@ -724,6 +1089,591 @@
     <p:extLst>
       <p:ext uri="{BB962C8B-B14F-4D97-AF65-F5344CB8AC3E}">
         <p14:creationId xmlns:p14="http://schemas.microsoft.com/office/powerpoint/2010/main" val="853450957"/>
+      </p:ext>
+    </p:extLst>
+  </p:cSld>
+  <p:clrMapOvr>
+    <a:masterClrMapping/>
+  </p:clrMapOvr>
+</p:sldLayout>
+</file>
+
+<file path=ppt/slideLayouts/slideLayout12.xml><?xml version="1.0" encoding="utf-8"?>
+<p:sldLayout xmlns:a="http://schemas.openxmlformats.org/drawingml/2006/main" xmlns:r="http://schemas.openxmlformats.org/officeDocument/2006/relationships" xmlns:p="http://schemas.openxmlformats.org/presentationml/2006/main" userDrawn="1">
+  <p:cSld name="Long title slide">
+    <p:spTree>
+      <p:nvGrpSpPr>
+        <p:cNvPr id="1" name=""/>
+        <p:cNvGrpSpPr/>
+        <p:nvPr/>
+      </p:nvGrpSpPr>
+      <p:grpSpPr>
+        <a:xfrm>
+          <a:off x="0" y="0"/>
+          <a:ext cx="0" cy="0"/>
+          <a:chOff x="0" y="0"/>
+          <a:chExt cx="0" cy="0"/>
+        </a:xfrm>
+      </p:grpSpPr>
+      <p:cxnSp>
+        <p:nvCxnSpPr>
+          <p:cNvPr id="12" name="Straight Connector 11">
+            <a:extLst>
+              <a:ext uri="{FF2B5EF4-FFF2-40B4-BE49-F238E27FC236}">
+                <a16:creationId xmlns:a16="http://schemas.microsoft.com/office/drawing/2014/main" id="{36FE4A19-2C39-9846-B0B0-5AE020F9F1F9}"/>
+              </a:ext>
+            </a:extLst>
+          </p:cNvPr>
+          <p:cNvCxnSpPr>
+            <a:cxnSpLocks/>
+          </p:cNvCxnSpPr>
+          <p:nvPr userDrawn="1"/>
+        </p:nvCxnSpPr>
+        <p:spPr>
+          <a:xfrm>
+            <a:off x="263879" y="443685"/>
+            <a:ext cx="11928121" cy="0"/>
+          </a:xfrm>
+          <a:prstGeom prst="line">
+            <a:avLst/>
+          </a:prstGeom>
+          <a:ln>
+            <a:solidFill>
+              <a:schemeClr val="tx1">
+                <a:lumMod val="65000"/>
+                <a:lumOff val="35000"/>
+              </a:schemeClr>
+            </a:solidFill>
+          </a:ln>
+        </p:spPr>
+        <p:style>
+          <a:lnRef idx="1">
+            <a:schemeClr val="accent1"/>
+          </a:lnRef>
+          <a:fillRef idx="0">
+            <a:schemeClr val="accent1"/>
+          </a:fillRef>
+          <a:effectRef idx="0">
+            <a:schemeClr val="accent1"/>
+          </a:effectRef>
+          <a:fontRef idx="minor">
+            <a:schemeClr val="tx1"/>
+          </a:fontRef>
+        </p:style>
+      </p:cxnSp>
+      <p:sp>
+        <p:nvSpPr>
+          <p:cNvPr id="13" name="Title 1">
+            <a:extLst>
+              <a:ext uri="{FF2B5EF4-FFF2-40B4-BE49-F238E27FC236}">
+                <a16:creationId xmlns:a16="http://schemas.microsoft.com/office/drawing/2014/main" id="{CC7CA887-B8E9-6B49-8B79-C77F61EF6769}"/>
+              </a:ext>
+            </a:extLst>
+          </p:cNvPr>
+          <p:cNvSpPr>
+            <a:spLocks noGrp="1"/>
+          </p:cNvSpPr>
+          <p:nvPr>
+            <p:ph type="title" hasCustomPrompt="1"/>
+          </p:nvPr>
+        </p:nvSpPr>
+        <p:spPr>
+          <a:xfrm>
+            <a:off x="127175" y="36427"/>
+            <a:ext cx="10657366" cy="626468"/>
+          </a:xfrm>
+          <a:prstGeom prst="rect">
+            <a:avLst/>
+          </a:prstGeom>
+          <a:solidFill>
+            <a:schemeClr val="bg1"/>
+          </a:solidFill>
+        </p:spPr>
+        <p:txBody>
+          <a:bodyPr>
+            <a:normAutofit/>
+          </a:bodyPr>
+          <a:lstStyle>
+            <a:lvl1pPr>
+              <a:lnSpc>
+                <a:spcPct val="100000"/>
+              </a:lnSpc>
+              <a:defRPr sz="2800">
+                <a:solidFill>
+                  <a:srgbClr val="4B4B4B"/>
+                </a:solidFill>
+                <a:latin typeface="Gotham Book" panose="02000604040000020004" pitchFamily="2" charset="0"/>
+              </a:defRPr>
+            </a:lvl1pPr>
+          </a:lstStyle>
+          <a:p>
+            <a:pPr>
+              <a:spcBef>
+                <a:spcPts val="1200"/>
+              </a:spcBef>
+            </a:pPr>
+            <a:r>
+              <a:rPr lang="en-US" sz="2800" dirty="0">
+                <a:solidFill>
+                  <a:srgbClr val="4B4B4B"/>
+                </a:solidFill>
+                <a:latin typeface="Gotham Book" panose="02000604040000020004" pitchFamily="2" charset="0"/>
+              </a:rPr>
+              <a:t>Big title </a:t>
+            </a:r>
+            <a:r>
+              <a:rPr lang="en-US" sz="2800" dirty="0">
+                <a:solidFill>
+                  <a:srgbClr val="5EC1EF"/>
+                </a:solidFill>
+                <a:latin typeface="Gotham Book" panose="02000604040000020004" pitchFamily="2" charset="0"/>
+              </a:rPr>
+              <a:t>Infographic</a:t>
+            </a:r>
+            <a:r>
+              <a:rPr lang="en-US" sz="2800" dirty="0">
+                <a:solidFill>
+                  <a:srgbClr val="4B4B4B"/>
+                </a:solidFill>
+                <a:latin typeface="Gotham Book" panose="02000604040000020004" pitchFamily="2" charset="0"/>
+              </a:rPr>
+              <a:t> slide</a:t>
+            </a:r>
+          </a:p>
+        </p:txBody>
+      </p:sp>
+      <p:cxnSp>
+        <p:nvCxnSpPr>
+          <p:cNvPr id="16" name="Straight Connector 15">
+            <a:extLst>
+              <a:ext uri="{FF2B5EF4-FFF2-40B4-BE49-F238E27FC236}">
+                <a16:creationId xmlns:a16="http://schemas.microsoft.com/office/drawing/2014/main" id="{2A57115A-9A8F-D346-BD68-27BC66CD157C}"/>
+              </a:ext>
+            </a:extLst>
+          </p:cNvPr>
+          <p:cNvCxnSpPr>
+            <a:cxnSpLocks/>
+          </p:cNvCxnSpPr>
+          <p:nvPr userDrawn="1"/>
+        </p:nvCxnSpPr>
+        <p:spPr>
+          <a:xfrm>
+            <a:off x="901959" y="6425337"/>
+            <a:ext cx="11290041" cy="0"/>
+          </a:xfrm>
+          <a:prstGeom prst="line">
+            <a:avLst/>
+          </a:prstGeom>
+          <a:ln>
+            <a:solidFill>
+              <a:schemeClr val="bg1">
+                <a:lumMod val="85000"/>
+              </a:schemeClr>
+            </a:solidFill>
+          </a:ln>
+        </p:spPr>
+        <p:style>
+          <a:lnRef idx="1">
+            <a:schemeClr val="accent1"/>
+          </a:lnRef>
+          <a:fillRef idx="0">
+            <a:schemeClr val="accent1"/>
+          </a:fillRef>
+          <a:effectRef idx="0">
+            <a:schemeClr val="accent1"/>
+          </a:effectRef>
+          <a:fontRef idx="minor">
+            <a:schemeClr val="tx1"/>
+          </a:fontRef>
+        </p:style>
+      </p:cxnSp>
+      <p:cxnSp>
+        <p:nvCxnSpPr>
+          <p:cNvPr id="5" name="Straight Connector 4">
+            <a:extLst>
+              <a:ext uri="{FF2B5EF4-FFF2-40B4-BE49-F238E27FC236}">
+                <a16:creationId xmlns:a16="http://schemas.microsoft.com/office/drawing/2014/main" id="{E0FB3FAA-966A-874B-BB10-28A2E8AC39F5}"/>
+              </a:ext>
+            </a:extLst>
+          </p:cNvPr>
+          <p:cNvCxnSpPr/>
+          <p:nvPr userDrawn="1"/>
+        </p:nvCxnSpPr>
+        <p:spPr>
+          <a:xfrm>
+            <a:off x="10037851" y="6522726"/>
+            <a:ext cx="0" cy="203967"/>
+          </a:xfrm>
+          <a:prstGeom prst="line">
+            <a:avLst/>
+          </a:prstGeom>
+          <a:ln>
+            <a:solidFill>
+              <a:schemeClr val="bg1">
+                <a:lumMod val="75000"/>
+              </a:schemeClr>
+            </a:solidFill>
+          </a:ln>
+        </p:spPr>
+        <p:style>
+          <a:lnRef idx="1">
+            <a:schemeClr val="accent1"/>
+          </a:lnRef>
+          <a:fillRef idx="0">
+            <a:schemeClr val="accent1"/>
+          </a:fillRef>
+          <a:effectRef idx="0">
+            <a:schemeClr val="accent1"/>
+          </a:effectRef>
+          <a:fontRef idx="minor">
+            <a:schemeClr val="tx1"/>
+          </a:fontRef>
+        </p:style>
+      </p:cxnSp>
+      <p:grpSp>
+        <p:nvGrpSpPr>
+          <p:cNvPr id="22" name="Group 21">
+            <a:extLst>
+              <a:ext uri="{FF2B5EF4-FFF2-40B4-BE49-F238E27FC236}">
+                <a16:creationId xmlns:a16="http://schemas.microsoft.com/office/drawing/2014/main" id="{633BD878-8F07-024D-9040-4791952E4991}"/>
+              </a:ext>
+            </a:extLst>
+          </p:cNvPr>
+          <p:cNvGrpSpPr/>
+          <p:nvPr userDrawn="1"/>
+        </p:nvGrpSpPr>
+        <p:grpSpPr>
+          <a:xfrm>
+            <a:off x="0" y="5974464"/>
+            <a:ext cx="901960" cy="883534"/>
+            <a:chOff x="0" y="5974464"/>
+            <a:chExt cx="901960" cy="883534"/>
+          </a:xfrm>
+        </p:grpSpPr>
+        <p:sp>
+          <p:nvSpPr>
+            <p:cNvPr id="23" name="Rectangle 22">
+              <a:extLst>
+                <a:ext uri="{FF2B5EF4-FFF2-40B4-BE49-F238E27FC236}">
+                  <a16:creationId xmlns:a16="http://schemas.microsoft.com/office/drawing/2014/main" id="{9FAF06CD-83B4-D549-943F-946C1CA8E7E4}"/>
+                </a:ext>
+              </a:extLst>
+            </p:cNvPr>
+            <p:cNvSpPr/>
+            <p:nvPr userDrawn="1"/>
+          </p:nvSpPr>
+          <p:spPr>
+            <a:xfrm>
+              <a:off x="0" y="6361235"/>
+              <a:ext cx="901960" cy="496763"/>
+            </a:xfrm>
+            <a:prstGeom prst="rect">
+              <a:avLst/>
+            </a:prstGeom>
+            <a:solidFill>
+              <a:schemeClr val="bg1"/>
+            </a:solidFill>
+            <a:ln>
+              <a:noFill/>
+            </a:ln>
+          </p:spPr>
+          <p:style>
+            <a:lnRef idx="2">
+              <a:schemeClr val="accent1">
+                <a:shade val="50000"/>
+              </a:schemeClr>
+            </a:lnRef>
+            <a:fillRef idx="1">
+              <a:schemeClr val="accent1"/>
+            </a:fillRef>
+            <a:effectRef idx="0">
+              <a:schemeClr val="accent1"/>
+            </a:effectRef>
+            <a:fontRef idx="minor">
+              <a:schemeClr val="lt1"/>
+            </a:fontRef>
+          </p:style>
+          <p:txBody>
+            <a:bodyPr rtlCol="0" anchor="ctr"/>
+            <a:lstStyle/>
+            <a:p>
+              <a:pPr algn="ctr"/>
+              <a:endParaRPr lang="en-US" b="0" i="0" dirty="0">
+                <a:latin typeface="Gotham Book" panose="02000604040000020004" pitchFamily="2" charset="0"/>
+              </a:endParaRPr>
+            </a:p>
+          </p:txBody>
+        </p:sp>
+        <p:sp>
+          <p:nvSpPr>
+            <p:cNvPr id="24" name="Triangle 23">
+              <a:extLst>
+                <a:ext uri="{FF2B5EF4-FFF2-40B4-BE49-F238E27FC236}">
+                  <a16:creationId xmlns:a16="http://schemas.microsoft.com/office/drawing/2014/main" id="{67B23528-AA85-F748-ABD6-4FA095793E24}"/>
+                </a:ext>
+              </a:extLst>
+            </p:cNvPr>
+            <p:cNvSpPr/>
+            <p:nvPr userDrawn="1"/>
+          </p:nvSpPr>
+          <p:spPr>
+            <a:xfrm rot="5403736">
+              <a:off x="42256" y="6050921"/>
+              <a:ext cx="883138" cy="730223"/>
+            </a:xfrm>
+            <a:prstGeom prst="triangle">
+              <a:avLst>
+                <a:gd name="adj" fmla="val 50938"/>
+              </a:avLst>
+            </a:prstGeom>
+            <a:solidFill>
+              <a:schemeClr val="accent4">
+                <a:alpha val="25000"/>
+              </a:schemeClr>
+            </a:solidFill>
+            <a:ln>
+              <a:noFill/>
+            </a:ln>
+          </p:spPr>
+          <p:style>
+            <a:lnRef idx="2">
+              <a:schemeClr val="accent1">
+                <a:shade val="50000"/>
+              </a:schemeClr>
+            </a:lnRef>
+            <a:fillRef idx="1">
+              <a:schemeClr val="accent1"/>
+            </a:fillRef>
+            <a:effectRef idx="0">
+              <a:schemeClr val="accent1"/>
+            </a:effectRef>
+            <a:fontRef idx="minor">
+              <a:schemeClr val="lt1"/>
+            </a:fontRef>
+          </p:style>
+          <p:txBody>
+            <a:bodyPr rtlCol="0" anchor="ctr"/>
+            <a:lstStyle/>
+            <a:p>
+              <a:pPr algn="ctr"/>
+              <a:endParaRPr lang="en-US" b="0" i="0" dirty="0">
+                <a:latin typeface="Gotham Book" panose="02000604040000020004" pitchFamily="2" charset="0"/>
+              </a:endParaRPr>
+            </a:p>
+          </p:txBody>
+        </p:sp>
+        <p:sp>
+          <p:nvSpPr>
+            <p:cNvPr id="25" name="Triangle 24">
+              <a:extLst>
+                <a:ext uri="{FF2B5EF4-FFF2-40B4-BE49-F238E27FC236}">
+                  <a16:creationId xmlns:a16="http://schemas.microsoft.com/office/drawing/2014/main" id="{2AF698A7-C7F2-034F-9596-3CBD50D01DC2}"/>
+                </a:ext>
+              </a:extLst>
+            </p:cNvPr>
+            <p:cNvSpPr/>
+            <p:nvPr userDrawn="1"/>
+          </p:nvSpPr>
+          <p:spPr>
+            <a:xfrm rot="4815961">
+              <a:off x="123472" y="6121582"/>
+              <a:ext cx="750729" cy="689237"/>
+            </a:xfrm>
+            <a:prstGeom prst="triangle">
+              <a:avLst/>
+            </a:prstGeom>
+            <a:gradFill>
+              <a:gsLst>
+                <a:gs pos="0">
+                  <a:srgbClr val="0477C3"/>
+                </a:gs>
+                <a:gs pos="99000">
+                  <a:srgbClr val="26B5F7"/>
+                </a:gs>
+              </a:gsLst>
+              <a:lin ang="10800000" scaled="0"/>
+            </a:gradFill>
+            <a:ln>
+              <a:noFill/>
+            </a:ln>
+          </p:spPr>
+          <p:style>
+            <a:lnRef idx="2">
+              <a:schemeClr val="accent1">
+                <a:shade val="50000"/>
+              </a:schemeClr>
+            </a:lnRef>
+            <a:fillRef idx="1">
+              <a:schemeClr val="accent1"/>
+            </a:fillRef>
+            <a:effectRef idx="0">
+              <a:schemeClr val="accent1"/>
+            </a:effectRef>
+            <a:fontRef idx="minor">
+              <a:schemeClr val="lt1"/>
+            </a:fontRef>
+          </p:style>
+          <p:txBody>
+            <a:bodyPr rtlCol="0" anchor="ctr"/>
+            <a:lstStyle/>
+            <a:p>
+              <a:pPr lvl="0" algn="ctr"/>
+              <a:endParaRPr lang="en-US" b="0" i="0" dirty="0">
+                <a:latin typeface="Gotham Book" panose="02000604040000020004" pitchFamily="2" charset="0"/>
+              </a:endParaRPr>
+            </a:p>
+          </p:txBody>
+        </p:sp>
+      </p:grpSp>
+      <p:sp>
+        <p:nvSpPr>
+          <p:cNvPr id="15" name="Slide Number Placeholder 5">
+            <a:extLst>
+              <a:ext uri="{FF2B5EF4-FFF2-40B4-BE49-F238E27FC236}">
+                <a16:creationId xmlns:a16="http://schemas.microsoft.com/office/drawing/2014/main" id="{7A937FDC-DA78-FF44-ABFA-A117541D5238}"/>
+              </a:ext>
+            </a:extLst>
+          </p:cNvPr>
+          <p:cNvSpPr>
+            <a:spLocks noGrp="1"/>
+          </p:cNvSpPr>
+          <p:nvPr>
+            <p:ph type="sldNum" sz="quarter" idx="4"/>
+          </p:nvPr>
+        </p:nvSpPr>
+        <p:spPr>
+          <a:xfrm>
+            <a:off x="7207627" y="6474009"/>
+            <a:ext cx="2743200" cy="365125"/>
+          </a:xfrm>
+          <a:prstGeom prst="rect">
+            <a:avLst/>
+          </a:prstGeom>
+        </p:spPr>
+        <p:txBody>
+          <a:bodyPr vert="horz" lIns="91440" tIns="45720" rIns="91440" bIns="45720" rtlCol="0" anchor="ctr"/>
+          <a:lstStyle>
+            <a:lvl1pPr algn="r">
+              <a:defRPr sz="1050">
+                <a:solidFill>
+                  <a:schemeClr val="tx1">
+                    <a:tint val="75000"/>
+                  </a:schemeClr>
+                </a:solidFill>
+                <a:latin typeface="Gotham Book" panose="02000604040000020004" pitchFamily="2" charset="0"/>
+              </a:defRPr>
+            </a:lvl1pPr>
+          </a:lstStyle>
+          <a:p>
+            <a:fld id="{039C7415-12ED-1F44-BE03-24001F31E4F6}" type="slidenum">
+              <a:rPr lang="en-US" smtClean="0"/>
+              <a:pPr/>
+              <a:t>‹#›</a:t>
+            </a:fld>
+            <a:endParaRPr lang="en-US" dirty="0"/>
+          </a:p>
+        </p:txBody>
+      </p:sp>
+      <p:pic>
+        <p:nvPicPr>
+          <p:cNvPr id="17" name="Graphic 16">
+            <a:extLst>
+              <a:ext uri="{FF2B5EF4-FFF2-40B4-BE49-F238E27FC236}">
+                <a16:creationId xmlns:a16="http://schemas.microsoft.com/office/drawing/2014/main" id="{C216BA44-201C-984C-B141-0D97E04234C3}"/>
+              </a:ext>
+            </a:extLst>
+          </p:cNvPr>
+          <p:cNvPicPr>
+            <a:picLocks noChangeAspect="1"/>
+          </p:cNvPicPr>
+          <p:nvPr userDrawn="1"/>
+        </p:nvPicPr>
+        <p:blipFill rotWithShape="1">
+          <a:blip r:embed="rId2" cstate="screen">
+            <a:extLst>
+              <a:ext uri="{28A0092B-C50C-407E-A947-70E740481C1C}">
+                <a14:useLocalDpi xmlns:a14="http://schemas.microsoft.com/office/drawing/2010/main"/>
+              </a:ext>
+              <a:ext uri="{96DAC541-7B7A-43D3-8B79-37D633B846F1}">
+                <asvg:svgBlip xmlns:asvg="http://schemas.microsoft.com/office/drawing/2016/SVG/main" r:embed="rId3"/>
+              </a:ext>
+            </a:extLst>
+          </a:blip>
+          <a:srcRect t="42970" b="41818"/>
+          <a:stretch/>
+        </p:blipFill>
+        <p:spPr>
+          <a:xfrm>
+            <a:off x="10162425" y="6511679"/>
+            <a:ext cx="1905000" cy="289784"/>
+          </a:xfrm>
+          <a:prstGeom prst="rect">
+            <a:avLst/>
+          </a:prstGeom>
+        </p:spPr>
+      </p:pic>
+      <p:sp>
+        <p:nvSpPr>
+          <p:cNvPr id="20" name="Rectangle 19">
+            <a:extLst>
+              <a:ext uri="{FF2B5EF4-FFF2-40B4-BE49-F238E27FC236}">
+                <a16:creationId xmlns:a16="http://schemas.microsoft.com/office/drawing/2014/main" id="{A9AB175F-B5E7-7D45-B153-F5410A39C714}"/>
+              </a:ext>
+            </a:extLst>
+          </p:cNvPr>
+          <p:cNvSpPr>
+            <a:spLocks/>
+          </p:cNvSpPr>
+          <p:nvPr userDrawn="1"/>
+        </p:nvSpPr>
+        <p:spPr>
+          <a:xfrm>
+            <a:off x="776446" y="6533946"/>
+            <a:ext cx="3561231" cy="215444"/>
+          </a:xfrm>
+          <a:prstGeom prst="rect">
+            <a:avLst/>
+          </a:prstGeom>
+          <a:noFill/>
+          <a:ln>
+            <a:noFill/>
+          </a:ln>
+        </p:spPr>
+        <p:txBody>
+          <a:bodyPr wrap="none" rIns="0">
+            <a:spAutoFit/>
+          </a:bodyPr>
+          <a:lstStyle/>
+          <a:p>
+            <a:pPr lvl="0" algn="r" defTabSz="1217613" rtl="0" eaLnBrk="1" fontAlgn="base" hangingPunct="1">
+              <a:spcBef>
+                <a:spcPct val="0"/>
+              </a:spcBef>
+              <a:spcAft>
+                <a:spcPct val="0"/>
+              </a:spcAft>
+            </a:pPr>
+            <a:r>
+              <a:rPr lang="en-US" sz="800" b="0" i="0" kern="1200" dirty="0">
+                <a:solidFill>
+                  <a:schemeClr val="tx1">
+                    <a:lumMod val="65000"/>
+                    <a:lumOff val="35000"/>
+                  </a:schemeClr>
+                </a:solidFill>
+                <a:latin typeface="Gotham Book" panose="02000604040000020004" pitchFamily="2" charset="0"/>
+                <a:ea typeface="+mn-ea"/>
+                <a:cs typeface="Arial" panose="020B0604020202020204" pitchFamily="34" charset="0"/>
+              </a:rPr>
+              <a:t>Copyright © 2019 HCL Technologies Limited  |  www.hcltechsw.com</a:t>
+            </a:r>
+          </a:p>
+        </p:txBody>
+      </p:sp>
+    </p:spTree>
+    <p:extLst>
+      <p:ext uri="{BB962C8B-B14F-4D97-AF65-F5344CB8AC3E}">
+        <p14:creationId xmlns:p14="http://schemas.microsoft.com/office/powerpoint/2010/main" val="2945801145"/>
       </p:ext>
     </p:extLst>
   </p:cSld>
@@ -858,7 +1808,7 @@
           <a:p>
             <a:fld id="{4DBE8E04-ED98-45F7-9C60-9B27ABC20268}" type="datetimeFigureOut">
               <a:rPr lang="en-US" smtClean="0"/>
-              <a:t>9/23/2021</a:t>
+              <a:t>1/1/2022</a:t>
             </a:fld>
             <a:endParaRPr lang="en-US"/>
           </a:p>
@@ -1133,7 +2083,7 @@
           <a:p>
             <a:fld id="{4DBE8E04-ED98-45F7-9C60-9B27ABC20268}" type="datetimeFigureOut">
               <a:rPr lang="en-US" smtClean="0"/>
-              <a:t>9/23/2021</a:t>
+              <a:t>1/1/2022</a:t>
             </a:fld>
             <a:endParaRPr lang="en-US"/>
           </a:p>
@@ -1398,7 +2348,7 @@
           <a:p>
             <a:fld id="{4DBE8E04-ED98-45F7-9C60-9B27ABC20268}" type="datetimeFigureOut">
               <a:rPr lang="en-US" smtClean="0"/>
-              <a:t>9/23/2021</a:t>
+              <a:t>1/1/2022</a:t>
             </a:fld>
             <a:endParaRPr lang="en-US"/>
           </a:p>
@@ -1810,7 +2760,7 @@
           <a:p>
             <a:fld id="{4DBE8E04-ED98-45F7-9C60-9B27ABC20268}" type="datetimeFigureOut">
               <a:rPr lang="en-US" smtClean="0"/>
-              <a:t>9/23/2021</a:t>
+              <a:t>1/1/2022</a:t>
             </a:fld>
             <a:endParaRPr lang="en-US"/>
           </a:p>
@@ -1951,7 +2901,7 @@
           <a:p>
             <a:fld id="{4DBE8E04-ED98-45F7-9C60-9B27ABC20268}" type="datetimeFigureOut">
               <a:rPr lang="en-US" smtClean="0"/>
-              <a:t>9/23/2021</a:t>
+              <a:t>1/1/2022</a:t>
             </a:fld>
             <a:endParaRPr lang="en-US"/>
           </a:p>
@@ -2064,7 +3014,7 @@
           <a:p>
             <a:fld id="{4DBE8E04-ED98-45F7-9C60-9B27ABC20268}" type="datetimeFigureOut">
               <a:rPr lang="en-US" smtClean="0"/>
-              <a:t>9/23/2021</a:t>
+              <a:t>1/1/2022</a:t>
             </a:fld>
             <a:endParaRPr lang="en-US"/>
           </a:p>
@@ -2375,7 +3325,7 @@
           <a:p>
             <a:fld id="{4DBE8E04-ED98-45F7-9C60-9B27ABC20268}" type="datetimeFigureOut">
               <a:rPr lang="en-US" smtClean="0"/>
-              <a:t>9/23/2021</a:t>
+              <a:t>1/1/2022</a:t>
             </a:fld>
             <a:endParaRPr lang="en-US"/>
           </a:p>
@@ -2663,7 +3613,7 @@
           <a:p>
             <a:fld id="{4DBE8E04-ED98-45F7-9C60-9B27ABC20268}" type="datetimeFigureOut">
               <a:rPr lang="en-US" smtClean="0"/>
-              <a:t>9/23/2021</a:t>
+              <a:t>1/1/2022</a:t>
             </a:fld>
             <a:endParaRPr lang="en-US"/>
           </a:p>
@@ -2904,7 +3854,7 @@
           <a:p>
             <a:fld id="{4DBE8E04-ED98-45F7-9C60-9B27ABC20268}" type="datetimeFigureOut">
               <a:rPr lang="en-US" smtClean="0"/>
-              <a:t>9/23/2021</a:t>
+              <a:t>1/1/2022</a:t>
             </a:fld>
             <a:endParaRPr lang="en-US"/>
           </a:p>
@@ -3020,6 +3970,7 @@
     <p:sldLayoutId id="2147483657" r:id="rId9"/>
     <p:sldLayoutId id="2147483658" r:id="rId10"/>
     <p:sldLayoutId id="2147483659" r:id="rId11"/>
+    <p:sldLayoutId id="2147483660" r:id="rId12"/>
   </p:sldLayoutIdLst>
   <p:txStyles>
     <p:titleStyle>
@@ -3307,6 +4258,14 @@
 <file path=ppt/slides/slide1.xml><?xml version="1.0" encoding="utf-8"?>
 <p:sld xmlns:a="http://schemas.openxmlformats.org/drawingml/2006/main" xmlns:r="http://schemas.openxmlformats.org/officeDocument/2006/relationships" xmlns:p="http://schemas.openxmlformats.org/presentationml/2006/main">
   <p:cSld>
+    <p:bg>
+      <p:bgPr>
+        <a:solidFill>
+          <a:schemeClr val="bg1"/>
+        </a:solidFill>
+        <a:effectLst/>
+      </p:bgPr>
+    </p:bg>
     <p:spTree>
       <p:nvGrpSpPr>
         <p:cNvPr id="1" name=""/>
@@ -3321,10 +4280,3530 @@
           <a:chExt cx="0" cy="0"/>
         </a:xfrm>
       </p:grpSpPr>
+      <p:sp>
+        <p:nvSpPr>
+          <p:cNvPr id="8" name="Rectangle 7">
+            <a:extLst>
+              <a:ext uri="{FF2B5EF4-FFF2-40B4-BE49-F238E27FC236}">
+                <a16:creationId xmlns:a16="http://schemas.microsoft.com/office/drawing/2014/main" id="{F3060C83-F051-4F0E-ABAD-AA0DFC48B218}"/>
+              </a:ext>
+              <a:ext uri="{C183D7F6-B498-43B3-948B-1728B52AA6E4}">
+                <adec:decorative xmlns:adec="http://schemas.microsoft.com/office/drawing/2017/decorative" val="1"/>
+              </a:ext>
+            </a:extLst>
+          </p:cNvPr>
+          <p:cNvSpPr>
+            <a:spLocks noGrp="1" noRot="1" noChangeAspect="1" noMove="1" noResize="1" noEditPoints="1" noAdjustHandles="1" noChangeArrowheads="1" noChangeShapeType="1" noTextEdit="1"/>
+          </p:cNvSpPr>
+          <p:nvPr>
+            <p:extLst>
+              <p:ext uri="{386F3935-93C4-4BCD-93E2-E3B085C9AB24}">
+                <p16:designElem xmlns:p16="http://schemas.microsoft.com/office/powerpoint/2015/main" val="1"/>
+              </p:ext>
+            </p:extLst>
+          </p:nvPr>
+        </p:nvSpPr>
+        <p:spPr>
+          <a:xfrm>
+            <a:off x="0" y="0"/>
+            <a:ext cx="12192000" cy="6858000"/>
+          </a:xfrm>
+          <a:prstGeom prst="rect">
+            <a:avLst/>
+          </a:prstGeom>
+          <a:solidFill>
+            <a:schemeClr val="bg1"/>
+          </a:solidFill>
+          <a:ln>
+            <a:noFill/>
+          </a:ln>
+        </p:spPr>
+        <p:style>
+          <a:lnRef idx="2">
+            <a:schemeClr val="accent1">
+              <a:shade val="50000"/>
+            </a:schemeClr>
+          </a:lnRef>
+          <a:fillRef idx="1">
+            <a:schemeClr val="accent1"/>
+          </a:fillRef>
+          <a:effectRef idx="0">
+            <a:schemeClr val="accent1"/>
+          </a:effectRef>
+          <a:fontRef idx="minor">
+            <a:schemeClr val="lt1"/>
+          </a:fontRef>
+        </p:style>
+        <p:txBody>
+          <a:bodyPr rtlCol="0" anchor="ctr"/>
+          <a:lstStyle/>
+          <a:p>
+            <a:pPr algn="ctr"/>
+            <a:endParaRPr lang="en-US" dirty="0"/>
+          </a:p>
+        </p:txBody>
+      </p:sp>
+      <p:sp>
+        <p:nvSpPr>
+          <p:cNvPr id="10" name="Freeform: Shape 9">
+            <a:extLst>
+              <a:ext uri="{FF2B5EF4-FFF2-40B4-BE49-F238E27FC236}">
+                <a16:creationId xmlns:a16="http://schemas.microsoft.com/office/drawing/2014/main" id="{83C98ABE-055B-441F-B07E-44F97F083C39}"/>
+              </a:ext>
+              <a:ext uri="{C183D7F6-B498-43B3-948B-1728B52AA6E4}">
+                <adec:decorative xmlns:adec="http://schemas.microsoft.com/office/drawing/2017/decorative" val="1"/>
+              </a:ext>
+            </a:extLst>
+          </p:cNvPr>
+          <p:cNvSpPr>
+            <a:spLocks noGrp="1" noRot="1" noChangeAspect="1" noMove="1" noResize="1" noEditPoints="1" noAdjustHandles="1" noChangeArrowheads="1" noChangeShapeType="1" noTextEdit="1"/>
+          </p:cNvSpPr>
+          <p:nvPr>
+            <p:extLst>
+              <p:ext uri="{386F3935-93C4-4BCD-93E2-E3B085C9AB24}">
+                <p16:designElem xmlns:p16="http://schemas.microsoft.com/office/powerpoint/2015/main" val="1"/>
+              </p:ext>
+            </p:extLst>
+          </p:nvPr>
+        </p:nvSpPr>
+        <p:spPr>
+          <a:xfrm rot="18900000" flipH="1">
+            <a:off x="-376156" y="-253670"/>
+            <a:ext cx="1827638" cy="1376989"/>
+          </a:xfrm>
+          <a:custGeom>
+            <a:avLst/>
+            <a:gdLst>
+              <a:gd name="connsiteX0" fmla="*/ 0 w 1827638"/>
+              <a:gd name="connsiteY0" fmla="*/ 987379 h 1376989"/>
+              <a:gd name="connsiteX1" fmla="*/ 987379 w 1827638"/>
+              <a:gd name="connsiteY1" fmla="*/ 0 h 1376989"/>
+              <a:gd name="connsiteX2" fmla="*/ 1827638 w 1827638"/>
+              <a:gd name="connsiteY2" fmla="*/ 840260 h 1376989"/>
+              <a:gd name="connsiteX3" fmla="*/ 1827638 w 1827638"/>
+              <a:gd name="connsiteY3" fmla="*/ 1376989 h 1376989"/>
+              <a:gd name="connsiteX4" fmla="*/ 0 w 1827638"/>
+              <a:gd name="connsiteY4" fmla="*/ 1376989 h 1376989"/>
+            </a:gdLst>
+            <a:ahLst/>
+            <a:cxnLst>
+              <a:cxn ang="0">
+                <a:pos x="connsiteX0" y="connsiteY0"/>
+              </a:cxn>
+              <a:cxn ang="0">
+                <a:pos x="connsiteX1" y="connsiteY1"/>
+              </a:cxn>
+              <a:cxn ang="0">
+                <a:pos x="connsiteX2" y="connsiteY2"/>
+              </a:cxn>
+              <a:cxn ang="0">
+                <a:pos x="connsiteX3" y="connsiteY3"/>
+              </a:cxn>
+              <a:cxn ang="0">
+                <a:pos x="connsiteX4" y="connsiteY4"/>
+              </a:cxn>
+            </a:cxnLst>
+            <a:rect l="l" t="t" r="r" b="b"/>
+            <a:pathLst>
+              <a:path w="1827638" h="1376989">
+                <a:moveTo>
+                  <a:pt x="0" y="987379"/>
+                </a:moveTo>
+                <a:lnTo>
+                  <a:pt x="987379" y="0"/>
+                </a:lnTo>
+                <a:lnTo>
+                  <a:pt x="1827638" y="840260"/>
+                </a:lnTo>
+                <a:lnTo>
+                  <a:pt x="1827638" y="1376989"/>
+                </a:lnTo>
+                <a:lnTo>
+                  <a:pt x="0" y="1376989"/>
+                </a:lnTo>
+                <a:close/>
+              </a:path>
+            </a:pathLst>
+          </a:custGeom>
+          <a:solidFill>
+            <a:schemeClr val="accent1">
+              <a:alpha val="30000"/>
+            </a:schemeClr>
+          </a:solidFill>
+          <a:ln>
+            <a:noFill/>
+          </a:ln>
+        </p:spPr>
+        <p:style>
+          <a:lnRef idx="2">
+            <a:schemeClr val="accent1">
+              <a:shade val="50000"/>
+            </a:schemeClr>
+          </a:lnRef>
+          <a:fillRef idx="1">
+            <a:schemeClr val="accent1"/>
+          </a:fillRef>
+          <a:effectRef idx="0">
+            <a:schemeClr val="accent1"/>
+          </a:effectRef>
+          <a:fontRef idx="minor">
+            <a:schemeClr val="lt1"/>
+          </a:fontRef>
+        </p:style>
+        <p:txBody>
+          <a:bodyPr rtlCol="0" anchor="ctr"/>
+          <a:lstStyle/>
+          <a:p>
+            <a:pPr algn="ctr"/>
+            <a:endParaRPr lang="en-US" dirty="0"/>
+          </a:p>
+        </p:txBody>
+      </p:sp>
+      <p:sp>
+        <p:nvSpPr>
+          <p:cNvPr id="12" name="Rectangle 11">
+            <a:extLst>
+              <a:ext uri="{FF2B5EF4-FFF2-40B4-BE49-F238E27FC236}">
+                <a16:creationId xmlns:a16="http://schemas.microsoft.com/office/drawing/2014/main" id="{29FDB030-9B49-4CED-8CCD-4D99382388AC}"/>
+              </a:ext>
+              <a:ext uri="{C183D7F6-B498-43B3-948B-1728B52AA6E4}">
+                <adec:decorative xmlns:adec="http://schemas.microsoft.com/office/drawing/2017/decorative" val="1"/>
+              </a:ext>
+            </a:extLst>
+          </p:cNvPr>
+          <p:cNvSpPr>
+            <a:spLocks noGrp="1" noRot="1" noChangeAspect="1" noMove="1" noResize="1" noEditPoints="1" noAdjustHandles="1" noChangeArrowheads="1" noChangeShapeType="1" noTextEdit="1"/>
+          </p:cNvSpPr>
+          <p:nvPr>
+            <p:extLst>
+              <p:ext uri="{386F3935-93C4-4BCD-93E2-E3B085C9AB24}">
+                <p16:designElem xmlns:p16="http://schemas.microsoft.com/office/powerpoint/2015/main" val="1"/>
+              </p:ext>
+            </p:extLst>
+          </p:nvPr>
+        </p:nvSpPr>
+        <p:spPr>
+          <a:xfrm rot="18900000" flipH="1">
+            <a:off x="891641" y="422146"/>
+            <a:ext cx="645368" cy="645368"/>
+          </a:xfrm>
+          <a:prstGeom prst="rect">
+            <a:avLst/>
+          </a:prstGeom>
+          <a:solidFill>
+            <a:schemeClr val="accent1">
+              <a:alpha val="30000"/>
+            </a:schemeClr>
+          </a:solidFill>
+          <a:ln>
+            <a:noFill/>
+          </a:ln>
+        </p:spPr>
+        <p:style>
+          <a:lnRef idx="2">
+            <a:schemeClr val="accent1">
+              <a:shade val="50000"/>
+            </a:schemeClr>
+          </a:lnRef>
+          <a:fillRef idx="1">
+            <a:schemeClr val="accent1"/>
+          </a:fillRef>
+          <a:effectRef idx="0">
+            <a:schemeClr val="accent1"/>
+          </a:effectRef>
+          <a:fontRef idx="minor">
+            <a:schemeClr val="lt1"/>
+          </a:fontRef>
+        </p:style>
+        <p:txBody>
+          <a:bodyPr rtlCol="0" anchor="ctr"/>
+          <a:lstStyle/>
+          <a:p>
+            <a:pPr algn="ctr"/>
+            <a:endParaRPr lang="en-US"/>
+          </a:p>
+        </p:txBody>
+      </p:sp>
+      <p:sp>
+        <p:nvSpPr>
+          <p:cNvPr id="14" name="Rectangle 13">
+            <a:extLst>
+              <a:ext uri="{FF2B5EF4-FFF2-40B4-BE49-F238E27FC236}">
+                <a16:creationId xmlns:a16="http://schemas.microsoft.com/office/drawing/2014/main" id="{3783CA14-24A1-485C-8B30-D6A5D87987AD}"/>
+              </a:ext>
+              <a:ext uri="{C183D7F6-B498-43B3-948B-1728B52AA6E4}">
+                <adec:decorative xmlns:adec="http://schemas.microsoft.com/office/drawing/2017/decorative" val="1"/>
+              </a:ext>
+            </a:extLst>
+          </p:cNvPr>
+          <p:cNvSpPr>
+            <a:spLocks noGrp="1" noRot="1" noChangeAspect="1" noMove="1" noResize="1" noEditPoints="1" noAdjustHandles="1" noChangeArrowheads="1" noChangeShapeType="1" noTextEdit="1"/>
+          </p:cNvSpPr>
+          <p:nvPr>
+            <p:extLst>
+              <p:ext uri="{386F3935-93C4-4BCD-93E2-E3B085C9AB24}">
+                <p16:designElem xmlns:p16="http://schemas.microsoft.com/office/powerpoint/2015/main" val="1"/>
+              </p:ext>
+            </p:extLst>
+          </p:nvPr>
+        </p:nvSpPr>
+        <p:spPr>
+          <a:xfrm rot="18900000" flipH="1">
+            <a:off x="10043482" y="655140"/>
+            <a:ext cx="687472" cy="687472"/>
+          </a:xfrm>
+          <a:prstGeom prst="rect">
+            <a:avLst/>
+          </a:prstGeom>
+          <a:solidFill>
+            <a:schemeClr val="accent4">
+              <a:alpha val="30000"/>
+            </a:schemeClr>
+          </a:solidFill>
+          <a:ln>
+            <a:noFill/>
+          </a:ln>
+        </p:spPr>
+        <p:style>
+          <a:lnRef idx="2">
+            <a:schemeClr val="accent1">
+              <a:shade val="50000"/>
+            </a:schemeClr>
+          </a:lnRef>
+          <a:fillRef idx="1">
+            <a:schemeClr val="accent1"/>
+          </a:fillRef>
+          <a:effectRef idx="0">
+            <a:schemeClr val="accent1"/>
+          </a:effectRef>
+          <a:fontRef idx="minor">
+            <a:schemeClr val="lt1"/>
+          </a:fontRef>
+        </p:style>
+        <p:txBody>
+          <a:bodyPr rtlCol="0" anchor="ctr"/>
+          <a:lstStyle/>
+          <a:p>
+            <a:pPr algn="ctr"/>
+            <a:endParaRPr lang="en-US"/>
+          </a:p>
+        </p:txBody>
+      </p:sp>
+      <p:sp>
+        <p:nvSpPr>
+          <p:cNvPr id="16" name="Freeform: Shape 15">
+            <a:extLst>
+              <a:ext uri="{FF2B5EF4-FFF2-40B4-BE49-F238E27FC236}">
+                <a16:creationId xmlns:a16="http://schemas.microsoft.com/office/drawing/2014/main" id="{9A97C86A-04D6-40F7-AE84-31AB43E6A846}"/>
+              </a:ext>
+              <a:ext uri="{C183D7F6-B498-43B3-948B-1728B52AA6E4}">
+                <adec:decorative xmlns:adec="http://schemas.microsoft.com/office/drawing/2017/decorative" val="1"/>
+              </a:ext>
+            </a:extLst>
+          </p:cNvPr>
+          <p:cNvSpPr>
+            <a:spLocks noGrp="1" noRot="1" noChangeAspect="1" noMove="1" noResize="1" noEditPoints="1" noAdjustHandles="1" noChangeArrowheads="1" noChangeShapeType="1" noTextEdit="1"/>
+          </p:cNvSpPr>
+          <p:nvPr>
+            <p:extLst>
+              <p:ext uri="{386F3935-93C4-4BCD-93E2-E3B085C9AB24}">
+                <p16:designElem xmlns:p16="http://schemas.microsoft.com/office/powerpoint/2015/main" val="1"/>
+              </p:ext>
+            </p:extLst>
+          </p:nvPr>
+        </p:nvSpPr>
+        <p:spPr>
+          <a:xfrm rot="10800000" flipH="1">
+            <a:off x="9356643" y="0"/>
+            <a:ext cx="2835357" cy="1480837"/>
+          </a:xfrm>
+          <a:custGeom>
+            <a:avLst/>
+            <a:gdLst>
+              <a:gd name="connsiteX0" fmla="*/ 2835357 w 2835357"/>
+              <a:gd name="connsiteY0" fmla="*/ 1480837 h 1480837"/>
+              <a:gd name="connsiteX1" fmla="*/ 0 w 2835357"/>
+              <a:gd name="connsiteY1" fmla="*/ 1480837 h 1480837"/>
+              <a:gd name="connsiteX2" fmla="*/ 1552727 w 2835357"/>
+              <a:gd name="connsiteY2" fmla="*/ 0 h 1480837"/>
+              <a:gd name="connsiteX3" fmla="*/ 2835357 w 2835357"/>
+              <a:gd name="connsiteY3" fmla="*/ 1223245 h 1480837"/>
+            </a:gdLst>
+            <a:ahLst/>
+            <a:cxnLst>
+              <a:cxn ang="0">
+                <a:pos x="connsiteX0" y="connsiteY0"/>
+              </a:cxn>
+              <a:cxn ang="0">
+                <a:pos x="connsiteX1" y="connsiteY1"/>
+              </a:cxn>
+              <a:cxn ang="0">
+                <a:pos x="connsiteX2" y="connsiteY2"/>
+              </a:cxn>
+              <a:cxn ang="0">
+                <a:pos x="connsiteX3" y="connsiteY3"/>
+              </a:cxn>
+            </a:cxnLst>
+            <a:rect l="l" t="t" r="r" b="b"/>
+            <a:pathLst>
+              <a:path w="2835357" h="1480837">
+                <a:moveTo>
+                  <a:pt x="2835357" y="1480837"/>
+                </a:moveTo>
+                <a:lnTo>
+                  <a:pt x="0" y="1480837"/>
+                </a:lnTo>
+                <a:lnTo>
+                  <a:pt x="1552727" y="0"/>
+                </a:lnTo>
+                <a:lnTo>
+                  <a:pt x="2835357" y="1223245"/>
+                </a:lnTo>
+                <a:close/>
+              </a:path>
+            </a:pathLst>
+          </a:custGeom>
+          <a:solidFill>
+            <a:schemeClr val="accent4">
+              <a:alpha val="30000"/>
+            </a:schemeClr>
+          </a:solidFill>
+          <a:ln>
+            <a:noFill/>
+          </a:ln>
+        </p:spPr>
+        <p:style>
+          <a:lnRef idx="2">
+            <a:schemeClr val="accent1">
+              <a:shade val="50000"/>
+            </a:schemeClr>
+          </a:lnRef>
+          <a:fillRef idx="1">
+            <a:schemeClr val="accent1"/>
+          </a:fillRef>
+          <a:effectRef idx="0">
+            <a:schemeClr val="accent1"/>
+          </a:effectRef>
+          <a:fontRef idx="minor">
+            <a:schemeClr val="lt1"/>
+          </a:fontRef>
+        </p:style>
+        <p:txBody>
+          <a:bodyPr wrap="square" rtlCol="0" anchor="ctr">
+            <a:noAutofit/>
+          </a:bodyPr>
+          <a:lstStyle/>
+          <a:p>
+            <a:pPr algn="ctr"/>
+            <a:endParaRPr lang="en-US" dirty="0"/>
+          </a:p>
+        </p:txBody>
+      </p:sp>
+      <p:sp>
+        <p:nvSpPr>
+          <p:cNvPr id="18" name="Isosceles Triangle 17">
+            <a:extLst>
+              <a:ext uri="{FF2B5EF4-FFF2-40B4-BE49-F238E27FC236}">
+                <a16:creationId xmlns:a16="http://schemas.microsoft.com/office/drawing/2014/main" id="{FF9F2414-84E8-453E-B1F3-389FDE8192D9}"/>
+              </a:ext>
+              <a:ext uri="{C183D7F6-B498-43B3-948B-1728B52AA6E4}">
+                <adec:decorative xmlns:adec="http://schemas.microsoft.com/office/drawing/2017/decorative" val="1"/>
+              </a:ext>
+            </a:extLst>
+          </p:cNvPr>
+          <p:cNvSpPr>
+            <a:spLocks noGrp="1" noRot="1" noChangeAspect="1" noMove="1" noResize="1" noEditPoints="1" noAdjustHandles="1" noChangeArrowheads="1" noChangeShapeType="1" noTextEdit="1"/>
+          </p:cNvSpPr>
+          <p:nvPr>
+            <p:extLst>
+              <p:ext uri="{386F3935-93C4-4BCD-93E2-E3B085C9AB24}">
+                <p16:designElem xmlns:p16="http://schemas.microsoft.com/office/powerpoint/2015/main" val="1"/>
+              </p:ext>
+            </p:extLst>
+          </p:nvPr>
+        </p:nvSpPr>
+        <p:spPr>
+          <a:xfrm flipH="1">
+            <a:off x="7976344" y="6115501"/>
+            <a:ext cx="1494513" cy="742499"/>
+          </a:xfrm>
+          <a:prstGeom prst="triangle">
+            <a:avLst/>
+          </a:prstGeom>
+          <a:solidFill>
+            <a:schemeClr val="accent1">
+              <a:alpha val="30000"/>
+            </a:schemeClr>
+          </a:solidFill>
+          <a:ln>
+            <a:noFill/>
+          </a:ln>
+        </p:spPr>
+        <p:style>
+          <a:lnRef idx="2">
+            <a:schemeClr val="accent1">
+              <a:shade val="50000"/>
+            </a:schemeClr>
+          </a:lnRef>
+          <a:fillRef idx="1">
+            <a:schemeClr val="accent1"/>
+          </a:fillRef>
+          <a:effectRef idx="0">
+            <a:schemeClr val="accent1"/>
+          </a:effectRef>
+          <a:fontRef idx="minor">
+            <a:schemeClr val="lt1"/>
+          </a:fontRef>
+        </p:style>
+        <p:txBody>
+          <a:bodyPr rtlCol="0" anchor="ctr"/>
+          <a:lstStyle/>
+          <a:p>
+            <a:pPr algn="ctr"/>
+            <a:endParaRPr lang="en-US"/>
+          </a:p>
+        </p:txBody>
+      </p:sp>
+      <p:pic>
+        <p:nvPicPr>
+          <p:cNvPr id="3" name="Picture 2" descr="A picture containing logo&#10;&#10;Description automatically generated">
+            <a:extLst>
+              <a:ext uri="{FF2B5EF4-FFF2-40B4-BE49-F238E27FC236}">
+                <a16:creationId xmlns:a16="http://schemas.microsoft.com/office/drawing/2014/main" id="{7845C92D-9A94-4D86-BFD2-F65358728189}"/>
+              </a:ext>
+            </a:extLst>
+          </p:cNvPr>
+          <p:cNvPicPr>
+            <a:picLocks noChangeAspect="1"/>
+          </p:cNvPicPr>
+          <p:nvPr/>
+        </p:nvPicPr>
+        <p:blipFill>
+          <a:blip r:embed="rId2">
+            <a:extLst>
+              <a:ext uri="{28A0092B-C50C-407E-A947-70E740481C1C}">
+                <a14:useLocalDpi xmlns:a14="http://schemas.microsoft.com/office/drawing/2010/main" val="0"/>
+              </a:ext>
+            </a:extLst>
+          </a:blip>
+          <a:stretch>
+            <a:fillRect/>
+          </a:stretch>
+        </p:blipFill>
+        <p:spPr>
+          <a:xfrm>
+            <a:off x="774048" y="643467"/>
+            <a:ext cx="10643904" cy="5571065"/>
+          </a:xfrm>
+          <a:prstGeom prst="rect">
+            <a:avLst/>
+          </a:prstGeom>
+          <a:ln>
+            <a:noFill/>
+          </a:ln>
+        </p:spPr>
+      </p:pic>
+      <p:sp>
+        <p:nvSpPr>
+          <p:cNvPr id="20" name="Isosceles Triangle 19">
+            <a:extLst>
+              <a:ext uri="{FF2B5EF4-FFF2-40B4-BE49-F238E27FC236}">
+                <a16:creationId xmlns:a16="http://schemas.microsoft.com/office/drawing/2014/main" id="{3ECA69A1-7536-43AC-85EF-C7106179F5ED}"/>
+              </a:ext>
+              <a:ext uri="{C183D7F6-B498-43B3-948B-1728B52AA6E4}">
+                <adec:decorative xmlns:adec="http://schemas.microsoft.com/office/drawing/2017/decorative" val="1"/>
+              </a:ext>
+            </a:extLst>
+          </p:cNvPr>
+          <p:cNvSpPr>
+            <a:spLocks noGrp="1" noRot="1" noChangeAspect="1" noMove="1" noResize="1" noEditPoints="1" noAdjustHandles="1" noChangeArrowheads="1" noChangeShapeType="1" noTextEdit="1"/>
+          </p:cNvSpPr>
+          <p:nvPr>
+            <p:extLst>
+              <p:ext uri="{386F3935-93C4-4BCD-93E2-E3B085C9AB24}">
+                <p16:designElem xmlns:p16="http://schemas.microsoft.com/office/powerpoint/2015/main" val="1"/>
+              </p:ext>
+            </p:extLst>
+          </p:nvPr>
+        </p:nvSpPr>
+        <p:spPr>
+          <a:xfrm flipH="1">
+            <a:off x="7604080" y="6453143"/>
+            <a:ext cx="814903" cy="404857"/>
+          </a:xfrm>
+          <a:prstGeom prst="triangle">
+            <a:avLst/>
+          </a:prstGeom>
+          <a:solidFill>
+            <a:schemeClr val="accent1">
+              <a:alpha val="30000"/>
+            </a:schemeClr>
+          </a:solidFill>
+          <a:ln>
+            <a:noFill/>
+          </a:ln>
+        </p:spPr>
+        <p:style>
+          <a:lnRef idx="2">
+            <a:schemeClr val="accent1">
+              <a:shade val="50000"/>
+            </a:schemeClr>
+          </a:lnRef>
+          <a:fillRef idx="1">
+            <a:schemeClr val="accent1"/>
+          </a:fillRef>
+          <a:effectRef idx="0">
+            <a:schemeClr val="accent1"/>
+          </a:effectRef>
+          <a:fontRef idx="minor">
+            <a:schemeClr val="lt1"/>
+          </a:fontRef>
+        </p:style>
+        <p:txBody>
+          <a:bodyPr rtlCol="0" anchor="ctr"/>
+          <a:lstStyle/>
+          <a:p>
+            <a:pPr algn="ctr"/>
+            <a:endParaRPr lang="en-US"/>
+          </a:p>
+        </p:txBody>
+      </p:sp>
     </p:spTree>
     <p:extLst>
       <p:ext uri="{BB962C8B-B14F-4D97-AF65-F5344CB8AC3E}">
         <p14:creationId xmlns:p14="http://schemas.microsoft.com/office/powerpoint/2010/main" val="95623949"/>
+      </p:ext>
+    </p:extLst>
+  </p:cSld>
+  <p:clrMapOvr>
+    <a:masterClrMapping/>
+  </p:clrMapOvr>
+</p:sld>
+</file>
+
+<file path=ppt/slides/slide2.xml><?xml version="1.0" encoding="utf-8"?>
+<p:sld xmlns:a="http://schemas.openxmlformats.org/drawingml/2006/main" xmlns:r="http://schemas.openxmlformats.org/officeDocument/2006/relationships" xmlns:p="http://schemas.openxmlformats.org/presentationml/2006/main">
+  <p:cSld>
+    <p:spTree>
+      <p:nvGrpSpPr>
+        <p:cNvPr id="1" name=""/>
+        <p:cNvGrpSpPr/>
+        <p:nvPr/>
+      </p:nvGrpSpPr>
+      <p:grpSpPr>
+        <a:xfrm>
+          <a:off x="0" y="0"/>
+          <a:ext cx="0" cy="0"/>
+          <a:chOff x="0" y="0"/>
+          <a:chExt cx="0" cy="0"/>
+        </a:xfrm>
+      </p:grpSpPr>
+      <p:sp>
+        <p:nvSpPr>
+          <p:cNvPr id="2" name="Title 1">
+            <a:extLst>
+              <a:ext uri="{FF2B5EF4-FFF2-40B4-BE49-F238E27FC236}">
+                <a16:creationId xmlns:a16="http://schemas.microsoft.com/office/drawing/2014/main" id="{6A30319B-157B-8746-A5F5-2FCB994BD888}"/>
+              </a:ext>
+            </a:extLst>
+          </p:cNvPr>
+          <p:cNvSpPr>
+            <a:spLocks noGrp="1"/>
+          </p:cNvSpPr>
+          <p:nvPr>
+            <p:ph type="title"/>
+          </p:nvPr>
+        </p:nvSpPr>
+        <p:spPr>
+          <a:xfrm>
+            <a:off x="127174" y="36427"/>
+            <a:ext cx="1406658" cy="626468"/>
+          </a:xfrm>
+        </p:spPr>
+        <p:txBody>
+          <a:bodyPr>
+            <a:normAutofit/>
+          </a:bodyPr>
+          <a:lstStyle/>
+          <a:p>
+            <a:r>
+              <a:rPr lang="en-US" dirty="0"/>
+              <a:t>Agenda</a:t>
+            </a:r>
+          </a:p>
+        </p:txBody>
+      </p:sp>
+      <p:sp>
+        <p:nvSpPr>
+          <p:cNvPr id="69" name="TextBox 68">
+            <a:extLst>
+              <a:ext uri="{FF2B5EF4-FFF2-40B4-BE49-F238E27FC236}">
+                <a16:creationId xmlns:a16="http://schemas.microsoft.com/office/drawing/2014/main" id="{34643A11-B9D5-43D5-9E65-3242360488F8}"/>
+              </a:ext>
+            </a:extLst>
+          </p:cNvPr>
+          <p:cNvSpPr txBox="1"/>
+          <p:nvPr/>
+        </p:nvSpPr>
+        <p:spPr>
+          <a:xfrm>
+            <a:off x="1533832" y="1049350"/>
+            <a:ext cx="9532374" cy="2057615"/>
+          </a:xfrm>
+          <a:prstGeom prst="rect">
+            <a:avLst/>
+          </a:prstGeom>
+          <a:noFill/>
+        </p:spPr>
+        <p:txBody>
+          <a:bodyPr wrap="square">
+            <a:spAutoFit/>
+          </a:bodyPr>
+          <a:lstStyle/>
+          <a:p>
+            <a:pPr>
+              <a:lnSpc>
+                <a:spcPts val="2160"/>
+              </a:lnSpc>
+            </a:pPr>
+            <a:endParaRPr lang="en-US" dirty="0">
+              <a:solidFill>
+                <a:srgbClr val="565656"/>
+              </a:solidFill>
+              <a:latin typeface="metropolislight"/>
+            </a:endParaRPr>
+          </a:p>
+          <a:p>
+            <a:pPr marL="457200" indent="-457200">
+              <a:lnSpc>
+                <a:spcPts val="2160"/>
+              </a:lnSpc>
+              <a:buFont typeface="+mj-lt"/>
+              <a:buAutoNum type="arabicPeriod"/>
+            </a:pPr>
+            <a:r>
+              <a:rPr lang="en-US" dirty="0">
+                <a:solidFill>
+                  <a:srgbClr val="565656"/>
+                </a:solidFill>
+                <a:latin typeface="metropolislight"/>
+              </a:rPr>
+              <a:t>Introduction</a:t>
+            </a:r>
+          </a:p>
+          <a:p>
+            <a:pPr marL="457200" indent="-457200">
+              <a:lnSpc>
+                <a:spcPts val="2160"/>
+              </a:lnSpc>
+              <a:buFont typeface="+mj-lt"/>
+              <a:buAutoNum type="arabicPeriod"/>
+            </a:pPr>
+            <a:r>
+              <a:rPr lang="en-US" dirty="0">
+                <a:solidFill>
+                  <a:srgbClr val="565656"/>
+                </a:solidFill>
+                <a:latin typeface="metropolislight"/>
+              </a:rPr>
+              <a:t>Docker Architecture</a:t>
+            </a:r>
+          </a:p>
+          <a:p>
+            <a:pPr marL="457200" indent="-457200">
+              <a:lnSpc>
+                <a:spcPts val="2160"/>
+              </a:lnSpc>
+              <a:buFont typeface="+mj-lt"/>
+              <a:buAutoNum type="arabicPeriod"/>
+            </a:pPr>
+            <a:r>
+              <a:rPr lang="en-US" dirty="0">
+                <a:solidFill>
+                  <a:srgbClr val="565656"/>
+                </a:solidFill>
+                <a:latin typeface="metropolislight"/>
+              </a:rPr>
+              <a:t>Docker Containers</a:t>
+            </a:r>
+          </a:p>
+          <a:p>
+            <a:pPr marL="457200" indent="-457200">
+              <a:lnSpc>
+                <a:spcPts val="2160"/>
+              </a:lnSpc>
+              <a:buFont typeface="+mj-lt"/>
+              <a:buAutoNum type="arabicPeriod"/>
+            </a:pPr>
+            <a:r>
+              <a:rPr lang="en-US" dirty="0">
+                <a:solidFill>
+                  <a:srgbClr val="565656"/>
+                </a:solidFill>
+                <a:latin typeface="metropolislight"/>
+              </a:rPr>
+              <a:t>Docker Images</a:t>
+            </a:r>
+          </a:p>
+          <a:p>
+            <a:pPr marL="457200" indent="-457200">
+              <a:lnSpc>
+                <a:spcPts val="2160"/>
+              </a:lnSpc>
+              <a:buFont typeface="+mj-lt"/>
+              <a:buAutoNum type="arabicPeriod"/>
+            </a:pPr>
+            <a:r>
+              <a:rPr lang="en-US" dirty="0">
+                <a:solidFill>
+                  <a:srgbClr val="565656"/>
+                </a:solidFill>
+                <a:latin typeface="metropolislight"/>
+              </a:rPr>
+              <a:t>Docker Volumes </a:t>
+            </a:r>
+          </a:p>
+          <a:p>
+            <a:pPr marL="457200" indent="-457200">
+              <a:lnSpc>
+                <a:spcPts val="2160"/>
+              </a:lnSpc>
+              <a:buFont typeface="+mj-lt"/>
+              <a:buAutoNum type="arabicPeriod"/>
+            </a:pPr>
+            <a:r>
+              <a:rPr lang="en-US" dirty="0">
+                <a:solidFill>
+                  <a:srgbClr val="565656"/>
+                </a:solidFill>
+                <a:latin typeface="metropolislight"/>
+              </a:rPr>
+              <a:t>Docker Compose</a:t>
+            </a:r>
+          </a:p>
+        </p:txBody>
+      </p:sp>
+    </p:spTree>
+    <p:extLst>
+      <p:ext uri="{BB962C8B-B14F-4D97-AF65-F5344CB8AC3E}">
+        <p14:creationId xmlns:p14="http://schemas.microsoft.com/office/powerpoint/2010/main" val="2586461961"/>
+      </p:ext>
+    </p:extLst>
+  </p:cSld>
+  <p:clrMapOvr>
+    <a:masterClrMapping/>
+  </p:clrMapOvr>
+</p:sld>
+</file>
+
+<file path=ppt/slides/slide3.xml><?xml version="1.0" encoding="utf-8"?>
+<p:sld xmlns:a="http://schemas.openxmlformats.org/drawingml/2006/main" xmlns:r="http://schemas.openxmlformats.org/officeDocument/2006/relationships" xmlns:p="http://schemas.openxmlformats.org/presentationml/2006/main">
+  <p:cSld>
+    <p:spTree>
+      <p:nvGrpSpPr>
+        <p:cNvPr id="1" name=""/>
+        <p:cNvGrpSpPr/>
+        <p:nvPr/>
+      </p:nvGrpSpPr>
+      <p:grpSpPr>
+        <a:xfrm>
+          <a:off x="0" y="0"/>
+          <a:ext cx="0" cy="0"/>
+          <a:chOff x="0" y="0"/>
+          <a:chExt cx="0" cy="0"/>
+        </a:xfrm>
+      </p:grpSpPr>
+      <p:sp>
+        <p:nvSpPr>
+          <p:cNvPr id="2" name="Title 1">
+            <a:extLst>
+              <a:ext uri="{FF2B5EF4-FFF2-40B4-BE49-F238E27FC236}">
+                <a16:creationId xmlns:a16="http://schemas.microsoft.com/office/drawing/2014/main" id="{6722B905-44A5-4BD9-942B-905146822424}"/>
+              </a:ext>
+            </a:extLst>
+          </p:cNvPr>
+          <p:cNvSpPr>
+            <a:spLocks noGrp="1"/>
+          </p:cNvSpPr>
+          <p:nvPr>
+            <p:ph type="title"/>
+          </p:nvPr>
+        </p:nvSpPr>
+        <p:spPr>
+          <a:xfrm>
+            <a:off x="107077" y="197200"/>
+            <a:ext cx="1490611" cy="626468"/>
+          </a:xfrm>
+        </p:spPr>
+        <p:txBody>
+          <a:bodyPr>
+            <a:normAutofit fontScale="90000"/>
+          </a:bodyPr>
+          <a:lstStyle/>
+          <a:p>
+            <a:r>
+              <a:rPr lang="en-US" sz="3100" dirty="0"/>
+              <a:t>Docker</a:t>
+            </a:r>
+            <a:br>
+              <a:rPr lang="en-US" dirty="0">
+                <a:solidFill>
+                  <a:srgbClr val="565656"/>
+                </a:solidFill>
+                <a:latin typeface="metropolislight"/>
+              </a:rPr>
+            </a:br>
+            <a:endParaRPr lang="en-US" dirty="0"/>
+          </a:p>
+        </p:txBody>
+      </p:sp>
+      <p:sp>
+        <p:nvSpPr>
+          <p:cNvPr id="3" name="TextBox 2">
+            <a:extLst>
+              <a:ext uri="{FF2B5EF4-FFF2-40B4-BE49-F238E27FC236}">
+                <a16:creationId xmlns:a16="http://schemas.microsoft.com/office/drawing/2014/main" id="{C6937109-A8D2-4993-9778-9522C2D134C1}"/>
+              </a:ext>
+            </a:extLst>
+          </p:cNvPr>
+          <p:cNvSpPr txBox="1"/>
+          <p:nvPr/>
+        </p:nvSpPr>
+        <p:spPr>
+          <a:xfrm>
+            <a:off x="1416817" y="1155560"/>
+            <a:ext cx="10038304" cy="2031325"/>
+          </a:xfrm>
+          <a:prstGeom prst="rect">
+            <a:avLst/>
+          </a:prstGeom>
+          <a:noFill/>
+        </p:spPr>
+        <p:txBody>
+          <a:bodyPr wrap="square" rtlCol="0">
+            <a:spAutoFit/>
+          </a:bodyPr>
+          <a:lstStyle/>
+          <a:p>
+            <a:pPr marL="285750" indent="-285750">
+              <a:buFont typeface="Arial" panose="020B0604020202020204" pitchFamily="34" charset="0"/>
+              <a:buChar char="•"/>
+            </a:pPr>
+            <a:r>
+              <a:rPr lang="en-US" dirty="0">
+                <a:solidFill>
+                  <a:srgbClr val="565656"/>
+                </a:solidFill>
+                <a:latin typeface="metropolislight"/>
+              </a:rPr>
+              <a:t>Docker is an open platform for developing, shipping, and running applications.</a:t>
+            </a:r>
+          </a:p>
+          <a:p>
+            <a:pPr marL="285750" indent="-285750">
+              <a:buFont typeface="Arial" panose="020B0604020202020204" pitchFamily="34" charset="0"/>
+              <a:buChar char="•"/>
+            </a:pPr>
+            <a:r>
+              <a:rPr lang="en-US" dirty="0">
+                <a:solidFill>
+                  <a:srgbClr val="565656"/>
+                </a:solidFill>
+                <a:latin typeface="metropolislight"/>
+              </a:rPr>
+              <a:t>It allows you to build, test, and deploy applications quickly, packaging software into standardized units called containers.</a:t>
+            </a:r>
+          </a:p>
+          <a:p>
+            <a:pPr marL="285750" indent="-285750">
+              <a:buFont typeface="Arial" panose="020B0604020202020204" pitchFamily="34" charset="0"/>
+              <a:buChar char="•"/>
+            </a:pPr>
+            <a:r>
+              <a:rPr lang="en-US" dirty="0">
+                <a:solidFill>
+                  <a:srgbClr val="565656"/>
+                </a:solidFill>
+                <a:latin typeface="metropolislight"/>
+              </a:rPr>
+              <a:t>Docker enables you to separate your applications from your infrastructure so you can deliver software quickly.</a:t>
+            </a:r>
+          </a:p>
+          <a:p>
+            <a:pPr marL="285750" indent="-285750">
+              <a:buFont typeface="Arial" panose="020B0604020202020204" pitchFamily="34" charset="0"/>
+              <a:buChar char="•"/>
+            </a:pPr>
+            <a:r>
+              <a:rPr lang="en-US" dirty="0">
+                <a:solidFill>
+                  <a:srgbClr val="565656"/>
+                </a:solidFill>
+                <a:latin typeface="metropolislight"/>
+              </a:rPr>
+              <a:t>The whole idea of Docker is for developers to easily develop applications, ship them into containers which can then be deployed anywhere.</a:t>
+            </a:r>
+          </a:p>
+        </p:txBody>
+      </p:sp>
+    </p:spTree>
+    <p:extLst>
+      <p:ext uri="{BB962C8B-B14F-4D97-AF65-F5344CB8AC3E}">
+        <p14:creationId xmlns:p14="http://schemas.microsoft.com/office/powerpoint/2010/main" val="2426707211"/>
+      </p:ext>
+    </p:extLst>
+  </p:cSld>
+  <p:clrMapOvr>
+    <a:masterClrMapping/>
+  </p:clrMapOvr>
+</p:sld>
+</file>
+
+<file path=ppt/slides/slide4.xml><?xml version="1.0" encoding="utf-8"?>
+<p:sld xmlns:a="http://schemas.openxmlformats.org/drawingml/2006/main" xmlns:r="http://schemas.openxmlformats.org/officeDocument/2006/relationships" xmlns:p="http://schemas.openxmlformats.org/presentationml/2006/main">
+  <p:cSld>
+    <p:spTree>
+      <p:nvGrpSpPr>
+        <p:cNvPr id="1" name=""/>
+        <p:cNvGrpSpPr/>
+        <p:nvPr/>
+      </p:nvGrpSpPr>
+      <p:grpSpPr>
+        <a:xfrm>
+          <a:off x="0" y="0"/>
+          <a:ext cx="0" cy="0"/>
+          <a:chOff x="0" y="0"/>
+          <a:chExt cx="0" cy="0"/>
+        </a:xfrm>
+      </p:grpSpPr>
+      <p:sp>
+        <p:nvSpPr>
+          <p:cNvPr id="2" name="Title 1">
+            <a:extLst>
+              <a:ext uri="{FF2B5EF4-FFF2-40B4-BE49-F238E27FC236}">
+                <a16:creationId xmlns:a16="http://schemas.microsoft.com/office/drawing/2014/main" id="{6C65B055-F16B-41F3-A679-2BC43FEADE8B}"/>
+              </a:ext>
+            </a:extLst>
+          </p:cNvPr>
+          <p:cNvSpPr>
+            <a:spLocks noGrp="1"/>
+          </p:cNvSpPr>
+          <p:nvPr>
+            <p:ph type="title"/>
+          </p:nvPr>
+        </p:nvSpPr>
+        <p:spPr>
+          <a:xfrm>
+            <a:off x="127175" y="36427"/>
+            <a:ext cx="2013124" cy="626468"/>
+          </a:xfrm>
+        </p:spPr>
+        <p:txBody>
+          <a:bodyPr/>
+          <a:lstStyle/>
+          <a:p>
+            <a:r>
+              <a:rPr lang="en-US" dirty="0">
+                <a:solidFill>
+                  <a:srgbClr val="565656"/>
+                </a:solidFill>
+                <a:latin typeface="metropolislight"/>
+              </a:rPr>
+              <a:t>Architecture</a:t>
+            </a:r>
+            <a:endParaRPr lang="en-US" dirty="0"/>
+          </a:p>
+        </p:txBody>
+      </p:sp>
+      <p:pic>
+        <p:nvPicPr>
+          <p:cNvPr id="4" name="Picture 3" descr="Diagram&#10;&#10;Description automatically generated">
+            <a:extLst>
+              <a:ext uri="{FF2B5EF4-FFF2-40B4-BE49-F238E27FC236}">
+                <a16:creationId xmlns:a16="http://schemas.microsoft.com/office/drawing/2014/main" id="{BABD763E-31D0-4C9A-AE2C-73828D9B39DC}"/>
+              </a:ext>
+            </a:extLst>
+          </p:cNvPr>
+          <p:cNvPicPr>
+            <a:picLocks noChangeAspect="1"/>
+          </p:cNvPicPr>
+          <p:nvPr/>
+        </p:nvPicPr>
+        <p:blipFill>
+          <a:blip r:embed="rId2">
+            <a:extLst>
+              <a:ext uri="{28A0092B-C50C-407E-A947-70E740481C1C}">
+                <a14:useLocalDpi xmlns:a14="http://schemas.microsoft.com/office/drawing/2010/main" val="0"/>
+              </a:ext>
+            </a:extLst>
+          </a:blip>
+          <a:stretch>
+            <a:fillRect/>
+          </a:stretch>
+        </p:blipFill>
+        <p:spPr>
+          <a:xfrm>
+            <a:off x="1622672" y="1116129"/>
+            <a:ext cx="8946655" cy="4625741"/>
+          </a:xfrm>
+          <a:prstGeom prst="rect">
+            <a:avLst/>
+          </a:prstGeom>
+        </p:spPr>
+      </p:pic>
+    </p:spTree>
+    <p:extLst>
+      <p:ext uri="{BB962C8B-B14F-4D97-AF65-F5344CB8AC3E}">
+        <p14:creationId xmlns:p14="http://schemas.microsoft.com/office/powerpoint/2010/main" val="817460771"/>
+      </p:ext>
+    </p:extLst>
+  </p:cSld>
+  <p:clrMapOvr>
+    <a:masterClrMapping/>
+  </p:clrMapOvr>
+</p:sld>
+</file>
+
+<file path=ppt/slides/slide5.xml><?xml version="1.0" encoding="utf-8"?>
+<p:sld xmlns:a="http://schemas.openxmlformats.org/drawingml/2006/main" xmlns:r="http://schemas.openxmlformats.org/officeDocument/2006/relationships" xmlns:p="http://schemas.openxmlformats.org/presentationml/2006/main">
+  <p:cSld>
+    <p:spTree>
+      <p:nvGrpSpPr>
+        <p:cNvPr id="1" name=""/>
+        <p:cNvGrpSpPr/>
+        <p:nvPr/>
+      </p:nvGrpSpPr>
+      <p:grpSpPr>
+        <a:xfrm>
+          <a:off x="0" y="0"/>
+          <a:ext cx="0" cy="0"/>
+          <a:chOff x="0" y="0"/>
+          <a:chExt cx="0" cy="0"/>
+        </a:xfrm>
+      </p:grpSpPr>
+      <p:sp>
+        <p:nvSpPr>
+          <p:cNvPr id="2" name="Title 1">
+            <a:extLst>
+              <a:ext uri="{FF2B5EF4-FFF2-40B4-BE49-F238E27FC236}">
+                <a16:creationId xmlns:a16="http://schemas.microsoft.com/office/drawing/2014/main" id="{70AEC1B2-2649-4A50-8436-C7CA42810F73}"/>
+              </a:ext>
+            </a:extLst>
+          </p:cNvPr>
+          <p:cNvSpPr>
+            <a:spLocks noGrp="1"/>
+          </p:cNvSpPr>
+          <p:nvPr>
+            <p:ph type="title"/>
+          </p:nvPr>
+        </p:nvSpPr>
+        <p:spPr>
+          <a:xfrm>
+            <a:off x="127175" y="36427"/>
+            <a:ext cx="1741818" cy="626468"/>
+          </a:xfrm>
+        </p:spPr>
+        <p:txBody>
+          <a:bodyPr/>
+          <a:lstStyle/>
+          <a:p>
+            <a:r>
+              <a:rPr lang="en-US" dirty="0">
+                <a:solidFill>
+                  <a:srgbClr val="565656"/>
+                </a:solidFill>
+                <a:latin typeface="metropolislight"/>
+              </a:rPr>
+              <a:t>Containers</a:t>
+            </a:r>
+            <a:endParaRPr lang="en-US" dirty="0"/>
+          </a:p>
+        </p:txBody>
+      </p:sp>
+      <p:sp>
+        <p:nvSpPr>
+          <p:cNvPr id="4" name="TextBox 3">
+            <a:extLst>
+              <a:ext uri="{FF2B5EF4-FFF2-40B4-BE49-F238E27FC236}">
+                <a16:creationId xmlns:a16="http://schemas.microsoft.com/office/drawing/2014/main" id="{7125B27D-82C4-4D88-89EA-E082B2F388F0}"/>
+              </a:ext>
+            </a:extLst>
+          </p:cNvPr>
+          <p:cNvSpPr txBox="1"/>
+          <p:nvPr/>
+        </p:nvSpPr>
+        <p:spPr>
+          <a:xfrm>
+            <a:off x="1055077" y="994787"/>
+            <a:ext cx="10540721" cy="4994031"/>
+          </a:xfrm>
+          <a:prstGeom prst="rect">
+            <a:avLst/>
+          </a:prstGeom>
+          <a:noFill/>
+        </p:spPr>
+        <p:txBody>
+          <a:bodyPr wrap="square" rtlCol="0">
+            <a:spAutoFit/>
+          </a:bodyPr>
+          <a:lstStyle/>
+          <a:p>
+            <a:endParaRPr lang="en-US" dirty="0"/>
+          </a:p>
+        </p:txBody>
+      </p:sp>
+      <p:sp>
+        <p:nvSpPr>
+          <p:cNvPr id="5" name="TextBox 4">
+            <a:extLst>
+              <a:ext uri="{FF2B5EF4-FFF2-40B4-BE49-F238E27FC236}">
+                <a16:creationId xmlns:a16="http://schemas.microsoft.com/office/drawing/2014/main" id="{2648632D-6A8E-4D8E-B10D-0B53943BE012}"/>
+              </a:ext>
+            </a:extLst>
+          </p:cNvPr>
+          <p:cNvSpPr txBox="1"/>
+          <p:nvPr/>
+        </p:nvSpPr>
+        <p:spPr>
+          <a:xfrm>
+            <a:off x="1379973" y="1095271"/>
+            <a:ext cx="9890927" cy="1754326"/>
+          </a:xfrm>
+          <a:prstGeom prst="rect">
+            <a:avLst/>
+          </a:prstGeom>
+          <a:noFill/>
+        </p:spPr>
+        <p:txBody>
+          <a:bodyPr wrap="square" rtlCol="0">
+            <a:spAutoFit/>
+          </a:bodyPr>
+          <a:lstStyle/>
+          <a:p>
+            <a:pPr marL="285750" indent="-285750">
+              <a:buFont typeface="Arial" panose="020B0604020202020204" pitchFamily="34" charset="0"/>
+              <a:buChar char="•"/>
+            </a:pPr>
+            <a:r>
+              <a:rPr lang="en-US" dirty="0">
+                <a:solidFill>
+                  <a:srgbClr val="565656"/>
+                </a:solidFill>
+                <a:latin typeface="metropolislight"/>
+              </a:rPr>
+              <a:t>Docker containers include the application and all of its dependencies.</a:t>
+            </a:r>
+          </a:p>
+          <a:p>
+            <a:pPr marL="285750" indent="-285750">
+              <a:buFont typeface="Arial" panose="020B0604020202020204" pitchFamily="34" charset="0"/>
+              <a:buChar char="•"/>
+            </a:pPr>
+            <a:r>
+              <a:rPr lang="en-US" dirty="0">
+                <a:solidFill>
+                  <a:srgbClr val="565656"/>
+                </a:solidFill>
+                <a:latin typeface="metropolislight"/>
+              </a:rPr>
+              <a:t>It shares the kernel with other containers, running as isolated processes in user space on the host operating system.</a:t>
+            </a:r>
+          </a:p>
+          <a:p>
+            <a:pPr marL="285750" indent="-285750">
+              <a:buFont typeface="Arial" panose="020B0604020202020204" pitchFamily="34" charset="0"/>
+              <a:buChar char="•"/>
+            </a:pPr>
+            <a:r>
+              <a:rPr lang="en-US" dirty="0">
+                <a:solidFill>
+                  <a:srgbClr val="565656"/>
+                </a:solidFill>
+                <a:latin typeface="metropolislight"/>
+              </a:rPr>
+              <a:t>Docker containers are not tied to any specific infrastructure: they run on any computer, on any infrastructure, and in any cloud. </a:t>
+            </a:r>
+          </a:p>
+          <a:p>
+            <a:pPr marL="285750" indent="-285750">
+              <a:buFont typeface="Arial" panose="020B0604020202020204" pitchFamily="34" charset="0"/>
+              <a:buChar char="•"/>
+            </a:pPr>
+            <a:r>
+              <a:rPr lang="en-US" dirty="0">
+                <a:solidFill>
+                  <a:srgbClr val="565656"/>
+                </a:solidFill>
+                <a:latin typeface="metropolislight"/>
+              </a:rPr>
+              <a:t>Docker containers are basically runtime instances of Docker images.</a:t>
+            </a:r>
+          </a:p>
+        </p:txBody>
+      </p:sp>
+      <p:sp>
+        <p:nvSpPr>
+          <p:cNvPr id="6" name="TextBox 5">
+            <a:extLst>
+              <a:ext uri="{FF2B5EF4-FFF2-40B4-BE49-F238E27FC236}">
+                <a16:creationId xmlns:a16="http://schemas.microsoft.com/office/drawing/2014/main" id="{66BBEF98-0FB2-4B15-9D13-CEDBA4781A2A}"/>
+              </a:ext>
+            </a:extLst>
+          </p:cNvPr>
+          <p:cNvSpPr txBox="1"/>
+          <p:nvPr/>
+        </p:nvSpPr>
+        <p:spPr>
+          <a:xfrm>
+            <a:off x="1515346" y="3099315"/>
+            <a:ext cx="9849339" cy="3221395"/>
+          </a:xfrm>
+          <a:prstGeom prst="rect">
+            <a:avLst/>
+          </a:prstGeom>
+          <a:solidFill>
+            <a:schemeClr val="bg1">
+              <a:lumMod val="95000"/>
+            </a:schemeClr>
+          </a:solidFill>
+        </p:spPr>
+        <p:txBody>
+          <a:bodyPr wrap="square" rtlCol="0" anchor="t">
+            <a:spAutoFit/>
+          </a:bodyPr>
+          <a:lstStyle/>
+          <a:p>
+            <a:pPr marR="0" lvl="0" defTabSz="914400" eaLnBrk="1" fontAlgn="auto" latinLnBrk="0" hangingPunct="1">
+              <a:lnSpc>
+                <a:spcPts val="1920"/>
+              </a:lnSpc>
+              <a:spcBef>
+                <a:spcPts val="600"/>
+              </a:spcBef>
+              <a:spcAft>
+                <a:spcPts val="0"/>
+              </a:spcAft>
+              <a:buClrTx/>
+              <a:buSzTx/>
+              <a:tabLst/>
+              <a:defRPr/>
+            </a:pPr>
+            <a:r>
+              <a:rPr lang="en-US" sz="1600" kern="0" dirty="0">
+                <a:solidFill>
+                  <a:srgbClr val="565656"/>
+                </a:solidFill>
+                <a:latin typeface="metropolislight"/>
+                <a:cs typeface="Arial"/>
+              </a:rPr>
+              <a:t>$ docker container ls		// List containers</a:t>
+            </a:r>
+          </a:p>
+          <a:p>
+            <a:pPr marR="0" lvl="0" defTabSz="914400" eaLnBrk="1" fontAlgn="auto" latinLnBrk="0" hangingPunct="1">
+              <a:lnSpc>
+                <a:spcPts val="1920"/>
+              </a:lnSpc>
+              <a:spcBef>
+                <a:spcPts val="600"/>
+              </a:spcBef>
+              <a:spcAft>
+                <a:spcPts val="0"/>
+              </a:spcAft>
+              <a:buClrTx/>
+              <a:buSzTx/>
+              <a:tabLst/>
+              <a:defRPr/>
+            </a:pPr>
+            <a:r>
+              <a:rPr lang="en-US" sz="1600" kern="0" dirty="0">
+                <a:solidFill>
+                  <a:srgbClr val="565656"/>
+                </a:solidFill>
+                <a:latin typeface="metropolislight"/>
+                <a:cs typeface="Arial"/>
+              </a:rPr>
+              <a:t>$ docker run hello-world               // Run a container</a:t>
+            </a:r>
+          </a:p>
+          <a:p>
+            <a:pPr>
+              <a:lnSpc>
+                <a:spcPts val="1920"/>
+              </a:lnSpc>
+              <a:spcBef>
+                <a:spcPts val="600"/>
+              </a:spcBef>
+              <a:defRPr/>
+            </a:pPr>
+            <a:r>
+              <a:rPr lang="en-US" sz="1600" kern="0" dirty="0">
+                <a:solidFill>
+                  <a:srgbClr val="565656"/>
+                </a:solidFill>
+                <a:latin typeface="metropolislight"/>
+                <a:cs typeface="Arial"/>
+              </a:rPr>
+              <a:t>$ docker container exec	// Run a command in a running container</a:t>
+            </a:r>
+          </a:p>
+          <a:p>
+            <a:pPr marR="0" lvl="0" defTabSz="914400" eaLnBrk="1" fontAlgn="auto" latinLnBrk="0" hangingPunct="1">
+              <a:lnSpc>
+                <a:spcPts val="1920"/>
+              </a:lnSpc>
+              <a:spcBef>
+                <a:spcPts val="600"/>
+              </a:spcBef>
+              <a:spcAft>
+                <a:spcPts val="0"/>
+              </a:spcAft>
+              <a:buClrTx/>
+              <a:buSzTx/>
+              <a:tabLst/>
+              <a:defRPr/>
+            </a:pPr>
+            <a:r>
+              <a:rPr lang="en-US" sz="1600" kern="0" dirty="0">
+                <a:solidFill>
+                  <a:srgbClr val="565656"/>
+                </a:solidFill>
+                <a:latin typeface="metropolislight"/>
+                <a:cs typeface="Arial"/>
+              </a:rPr>
+              <a:t>$ docker </a:t>
+            </a:r>
+            <a:r>
+              <a:rPr lang="en-US" sz="1600" kern="0" dirty="0" err="1">
+                <a:solidFill>
+                  <a:srgbClr val="565656"/>
+                </a:solidFill>
+                <a:latin typeface="metropolislight"/>
+                <a:cs typeface="Arial"/>
+              </a:rPr>
+              <a:t>ps</a:t>
+            </a:r>
+            <a:r>
+              <a:rPr lang="en-US" sz="1600" kern="0" dirty="0">
+                <a:solidFill>
+                  <a:srgbClr val="565656"/>
+                </a:solidFill>
+                <a:latin typeface="metropolislight"/>
+                <a:cs typeface="Arial"/>
+              </a:rPr>
+              <a:t>	                    // Shows running containers</a:t>
+            </a:r>
+          </a:p>
+          <a:p>
+            <a:pPr marR="0" lvl="0" defTabSz="914400" eaLnBrk="1" fontAlgn="auto" latinLnBrk="0" hangingPunct="1">
+              <a:lnSpc>
+                <a:spcPts val="1920"/>
+              </a:lnSpc>
+              <a:spcBef>
+                <a:spcPts val="600"/>
+              </a:spcBef>
+              <a:spcAft>
+                <a:spcPts val="0"/>
+              </a:spcAft>
+              <a:buClrTx/>
+              <a:buSzTx/>
+              <a:tabLst/>
+              <a:defRPr/>
+            </a:pPr>
+            <a:r>
+              <a:rPr lang="en-US" sz="1600" kern="0" dirty="0">
+                <a:solidFill>
+                  <a:srgbClr val="565656"/>
+                </a:solidFill>
+                <a:latin typeface="metropolislight"/>
+                <a:cs typeface="Arial"/>
+              </a:rPr>
+              <a:t>$ docker container logs	// Fetch the logs of a container</a:t>
+            </a:r>
+          </a:p>
+          <a:p>
+            <a:pPr marR="0" lvl="0" defTabSz="914400" eaLnBrk="1" fontAlgn="auto" latinLnBrk="0" hangingPunct="1">
+              <a:lnSpc>
+                <a:spcPts val="1920"/>
+              </a:lnSpc>
+              <a:spcBef>
+                <a:spcPts val="600"/>
+              </a:spcBef>
+              <a:spcAft>
+                <a:spcPts val="0"/>
+              </a:spcAft>
+              <a:buClrTx/>
+              <a:buSzTx/>
+              <a:tabLst/>
+              <a:defRPr/>
+            </a:pPr>
+            <a:r>
+              <a:rPr lang="en-US" sz="1600" kern="0" dirty="0">
+                <a:solidFill>
+                  <a:srgbClr val="565656"/>
+                </a:solidFill>
+                <a:latin typeface="metropolislight"/>
+                <a:cs typeface="Arial"/>
+              </a:rPr>
+              <a:t>$ docker container inspect	// Display detailed information on one or more containers</a:t>
+            </a:r>
+          </a:p>
+          <a:p>
+            <a:pPr marR="0" lvl="0" defTabSz="914400" eaLnBrk="1" fontAlgn="auto" latinLnBrk="0" hangingPunct="1">
+              <a:lnSpc>
+                <a:spcPts val="1920"/>
+              </a:lnSpc>
+              <a:spcBef>
+                <a:spcPts val="600"/>
+              </a:spcBef>
+              <a:spcAft>
+                <a:spcPts val="0"/>
+              </a:spcAft>
+              <a:buClrTx/>
+              <a:buSzTx/>
+              <a:tabLst/>
+              <a:defRPr/>
+            </a:pPr>
+            <a:r>
+              <a:rPr lang="en-US" sz="1600" kern="0" dirty="0">
+                <a:solidFill>
+                  <a:srgbClr val="565656"/>
+                </a:solidFill>
+                <a:latin typeface="metropolislight"/>
+                <a:cs typeface="Arial"/>
+              </a:rPr>
+              <a:t>$ docker container start	// Start one or more stopped containers</a:t>
+            </a:r>
+          </a:p>
+          <a:p>
+            <a:pPr marR="0" lvl="0" defTabSz="914400" eaLnBrk="1" fontAlgn="auto" latinLnBrk="0" hangingPunct="1">
+              <a:lnSpc>
+                <a:spcPts val="1920"/>
+              </a:lnSpc>
+              <a:spcBef>
+                <a:spcPts val="600"/>
+              </a:spcBef>
+              <a:spcAft>
+                <a:spcPts val="0"/>
+              </a:spcAft>
+              <a:buClrTx/>
+              <a:buSzTx/>
+              <a:tabLst/>
+              <a:defRPr/>
+            </a:pPr>
+            <a:r>
+              <a:rPr lang="en-US" sz="1600" kern="0" dirty="0">
+                <a:solidFill>
+                  <a:srgbClr val="565656"/>
+                </a:solidFill>
+                <a:latin typeface="metropolislight"/>
+                <a:cs typeface="Arial"/>
+              </a:rPr>
+              <a:t>$ docker container stop	// Stop one or more running containers</a:t>
+            </a:r>
+          </a:p>
+          <a:p>
+            <a:pPr marR="0" lvl="0" defTabSz="914400" eaLnBrk="1" fontAlgn="auto" latinLnBrk="0" hangingPunct="1">
+              <a:lnSpc>
+                <a:spcPts val="1920"/>
+              </a:lnSpc>
+              <a:spcBef>
+                <a:spcPts val="600"/>
+              </a:spcBef>
+              <a:spcAft>
+                <a:spcPts val="0"/>
+              </a:spcAft>
+              <a:buClrTx/>
+              <a:buSzTx/>
+              <a:tabLst/>
+              <a:defRPr/>
+            </a:pPr>
+            <a:r>
+              <a:rPr lang="en-US" sz="1600" kern="0" dirty="0">
+                <a:solidFill>
+                  <a:srgbClr val="565656"/>
+                </a:solidFill>
+                <a:latin typeface="metropolislight"/>
+                <a:cs typeface="Arial"/>
+              </a:rPr>
+              <a:t>$ docker container kill	                    // Kill one or more running containers</a:t>
+            </a:r>
+          </a:p>
+          <a:p>
+            <a:pPr marR="0" lvl="0" defTabSz="914400" eaLnBrk="1" fontAlgn="auto" latinLnBrk="0" hangingPunct="1">
+              <a:lnSpc>
+                <a:spcPts val="1920"/>
+              </a:lnSpc>
+              <a:spcBef>
+                <a:spcPts val="600"/>
+              </a:spcBef>
+              <a:spcAft>
+                <a:spcPts val="0"/>
+              </a:spcAft>
+              <a:buClrTx/>
+              <a:buSzTx/>
+              <a:tabLst/>
+              <a:defRPr/>
+            </a:pPr>
+            <a:r>
+              <a:rPr lang="en-US" sz="1600" kern="0" dirty="0">
+                <a:solidFill>
+                  <a:srgbClr val="565656"/>
+                </a:solidFill>
+                <a:latin typeface="metropolislight"/>
+                <a:cs typeface="Arial"/>
+              </a:rPr>
+              <a:t>$ docker container rm                    // Remove one or more containers</a:t>
+            </a:r>
+          </a:p>
+        </p:txBody>
+      </p:sp>
+    </p:spTree>
+    <p:extLst>
+      <p:ext uri="{BB962C8B-B14F-4D97-AF65-F5344CB8AC3E}">
+        <p14:creationId xmlns:p14="http://schemas.microsoft.com/office/powerpoint/2010/main" val="1192085846"/>
+      </p:ext>
+    </p:extLst>
+  </p:cSld>
+  <p:clrMapOvr>
+    <a:masterClrMapping/>
+  </p:clrMapOvr>
+</p:sld>
+</file>
+
+<file path=ppt/slides/slide6.xml><?xml version="1.0" encoding="utf-8"?>
+<p:sld xmlns:a="http://schemas.openxmlformats.org/drawingml/2006/main" xmlns:r="http://schemas.openxmlformats.org/officeDocument/2006/relationships" xmlns:p="http://schemas.openxmlformats.org/presentationml/2006/main">
+  <p:cSld>
+    <p:spTree>
+      <p:nvGrpSpPr>
+        <p:cNvPr id="1" name=""/>
+        <p:cNvGrpSpPr/>
+        <p:nvPr/>
+      </p:nvGrpSpPr>
+      <p:grpSpPr>
+        <a:xfrm>
+          <a:off x="0" y="0"/>
+          <a:ext cx="0" cy="0"/>
+          <a:chOff x="0" y="0"/>
+          <a:chExt cx="0" cy="0"/>
+        </a:xfrm>
+      </p:grpSpPr>
+      <p:sp>
+        <p:nvSpPr>
+          <p:cNvPr id="2" name="Title 1">
+            <a:extLst>
+              <a:ext uri="{FF2B5EF4-FFF2-40B4-BE49-F238E27FC236}">
+                <a16:creationId xmlns:a16="http://schemas.microsoft.com/office/drawing/2014/main" id="{B65EFFD1-DEB8-47C4-ACA5-0B5DD9267D1B}"/>
+              </a:ext>
+            </a:extLst>
+          </p:cNvPr>
+          <p:cNvSpPr>
+            <a:spLocks noGrp="1"/>
+          </p:cNvSpPr>
+          <p:nvPr>
+            <p:ph type="title"/>
+          </p:nvPr>
+        </p:nvSpPr>
+        <p:spPr>
+          <a:xfrm>
+            <a:off x="127175" y="36427"/>
+            <a:ext cx="1249449" cy="626468"/>
+          </a:xfrm>
+        </p:spPr>
+        <p:txBody>
+          <a:bodyPr/>
+          <a:lstStyle/>
+          <a:p>
+            <a:r>
+              <a:rPr lang="en-US" dirty="0">
+                <a:solidFill>
+                  <a:srgbClr val="565656"/>
+                </a:solidFill>
+                <a:latin typeface="metropolislight"/>
+              </a:rPr>
+              <a:t>Images</a:t>
+            </a:r>
+            <a:endParaRPr lang="en-US" dirty="0"/>
+          </a:p>
+        </p:txBody>
+      </p:sp>
+      <p:sp>
+        <p:nvSpPr>
+          <p:cNvPr id="3" name="TextBox 2">
+            <a:extLst>
+              <a:ext uri="{FF2B5EF4-FFF2-40B4-BE49-F238E27FC236}">
+                <a16:creationId xmlns:a16="http://schemas.microsoft.com/office/drawing/2014/main" id="{6E31E915-6CB7-4FBD-8323-299F79D5926B}"/>
+              </a:ext>
+            </a:extLst>
+          </p:cNvPr>
+          <p:cNvSpPr txBox="1"/>
+          <p:nvPr/>
+        </p:nvSpPr>
+        <p:spPr>
+          <a:xfrm>
+            <a:off x="1376624" y="1095270"/>
+            <a:ext cx="10590963" cy="2057615"/>
+          </a:xfrm>
+          <a:prstGeom prst="rect">
+            <a:avLst/>
+          </a:prstGeom>
+          <a:noFill/>
+        </p:spPr>
+        <p:txBody>
+          <a:bodyPr wrap="square" rtlCol="0">
+            <a:spAutoFit/>
+          </a:bodyPr>
+          <a:lstStyle/>
+          <a:p>
+            <a:pPr marL="285750" indent="-285750">
+              <a:lnSpc>
+                <a:spcPts val="2160"/>
+              </a:lnSpc>
+              <a:buFont typeface="Arial" panose="020B0604020202020204" pitchFamily="34" charset="0"/>
+              <a:buChar char="•"/>
+            </a:pPr>
+            <a:r>
+              <a:rPr lang="en-US" dirty="0">
+                <a:solidFill>
+                  <a:srgbClr val="565656"/>
+                </a:solidFill>
+                <a:latin typeface="metropolislight"/>
+              </a:rPr>
+              <a:t>A Docker image is a read-only template that contains a set of instructions for creating a container that can run on the Docker platform</a:t>
+            </a:r>
+          </a:p>
+          <a:p>
+            <a:pPr marL="285750" indent="-285750">
+              <a:lnSpc>
+                <a:spcPts val="2160"/>
+              </a:lnSpc>
+              <a:buFont typeface="Arial" panose="020B0604020202020204" pitchFamily="34" charset="0"/>
+              <a:buChar char="•"/>
+            </a:pPr>
+            <a:r>
+              <a:rPr lang="en-US" dirty="0">
+                <a:solidFill>
+                  <a:srgbClr val="565656"/>
+                </a:solidFill>
+                <a:latin typeface="metropolislight"/>
+              </a:rPr>
+              <a:t>It provides a convenient way to package up applications and preconfigured server environments.</a:t>
+            </a:r>
+          </a:p>
+          <a:p>
+            <a:pPr marL="285750" indent="-285750">
+              <a:lnSpc>
+                <a:spcPts val="2160"/>
+              </a:lnSpc>
+              <a:buFont typeface="Arial" panose="020B0604020202020204" pitchFamily="34" charset="0"/>
+              <a:buChar char="•"/>
+            </a:pPr>
+            <a:r>
+              <a:rPr lang="en-US" dirty="0">
+                <a:solidFill>
+                  <a:srgbClr val="565656"/>
+                </a:solidFill>
+                <a:latin typeface="metropolislight"/>
+              </a:rPr>
+              <a:t>A Docker image is a file used to execute code in a Docker container. </a:t>
+            </a:r>
+          </a:p>
+          <a:p>
+            <a:pPr marL="285750" indent="-285750">
+              <a:lnSpc>
+                <a:spcPts val="2160"/>
+              </a:lnSpc>
+              <a:buFont typeface="Arial" panose="020B0604020202020204" pitchFamily="34" charset="0"/>
+              <a:buChar char="•"/>
+            </a:pPr>
+            <a:r>
+              <a:rPr lang="en-US" dirty="0">
+                <a:solidFill>
+                  <a:srgbClr val="565656"/>
+                </a:solidFill>
+                <a:latin typeface="metropolislight"/>
+              </a:rPr>
+              <a:t>These docker images can be deployed to any Docker environment.</a:t>
+            </a:r>
+          </a:p>
+          <a:p>
+            <a:pPr marL="285750" indent="-285750">
+              <a:lnSpc>
+                <a:spcPts val="2160"/>
+              </a:lnSpc>
+              <a:buFont typeface="Arial" panose="020B0604020202020204" pitchFamily="34" charset="0"/>
+              <a:buChar char="•"/>
+            </a:pPr>
+            <a:r>
+              <a:rPr lang="en-US" dirty="0">
+                <a:solidFill>
+                  <a:srgbClr val="565656"/>
+                </a:solidFill>
+                <a:latin typeface="metropolislight"/>
+              </a:rPr>
+              <a:t>Docker images have intermediate layers that increase reusability, decrease disk usage, and speed up docker build by allowing each step to be cached.</a:t>
+            </a:r>
+          </a:p>
+        </p:txBody>
+      </p:sp>
+      <p:sp>
+        <p:nvSpPr>
+          <p:cNvPr id="4" name="TextBox 3">
+            <a:extLst>
+              <a:ext uri="{FF2B5EF4-FFF2-40B4-BE49-F238E27FC236}">
+                <a16:creationId xmlns:a16="http://schemas.microsoft.com/office/drawing/2014/main" id="{7FEC5549-E14E-4DCB-928D-402B00CDE01E}"/>
+              </a:ext>
+            </a:extLst>
+          </p:cNvPr>
+          <p:cNvSpPr txBox="1"/>
+          <p:nvPr/>
+        </p:nvSpPr>
+        <p:spPr>
+          <a:xfrm>
+            <a:off x="1535443" y="3585260"/>
+            <a:ext cx="9849339" cy="2503249"/>
+          </a:xfrm>
+          <a:prstGeom prst="rect">
+            <a:avLst/>
+          </a:prstGeom>
+          <a:solidFill>
+            <a:schemeClr val="bg1">
+              <a:lumMod val="95000"/>
+            </a:schemeClr>
+          </a:solidFill>
+        </p:spPr>
+        <p:txBody>
+          <a:bodyPr wrap="square" rtlCol="0" anchor="t">
+            <a:spAutoFit/>
+          </a:bodyPr>
+          <a:lstStyle/>
+          <a:p>
+            <a:pPr marR="0" lvl="0" defTabSz="914400" eaLnBrk="1" fontAlgn="auto" latinLnBrk="0" hangingPunct="1">
+              <a:lnSpc>
+                <a:spcPts val="1920"/>
+              </a:lnSpc>
+              <a:spcBef>
+                <a:spcPts val="600"/>
+              </a:spcBef>
+              <a:spcAft>
+                <a:spcPts val="0"/>
+              </a:spcAft>
+              <a:buClrTx/>
+              <a:buSzTx/>
+              <a:tabLst/>
+              <a:defRPr/>
+            </a:pPr>
+            <a:r>
+              <a:rPr lang="en-US" sz="1600" kern="0" dirty="0">
+                <a:solidFill>
+                  <a:srgbClr val="565656"/>
+                </a:solidFill>
+                <a:latin typeface="metropolislight"/>
+                <a:cs typeface="Arial"/>
+              </a:rPr>
+              <a:t>$ docker images                              // List of images</a:t>
+            </a:r>
+          </a:p>
+          <a:p>
+            <a:pPr marR="0" lvl="0" defTabSz="914400" eaLnBrk="1" fontAlgn="auto" latinLnBrk="0" hangingPunct="1">
+              <a:lnSpc>
+                <a:spcPts val="1920"/>
+              </a:lnSpc>
+              <a:spcBef>
+                <a:spcPts val="600"/>
+              </a:spcBef>
+              <a:spcAft>
+                <a:spcPts val="0"/>
+              </a:spcAft>
+              <a:buClrTx/>
+              <a:buSzTx/>
+              <a:tabLst/>
+              <a:defRPr/>
+            </a:pPr>
+            <a:r>
+              <a:rPr lang="en-US" sz="1600" kern="0" dirty="0">
+                <a:solidFill>
+                  <a:srgbClr val="565656"/>
+                </a:solidFill>
+                <a:latin typeface="metropolislight"/>
+                <a:cs typeface="Arial"/>
+              </a:rPr>
+              <a:t>$ docker image rm                          // Remove an image</a:t>
+            </a:r>
+          </a:p>
+          <a:p>
+            <a:pPr marR="0" lvl="0" defTabSz="914400" eaLnBrk="1" fontAlgn="auto" latinLnBrk="0" hangingPunct="1">
+              <a:lnSpc>
+                <a:spcPts val="1920"/>
+              </a:lnSpc>
+              <a:spcBef>
+                <a:spcPts val="600"/>
+              </a:spcBef>
+              <a:spcAft>
+                <a:spcPts val="0"/>
+              </a:spcAft>
+              <a:buClrTx/>
+              <a:buSzTx/>
+              <a:tabLst/>
+              <a:defRPr/>
+            </a:pPr>
+            <a:r>
+              <a:rPr lang="en-US" sz="1600" kern="0" dirty="0">
+                <a:solidFill>
+                  <a:srgbClr val="565656"/>
+                </a:solidFill>
+                <a:latin typeface="metropolislight"/>
+                <a:cs typeface="Arial"/>
+              </a:rPr>
+              <a:t>$ docker image build                      // Builds an image from a </a:t>
+            </a:r>
+            <a:r>
+              <a:rPr lang="en-US" sz="1600" kern="0" dirty="0" err="1">
+                <a:solidFill>
+                  <a:srgbClr val="565656"/>
+                </a:solidFill>
+                <a:latin typeface="metropolislight"/>
+                <a:cs typeface="Arial"/>
+              </a:rPr>
+              <a:t>Dockerfile</a:t>
+            </a:r>
+            <a:r>
+              <a:rPr lang="en-US" sz="1600" kern="0" dirty="0">
+                <a:solidFill>
+                  <a:srgbClr val="565656"/>
+                </a:solidFill>
+                <a:latin typeface="metropolislight"/>
+                <a:cs typeface="Arial"/>
+              </a:rPr>
+              <a:t>.</a:t>
+            </a:r>
+          </a:p>
+          <a:p>
+            <a:pPr marR="0" lvl="0" defTabSz="914400" eaLnBrk="1" fontAlgn="auto" latinLnBrk="0" hangingPunct="1">
+              <a:lnSpc>
+                <a:spcPts val="1920"/>
+              </a:lnSpc>
+              <a:spcBef>
+                <a:spcPts val="600"/>
+              </a:spcBef>
+              <a:spcAft>
+                <a:spcPts val="0"/>
+              </a:spcAft>
+              <a:buClrTx/>
+              <a:buSzTx/>
+              <a:tabLst/>
+              <a:defRPr/>
+            </a:pPr>
+            <a:r>
+              <a:rPr lang="en-US" sz="1600" kern="0" dirty="0">
+                <a:solidFill>
+                  <a:srgbClr val="565656"/>
+                </a:solidFill>
+                <a:latin typeface="metropolislight"/>
+                <a:cs typeface="Arial"/>
+              </a:rPr>
+              <a:t>$ docker image inspect                  // Displays information on one or more images.</a:t>
+            </a:r>
+          </a:p>
+          <a:p>
+            <a:pPr marR="0" lvl="0" defTabSz="914400" eaLnBrk="1" fontAlgn="auto" latinLnBrk="0" hangingPunct="1">
+              <a:lnSpc>
+                <a:spcPts val="1920"/>
+              </a:lnSpc>
+              <a:spcBef>
+                <a:spcPts val="600"/>
+              </a:spcBef>
+              <a:spcAft>
+                <a:spcPts val="0"/>
+              </a:spcAft>
+              <a:buClrTx/>
+              <a:buSzTx/>
+              <a:tabLst/>
+              <a:defRPr/>
+            </a:pPr>
+            <a:r>
+              <a:rPr lang="en-US" sz="1600" kern="0" dirty="0">
+                <a:solidFill>
+                  <a:srgbClr val="565656"/>
+                </a:solidFill>
+                <a:latin typeface="metropolislight"/>
+                <a:cs typeface="Arial"/>
+              </a:rPr>
+              <a:t>$ docker image prune                    // Removes unused images. </a:t>
+            </a:r>
+          </a:p>
+          <a:p>
+            <a:pPr marR="0" lvl="0" defTabSz="914400" eaLnBrk="1" fontAlgn="auto" latinLnBrk="0" hangingPunct="1">
+              <a:lnSpc>
+                <a:spcPts val="1920"/>
+              </a:lnSpc>
+              <a:spcBef>
+                <a:spcPts val="600"/>
+              </a:spcBef>
+              <a:spcAft>
+                <a:spcPts val="0"/>
+              </a:spcAft>
+              <a:buClrTx/>
+              <a:buSzTx/>
+              <a:tabLst/>
+              <a:defRPr/>
+            </a:pPr>
+            <a:r>
+              <a:rPr lang="en-US" sz="1600" kern="0" dirty="0">
+                <a:solidFill>
+                  <a:srgbClr val="565656"/>
+                </a:solidFill>
+                <a:latin typeface="metropolislight"/>
+                <a:cs typeface="Arial"/>
+              </a:rPr>
+              <a:t>$ docker image pull                        // Pulls an image or a repository from a registry.</a:t>
+            </a:r>
+          </a:p>
+          <a:p>
+            <a:pPr marR="0" lvl="0" defTabSz="914400" eaLnBrk="1" fontAlgn="auto" latinLnBrk="0" hangingPunct="1">
+              <a:lnSpc>
+                <a:spcPts val="1920"/>
+              </a:lnSpc>
+              <a:spcBef>
+                <a:spcPts val="600"/>
+              </a:spcBef>
+              <a:spcAft>
+                <a:spcPts val="0"/>
+              </a:spcAft>
+              <a:buClrTx/>
+              <a:buSzTx/>
+              <a:tabLst/>
+              <a:defRPr/>
+            </a:pPr>
+            <a:r>
+              <a:rPr lang="en-US" sz="1600" dirty="0">
+                <a:solidFill>
+                  <a:srgbClr val="565656"/>
+                </a:solidFill>
+                <a:latin typeface="metropolislight"/>
+              </a:rPr>
+              <a:t>$ docker image push                      // Pushes an image or a repository to a registry.</a:t>
+            </a:r>
+            <a:br>
+              <a:rPr lang="en-US" sz="1600" dirty="0">
+                <a:solidFill>
+                  <a:srgbClr val="565656"/>
+                </a:solidFill>
+                <a:latin typeface="metropolislight"/>
+              </a:rPr>
+            </a:br>
+            <a:r>
+              <a:rPr lang="en-US" sz="1600" dirty="0">
+                <a:solidFill>
+                  <a:srgbClr val="565656"/>
+                </a:solidFill>
+                <a:latin typeface="metropolislight"/>
+              </a:rPr>
+              <a:t>$ docker image history                  // Shows the history of an image</a:t>
+            </a:r>
+          </a:p>
+        </p:txBody>
+      </p:sp>
+    </p:spTree>
+    <p:extLst>
+      <p:ext uri="{BB962C8B-B14F-4D97-AF65-F5344CB8AC3E}">
+        <p14:creationId xmlns:p14="http://schemas.microsoft.com/office/powerpoint/2010/main" val="3920005302"/>
+      </p:ext>
+    </p:extLst>
+  </p:cSld>
+  <p:clrMapOvr>
+    <a:masterClrMapping/>
+  </p:clrMapOvr>
+</p:sld>
+</file>
+
+<file path=ppt/slides/slide7.xml><?xml version="1.0" encoding="utf-8"?>
+<p:sld xmlns:a="http://schemas.openxmlformats.org/drawingml/2006/main" xmlns:r="http://schemas.openxmlformats.org/officeDocument/2006/relationships" xmlns:p="http://schemas.openxmlformats.org/presentationml/2006/main">
+  <p:cSld>
+    <p:spTree>
+      <p:nvGrpSpPr>
+        <p:cNvPr id="1" name=""/>
+        <p:cNvGrpSpPr/>
+        <p:nvPr/>
+      </p:nvGrpSpPr>
+      <p:grpSpPr>
+        <a:xfrm>
+          <a:off x="0" y="0"/>
+          <a:ext cx="0" cy="0"/>
+          <a:chOff x="0" y="0"/>
+          <a:chExt cx="0" cy="0"/>
+        </a:xfrm>
+      </p:grpSpPr>
+      <p:sp>
+        <p:nvSpPr>
+          <p:cNvPr id="2" name="Title 1">
+            <a:extLst>
+              <a:ext uri="{FF2B5EF4-FFF2-40B4-BE49-F238E27FC236}">
+                <a16:creationId xmlns:a16="http://schemas.microsoft.com/office/drawing/2014/main" id="{3AB85320-71E8-41FE-9E02-B33C9CF9AF89}"/>
+              </a:ext>
+            </a:extLst>
+          </p:cNvPr>
+          <p:cNvSpPr>
+            <a:spLocks noGrp="1"/>
+          </p:cNvSpPr>
+          <p:nvPr>
+            <p:ph type="title"/>
+          </p:nvPr>
+        </p:nvSpPr>
+        <p:spPr>
+          <a:xfrm>
+            <a:off x="127175" y="36427"/>
+            <a:ext cx="1450416" cy="626468"/>
+          </a:xfrm>
+        </p:spPr>
+        <p:txBody>
+          <a:bodyPr/>
+          <a:lstStyle/>
+          <a:p>
+            <a:r>
+              <a:rPr lang="en-US" dirty="0">
+                <a:solidFill>
+                  <a:srgbClr val="565656"/>
+                </a:solidFill>
+                <a:latin typeface="metropolislight"/>
+              </a:rPr>
+              <a:t>Volumes</a:t>
+            </a:r>
+            <a:endParaRPr lang="en-US" dirty="0"/>
+          </a:p>
+        </p:txBody>
+      </p:sp>
+      <p:sp>
+        <p:nvSpPr>
+          <p:cNvPr id="3" name="TextBox 2">
+            <a:extLst>
+              <a:ext uri="{FF2B5EF4-FFF2-40B4-BE49-F238E27FC236}">
+                <a16:creationId xmlns:a16="http://schemas.microsoft.com/office/drawing/2014/main" id="{C08F17E3-706E-4537-A5F5-F9D97D82314C}"/>
+              </a:ext>
+            </a:extLst>
+          </p:cNvPr>
+          <p:cNvSpPr txBox="1"/>
+          <p:nvPr/>
+        </p:nvSpPr>
+        <p:spPr>
+          <a:xfrm>
+            <a:off x="1356527" y="1065125"/>
+            <a:ext cx="10008159" cy="2308324"/>
+          </a:xfrm>
+          <a:prstGeom prst="rect">
+            <a:avLst/>
+          </a:prstGeom>
+          <a:noFill/>
+        </p:spPr>
+        <p:txBody>
+          <a:bodyPr wrap="square" rtlCol="0">
+            <a:spAutoFit/>
+          </a:bodyPr>
+          <a:lstStyle/>
+          <a:p>
+            <a:pPr marL="285750" indent="-285750">
+              <a:buFont typeface="Arial" panose="020B0604020202020204" pitchFamily="34" charset="0"/>
+              <a:buChar char="•"/>
+            </a:pPr>
+            <a:r>
+              <a:rPr lang="en-US" dirty="0">
+                <a:solidFill>
+                  <a:srgbClr val="565656"/>
+                </a:solidFill>
+                <a:latin typeface="metropolislight"/>
+              </a:rPr>
+              <a:t>Docker volumes ensuring data persistence while working in containers</a:t>
+            </a:r>
+          </a:p>
+          <a:p>
+            <a:pPr marL="285750" indent="-285750">
+              <a:buFont typeface="Arial" panose="020B0604020202020204" pitchFamily="34" charset="0"/>
+              <a:buChar char="•"/>
+            </a:pPr>
+            <a:r>
+              <a:rPr lang="en-US" dirty="0">
+                <a:solidFill>
+                  <a:srgbClr val="565656"/>
+                </a:solidFill>
+                <a:latin typeface="metropolislight"/>
+              </a:rPr>
+              <a:t>Docker volumes are file systems mounted on docker containers to preserve data generated by the running container.</a:t>
+            </a:r>
+          </a:p>
+          <a:p>
+            <a:pPr marL="285750" indent="-285750">
+              <a:buFont typeface="Arial" panose="020B0604020202020204" pitchFamily="34" charset="0"/>
+              <a:buChar char="•"/>
+            </a:pPr>
+            <a:r>
+              <a:rPr lang="en-US" dirty="0">
+                <a:solidFill>
+                  <a:srgbClr val="565656"/>
+                </a:solidFill>
+                <a:latin typeface="metropolislight"/>
+              </a:rPr>
+              <a:t>Volumes can be more safely shared among multiple containers.</a:t>
+            </a:r>
+          </a:p>
+          <a:p>
+            <a:pPr marL="285750" indent="-285750">
+              <a:buFont typeface="Arial" panose="020B0604020202020204" pitchFamily="34" charset="0"/>
+              <a:buChar char="•"/>
+            </a:pPr>
+            <a:r>
+              <a:rPr lang="en-US" dirty="0">
+                <a:solidFill>
+                  <a:srgbClr val="565656"/>
+                </a:solidFill>
+                <a:latin typeface="metropolislight"/>
+              </a:rPr>
+              <a:t>Volume drivers let you store volumes on remote hosts or cloud providers, to encrypt the contents of volumes, or to add other functionality.</a:t>
+            </a:r>
+          </a:p>
+          <a:p>
+            <a:pPr marL="285750" indent="-285750">
+              <a:buFont typeface="Arial" panose="020B0604020202020204" pitchFamily="34" charset="0"/>
+              <a:buChar char="•"/>
+            </a:pPr>
+            <a:endParaRPr lang="en-US" dirty="0">
+              <a:solidFill>
+                <a:srgbClr val="565656"/>
+              </a:solidFill>
+              <a:latin typeface="metropolislight"/>
+            </a:endParaRPr>
+          </a:p>
+          <a:p>
+            <a:pPr marL="285750" indent="-285750">
+              <a:buFont typeface="Arial" panose="020B0604020202020204" pitchFamily="34" charset="0"/>
+              <a:buChar char="•"/>
+            </a:pPr>
+            <a:endParaRPr lang="en-US" dirty="0">
+              <a:solidFill>
+                <a:srgbClr val="565656"/>
+              </a:solidFill>
+              <a:latin typeface="metropolislight"/>
+            </a:endParaRPr>
+          </a:p>
+        </p:txBody>
+      </p:sp>
+      <p:sp>
+        <p:nvSpPr>
+          <p:cNvPr id="4" name="TextBox 3">
+            <a:extLst>
+              <a:ext uri="{FF2B5EF4-FFF2-40B4-BE49-F238E27FC236}">
+                <a16:creationId xmlns:a16="http://schemas.microsoft.com/office/drawing/2014/main" id="{E85AAEA1-EB28-4987-BED9-4C8EC4B55CD5}"/>
+              </a:ext>
+            </a:extLst>
+          </p:cNvPr>
+          <p:cNvSpPr txBox="1"/>
+          <p:nvPr/>
+        </p:nvSpPr>
+        <p:spPr>
+          <a:xfrm>
+            <a:off x="1515347" y="3484552"/>
+            <a:ext cx="9849339" cy="1938992"/>
+          </a:xfrm>
+          <a:prstGeom prst="rect">
+            <a:avLst/>
+          </a:prstGeom>
+          <a:solidFill>
+            <a:schemeClr val="bg1">
+              <a:lumMod val="95000"/>
+            </a:schemeClr>
+          </a:solidFill>
+        </p:spPr>
+        <p:txBody>
+          <a:bodyPr wrap="square" rtlCol="0" anchor="t">
+            <a:spAutoFit/>
+          </a:bodyPr>
+          <a:lstStyle/>
+          <a:p>
+            <a:pPr marR="0" lvl="0" defTabSz="914400" eaLnBrk="1" fontAlgn="auto" latinLnBrk="0" hangingPunct="1">
+              <a:lnSpc>
+                <a:spcPts val="1920"/>
+              </a:lnSpc>
+              <a:spcBef>
+                <a:spcPts val="600"/>
+              </a:spcBef>
+              <a:spcAft>
+                <a:spcPts val="0"/>
+              </a:spcAft>
+              <a:buClrTx/>
+              <a:buSzTx/>
+              <a:tabLst/>
+              <a:defRPr/>
+            </a:pPr>
+            <a:r>
+              <a:rPr lang="en-US" sz="1600" kern="0" dirty="0">
+                <a:solidFill>
+                  <a:srgbClr val="565656"/>
+                </a:solidFill>
+                <a:latin typeface="metropolislight"/>
+                <a:cs typeface="Arial"/>
+              </a:rPr>
+              <a:t>VOLUME ["/data"]</a:t>
+            </a:r>
+          </a:p>
+          <a:p>
+            <a:pPr marR="0" lvl="0" defTabSz="914400" eaLnBrk="1" fontAlgn="auto" latinLnBrk="0" hangingPunct="1">
+              <a:lnSpc>
+                <a:spcPts val="1920"/>
+              </a:lnSpc>
+              <a:spcBef>
+                <a:spcPts val="600"/>
+              </a:spcBef>
+              <a:spcAft>
+                <a:spcPts val="0"/>
+              </a:spcAft>
+              <a:buClrTx/>
+              <a:buSzTx/>
+              <a:tabLst/>
+              <a:defRPr/>
+            </a:pPr>
+            <a:endParaRPr lang="en-US" sz="1600" kern="0" dirty="0">
+              <a:solidFill>
+                <a:srgbClr val="565656"/>
+              </a:solidFill>
+              <a:latin typeface="metropolislight"/>
+              <a:cs typeface="Arial"/>
+            </a:endParaRPr>
+          </a:p>
+          <a:p>
+            <a:pPr marR="0" lvl="0" defTabSz="914400" eaLnBrk="1" fontAlgn="auto" latinLnBrk="0" hangingPunct="1">
+              <a:lnSpc>
+                <a:spcPts val="1920"/>
+              </a:lnSpc>
+              <a:spcBef>
+                <a:spcPts val="600"/>
+              </a:spcBef>
+              <a:spcAft>
+                <a:spcPts val="0"/>
+              </a:spcAft>
+              <a:buClrTx/>
+              <a:buSzTx/>
+              <a:tabLst/>
+              <a:defRPr/>
+            </a:pPr>
+            <a:r>
+              <a:rPr lang="en-US" sz="1600" kern="0" dirty="0">
+                <a:solidFill>
+                  <a:srgbClr val="565656"/>
+                </a:solidFill>
+                <a:latin typeface="metropolislight"/>
+                <a:cs typeface="Arial"/>
+              </a:rPr>
+              <a:t># Example:</a:t>
+            </a:r>
+          </a:p>
+          <a:p>
+            <a:pPr marR="0" lvl="0" defTabSz="914400" eaLnBrk="1" fontAlgn="auto" latinLnBrk="0" hangingPunct="1">
+              <a:lnSpc>
+                <a:spcPts val="1920"/>
+              </a:lnSpc>
+              <a:spcBef>
+                <a:spcPts val="600"/>
+              </a:spcBef>
+              <a:spcAft>
+                <a:spcPts val="0"/>
+              </a:spcAft>
+              <a:buClrTx/>
+              <a:buSzTx/>
+              <a:tabLst/>
+              <a:defRPr/>
+            </a:pPr>
+            <a:r>
+              <a:rPr lang="en-US" sz="1600" kern="0" dirty="0">
+                <a:solidFill>
+                  <a:srgbClr val="565656"/>
+                </a:solidFill>
+                <a:latin typeface="metropolislight"/>
+                <a:cs typeface="Arial"/>
+              </a:rPr>
+              <a:t>FROM ubuntu</a:t>
+            </a:r>
+          </a:p>
+          <a:p>
+            <a:pPr marR="0" lvl="0" defTabSz="914400" eaLnBrk="1" fontAlgn="auto" latinLnBrk="0" hangingPunct="1">
+              <a:lnSpc>
+                <a:spcPts val="1920"/>
+              </a:lnSpc>
+              <a:spcBef>
+                <a:spcPts val="600"/>
+              </a:spcBef>
+              <a:spcAft>
+                <a:spcPts val="0"/>
+              </a:spcAft>
+              <a:buClrTx/>
+              <a:buSzTx/>
+              <a:tabLst/>
+              <a:defRPr/>
+            </a:pPr>
+            <a:r>
+              <a:rPr lang="en-US" sz="1600" kern="0" dirty="0">
+                <a:solidFill>
+                  <a:srgbClr val="565656"/>
+                </a:solidFill>
+                <a:latin typeface="metropolislight"/>
+                <a:cs typeface="Arial"/>
+              </a:rPr>
+              <a:t>RUN </a:t>
+            </a:r>
+            <a:r>
+              <a:rPr lang="en-US" sz="1600" kern="0" dirty="0" err="1">
+                <a:solidFill>
+                  <a:srgbClr val="565656"/>
+                </a:solidFill>
+                <a:latin typeface="metropolislight"/>
+                <a:cs typeface="Arial"/>
+              </a:rPr>
+              <a:t>mkdir</a:t>
+            </a:r>
+            <a:r>
+              <a:rPr lang="en-US" sz="1600" kern="0" dirty="0">
+                <a:solidFill>
+                  <a:srgbClr val="565656"/>
+                </a:solidFill>
+                <a:latin typeface="metropolislight"/>
+                <a:cs typeface="Arial"/>
+              </a:rPr>
+              <a:t> /test</a:t>
+            </a:r>
+          </a:p>
+          <a:p>
+            <a:pPr marR="0" lvl="0" defTabSz="914400" eaLnBrk="1" fontAlgn="auto" latinLnBrk="0" hangingPunct="1">
+              <a:lnSpc>
+                <a:spcPts val="1920"/>
+              </a:lnSpc>
+              <a:spcBef>
+                <a:spcPts val="600"/>
+              </a:spcBef>
+              <a:spcAft>
+                <a:spcPts val="0"/>
+              </a:spcAft>
+              <a:buClrTx/>
+              <a:buSzTx/>
+              <a:tabLst/>
+              <a:defRPr/>
+            </a:pPr>
+            <a:r>
+              <a:rPr lang="en-US" sz="1600" kern="0" dirty="0">
+                <a:solidFill>
+                  <a:srgbClr val="565656"/>
+                </a:solidFill>
+                <a:latin typeface="metropolislight"/>
+                <a:cs typeface="Arial"/>
+              </a:rPr>
+              <a:t>VOLUME /test</a:t>
+            </a:r>
+          </a:p>
+        </p:txBody>
+      </p:sp>
+    </p:spTree>
+    <p:extLst>
+      <p:ext uri="{BB962C8B-B14F-4D97-AF65-F5344CB8AC3E}">
+        <p14:creationId xmlns:p14="http://schemas.microsoft.com/office/powerpoint/2010/main" val="2603688954"/>
+      </p:ext>
+    </p:extLst>
+  </p:cSld>
+  <p:clrMapOvr>
+    <a:masterClrMapping/>
+  </p:clrMapOvr>
+</p:sld>
+</file>
+
+<file path=ppt/slides/slide8.xml><?xml version="1.0" encoding="utf-8"?>
+<p:sld xmlns:a="http://schemas.openxmlformats.org/drawingml/2006/main" xmlns:r="http://schemas.openxmlformats.org/officeDocument/2006/relationships" xmlns:p="http://schemas.openxmlformats.org/presentationml/2006/main">
+  <p:cSld>
+    <p:spTree>
+      <p:nvGrpSpPr>
+        <p:cNvPr id="1" name=""/>
+        <p:cNvGrpSpPr/>
+        <p:nvPr/>
+      </p:nvGrpSpPr>
+      <p:grpSpPr>
+        <a:xfrm>
+          <a:off x="0" y="0"/>
+          <a:ext cx="0" cy="0"/>
+          <a:chOff x="0" y="0"/>
+          <a:chExt cx="0" cy="0"/>
+        </a:xfrm>
+      </p:grpSpPr>
+      <p:sp>
+        <p:nvSpPr>
+          <p:cNvPr id="2" name="Title 1">
+            <a:extLst>
+              <a:ext uri="{FF2B5EF4-FFF2-40B4-BE49-F238E27FC236}">
+                <a16:creationId xmlns:a16="http://schemas.microsoft.com/office/drawing/2014/main" id="{3AB85320-71E8-41FE-9E02-B33C9CF9AF89}"/>
+              </a:ext>
+            </a:extLst>
+          </p:cNvPr>
+          <p:cNvSpPr>
+            <a:spLocks noGrp="1"/>
+          </p:cNvSpPr>
+          <p:nvPr>
+            <p:ph type="title"/>
+          </p:nvPr>
+        </p:nvSpPr>
+        <p:spPr>
+          <a:xfrm>
+            <a:off x="127175" y="36427"/>
+            <a:ext cx="1450416" cy="626468"/>
+          </a:xfrm>
+        </p:spPr>
+        <p:txBody>
+          <a:bodyPr>
+            <a:normAutofit fontScale="90000"/>
+          </a:bodyPr>
+          <a:lstStyle/>
+          <a:p>
+            <a:r>
+              <a:rPr lang="en-US" dirty="0"/>
+              <a:t>Compose</a:t>
+            </a:r>
+          </a:p>
+        </p:txBody>
+      </p:sp>
+      <p:sp>
+        <p:nvSpPr>
+          <p:cNvPr id="3" name="TextBox 2">
+            <a:extLst>
+              <a:ext uri="{FF2B5EF4-FFF2-40B4-BE49-F238E27FC236}">
+                <a16:creationId xmlns:a16="http://schemas.microsoft.com/office/drawing/2014/main" id="{C08F17E3-706E-4537-A5F5-F9D97D82314C}"/>
+              </a:ext>
+            </a:extLst>
+          </p:cNvPr>
+          <p:cNvSpPr txBox="1"/>
+          <p:nvPr/>
+        </p:nvSpPr>
+        <p:spPr>
+          <a:xfrm>
+            <a:off x="1356527" y="1065125"/>
+            <a:ext cx="10008159" cy="1477328"/>
+          </a:xfrm>
+          <a:prstGeom prst="rect">
+            <a:avLst/>
+          </a:prstGeom>
+          <a:noFill/>
+        </p:spPr>
+        <p:txBody>
+          <a:bodyPr wrap="square" rtlCol="0">
+            <a:spAutoFit/>
+          </a:bodyPr>
+          <a:lstStyle/>
+          <a:p>
+            <a:pPr marL="285750" indent="-285750">
+              <a:buFont typeface="Arial" panose="020B0604020202020204" pitchFamily="34" charset="0"/>
+              <a:buChar char="•"/>
+            </a:pPr>
+            <a:r>
+              <a:rPr lang="en-US" dirty="0">
+                <a:solidFill>
+                  <a:srgbClr val="565656"/>
+                </a:solidFill>
+                <a:latin typeface="metropolislight"/>
+              </a:rPr>
+              <a:t>Docker Compose is a tool for defining and running multi-container Docker applications.</a:t>
+            </a:r>
+          </a:p>
+          <a:p>
+            <a:pPr marL="285750" indent="-285750">
+              <a:buFont typeface="Arial" panose="020B0604020202020204" pitchFamily="34" charset="0"/>
+              <a:buChar char="•"/>
+            </a:pPr>
+            <a:r>
+              <a:rPr lang="en-US" dirty="0">
+                <a:solidFill>
+                  <a:srgbClr val="565656"/>
+                </a:solidFill>
+                <a:latin typeface="metropolislight"/>
+              </a:rPr>
+              <a:t>Docker Compose can be used to create separate containers, host them and get them to communicate with each other.</a:t>
+            </a:r>
+          </a:p>
+          <a:p>
+            <a:pPr marL="285750" indent="-285750">
+              <a:buFont typeface="Arial" panose="020B0604020202020204" pitchFamily="34" charset="0"/>
+              <a:buChar char="•"/>
+            </a:pPr>
+            <a:r>
+              <a:rPr lang="en-US" dirty="0">
+                <a:solidFill>
+                  <a:srgbClr val="565656"/>
+                </a:solidFill>
+                <a:latin typeface="metropolislight"/>
+              </a:rPr>
+              <a:t>Each container will expose a port for communicating with other containers. </a:t>
+            </a:r>
+          </a:p>
+          <a:p>
+            <a:pPr marL="285750" indent="-285750">
+              <a:buFont typeface="Arial" panose="020B0604020202020204" pitchFamily="34" charset="0"/>
+              <a:buChar char="•"/>
+            </a:pPr>
+            <a:endParaRPr lang="en-US" dirty="0">
+              <a:solidFill>
+                <a:srgbClr val="565656"/>
+              </a:solidFill>
+              <a:latin typeface="metropolislight"/>
+            </a:endParaRPr>
+          </a:p>
+        </p:txBody>
+      </p:sp>
+      <p:sp>
+        <p:nvSpPr>
+          <p:cNvPr id="5" name="TextBox 4">
+            <a:extLst>
+              <a:ext uri="{FF2B5EF4-FFF2-40B4-BE49-F238E27FC236}">
+                <a16:creationId xmlns:a16="http://schemas.microsoft.com/office/drawing/2014/main" id="{813FF199-8331-4AA2-8196-31844AF4D9DA}"/>
+              </a:ext>
+            </a:extLst>
+          </p:cNvPr>
+          <p:cNvSpPr txBox="1"/>
+          <p:nvPr/>
+        </p:nvSpPr>
+        <p:spPr>
+          <a:xfrm>
+            <a:off x="1515347" y="3025451"/>
+            <a:ext cx="9849339" cy="2580194"/>
+          </a:xfrm>
+          <a:prstGeom prst="rect">
+            <a:avLst/>
+          </a:prstGeom>
+          <a:solidFill>
+            <a:schemeClr val="bg1">
+              <a:lumMod val="95000"/>
+            </a:schemeClr>
+          </a:solidFill>
+        </p:spPr>
+        <p:txBody>
+          <a:bodyPr wrap="square" rtlCol="0" anchor="t">
+            <a:spAutoFit/>
+          </a:bodyPr>
+          <a:lstStyle/>
+          <a:p>
+            <a:pPr>
+              <a:lnSpc>
+                <a:spcPts val="1920"/>
+              </a:lnSpc>
+              <a:spcBef>
+                <a:spcPts val="600"/>
+              </a:spcBef>
+              <a:defRPr/>
+            </a:pPr>
+            <a:r>
+              <a:rPr lang="en-US" sz="1600" kern="0" dirty="0">
+                <a:solidFill>
+                  <a:srgbClr val="565656"/>
+                </a:solidFill>
+                <a:latin typeface="metropolislight"/>
+                <a:cs typeface="Arial"/>
+              </a:rPr>
+              <a:t># </a:t>
+            </a:r>
+            <a:r>
+              <a:rPr lang="en-US" sz="1600" b="1" i="0" dirty="0" err="1">
+                <a:solidFill>
+                  <a:srgbClr val="24292F"/>
+                </a:solidFill>
+                <a:effectLst/>
+                <a:latin typeface="-apple-system"/>
+              </a:rPr>
+              <a:t>Dockerfile</a:t>
+            </a:r>
+            <a:endParaRPr lang="en-US" sz="1600" kern="0" dirty="0">
+              <a:solidFill>
+                <a:srgbClr val="565656"/>
+              </a:solidFill>
+              <a:latin typeface="metropolislight"/>
+              <a:cs typeface="Arial"/>
+            </a:endParaRPr>
+          </a:p>
+          <a:p>
+            <a:pPr marR="0" lvl="0" defTabSz="914400" eaLnBrk="1" fontAlgn="auto" latinLnBrk="0" hangingPunct="1">
+              <a:lnSpc>
+                <a:spcPts val="1920"/>
+              </a:lnSpc>
+              <a:spcBef>
+                <a:spcPts val="600"/>
+              </a:spcBef>
+              <a:spcAft>
+                <a:spcPts val="0"/>
+              </a:spcAft>
+              <a:buClrTx/>
+              <a:buSzTx/>
+              <a:tabLst/>
+              <a:defRPr/>
+            </a:pPr>
+            <a:r>
+              <a:rPr lang="en-US" sz="1600" kern="0" dirty="0">
+                <a:solidFill>
+                  <a:srgbClr val="565656"/>
+                </a:solidFill>
+                <a:latin typeface="metropolislight"/>
+                <a:cs typeface="Arial"/>
+              </a:rPr>
+              <a:t>FROM node:16.13.0</a:t>
+            </a:r>
+          </a:p>
+          <a:p>
+            <a:pPr marR="0" lvl="0" defTabSz="914400" eaLnBrk="1" fontAlgn="auto" latinLnBrk="0" hangingPunct="1">
+              <a:lnSpc>
+                <a:spcPts val="1920"/>
+              </a:lnSpc>
+              <a:spcBef>
+                <a:spcPts val="600"/>
+              </a:spcBef>
+              <a:spcAft>
+                <a:spcPts val="0"/>
+              </a:spcAft>
+              <a:buClrTx/>
+              <a:buSzTx/>
+              <a:tabLst/>
+              <a:defRPr/>
+            </a:pPr>
+            <a:r>
+              <a:rPr lang="en-US" sz="1600" kern="0" dirty="0">
+                <a:solidFill>
+                  <a:srgbClr val="565656"/>
+                </a:solidFill>
+                <a:latin typeface="metropolislight"/>
+                <a:cs typeface="Arial"/>
+              </a:rPr>
+              <a:t>WORKDIR /</a:t>
+            </a:r>
+            <a:r>
+              <a:rPr lang="en-US" sz="1600" kern="0" dirty="0" err="1">
+                <a:solidFill>
+                  <a:srgbClr val="565656"/>
+                </a:solidFill>
+                <a:latin typeface="metropolislight"/>
+                <a:cs typeface="Arial"/>
+              </a:rPr>
+              <a:t>usr</a:t>
+            </a:r>
+            <a:r>
+              <a:rPr lang="en-US" sz="1600" kern="0" dirty="0">
+                <a:solidFill>
+                  <a:srgbClr val="565656"/>
+                </a:solidFill>
+                <a:latin typeface="metropolislight"/>
+                <a:cs typeface="Arial"/>
+              </a:rPr>
+              <a:t>/</a:t>
+            </a:r>
+            <a:r>
+              <a:rPr lang="en-US" sz="1600" kern="0" dirty="0" err="1">
+                <a:solidFill>
+                  <a:srgbClr val="565656"/>
+                </a:solidFill>
+                <a:latin typeface="metropolislight"/>
+                <a:cs typeface="Arial"/>
+              </a:rPr>
+              <a:t>src</a:t>
+            </a:r>
+            <a:r>
+              <a:rPr lang="en-US" sz="1600" kern="0" dirty="0">
+                <a:solidFill>
+                  <a:srgbClr val="565656"/>
+                </a:solidFill>
+                <a:latin typeface="metropolislight"/>
+                <a:cs typeface="Arial"/>
+              </a:rPr>
+              <a:t>/app</a:t>
+            </a:r>
+          </a:p>
+          <a:p>
+            <a:pPr marR="0" lvl="0" defTabSz="914400" eaLnBrk="1" fontAlgn="auto" latinLnBrk="0" hangingPunct="1">
+              <a:lnSpc>
+                <a:spcPts val="1920"/>
+              </a:lnSpc>
+              <a:spcBef>
+                <a:spcPts val="600"/>
+              </a:spcBef>
+              <a:spcAft>
+                <a:spcPts val="0"/>
+              </a:spcAft>
+              <a:buClrTx/>
+              <a:buSzTx/>
+              <a:tabLst/>
+              <a:defRPr/>
+            </a:pPr>
+            <a:r>
+              <a:rPr lang="en-US" sz="1600" kern="0" dirty="0">
+                <a:solidFill>
+                  <a:srgbClr val="565656"/>
+                </a:solidFill>
+                <a:latin typeface="metropolislight"/>
+                <a:cs typeface="Arial"/>
+              </a:rPr>
+              <a:t>COPY package*.json ./</a:t>
+            </a:r>
+          </a:p>
+          <a:p>
+            <a:pPr marR="0" lvl="0" defTabSz="914400" eaLnBrk="1" fontAlgn="auto" latinLnBrk="0" hangingPunct="1">
+              <a:lnSpc>
+                <a:spcPts val="1920"/>
+              </a:lnSpc>
+              <a:spcBef>
+                <a:spcPts val="600"/>
+              </a:spcBef>
+              <a:spcAft>
+                <a:spcPts val="0"/>
+              </a:spcAft>
+              <a:buClrTx/>
+              <a:buSzTx/>
+              <a:tabLst/>
+              <a:defRPr/>
+            </a:pPr>
+            <a:r>
+              <a:rPr lang="en-US" sz="1600" kern="0" dirty="0">
+                <a:solidFill>
+                  <a:srgbClr val="565656"/>
+                </a:solidFill>
+                <a:latin typeface="metropolislight"/>
+                <a:cs typeface="Arial"/>
+              </a:rPr>
+              <a:t>RUN </a:t>
+            </a:r>
+            <a:r>
+              <a:rPr lang="en-US" sz="1600" kern="0" dirty="0" err="1">
+                <a:solidFill>
+                  <a:srgbClr val="565656"/>
+                </a:solidFill>
+                <a:latin typeface="metropolislight"/>
+                <a:cs typeface="Arial"/>
+              </a:rPr>
+              <a:t>npm</a:t>
+            </a:r>
+            <a:r>
+              <a:rPr lang="en-US" sz="1600" kern="0" dirty="0">
+                <a:solidFill>
+                  <a:srgbClr val="565656"/>
+                </a:solidFill>
+                <a:latin typeface="metropolislight"/>
+                <a:cs typeface="Arial"/>
+              </a:rPr>
+              <a:t> install</a:t>
+            </a:r>
+          </a:p>
+          <a:p>
+            <a:pPr marR="0" lvl="0" defTabSz="914400" eaLnBrk="1" fontAlgn="auto" latinLnBrk="0" hangingPunct="1">
+              <a:lnSpc>
+                <a:spcPts val="1920"/>
+              </a:lnSpc>
+              <a:spcBef>
+                <a:spcPts val="600"/>
+              </a:spcBef>
+              <a:spcAft>
+                <a:spcPts val="0"/>
+              </a:spcAft>
+              <a:buClrTx/>
+              <a:buSzTx/>
+              <a:tabLst/>
+              <a:defRPr/>
+            </a:pPr>
+            <a:r>
+              <a:rPr lang="en-US" sz="1600" kern="0" dirty="0">
+                <a:solidFill>
+                  <a:srgbClr val="565656"/>
+                </a:solidFill>
+                <a:latin typeface="metropolislight"/>
+                <a:cs typeface="Arial"/>
+              </a:rPr>
+              <a:t>COPY . .</a:t>
+            </a:r>
+          </a:p>
+          <a:p>
+            <a:pPr marR="0" lvl="0" defTabSz="914400" eaLnBrk="1" fontAlgn="auto" latinLnBrk="0" hangingPunct="1">
+              <a:lnSpc>
+                <a:spcPts val="1920"/>
+              </a:lnSpc>
+              <a:spcBef>
+                <a:spcPts val="600"/>
+              </a:spcBef>
+              <a:spcAft>
+                <a:spcPts val="0"/>
+              </a:spcAft>
+              <a:buClrTx/>
+              <a:buSzTx/>
+              <a:tabLst/>
+              <a:defRPr/>
+            </a:pPr>
+            <a:r>
+              <a:rPr lang="en-US" sz="1600" kern="0" dirty="0">
+                <a:solidFill>
+                  <a:srgbClr val="565656"/>
+                </a:solidFill>
+                <a:latin typeface="metropolislight"/>
+                <a:cs typeface="Arial"/>
+              </a:rPr>
+              <a:t>EXPOSE 3000</a:t>
+            </a:r>
+          </a:p>
+          <a:p>
+            <a:pPr marR="0" lvl="0" defTabSz="914400" eaLnBrk="1" fontAlgn="auto" latinLnBrk="0" hangingPunct="1">
+              <a:lnSpc>
+                <a:spcPts val="1920"/>
+              </a:lnSpc>
+              <a:spcBef>
+                <a:spcPts val="600"/>
+              </a:spcBef>
+              <a:spcAft>
+                <a:spcPts val="0"/>
+              </a:spcAft>
+              <a:buClrTx/>
+              <a:buSzTx/>
+              <a:tabLst/>
+              <a:defRPr/>
+            </a:pPr>
+            <a:r>
+              <a:rPr lang="en-US" sz="1600" kern="0" dirty="0">
+                <a:solidFill>
+                  <a:srgbClr val="565656"/>
+                </a:solidFill>
+                <a:latin typeface="metropolislight"/>
+                <a:cs typeface="Arial"/>
+              </a:rPr>
+              <a:t>CMD ["</a:t>
+            </a:r>
+            <a:r>
+              <a:rPr lang="en-US" sz="1600" kern="0" dirty="0" err="1">
+                <a:solidFill>
+                  <a:srgbClr val="565656"/>
+                </a:solidFill>
+                <a:latin typeface="metropolislight"/>
+                <a:cs typeface="Arial"/>
+              </a:rPr>
+              <a:t>npm</a:t>
+            </a:r>
+            <a:r>
+              <a:rPr lang="en-US" sz="1600" kern="0" dirty="0">
+                <a:solidFill>
+                  <a:srgbClr val="565656"/>
+                </a:solidFill>
+                <a:latin typeface="metropolislight"/>
+                <a:cs typeface="Arial"/>
+              </a:rPr>
+              <a:t>", "start"]</a:t>
+            </a:r>
+          </a:p>
+        </p:txBody>
+      </p:sp>
+    </p:spTree>
+    <p:extLst>
+      <p:ext uri="{BB962C8B-B14F-4D97-AF65-F5344CB8AC3E}">
+        <p14:creationId xmlns:p14="http://schemas.microsoft.com/office/powerpoint/2010/main" val="544447542"/>
+      </p:ext>
+    </p:extLst>
+  </p:cSld>
+  <p:clrMapOvr>
+    <a:masterClrMapping/>
+  </p:clrMapOvr>
+</p:sld>
+</file>
+
+<file path=ppt/slides/slide9.xml><?xml version="1.0" encoding="utf-8"?>
+<p:sld xmlns:a="http://schemas.openxmlformats.org/drawingml/2006/main" xmlns:r="http://schemas.openxmlformats.org/officeDocument/2006/relationships" xmlns:p="http://schemas.openxmlformats.org/presentationml/2006/main">
+  <p:cSld>
+    <p:spTree>
+      <p:nvGrpSpPr>
+        <p:cNvPr id="1" name=""/>
+        <p:cNvGrpSpPr/>
+        <p:nvPr/>
+      </p:nvGrpSpPr>
+      <p:grpSpPr>
+        <a:xfrm>
+          <a:off x="0" y="0"/>
+          <a:ext cx="0" cy="0"/>
+          <a:chOff x="0" y="0"/>
+          <a:chExt cx="0" cy="0"/>
+        </a:xfrm>
+      </p:grpSpPr>
+      <p:sp>
+        <p:nvSpPr>
+          <p:cNvPr id="2" name="Title 1">
+            <a:extLst>
+              <a:ext uri="{FF2B5EF4-FFF2-40B4-BE49-F238E27FC236}">
+                <a16:creationId xmlns:a16="http://schemas.microsoft.com/office/drawing/2014/main" id="{3AB85320-71E8-41FE-9E02-B33C9CF9AF89}"/>
+              </a:ext>
+            </a:extLst>
+          </p:cNvPr>
+          <p:cNvSpPr>
+            <a:spLocks noGrp="1"/>
+          </p:cNvSpPr>
+          <p:nvPr>
+            <p:ph type="title"/>
+          </p:nvPr>
+        </p:nvSpPr>
+        <p:spPr>
+          <a:xfrm>
+            <a:off x="127175" y="36427"/>
+            <a:ext cx="1450416" cy="626468"/>
+          </a:xfrm>
+        </p:spPr>
+        <p:txBody>
+          <a:bodyPr>
+            <a:normAutofit fontScale="90000"/>
+          </a:bodyPr>
+          <a:lstStyle/>
+          <a:p>
+            <a:r>
+              <a:rPr lang="en-US" dirty="0"/>
+              <a:t>Compose</a:t>
+            </a:r>
+          </a:p>
+        </p:txBody>
+      </p:sp>
+      <p:sp>
+        <p:nvSpPr>
+          <p:cNvPr id="5" name="TextBox 4">
+            <a:extLst>
+              <a:ext uri="{FF2B5EF4-FFF2-40B4-BE49-F238E27FC236}">
+                <a16:creationId xmlns:a16="http://schemas.microsoft.com/office/drawing/2014/main" id="{813FF199-8331-4AA2-8196-31844AF4D9DA}"/>
+              </a:ext>
+            </a:extLst>
+          </p:cNvPr>
+          <p:cNvSpPr txBox="1"/>
+          <p:nvPr/>
+        </p:nvSpPr>
+        <p:spPr>
+          <a:xfrm>
+            <a:off x="1465104" y="958392"/>
+            <a:ext cx="9849339" cy="5144998"/>
+          </a:xfrm>
+          <a:prstGeom prst="rect">
+            <a:avLst/>
+          </a:prstGeom>
+          <a:solidFill>
+            <a:schemeClr val="bg1">
+              <a:lumMod val="95000"/>
+            </a:schemeClr>
+          </a:solidFill>
+        </p:spPr>
+        <p:txBody>
+          <a:bodyPr wrap="square" rtlCol="0" anchor="t">
+            <a:spAutoFit/>
+          </a:bodyPr>
+          <a:lstStyle/>
+          <a:p>
+            <a:pPr>
+              <a:lnSpc>
+                <a:spcPts val="1920"/>
+              </a:lnSpc>
+              <a:spcBef>
+                <a:spcPts val="600"/>
+              </a:spcBef>
+              <a:defRPr/>
+            </a:pPr>
+            <a:r>
+              <a:rPr lang="en-US" sz="1600" kern="0" dirty="0">
+                <a:solidFill>
+                  <a:srgbClr val="565656"/>
+                </a:solidFill>
+                <a:latin typeface="metropolislight"/>
+                <a:cs typeface="Arial"/>
+              </a:rPr>
+              <a:t># </a:t>
+            </a:r>
+            <a:r>
+              <a:rPr lang="en-US" sz="1600" b="1" i="0" dirty="0">
+                <a:solidFill>
+                  <a:srgbClr val="24292F"/>
+                </a:solidFill>
+                <a:effectLst/>
+                <a:latin typeface="-apple-system"/>
+              </a:rPr>
+              <a:t>docker-</a:t>
+            </a:r>
+            <a:r>
+              <a:rPr lang="en-US" sz="1600" b="1" i="0" dirty="0" err="1">
+                <a:solidFill>
+                  <a:srgbClr val="24292F"/>
+                </a:solidFill>
+                <a:effectLst/>
+                <a:latin typeface="-apple-system"/>
+              </a:rPr>
+              <a:t>compose.yml</a:t>
+            </a:r>
+            <a:endParaRPr lang="en-US" sz="1600" kern="0" dirty="0">
+              <a:solidFill>
+                <a:srgbClr val="565656"/>
+              </a:solidFill>
+              <a:latin typeface="metropolislight"/>
+              <a:cs typeface="Arial"/>
+            </a:endParaRPr>
+          </a:p>
+          <a:p>
+            <a:pPr marR="0" lvl="0" defTabSz="914400" eaLnBrk="1" fontAlgn="auto" latinLnBrk="0" hangingPunct="1">
+              <a:lnSpc>
+                <a:spcPts val="1920"/>
+              </a:lnSpc>
+              <a:spcBef>
+                <a:spcPts val="600"/>
+              </a:spcBef>
+              <a:spcAft>
+                <a:spcPts val="0"/>
+              </a:spcAft>
+              <a:buClrTx/>
+              <a:buSzTx/>
+              <a:tabLst/>
+              <a:defRPr/>
+            </a:pPr>
+            <a:r>
+              <a:rPr lang="en-US" sz="1600" kern="0" dirty="0">
+                <a:solidFill>
+                  <a:srgbClr val="565656"/>
+                </a:solidFill>
+                <a:latin typeface="metropolislight"/>
+                <a:cs typeface="Arial"/>
+              </a:rPr>
+              <a:t>version: '3'</a:t>
+            </a:r>
+          </a:p>
+          <a:p>
+            <a:pPr marR="0" lvl="0" defTabSz="914400" eaLnBrk="1" fontAlgn="auto" latinLnBrk="0" hangingPunct="1">
+              <a:lnSpc>
+                <a:spcPts val="1920"/>
+              </a:lnSpc>
+              <a:spcBef>
+                <a:spcPts val="600"/>
+              </a:spcBef>
+              <a:spcAft>
+                <a:spcPts val="0"/>
+              </a:spcAft>
+              <a:buClrTx/>
+              <a:buSzTx/>
+              <a:tabLst/>
+              <a:defRPr/>
+            </a:pPr>
+            <a:r>
+              <a:rPr lang="en-US" sz="1600" kern="0" dirty="0">
+                <a:solidFill>
+                  <a:srgbClr val="565656"/>
+                </a:solidFill>
+                <a:latin typeface="metropolislight"/>
+                <a:cs typeface="Arial"/>
+              </a:rPr>
+              <a:t>services:</a:t>
+            </a:r>
+          </a:p>
+          <a:p>
+            <a:pPr marR="0" lvl="0" defTabSz="914400" eaLnBrk="1" fontAlgn="auto" latinLnBrk="0" hangingPunct="1">
+              <a:lnSpc>
+                <a:spcPts val="1920"/>
+              </a:lnSpc>
+              <a:spcBef>
+                <a:spcPts val="600"/>
+              </a:spcBef>
+              <a:spcAft>
+                <a:spcPts val="0"/>
+              </a:spcAft>
+              <a:buClrTx/>
+              <a:buSzTx/>
+              <a:tabLst/>
+              <a:defRPr/>
+            </a:pPr>
+            <a:r>
+              <a:rPr lang="en-US" sz="1600" kern="0" dirty="0">
+                <a:solidFill>
+                  <a:srgbClr val="565656"/>
+                </a:solidFill>
+                <a:latin typeface="metropolislight"/>
+                <a:cs typeface="Arial"/>
+              </a:rPr>
+              <a:t>  app:</a:t>
+            </a:r>
+          </a:p>
+          <a:p>
+            <a:pPr marR="0" lvl="0" defTabSz="914400" eaLnBrk="1" fontAlgn="auto" latinLnBrk="0" hangingPunct="1">
+              <a:lnSpc>
+                <a:spcPts val="1920"/>
+              </a:lnSpc>
+              <a:spcBef>
+                <a:spcPts val="600"/>
+              </a:spcBef>
+              <a:spcAft>
+                <a:spcPts val="0"/>
+              </a:spcAft>
+              <a:buClrTx/>
+              <a:buSzTx/>
+              <a:tabLst/>
+              <a:defRPr/>
+            </a:pPr>
+            <a:r>
+              <a:rPr lang="en-US" sz="1600" kern="0" dirty="0">
+                <a:solidFill>
+                  <a:srgbClr val="565656"/>
+                </a:solidFill>
+                <a:latin typeface="metropolislight"/>
+                <a:cs typeface="Arial"/>
+              </a:rPr>
+              <a:t>    </a:t>
+            </a:r>
+            <a:r>
+              <a:rPr lang="en-US" sz="1600" kern="0" dirty="0" err="1">
+                <a:solidFill>
+                  <a:srgbClr val="565656"/>
+                </a:solidFill>
+                <a:latin typeface="metropolislight"/>
+                <a:cs typeface="Arial"/>
+              </a:rPr>
+              <a:t>container_name</a:t>
+            </a:r>
+            <a:r>
+              <a:rPr lang="en-US" sz="1600" kern="0" dirty="0">
+                <a:solidFill>
+                  <a:srgbClr val="565656"/>
+                </a:solidFill>
+                <a:latin typeface="metropolislight"/>
+                <a:cs typeface="Arial"/>
+              </a:rPr>
+              <a:t>: docker-node-mongo</a:t>
+            </a:r>
+          </a:p>
+          <a:p>
+            <a:pPr marR="0" lvl="0" defTabSz="914400" eaLnBrk="1" fontAlgn="auto" latinLnBrk="0" hangingPunct="1">
+              <a:lnSpc>
+                <a:spcPts val="1920"/>
+              </a:lnSpc>
+              <a:spcBef>
+                <a:spcPts val="600"/>
+              </a:spcBef>
+              <a:spcAft>
+                <a:spcPts val="0"/>
+              </a:spcAft>
+              <a:buClrTx/>
+              <a:buSzTx/>
+              <a:tabLst/>
+              <a:defRPr/>
+            </a:pPr>
+            <a:r>
+              <a:rPr lang="en-US" sz="1600" kern="0" dirty="0">
+                <a:solidFill>
+                  <a:srgbClr val="565656"/>
+                </a:solidFill>
+                <a:latin typeface="metropolislight"/>
+                <a:cs typeface="Arial"/>
+              </a:rPr>
+              <a:t>    restart: always</a:t>
+            </a:r>
+          </a:p>
+          <a:p>
+            <a:pPr marR="0" lvl="0" defTabSz="914400" eaLnBrk="1" fontAlgn="auto" latinLnBrk="0" hangingPunct="1">
+              <a:lnSpc>
+                <a:spcPts val="1920"/>
+              </a:lnSpc>
+              <a:spcBef>
+                <a:spcPts val="600"/>
+              </a:spcBef>
+              <a:spcAft>
+                <a:spcPts val="0"/>
+              </a:spcAft>
+              <a:buClrTx/>
+              <a:buSzTx/>
+              <a:tabLst/>
+              <a:defRPr/>
+            </a:pPr>
+            <a:r>
+              <a:rPr lang="en-US" sz="1600" kern="0" dirty="0">
+                <a:solidFill>
+                  <a:srgbClr val="565656"/>
+                </a:solidFill>
+                <a:latin typeface="metropolislight"/>
+                <a:cs typeface="Arial"/>
+              </a:rPr>
+              <a:t>    build: .</a:t>
+            </a:r>
+          </a:p>
+          <a:p>
+            <a:pPr marR="0" lvl="0" defTabSz="914400" eaLnBrk="1" fontAlgn="auto" latinLnBrk="0" hangingPunct="1">
+              <a:lnSpc>
+                <a:spcPts val="1920"/>
+              </a:lnSpc>
+              <a:spcBef>
+                <a:spcPts val="600"/>
+              </a:spcBef>
+              <a:spcAft>
+                <a:spcPts val="0"/>
+              </a:spcAft>
+              <a:buClrTx/>
+              <a:buSzTx/>
+              <a:tabLst/>
+              <a:defRPr/>
+            </a:pPr>
+            <a:r>
+              <a:rPr lang="en-US" sz="1600" kern="0" dirty="0">
+                <a:solidFill>
+                  <a:srgbClr val="565656"/>
+                </a:solidFill>
+                <a:latin typeface="metropolislight"/>
+                <a:cs typeface="Arial"/>
+              </a:rPr>
+              <a:t>    ports:</a:t>
+            </a:r>
+          </a:p>
+          <a:p>
+            <a:pPr marR="0" lvl="0" defTabSz="914400" eaLnBrk="1" fontAlgn="auto" latinLnBrk="0" hangingPunct="1">
+              <a:lnSpc>
+                <a:spcPts val="1920"/>
+              </a:lnSpc>
+              <a:spcBef>
+                <a:spcPts val="600"/>
+              </a:spcBef>
+              <a:spcAft>
+                <a:spcPts val="0"/>
+              </a:spcAft>
+              <a:buClrTx/>
+              <a:buSzTx/>
+              <a:tabLst/>
+              <a:defRPr/>
+            </a:pPr>
+            <a:r>
+              <a:rPr lang="en-US" sz="1600" kern="0" dirty="0">
+                <a:solidFill>
+                  <a:srgbClr val="565656"/>
+                </a:solidFill>
+                <a:latin typeface="metropolislight"/>
+                <a:cs typeface="Arial"/>
+              </a:rPr>
+              <a:t>      - '80:3000'</a:t>
+            </a:r>
+          </a:p>
+          <a:p>
+            <a:pPr marR="0" lvl="0" defTabSz="914400" eaLnBrk="1" fontAlgn="auto" latinLnBrk="0" hangingPunct="1">
+              <a:lnSpc>
+                <a:spcPts val="1920"/>
+              </a:lnSpc>
+              <a:spcBef>
+                <a:spcPts val="600"/>
+              </a:spcBef>
+              <a:spcAft>
+                <a:spcPts val="0"/>
+              </a:spcAft>
+              <a:buClrTx/>
+              <a:buSzTx/>
+              <a:tabLst/>
+              <a:defRPr/>
+            </a:pPr>
+            <a:r>
+              <a:rPr lang="en-US" sz="1600" kern="0" dirty="0">
+                <a:solidFill>
+                  <a:srgbClr val="565656"/>
+                </a:solidFill>
+                <a:latin typeface="metropolislight"/>
+                <a:cs typeface="Arial"/>
+              </a:rPr>
+              <a:t>    </a:t>
+            </a:r>
+            <a:r>
+              <a:rPr lang="en-US" sz="1600" kern="0" dirty="0" err="1">
+                <a:solidFill>
+                  <a:srgbClr val="565656"/>
+                </a:solidFill>
+                <a:latin typeface="metropolislight"/>
+                <a:cs typeface="Arial"/>
+              </a:rPr>
+              <a:t>external_links</a:t>
+            </a:r>
+            <a:r>
+              <a:rPr lang="en-US" sz="1600" kern="0" dirty="0">
+                <a:solidFill>
+                  <a:srgbClr val="565656"/>
+                </a:solidFill>
+                <a:latin typeface="metropolislight"/>
+                <a:cs typeface="Arial"/>
+              </a:rPr>
+              <a:t>:</a:t>
+            </a:r>
+          </a:p>
+          <a:p>
+            <a:pPr marR="0" lvl="0" defTabSz="914400" eaLnBrk="1" fontAlgn="auto" latinLnBrk="0" hangingPunct="1">
+              <a:lnSpc>
+                <a:spcPts val="1920"/>
+              </a:lnSpc>
+              <a:spcBef>
+                <a:spcPts val="600"/>
+              </a:spcBef>
+              <a:spcAft>
+                <a:spcPts val="0"/>
+              </a:spcAft>
+              <a:buClrTx/>
+              <a:buSzTx/>
+              <a:tabLst/>
+              <a:defRPr/>
+            </a:pPr>
+            <a:r>
+              <a:rPr lang="en-US" sz="1600" kern="0" dirty="0">
+                <a:solidFill>
+                  <a:srgbClr val="565656"/>
+                </a:solidFill>
+                <a:latin typeface="metropolislight"/>
+                <a:cs typeface="Arial"/>
+              </a:rPr>
+              <a:t>      - mongo</a:t>
+            </a:r>
+          </a:p>
+          <a:p>
+            <a:pPr marR="0" lvl="0" defTabSz="914400" eaLnBrk="1" fontAlgn="auto" latinLnBrk="0" hangingPunct="1">
+              <a:lnSpc>
+                <a:spcPts val="1920"/>
+              </a:lnSpc>
+              <a:spcBef>
+                <a:spcPts val="600"/>
+              </a:spcBef>
+              <a:spcAft>
+                <a:spcPts val="0"/>
+              </a:spcAft>
+              <a:buClrTx/>
+              <a:buSzTx/>
+              <a:tabLst/>
+              <a:defRPr/>
+            </a:pPr>
+            <a:r>
+              <a:rPr lang="en-US" sz="1600" kern="0" dirty="0">
+                <a:solidFill>
+                  <a:srgbClr val="565656"/>
+                </a:solidFill>
+                <a:latin typeface="metropolislight"/>
+                <a:cs typeface="Arial"/>
+              </a:rPr>
+              <a:t>  mongo:</a:t>
+            </a:r>
+          </a:p>
+          <a:p>
+            <a:pPr marR="0" lvl="0" defTabSz="914400" eaLnBrk="1" fontAlgn="auto" latinLnBrk="0" hangingPunct="1">
+              <a:lnSpc>
+                <a:spcPts val="1920"/>
+              </a:lnSpc>
+              <a:spcBef>
+                <a:spcPts val="600"/>
+              </a:spcBef>
+              <a:spcAft>
+                <a:spcPts val="0"/>
+              </a:spcAft>
+              <a:buClrTx/>
+              <a:buSzTx/>
+              <a:tabLst/>
+              <a:defRPr/>
+            </a:pPr>
+            <a:r>
+              <a:rPr lang="en-US" sz="1600" kern="0" dirty="0">
+                <a:solidFill>
+                  <a:srgbClr val="565656"/>
+                </a:solidFill>
+                <a:latin typeface="metropolislight"/>
+                <a:cs typeface="Arial"/>
+              </a:rPr>
+              <a:t>    </a:t>
+            </a:r>
+            <a:r>
+              <a:rPr lang="en-US" sz="1600" kern="0" dirty="0" err="1">
+                <a:solidFill>
+                  <a:srgbClr val="565656"/>
+                </a:solidFill>
+                <a:latin typeface="metropolislight"/>
+                <a:cs typeface="Arial"/>
+              </a:rPr>
+              <a:t>container_name</a:t>
+            </a:r>
+            <a:r>
+              <a:rPr lang="en-US" sz="1600" kern="0" dirty="0">
+                <a:solidFill>
+                  <a:srgbClr val="565656"/>
+                </a:solidFill>
+                <a:latin typeface="metropolislight"/>
+                <a:cs typeface="Arial"/>
+              </a:rPr>
+              <a:t>: mongo</a:t>
+            </a:r>
+          </a:p>
+          <a:p>
+            <a:pPr marR="0" lvl="0" defTabSz="914400" eaLnBrk="1" fontAlgn="auto" latinLnBrk="0" hangingPunct="1">
+              <a:lnSpc>
+                <a:spcPts val="1920"/>
+              </a:lnSpc>
+              <a:spcBef>
+                <a:spcPts val="600"/>
+              </a:spcBef>
+              <a:spcAft>
+                <a:spcPts val="0"/>
+              </a:spcAft>
+              <a:buClrTx/>
+              <a:buSzTx/>
+              <a:tabLst/>
+              <a:defRPr/>
+            </a:pPr>
+            <a:r>
+              <a:rPr lang="en-US" sz="1600" kern="0" dirty="0">
+                <a:solidFill>
+                  <a:srgbClr val="565656"/>
+                </a:solidFill>
+                <a:latin typeface="metropolislight"/>
+                <a:cs typeface="Arial"/>
+              </a:rPr>
+              <a:t>    image: mongo</a:t>
+            </a:r>
+          </a:p>
+          <a:p>
+            <a:pPr marR="0" lvl="0" defTabSz="914400" eaLnBrk="1" fontAlgn="auto" latinLnBrk="0" hangingPunct="1">
+              <a:lnSpc>
+                <a:spcPts val="1920"/>
+              </a:lnSpc>
+              <a:spcBef>
+                <a:spcPts val="600"/>
+              </a:spcBef>
+              <a:spcAft>
+                <a:spcPts val="0"/>
+              </a:spcAft>
+              <a:buClrTx/>
+              <a:buSzTx/>
+              <a:tabLst/>
+              <a:defRPr/>
+            </a:pPr>
+            <a:r>
+              <a:rPr lang="en-US" sz="1600" kern="0" dirty="0">
+                <a:solidFill>
+                  <a:srgbClr val="565656"/>
+                </a:solidFill>
+                <a:latin typeface="metropolislight"/>
+                <a:cs typeface="Arial"/>
+              </a:rPr>
+              <a:t>    ports:</a:t>
+            </a:r>
+          </a:p>
+          <a:p>
+            <a:pPr marR="0" lvl="0" defTabSz="914400" eaLnBrk="1" fontAlgn="auto" latinLnBrk="0" hangingPunct="1">
+              <a:lnSpc>
+                <a:spcPts val="1920"/>
+              </a:lnSpc>
+              <a:spcBef>
+                <a:spcPts val="600"/>
+              </a:spcBef>
+              <a:spcAft>
+                <a:spcPts val="0"/>
+              </a:spcAft>
+              <a:buClrTx/>
+              <a:buSzTx/>
+              <a:tabLst/>
+              <a:defRPr/>
+            </a:pPr>
+            <a:r>
+              <a:rPr lang="en-US" sz="1600" kern="0" dirty="0">
+                <a:solidFill>
+                  <a:srgbClr val="565656"/>
+                </a:solidFill>
+                <a:latin typeface="metropolislight"/>
+                <a:cs typeface="Arial"/>
+              </a:rPr>
+              <a:t>      - '27017:27017'</a:t>
+            </a:r>
+          </a:p>
+        </p:txBody>
+      </p:sp>
+    </p:spTree>
+    <p:extLst>
+      <p:ext uri="{BB962C8B-B14F-4D97-AF65-F5344CB8AC3E}">
+        <p14:creationId xmlns:p14="http://schemas.microsoft.com/office/powerpoint/2010/main" val="1052602491"/>
       </p:ext>
     </p:extLst>
   </p:cSld>
@@ -3627,4 +8106,299 @@
     </a:ext>
   </a:extLst>
 </a:theme>
+</file>
+
+<file path=ppt/theme/theme2.xml><?xml version="1.0" encoding="utf-8"?>
+<a:theme xmlns:a="http://schemas.openxmlformats.org/drawingml/2006/main" name="Office Theme">
+  <a:themeElements>
+    <a:clrScheme name="Office">
+      <a:dk1>
+        <a:sysClr val="windowText" lastClr="000000"/>
+      </a:dk1>
+      <a:lt1>
+        <a:sysClr val="window" lastClr="FFFFFF"/>
+      </a:lt1>
+      <a:dk2>
+        <a:srgbClr val="44546A"/>
+      </a:dk2>
+      <a:lt2>
+        <a:srgbClr val="E7E6E6"/>
+      </a:lt2>
+      <a:accent1>
+        <a:srgbClr val="4472C4"/>
+      </a:accent1>
+      <a:accent2>
+        <a:srgbClr val="ED7D31"/>
+      </a:accent2>
+      <a:accent3>
+        <a:srgbClr val="A5A5A5"/>
+      </a:accent3>
+      <a:accent4>
+        <a:srgbClr val="FFC000"/>
+      </a:accent4>
+      <a:accent5>
+        <a:srgbClr val="5B9BD5"/>
+      </a:accent5>
+      <a:accent6>
+        <a:srgbClr val="70AD47"/>
+      </a:accent6>
+      <a:hlink>
+        <a:srgbClr val="0563C1"/>
+      </a:hlink>
+      <a:folHlink>
+        <a:srgbClr val="954F72"/>
+      </a:folHlink>
+    </a:clrScheme>
+    <a:fontScheme name="Office">
+      <a:majorFont>
+        <a:latin typeface="Calibri Light" panose="020F0302020204030204"/>
+        <a:ea typeface=""/>
+        <a:cs typeface=""/>
+        <a:font script="Jpan" typeface="游ゴシック Light"/>
+        <a:font script="Hang" typeface="맑은 고딕"/>
+        <a:font script="Hans" typeface="等线 Light"/>
+        <a:font script="Hant" typeface="新細明體"/>
+        <a:font script="Arab" typeface="Times New Roman"/>
+        <a:font script="Hebr" typeface="Times New Roman"/>
+        <a:font script="Thai" typeface="Angsana New"/>
+        <a:font script="Ethi" typeface="Nyala"/>
+        <a:font script="Beng" typeface="Vrinda"/>
+        <a:font script="Gujr" typeface="Shruti"/>
+        <a:font script="Khmr" typeface="MoolBoran"/>
+        <a:font script="Knda" typeface="Tunga"/>
+        <a:font script="Guru" typeface="Raavi"/>
+        <a:font script="Cans" typeface="Euphemia"/>
+        <a:font script="Cher" typeface="Plantagenet Cherokee"/>
+        <a:font script="Yiii" typeface="Microsoft Yi Baiti"/>
+        <a:font script="Tibt" typeface="Microsoft Himalaya"/>
+        <a:font script="Thaa" typeface="MV Boli"/>
+        <a:font script="Deva" typeface="Mangal"/>
+        <a:font script="Telu" typeface="Gautami"/>
+        <a:font script="Taml" typeface="Latha"/>
+        <a:font script="Syrc" typeface="Estrangelo Edessa"/>
+        <a:font script="Orya" typeface="Kalinga"/>
+        <a:font script="Mlym" typeface="Kartika"/>
+        <a:font script="Laoo" typeface="DokChampa"/>
+        <a:font script="Sinh" typeface="Iskoola Pota"/>
+        <a:font script="Mong" typeface="Mongolian Baiti"/>
+        <a:font script="Viet" typeface="Times New Roman"/>
+        <a:font script="Uigh" typeface="Microsoft Uighur"/>
+        <a:font script="Geor" typeface="Sylfaen"/>
+        <a:font script="Armn" typeface="Arial"/>
+        <a:font script="Bugi" typeface="Leelawadee UI"/>
+        <a:font script="Bopo" typeface="Microsoft JhengHei"/>
+        <a:font script="Java" typeface="Javanese Text"/>
+        <a:font script="Lisu" typeface="Segoe UI"/>
+        <a:font script="Mymr" typeface="Myanmar Text"/>
+        <a:font script="Nkoo" typeface="Ebrima"/>
+        <a:font script="Olck" typeface="Nirmala UI"/>
+        <a:font script="Osma" typeface="Ebrima"/>
+        <a:font script="Phag" typeface="Phagspa"/>
+        <a:font script="Syrn" typeface="Estrangelo Edessa"/>
+        <a:font script="Syrj" typeface="Estrangelo Edessa"/>
+        <a:font script="Syre" typeface="Estrangelo Edessa"/>
+        <a:font script="Sora" typeface="Nirmala UI"/>
+        <a:font script="Tale" typeface="Microsoft Tai Le"/>
+        <a:font script="Talu" typeface="Microsoft New Tai Lue"/>
+        <a:font script="Tfng" typeface="Ebrima"/>
+      </a:majorFont>
+      <a:minorFont>
+        <a:latin typeface="Calibri" panose="020F0502020204030204"/>
+        <a:ea typeface=""/>
+        <a:cs typeface=""/>
+        <a:font script="Jpan" typeface="游ゴシック"/>
+        <a:font script="Hang" typeface="맑은 고딕"/>
+        <a:font script="Hans" typeface="等线"/>
+        <a:font script="Hant" typeface="新細明體"/>
+        <a:font script="Arab" typeface="Arial"/>
+        <a:font script="Hebr" typeface="Arial"/>
+        <a:font script="Thai" typeface="Cordia New"/>
+        <a:font script="Ethi" typeface="Nyala"/>
+        <a:font script="Beng" typeface="Vrinda"/>
+        <a:font script="Gujr" typeface="Shruti"/>
+        <a:font script="Khmr" typeface="DaunPenh"/>
+        <a:font script="Knda" typeface="Tunga"/>
+        <a:font script="Guru" typeface="Raavi"/>
+        <a:font script="Cans" typeface="Euphemia"/>
+        <a:font script="Cher" typeface="Plantagenet Cherokee"/>
+        <a:font script="Yiii" typeface="Microsoft Yi Baiti"/>
+        <a:font script="Tibt" typeface="Microsoft Himalaya"/>
+        <a:font script="Thaa" typeface="MV Boli"/>
+        <a:font script="Deva" typeface="Mangal"/>
+        <a:font script="Telu" typeface="Gautami"/>
+        <a:font script="Taml" typeface="Latha"/>
+        <a:font script="Syrc" typeface="Estrangelo Edessa"/>
+        <a:font script="Orya" typeface="Kalinga"/>
+        <a:font script="Mlym" typeface="Kartika"/>
+        <a:font script="Laoo" typeface="DokChampa"/>
+        <a:font script="Sinh" typeface="Iskoola Pota"/>
+        <a:font script="Mong" typeface="Mongolian Baiti"/>
+        <a:font script="Viet" typeface="Arial"/>
+        <a:font script="Uigh" typeface="Microsoft Uighur"/>
+        <a:font script="Geor" typeface="Sylfaen"/>
+        <a:font script="Armn" typeface="Arial"/>
+        <a:font script="Bugi" typeface="Leelawadee UI"/>
+        <a:font script="Bopo" typeface="Microsoft JhengHei"/>
+        <a:font script="Java" typeface="Javanese Text"/>
+        <a:font script="Lisu" typeface="Segoe UI"/>
+        <a:font script="Mymr" typeface="Myanmar Text"/>
+        <a:font script="Nkoo" typeface="Ebrima"/>
+        <a:font script="Olck" typeface="Nirmala UI"/>
+        <a:font script="Osma" typeface="Ebrima"/>
+        <a:font script="Phag" typeface="Phagspa"/>
+        <a:font script="Syrn" typeface="Estrangelo Edessa"/>
+        <a:font script="Syrj" typeface="Estrangelo Edessa"/>
+        <a:font script="Syre" typeface="Estrangelo Edessa"/>
+        <a:font script="Sora" typeface="Nirmala UI"/>
+        <a:font script="Tale" typeface="Microsoft Tai Le"/>
+        <a:font script="Talu" typeface="Microsoft New Tai Lue"/>
+        <a:font script="Tfng" typeface="Ebrima"/>
+      </a:minorFont>
+    </a:fontScheme>
+    <a:fmtScheme name="Office">
+      <a:fillStyleLst>
+        <a:solidFill>
+          <a:schemeClr val="phClr"/>
+        </a:solidFill>
+        <a:gradFill rotWithShape="1">
+          <a:gsLst>
+            <a:gs pos="0">
+              <a:schemeClr val="phClr">
+                <a:lumMod val="110000"/>
+                <a:satMod val="105000"/>
+                <a:tint val="67000"/>
+              </a:schemeClr>
+            </a:gs>
+            <a:gs pos="50000">
+              <a:schemeClr val="phClr">
+                <a:lumMod val="105000"/>
+                <a:satMod val="103000"/>
+                <a:tint val="73000"/>
+              </a:schemeClr>
+            </a:gs>
+            <a:gs pos="100000">
+              <a:schemeClr val="phClr">
+                <a:lumMod val="105000"/>
+                <a:satMod val="109000"/>
+                <a:tint val="81000"/>
+              </a:schemeClr>
+            </a:gs>
+          </a:gsLst>
+          <a:lin ang="5400000" scaled="0"/>
+        </a:gradFill>
+        <a:gradFill rotWithShape="1">
+          <a:gsLst>
+            <a:gs pos="0">
+              <a:schemeClr val="phClr">
+                <a:satMod val="103000"/>
+                <a:lumMod val="102000"/>
+                <a:tint val="94000"/>
+              </a:schemeClr>
+            </a:gs>
+            <a:gs pos="50000">
+              <a:schemeClr val="phClr">
+                <a:satMod val="110000"/>
+                <a:lumMod val="100000"/>
+                <a:shade val="100000"/>
+              </a:schemeClr>
+            </a:gs>
+            <a:gs pos="100000">
+              <a:schemeClr val="phClr">
+                <a:lumMod val="99000"/>
+                <a:satMod val="120000"/>
+                <a:shade val="78000"/>
+              </a:schemeClr>
+            </a:gs>
+          </a:gsLst>
+          <a:lin ang="5400000" scaled="0"/>
+        </a:gradFill>
+      </a:fillStyleLst>
+      <a:lnStyleLst>
+        <a:ln w="6350" cap="flat" cmpd="sng" algn="ctr">
+          <a:solidFill>
+            <a:schemeClr val="phClr"/>
+          </a:solidFill>
+          <a:prstDash val="solid"/>
+          <a:miter lim="800000"/>
+        </a:ln>
+        <a:ln w="12700" cap="flat" cmpd="sng" algn="ctr">
+          <a:solidFill>
+            <a:schemeClr val="phClr"/>
+          </a:solidFill>
+          <a:prstDash val="solid"/>
+          <a:miter lim="800000"/>
+        </a:ln>
+        <a:ln w="19050" cap="flat" cmpd="sng" algn="ctr">
+          <a:solidFill>
+            <a:schemeClr val="phClr"/>
+          </a:solidFill>
+          <a:prstDash val="solid"/>
+          <a:miter lim="800000"/>
+        </a:ln>
+      </a:lnStyleLst>
+      <a:effectStyleLst>
+        <a:effectStyle>
+          <a:effectLst/>
+        </a:effectStyle>
+        <a:effectStyle>
+          <a:effectLst/>
+        </a:effectStyle>
+        <a:effectStyle>
+          <a:effectLst>
+            <a:outerShdw blurRad="57150" dist="19050" dir="5400000" algn="ctr" rotWithShape="0">
+              <a:srgbClr val="000000">
+                <a:alpha val="63000"/>
+              </a:srgbClr>
+            </a:outerShdw>
+          </a:effectLst>
+        </a:effectStyle>
+      </a:effectStyleLst>
+      <a:bgFillStyleLst>
+        <a:solidFill>
+          <a:schemeClr val="phClr"/>
+        </a:solidFill>
+        <a:solidFill>
+          <a:schemeClr val="phClr">
+            <a:tint val="95000"/>
+            <a:satMod val="170000"/>
+          </a:schemeClr>
+        </a:solidFill>
+        <a:gradFill rotWithShape="1">
+          <a:gsLst>
+            <a:gs pos="0">
+              <a:schemeClr val="phClr">
+                <a:tint val="93000"/>
+                <a:satMod val="150000"/>
+                <a:shade val="98000"/>
+                <a:lumMod val="102000"/>
+              </a:schemeClr>
+            </a:gs>
+            <a:gs pos="50000">
+              <a:schemeClr val="phClr">
+                <a:tint val="98000"/>
+                <a:satMod val="130000"/>
+                <a:shade val="90000"/>
+                <a:lumMod val="103000"/>
+              </a:schemeClr>
+            </a:gs>
+            <a:gs pos="100000">
+              <a:schemeClr val="phClr">
+                <a:shade val="63000"/>
+                <a:satMod val="120000"/>
+              </a:schemeClr>
+            </a:gs>
+          </a:gsLst>
+          <a:lin ang="5400000" scaled="0"/>
+        </a:gradFill>
+      </a:bgFillStyleLst>
+    </a:fmtScheme>
+  </a:themeElements>
+  <a:objectDefaults/>
+  <a:extraClrSchemeLst/>
+  <a:extLst>
+    <a:ext uri="{05A4C25C-085E-4340-85A3-A5531E510DB2}">
+      <thm15:themeFamily xmlns:thm15="http://schemas.microsoft.com/office/thememl/2012/main" name="Office Theme" id="{62F939B6-93AF-4DB8-9C6B-D6C7DFDC589F}" vid="{4A3C46E8-61CC-4603-A589-7422A47A8E4A}"/>
+    </a:ext>
+  </a:extLst>
+</a:theme>
 </file>
--- a/docker-workshop-files/Docker-Workshop.pptx
+++ b/docker-workshop-files/Docker-Workshop.pptx
@@ -10,13 +10,13 @@
   <p:sldIdLst>
     <p:sldId id="256" r:id="rId2"/>
     <p:sldId id="440" r:id="rId3"/>
-    <p:sldId id="441" r:id="rId4"/>
-    <p:sldId id="442" r:id="rId5"/>
-    <p:sldId id="444" r:id="rId6"/>
-    <p:sldId id="443" r:id="rId7"/>
-    <p:sldId id="445" r:id="rId8"/>
-    <p:sldId id="447" r:id="rId9"/>
-    <p:sldId id="448" r:id="rId10"/>
+    <p:sldId id="449" r:id="rId4"/>
+    <p:sldId id="450" r:id="rId5"/>
+    <p:sldId id="451" r:id="rId6"/>
+    <p:sldId id="452" r:id="rId7"/>
+    <p:sldId id="455" r:id="rId8"/>
+    <p:sldId id="454" r:id="rId9"/>
+    <p:sldId id="453" r:id="rId10"/>
   </p:sldIdLst>
   <p:sldSz cx="12192000" cy="6858000"/>
   <p:notesSz cx="6858000" cy="9144000"/>
@@ -116,6 +116,27 @@
     </a:lvl9pPr>
   </p:defaultTextStyle>
   <p:extLst>
+    <p:ext uri="{521415D9-36F7-43E2-AB2F-B90AF26B5E84}">
+      <p14:sectionLst xmlns:p14="http://schemas.microsoft.com/office/powerpoint/2010/main">
+        <p14:section name="Default Section" id="{1DD399B9-5FED-4697-A3B9-A9F82EAD18F2}">
+          <p14:sldIdLst>
+            <p14:sldId id="256"/>
+          </p14:sldIdLst>
+        </p14:section>
+        <p14:section name="Untitled Section" id="{06418239-082E-428A-9FC4-338DFDB10B10}">
+          <p14:sldIdLst>
+            <p14:sldId id="440"/>
+            <p14:sldId id="449"/>
+            <p14:sldId id="450"/>
+            <p14:sldId id="451"/>
+            <p14:sldId id="452"/>
+            <p14:sldId id="455"/>
+            <p14:sldId id="454"/>
+            <p14:sldId id="453"/>
+          </p14:sldIdLst>
+        </p14:section>
+      </p14:sectionLst>
+    </p:ext>
     <p:ext uri="{EFAFB233-063F-42B5-8137-9DF3F51BA10A}">
       <p15:sldGuideLst xmlns:p15="http://schemas.microsoft.com/office/powerpoint/2012/main"/>
     </p:ext>
@@ -205,7 +226,7 @@
           <a:p>
             <a:fld id="{77C995E8-1C11-4F37-8FB4-51BE8A406924}" type="datetimeFigureOut">
               <a:rPr lang="en-US" smtClean="0"/>
-              <a:t>1/1/2022</a:t>
+              <a:t>1/3/2022</a:t>
             </a:fld>
             <a:endParaRPr lang="en-US"/>
           </a:p>
@@ -619,7 +640,7 @@
           <a:p>
             <a:fld id="{4DBE8E04-ED98-45F7-9C60-9B27ABC20268}" type="datetimeFigureOut">
               <a:rPr lang="en-US" smtClean="0"/>
-              <a:t>1/1/2022</a:t>
+              <a:t>1/3/2022</a:t>
             </a:fld>
             <a:endParaRPr lang="en-US"/>
           </a:p>
@@ -817,7 +838,7 @@
           <a:p>
             <a:fld id="{4DBE8E04-ED98-45F7-9C60-9B27ABC20268}" type="datetimeFigureOut">
               <a:rPr lang="en-US" smtClean="0"/>
-              <a:t>1/1/2022</a:t>
+              <a:t>1/3/2022</a:t>
             </a:fld>
             <a:endParaRPr lang="en-US"/>
           </a:p>
@@ -1025,7 +1046,7 @@
           <a:p>
             <a:fld id="{4DBE8E04-ED98-45F7-9C60-9B27ABC20268}" type="datetimeFigureOut">
               <a:rPr lang="en-US" smtClean="0"/>
-              <a:t>1/1/2022</a:t>
+              <a:t>1/3/2022</a:t>
             </a:fld>
             <a:endParaRPr lang="en-US"/>
           </a:p>
@@ -1089,591 +1110,6 @@
     <p:extLst>
       <p:ext uri="{BB962C8B-B14F-4D97-AF65-F5344CB8AC3E}">
         <p14:creationId xmlns:p14="http://schemas.microsoft.com/office/powerpoint/2010/main" val="853450957"/>
-      </p:ext>
-    </p:extLst>
-  </p:cSld>
-  <p:clrMapOvr>
-    <a:masterClrMapping/>
-  </p:clrMapOvr>
-</p:sldLayout>
-</file>
-
-<file path=ppt/slideLayouts/slideLayout12.xml><?xml version="1.0" encoding="utf-8"?>
-<p:sldLayout xmlns:a="http://schemas.openxmlformats.org/drawingml/2006/main" xmlns:r="http://schemas.openxmlformats.org/officeDocument/2006/relationships" xmlns:p="http://schemas.openxmlformats.org/presentationml/2006/main" userDrawn="1">
-  <p:cSld name="Long title slide">
-    <p:spTree>
-      <p:nvGrpSpPr>
-        <p:cNvPr id="1" name=""/>
-        <p:cNvGrpSpPr/>
-        <p:nvPr/>
-      </p:nvGrpSpPr>
-      <p:grpSpPr>
-        <a:xfrm>
-          <a:off x="0" y="0"/>
-          <a:ext cx="0" cy="0"/>
-          <a:chOff x="0" y="0"/>
-          <a:chExt cx="0" cy="0"/>
-        </a:xfrm>
-      </p:grpSpPr>
-      <p:cxnSp>
-        <p:nvCxnSpPr>
-          <p:cNvPr id="12" name="Straight Connector 11">
-            <a:extLst>
-              <a:ext uri="{FF2B5EF4-FFF2-40B4-BE49-F238E27FC236}">
-                <a16:creationId xmlns:a16="http://schemas.microsoft.com/office/drawing/2014/main" id="{36FE4A19-2C39-9846-B0B0-5AE020F9F1F9}"/>
-              </a:ext>
-            </a:extLst>
-          </p:cNvPr>
-          <p:cNvCxnSpPr>
-            <a:cxnSpLocks/>
-          </p:cNvCxnSpPr>
-          <p:nvPr userDrawn="1"/>
-        </p:nvCxnSpPr>
-        <p:spPr>
-          <a:xfrm>
-            <a:off x="263879" y="443685"/>
-            <a:ext cx="11928121" cy="0"/>
-          </a:xfrm>
-          <a:prstGeom prst="line">
-            <a:avLst/>
-          </a:prstGeom>
-          <a:ln>
-            <a:solidFill>
-              <a:schemeClr val="tx1">
-                <a:lumMod val="65000"/>
-                <a:lumOff val="35000"/>
-              </a:schemeClr>
-            </a:solidFill>
-          </a:ln>
-        </p:spPr>
-        <p:style>
-          <a:lnRef idx="1">
-            <a:schemeClr val="accent1"/>
-          </a:lnRef>
-          <a:fillRef idx="0">
-            <a:schemeClr val="accent1"/>
-          </a:fillRef>
-          <a:effectRef idx="0">
-            <a:schemeClr val="accent1"/>
-          </a:effectRef>
-          <a:fontRef idx="minor">
-            <a:schemeClr val="tx1"/>
-          </a:fontRef>
-        </p:style>
-      </p:cxnSp>
-      <p:sp>
-        <p:nvSpPr>
-          <p:cNvPr id="13" name="Title 1">
-            <a:extLst>
-              <a:ext uri="{FF2B5EF4-FFF2-40B4-BE49-F238E27FC236}">
-                <a16:creationId xmlns:a16="http://schemas.microsoft.com/office/drawing/2014/main" id="{CC7CA887-B8E9-6B49-8B79-C77F61EF6769}"/>
-              </a:ext>
-            </a:extLst>
-          </p:cNvPr>
-          <p:cNvSpPr>
-            <a:spLocks noGrp="1"/>
-          </p:cNvSpPr>
-          <p:nvPr>
-            <p:ph type="title" hasCustomPrompt="1"/>
-          </p:nvPr>
-        </p:nvSpPr>
-        <p:spPr>
-          <a:xfrm>
-            <a:off x="127175" y="36427"/>
-            <a:ext cx="10657366" cy="626468"/>
-          </a:xfrm>
-          <a:prstGeom prst="rect">
-            <a:avLst/>
-          </a:prstGeom>
-          <a:solidFill>
-            <a:schemeClr val="bg1"/>
-          </a:solidFill>
-        </p:spPr>
-        <p:txBody>
-          <a:bodyPr>
-            <a:normAutofit/>
-          </a:bodyPr>
-          <a:lstStyle>
-            <a:lvl1pPr>
-              <a:lnSpc>
-                <a:spcPct val="100000"/>
-              </a:lnSpc>
-              <a:defRPr sz="2800">
-                <a:solidFill>
-                  <a:srgbClr val="4B4B4B"/>
-                </a:solidFill>
-                <a:latin typeface="Gotham Book" panose="02000604040000020004" pitchFamily="2" charset="0"/>
-              </a:defRPr>
-            </a:lvl1pPr>
-          </a:lstStyle>
-          <a:p>
-            <a:pPr>
-              <a:spcBef>
-                <a:spcPts val="1200"/>
-              </a:spcBef>
-            </a:pPr>
-            <a:r>
-              <a:rPr lang="en-US" sz="2800" dirty="0">
-                <a:solidFill>
-                  <a:srgbClr val="4B4B4B"/>
-                </a:solidFill>
-                <a:latin typeface="Gotham Book" panose="02000604040000020004" pitchFamily="2" charset="0"/>
-              </a:rPr>
-              <a:t>Big title </a:t>
-            </a:r>
-            <a:r>
-              <a:rPr lang="en-US" sz="2800" dirty="0">
-                <a:solidFill>
-                  <a:srgbClr val="5EC1EF"/>
-                </a:solidFill>
-                <a:latin typeface="Gotham Book" panose="02000604040000020004" pitchFamily="2" charset="0"/>
-              </a:rPr>
-              <a:t>Infographic</a:t>
-            </a:r>
-            <a:r>
-              <a:rPr lang="en-US" sz="2800" dirty="0">
-                <a:solidFill>
-                  <a:srgbClr val="4B4B4B"/>
-                </a:solidFill>
-                <a:latin typeface="Gotham Book" panose="02000604040000020004" pitchFamily="2" charset="0"/>
-              </a:rPr>
-              <a:t> slide</a:t>
-            </a:r>
-          </a:p>
-        </p:txBody>
-      </p:sp>
-      <p:cxnSp>
-        <p:nvCxnSpPr>
-          <p:cNvPr id="16" name="Straight Connector 15">
-            <a:extLst>
-              <a:ext uri="{FF2B5EF4-FFF2-40B4-BE49-F238E27FC236}">
-                <a16:creationId xmlns:a16="http://schemas.microsoft.com/office/drawing/2014/main" id="{2A57115A-9A8F-D346-BD68-27BC66CD157C}"/>
-              </a:ext>
-            </a:extLst>
-          </p:cNvPr>
-          <p:cNvCxnSpPr>
-            <a:cxnSpLocks/>
-          </p:cNvCxnSpPr>
-          <p:nvPr userDrawn="1"/>
-        </p:nvCxnSpPr>
-        <p:spPr>
-          <a:xfrm>
-            <a:off x="901959" y="6425337"/>
-            <a:ext cx="11290041" cy="0"/>
-          </a:xfrm>
-          <a:prstGeom prst="line">
-            <a:avLst/>
-          </a:prstGeom>
-          <a:ln>
-            <a:solidFill>
-              <a:schemeClr val="bg1">
-                <a:lumMod val="85000"/>
-              </a:schemeClr>
-            </a:solidFill>
-          </a:ln>
-        </p:spPr>
-        <p:style>
-          <a:lnRef idx="1">
-            <a:schemeClr val="accent1"/>
-          </a:lnRef>
-          <a:fillRef idx="0">
-            <a:schemeClr val="accent1"/>
-          </a:fillRef>
-          <a:effectRef idx="0">
-            <a:schemeClr val="accent1"/>
-          </a:effectRef>
-          <a:fontRef idx="minor">
-            <a:schemeClr val="tx1"/>
-          </a:fontRef>
-        </p:style>
-      </p:cxnSp>
-      <p:cxnSp>
-        <p:nvCxnSpPr>
-          <p:cNvPr id="5" name="Straight Connector 4">
-            <a:extLst>
-              <a:ext uri="{FF2B5EF4-FFF2-40B4-BE49-F238E27FC236}">
-                <a16:creationId xmlns:a16="http://schemas.microsoft.com/office/drawing/2014/main" id="{E0FB3FAA-966A-874B-BB10-28A2E8AC39F5}"/>
-              </a:ext>
-            </a:extLst>
-          </p:cNvPr>
-          <p:cNvCxnSpPr/>
-          <p:nvPr userDrawn="1"/>
-        </p:nvCxnSpPr>
-        <p:spPr>
-          <a:xfrm>
-            <a:off x="10037851" y="6522726"/>
-            <a:ext cx="0" cy="203967"/>
-          </a:xfrm>
-          <a:prstGeom prst="line">
-            <a:avLst/>
-          </a:prstGeom>
-          <a:ln>
-            <a:solidFill>
-              <a:schemeClr val="bg1">
-                <a:lumMod val="75000"/>
-              </a:schemeClr>
-            </a:solidFill>
-          </a:ln>
-        </p:spPr>
-        <p:style>
-          <a:lnRef idx="1">
-            <a:schemeClr val="accent1"/>
-          </a:lnRef>
-          <a:fillRef idx="0">
-            <a:schemeClr val="accent1"/>
-          </a:fillRef>
-          <a:effectRef idx="0">
-            <a:schemeClr val="accent1"/>
-          </a:effectRef>
-          <a:fontRef idx="minor">
-            <a:schemeClr val="tx1"/>
-          </a:fontRef>
-        </p:style>
-      </p:cxnSp>
-      <p:grpSp>
-        <p:nvGrpSpPr>
-          <p:cNvPr id="22" name="Group 21">
-            <a:extLst>
-              <a:ext uri="{FF2B5EF4-FFF2-40B4-BE49-F238E27FC236}">
-                <a16:creationId xmlns:a16="http://schemas.microsoft.com/office/drawing/2014/main" id="{633BD878-8F07-024D-9040-4791952E4991}"/>
-              </a:ext>
-            </a:extLst>
-          </p:cNvPr>
-          <p:cNvGrpSpPr/>
-          <p:nvPr userDrawn="1"/>
-        </p:nvGrpSpPr>
-        <p:grpSpPr>
-          <a:xfrm>
-            <a:off x="0" y="5974464"/>
-            <a:ext cx="901960" cy="883534"/>
-            <a:chOff x="0" y="5974464"/>
-            <a:chExt cx="901960" cy="883534"/>
-          </a:xfrm>
-        </p:grpSpPr>
-        <p:sp>
-          <p:nvSpPr>
-            <p:cNvPr id="23" name="Rectangle 22">
-              <a:extLst>
-                <a:ext uri="{FF2B5EF4-FFF2-40B4-BE49-F238E27FC236}">
-                  <a16:creationId xmlns:a16="http://schemas.microsoft.com/office/drawing/2014/main" id="{9FAF06CD-83B4-D549-943F-946C1CA8E7E4}"/>
-                </a:ext>
-              </a:extLst>
-            </p:cNvPr>
-            <p:cNvSpPr/>
-            <p:nvPr userDrawn="1"/>
-          </p:nvSpPr>
-          <p:spPr>
-            <a:xfrm>
-              <a:off x="0" y="6361235"/>
-              <a:ext cx="901960" cy="496763"/>
-            </a:xfrm>
-            <a:prstGeom prst="rect">
-              <a:avLst/>
-            </a:prstGeom>
-            <a:solidFill>
-              <a:schemeClr val="bg1"/>
-            </a:solidFill>
-            <a:ln>
-              <a:noFill/>
-            </a:ln>
-          </p:spPr>
-          <p:style>
-            <a:lnRef idx="2">
-              <a:schemeClr val="accent1">
-                <a:shade val="50000"/>
-              </a:schemeClr>
-            </a:lnRef>
-            <a:fillRef idx="1">
-              <a:schemeClr val="accent1"/>
-            </a:fillRef>
-            <a:effectRef idx="0">
-              <a:schemeClr val="accent1"/>
-            </a:effectRef>
-            <a:fontRef idx="minor">
-              <a:schemeClr val="lt1"/>
-            </a:fontRef>
-          </p:style>
-          <p:txBody>
-            <a:bodyPr rtlCol="0" anchor="ctr"/>
-            <a:lstStyle/>
-            <a:p>
-              <a:pPr algn="ctr"/>
-              <a:endParaRPr lang="en-US" b="0" i="0" dirty="0">
-                <a:latin typeface="Gotham Book" panose="02000604040000020004" pitchFamily="2" charset="0"/>
-              </a:endParaRPr>
-            </a:p>
-          </p:txBody>
-        </p:sp>
-        <p:sp>
-          <p:nvSpPr>
-            <p:cNvPr id="24" name="Triangle 23">
-              <a:extLst>
-                <a:ext uri="{FF2B5EF4-FFF2-40B4-BE49-F238E27FC236}">
-                  <a16:creationId xmlns:a16="http://schemas.microsoft.com/office/drawing/2014/main" id="{67B23528-AA85-F748-ABD6-4FA095793E24}"/>
-                </a:ext>
-              </a:extLst>
-            </p:cNvPr>
-            <p:cNvSpPr/>
-            <p:nvPr userDrawn="1"/>
-          </p:nvSpPr>
-          <p:spPr>
-            <a:xfrm rot="5403736">
-              <a:off x="42256" y="6050921"/>
-              <a:ext cx="883138" cy="730223"/>
-            </a:xfrm>
-            <a:prstGeom prst="triangle">
-              <a:avLst>
-                <a:gd name="adj" fmla="val 50938"/>
-              </a:avLst>
-            </a:prstGeom>
-            <a:solidFill>
-              <a:schemeClr val="accent4">
-                <a:alpha val="25000"/>
-              </a:schemeClr>
-            </a:solidFill>
-            <a:ln>
-              <a:noFill/>
-            </a:ln>
-          </p:spPr>
-          <p:style>
-            <a:lnRef idx="2">
-              <a:schemeClr val="accent1">
-                <a:shade val="50000"/>
-              </a:schemeClr>
-            </a:lnRef>
-            <a:fillRef idx="1">
-              <a:schemeClr val="accent1"/>
-            </a:fillRef>
-            <a:effectRef idx="0">
-              <a:schemeClr val="accent1"/>
-            </a:effectRef>
-            <a:fontRef idx="minor">
-              <a:schemeClr val="lt1"/>
-            </a:fontRef>
-          </p:style>
-          <p:txBody>
-            <a:bodyPr rtlCol="0" anchor="ctr"/>
-            <a:lstStyle/>
-            <a:p>
-              <a:pPr algn="ctr"/>
-              <a:endParaRPr lang="en-US" b="0" i="0" dirty="0">
-                <a:latin typeface="Gotham Book" panose="02000604040000020004" pitchFamily="2" charset="0"/>
-              </a:endParaRPr>
-            </a:p>
-          </p:txBody>
-        </p:sp>
-        <p:sp>
-          <p:nvSpPr>
-            <p:cNvPr id="25" name="Triangle 24">
-              <a:extLst>
-                <a:ext uri="{FF2B5EF4-FFF2-40B4-BE49-F238E27FC236}">
-                  <a16:creationId xmlns:a16="http://schemas.microsoft.com/office/drawing/2014/main" id="{2AF698A7-C7F2-034F-9596-3CBD50D01DC2}"/>
-                </a:ext>
-              </a:extLst>
-            </p:cNvPr>
-            <p:cNvSpPr/>
-            <p:nvPr userDrawn="1"/>
-          </p:nvSpPr>
-          <p:spPr>
-            <a:xfrm rot="4815961">
-              <a:off x="123472" y="6121582"/>
-              <a:ext cx="750729" cy="689237"/>
-            </a:xfrm>
-            <a:prstGeom prst="triangle">
-              <a:avLst/>
-            </a:prstGeom>
-            <a:gradFill>
-              <a:gsLst>
-                <a:gs pos="0">
-                  <a:srgbClr val="0477C3"/>
-                </a:gs>
-                <a:gs pos="99000">
-                  <a:srgbClr val="26B5F7"/>
-                </a:gs>
-              </a:gsLst>
-              <a:lin ang="10800000" scaled="0"/>
-            </a:gradFill>
-            <a:ln>
-              <a:noFill/>
-            </a:ln>
-          </p:spPr>
-          <p:style>
-            <a:lnRef idx="2">
-              <a:schemeClr val="accent1">
-                <a:shade val="50000"/>
-              </a:schemeClr>
-            </a:lnRef>
-            <a:fillRef idx="1">
-              <a:schemeClr val="accent1"/>
-            </a:fillRef>
-            <a:effectRef idx="0">
-              <a:schemeClr val="accent1"/>
-            </a:effectRef>
-            <a:fontRef idx="minor">
-              <a:schemeClr val="lt1"/>
-            </a:fontRef>
-          </p:style>
-          <p:txBody>
-            <a:bodyPr rtlCol="0" anchor="ctr"/>
-            <a:lstStyle/>
-            <a:p>
-              <a:pPr lvl="0" algn="ctr"/>
-              <a:endParaRPr lang="en-US" b="0" i="0" dirty="0">
-                <a:latin typeface="Gotham Book" panose="02000604040000020004" pitchFamily="2" charset="0"/>
-              </a:endParaRPr>
-            </a:p>
-          </p:txBody>
-        </p:sp>
-      </p:grpSp>
-      <p:sp>
-        <p:nvSpPr>
-          <p:cNvPr id="15" name="Slide Number Placeholder 5">
-            <a:extLst>
-              <a:ext uri="{FF2B5EF4-FFF2-40B4-BE49-F238E27FC236}">
-                <a16:creationId xmlns:a16="http://schemas.microsoft.com/office/drawing/2014/main" id="{7A937FDC-DA78-FF44-ABFA-A117541D5238}"/>
-              </a:ext>
-            </a:extLst>
-          </p:cNvPr>
-          <p:cNvSpPr>
-            <a:spLocks noGrp="1"/>
-          </p:cNvSpPr>
-          <p:nvPr>
-            <p:ph type="sldNum" sz="quarter" idx="4"/>
-          </p:nvPr>
-        </p:nvSpPr>
-        <p:spPr>
-          <a:xfrm>
-            <a:off x="7207627" y="6474009"/>
-            <a:ext cx="2743200" cy="365125"/>
-          </a:xfrm>
-          <a:prstGeom prst="rect">
-            <a:avLst/>
-          </a:prstGeom>
-        </p:spPr>
-        <p:txBody>
-          <a:bodyPr vert="horz" lIns="91440" tIns="45720" rIns="91440" bIns="45720" rtlCol="0" anchor="ctr"/>
-          <a:lstStyle>
-            <a:lvl1pPr algn="r">
-              <a:defRPr sz="1050">
-                <a:solidFill>
-                  <a:schemeClr val="tx1">
-                    <a:tint val="75000"/>
-                  </a:schemeClr>
-                </a:solidFill>
-                <a:latin typeface="Gotham Book" panose="02000604040000020004" pitchFamily="2" charset="0"/>
-              </a:defRPr>
-            </a:lvl1pPr>
-          </a:lstStyle>
-          <a:p>
-            <a:fld id="{039C7415-12ED-1F44-BE03-24001F31E4F6}" type="slidenum">
-              <a:rPr lang="en-US" smtClean="0"/>
-              <a:pPr/>
-              <a:t>‹#›</a:t>
-            </a:fld>
-            <a:endParaRPr lang="en-US" dirty="0"/>
-          </a:p>
-        </p:txBody>
-      </p:sp>
-      <p:pic>
-        <p:nvPicPr>
-          <p:cNvPr id="17" name="Graphic 16">
-            <a:extLst>
-              <a:ext uri="{FF2B5EF4-FFF2-40B4-BE49-F238E27FC236}">
-                <a16:creationId xmlns:a16="http://schemas.microsoft.com/office/drawing/2014/main" id="{C216BA44-201C-984C-B141-0D97E04234C3}"/>
-              </a:ext>
-            </a:extLst>
-          </p:cNvPr>
-          <p:cNvPicPr>
-            <a:picLocks noChangeAspect="1"/>
-          </p:cNvPicPr>
-          <p:nvPr userDrawn="1"/>
-        </p:nvPicPr>
-        <p:blipFill rotWithShape="1">
-          <a:blip r:embed="rId2" cstate="screen">
-            <a:extLst>
-              <a:ext uri="{28A0092B-C50C-407E-A947-70E740481C1C}">
-                <a14:useLocalDpi xmlns:a14="http://schemas.microsoft.com/office/drawing/2010/main"/>
-              </a:ext>
-              <a:ext uri="{96DAC541-7B7A-43D3-8B79-37D633B846F1}">
-                <asvg:svgBlip xmlns:asvg="http://schemas.microsoft.com/office/drawing/2016/SVG/main" r:embed="rId3"/>
-              </a:ext>
-            </a:extLst>
-          </a:blip>
-          <a:srcRect t="42970" b="41818"/>
-          <a:stretch/>
-        </p:blipFill>
-        <p:spPr>
-          <a:xfrm>
-            <a:off x="10162425" y="6511679"/>
-            <a:ext cx="1905000" cy="289784"/>
-          </a:xfrm>
-          <a:prstGeom prst="rect">
-            <a:avLst/>
-          </a:prstGeom>
-        </p:spPr>
-      </p:pic>
-      <p:sp>
-        <p:nvSpPr>
-          <p:cNvPr id="20" name="Rectangle 19">
-            <a:extLst>
-              <a:ext uri="{FF2B5EF4-FFF2-40B4-BE49-F238E27FC236}">
-                <a16:creationId xmlns:a16="http://schemas.microsoft.com/office/drawing/2014/main" id="{A9AB175F-B5E7-7D45-B153-F5410A39C714}"/>
-              </a:ext>
-            </a:extLst>
-          </p:cNvPr>
-          <p:cNvSpPr>
-            <a:spLocks/>
-          </p:cNvSpPr>
-          <p:nvPr userDrawn="1"/>
-        </p:nvSpPr>
-        <p:spPr>
-          <a:xfrm>
-            <a:off x="776446" y="6533946"/>
-            <a:ext cx="3561231" cy="215444"/>
-          </a:xfrm>
-          <a:prstGeom prst="rect">
-            <a:avLst/>
-          </a:prstGeom>
-          <a:noFill/>
-          <a:ln>
-            <a:noFill/>
-          </a:ln>
-        </p:spPr>
-        <p:txBody>
-          <a:bodyPr wrap="none" rIns="0">
-            <a:spAutoFit/>
-          </a:bodyPr>
-          <a:lstStyle/>
-          <a:p>
-            <a:pPr lvl="0" algn="r" defTabSz="1217613" rtl="0" eaLnBrk="1" fontAlgn="base" hangingPunct="1">
-              <a:spcBef>
-                <a:spcPct val="0"/>
-              </a:spcBef>
-              <a:spcAft>
-                <a:spcPct val="0"/>
-              </a:spcAft>
-            </a:pPr>
-            <a:r>
-              <a:rPr lang="en-US" sz="800" b="0" i="0" kern="1200" dirty="0">
-                <a:solidFill>
-                  <a:schemeClr val="tx1">
-                    <a:lumMod val="65000"/>
-                    <a:lumOff val="35000"/>
-                  </a:schemeClr>
-                </a:solidFill>
-                <a:latin typeface="Gotham Book" panose="02000604040000020004" pitchFamily="2" charset="0"/>
-                <a:ea typeface="+mn-ea"/>
-                <a:cs typeface="Arial" panose="020B0604020202020204" pitchFamily="34" charset="0"/>
-              </a:rPr>
-              <a:t>Copyright © 2019 HCL Technologies Limited  |  www.hcltechsw.com</a:t>
-            </a:r>
-          </a:p>
-        </p:txBody>
-      </p:sp>
-    </p:spTree>
-    <p:extLst>
-      <p:ext uri="{BB962C8B-B14F-4D97-AF65-F5344CB8AC3E}">
-        <p14:creationId xmlns:p14="http://schemas.microsoft.com/office/powerpoint/2010/main" val="2945801145"/>
       </p:ext>
     </p:extLst>
   </p:cSld>
@@ -1808,7 +1244,7 @@
           <a:p>
             <a:fld id="{4DBE8E04-ED98-45F7-9C60-9B27ABC20268}" type="datetimeFigureOut">
               <a:rPr lang="en-US" smtClean="0"/>
-              <a:t>1/1/2022</a:t>
+              <a:t>1/3/2022</a:t>
             </a:fld>
             <a:endParaRPr lang="en-US"/>
           </a:p>
@@ -2083,7 +1519,7 @@
           <a:p>
             <a:fld id="{4DBE8E04-ED98-45F7-9C60-9B27ABC20268}" type="datetimeFigureOut">
               <a:rPr lang="en-US" smtClean="0"/>
-              <a:t>1/1/2022</a:t>
+              <a:t>1/3/2022</a:t>
             </a:fld>
             <a:endParaRPr lang="en-US"/>
           </a:p>
@@ -2348,7 +1784,7 @@
           <a:p>
             <a:fld id="{4DBE8E04-ED98-45F7-9C60-9B27ABC20268}" type="datetimeFigureOut">
               <a:rPr lang="en-US" smtClean="0"/>
-              <a:t>1/1/2022</a:t>
+              <a:t>1/3/2022</a:t>
             </a:fld>
             <a:endParaRPr lang="en-US"/>
           </a:p>
@@ -2760,7 +2196,7 @@
           <a:p>
             <a:fld id="{4DBE8E04-ED98-45F7-9C60-9B27ABC20268}" type="datetimeFigureOut">
               <a:rPr lang="en-US" smtClean="0"/>
-              <a:t>1/1/2022</a:t>
+              <a:t>1/3/2022</a:t>
             </a:fld>
             <a:endParaRPr lang="en-US"/>
           </a:p>
@@ -2901,7 +2337,7 @@
           <a:p>
             <a:fld id="{4DBE8E04-ED98-45F7-9C60-9B27ABC20268}" type="datetimeFigureOut">
               <a:rPr lang="en-US" smtClean="0"/>
-              <a:t>1/1/2022</a:t>
+              <a:t>1/3/2022</a:t>
             </a:fld>
             <a:endParaRPr lang="en-US"/>
           </a:p>
@@ -3014,7 +2450,7 @@
           <a:p>
             <a:fld id="{4DBE8E04-ED98-45F7-9C60-9B27ABC20268}" type="datetimeFigureOut">
               <a:rPr lang="en-US" smtClean="0"/>
-              <a:t>1/1/2022</a:t>
+              <a:t>1/3/2022</a:t>
             </a:fld>
             <a:endParaRPr lang="en-US"/>
           </a:p>
@@ -3325,7 +2761,7 @@
           <a:p>
             <a:fld id="{4DBE8E04-ED98-45F7-9C60-9B27ABC20268}" type="datetimeFigureOut">
               <a:rPr lang="en-US" smtClean="0"/>
-              <a:t>1/1/2022</a:t>
+              <a:t>1/3/2022</a:t>
             </a:fld>
             <a:endParaRPr lang="en-US"/>
           </a:p>
@@ -3613,7 +3049,7 @@
           <a:p>
             <a:fld id="{4DBE8E04-ED98-45F7-9C60-9B27ABC20268}" type="datetimeFigureOut">
               <a:rPr lang="en-US" smtClean="0"/>
-              <a:t>1/1/2022</a:t>
+              <a:t>1/3/2022</a:t>
             </a:fld>
             <a:endParaRPr lang="en-US"/>
           </a:p>
@@ -3854,7 +3290,7 @@
           <a:p>
             <a:fld id="{4DBE8E04-ED98-45F7-9C60-9B27ABC20268}" type="datetimeFigureOut">
               <a:rPr lang="en-US" smtClean="0"/>
-              <a:t>1/1/2022</a:t>
+              <a:t>1/3/2022</a:t>
             </a:fld>
             <a:endParaRPr lang="en-US"/>
           </a:p>
@@ -3970,7 +3406,6 @@
     <p:sldLayoutId id="2147483657" r:id="rId9"/>
     <p:sldLayoutId id="2147483658" r:id="rId10"/>
     <p:sldLayoutId id="2147483659" r:id="rId11"/>
-    <p:sldLayoutId id="2147483660" r:id="rId12"/>
   </p:sldLayoutIdLst>
   <p:txStyles>
     <p:titleStyle>
@@ -4884,6 +4319,14 @@
 <file path=ppt/slides/slide2.xml><?xml version="1.0" encoding="utf-8"?>
 <p:sld xmlns:a="http://schemas.openxmlformats.org/drawingml/2006/main" xmlns:r="http://schemas.openxmlformats.org/officeDocument/2006/relationships" xmlns:p="http://schemas.openxmlformats.org/presentationml/2006/main">
   <p:cSld>
+    <p:bg>
+      <p:bgPr>
+        <a:solidFill>
+          <a:schemeClr val="bg1"/>
+        </a:solidFill>
+        <a:effectLst/>
+      </p:bgPr>
+    </p:bg>
     <p:spTree>
       <p:nvGrpSpPr>
         <p:cNvPr id="1" name=""/>
@@ -4900,92 +4343,150 @@
       </p:grpSpPr>
       <p:sp>
         <p:nvSpPr>
-          <p:cNvPr id="2" name="Title 1">
-            <a:extLst>
-              <a:ext uri="{FF2B5EF4-FFF2-40B4-BE49-F238E27FC236}">
-                <a16:creationId xmlns:a16="http://schemas.microsoft.com/office/drawing/2014/main" id="{6A30319B-157B-8746-A5F5-2FCB994BD888}"/>
-              </a:ext>
-            </a:extLst>
-          </p:cNvPr>
-          <p:cNvSpPr>
-            <a:spLocks noGrp="1"/>
-          </p:cNvSpPr>
-          <p:nvPr>
-            <p:ph type="title"/>
+          <p:cNvPr id="108" name="Rectangle 107">
+            <a:extLst>
+              <a:ext uri="{FF2B5EF4-FFF2-40B4-BE49-F238E27FC236}">
+                <a16:creationId xmlns:a16="http://schemas.microsoft.com/office/drawing/2014/main" id="{2B566528-1B12-4246-9431-5C2D7D081168}"/>
+              </a:ext>
+              <a:ext uri="{C183D7F6-B498-43B3-948B-1728B52AA6E4}">
+                <adec:decorative xmlns:adec="http://schemas.microsoft.com/office/drawing/2017/decorative" val="1"/>
+              </a:ext>
+            </a:extLst>
+          </p:cNvPr>
+          <p:cNvSpPr>
+            <a:spLocks noGrp="1" noRot="1" noChangeAspect="1" noMove="1" noResize="1" noEditPoints="1" noAdjustHandles="1" noChangeArrowheads="1" noChangeShapeType="1" noTextEdit="1"/>
+          </p:cNvSpPr>
+          <p:nvPr>
+            <p:extLst>
+              <p:ext uri="{386F3935-93C4-4BCD-93E2-E3B085C9AB24}">
+                <p16:designElem xmlns:p16="http://schemas.microsoft.com/office/powerpoint/2015/main" val="1"/>
+              </p:ext>
+            </p:extLst>
           </p:nvPr>
         </p:nvSpPr>
         <p:spPr>
           <a:xfrm>
-            <a:off x="127174" y="36427"/>
-            <a:ext cx="1406658" cy="626468"/>
-          </a:xfrm>
-        </p:spPr>
-        <p:txBody>
-          <a:bodyPr>
-            <a:normAutofit/>
-          </a:bodyPr>
-          <a:lstStyle/>
-          <a:p>
-            <a:r>
-              <a:rPr lang="en-US" dirty="0"/>
-              <a:t>Agenda</a:t>
-            </a:r>
-          </a:p>
-        </p:txBody>
-      </p:sp>
-      <p:sp>
-        <p:nvSpPr>
-          <p:cNvPr id="69" name="TextBox 68">
-            <a:extLst>
-              <a:ext uri="{FF2B5EF4-FFF2-40B4-BE49-F238E27FC236}">
-                <a16:creationId xmlns:a16="http://schemas.microsoft.com/office/drawing/2014/main" id="{34643A11-B9D5-43D5-9E65-3242360488F8}"/>
-              </a:ext>
-            </a:extLst>
-          </p:cNvPr>
-          <p:cNvSpPr txBox="1"/>
-          <p:nvPr/>
-        </p:nvSpPr>
-        <p:spPr>
-          <a:xfrm>
-            <a:off x="1533832" y="1049350"/>
-            <a:ext cx="9532374" cy="2057615"/>
+            <a:off x="0" y="0"/>
+            <a:ext cx="12192000" cy="6858000"/>
           </a:xfrm>
           <a:prstGeom prst="rect">
             <a:avLst/>
           </a:prstGeom>
-          <a:noFill/>
+          <a:solidFill>
+            <a:schemeClr val="bg1"/>
+          </a:solidFill>
+          <a:ln>
+            <a:noFill/>
+          </a:ln>
         </p:spPr>
-        <p:txBody>
-          <a:bodyPr wrap="square">
-            <a:spAutoFit/>
+        <p:style>
+          <a:lnRef idx="2">
+            <a:schemeClr val="accent1">
+              <a:shade val="50000"/>
+            </a:schemeClr>
+          </a:lnRef>
+          <a:fillRef idx="1">
+            <a:schemeClr val="accent1"/>
+          </a:fillRef>
+          <a:effectRef idx="0">
+            <a:schemeClr val="accent1"/>
+          </a:effectRef>
+          <a:fontRef idx="minor">
+            <a:schemeClr val="lt1"/>
+          </a:fontRef>
+        </p:style>
+        <p:txBody>
+          <a:bodyPr rtlCol="0" anchor="ctr"/>
+          <a:lstStyle/>
+          <a:p>
+            <a:pPr algn="ctr"/>
+            <a:endParaRPr lang="en-US" dirty="0"/>
+          </a:p>
+        </p:txBody>
+      </p:sp>
+      <p:sp>
+        <p:nvSpPr>
+          <p:cNvPr id="2" name="Title 1">
+            <a:extLst>
+              <a:ext uri="{FF2B5EF4-FFF2-40B4-BE49-F238E27FC236}">
+                <a16:creationId xmlns:a16="http://schemas.microsoft.com/office/drawing/2014/main" id="{6A30319B-157B-8746-A5F5-2FCB994BD888}"/>
+              </a:ext>
+            </a:extLst>
+          </p:cNvPr>
+          <p:cNvSpPr>
+            <a:spLocks noGrp="1"/>
+          </p:cNvSpPr>
+          <p:nvPr>
+            <p:ph type="title"/>
+          </p:nvPr>
+        </p:nvSpPr>
+        <p:spPr>
+          <a:xfrm>
+            <a:off x="520861" y="-22315"/>
+            <a:ext cx="10905066" cy="1135737"/>
+          </a:xfrm>
+        </p:spPr>
+        <p:txBody>
+          <a:bodyPr>
+            <a:normAutofit/>
           </a:bodyPr>
           <a:lstStyle/>
           <a:p>
-            <a:pPr>
-              <a:lnSpc>
-                <a:spcPts val="2160"/>
-              </a:lnSpc>
-            </a:pPr>
-            <a:endParaRPr lang="en-US" dirty="0">
-              <a:solidFill>
-                <a:srgbClr val="565656"/>
-              </a:solidFill>
+            <a:r>
+              <a:rPr lang="en-US" sz="2800" dirty="0">
+                <a:solidFill>
+                  <a:srgbClr val="4B4B4B"/>
+                </a:solidFill>
+                <a:latin typeface="Gotham Book" panose="02000604040000020004" pitchFamily="2" charset="0"/>
+              </a:rPr>
+              <a:t>Agenda</a:t>
+            </a:r>
+            <a:br>
+              <a:rPr lang="en-US" sz="3600" dirty="0"/>
+            </a:br>
+            <a:endParaRPr lang="en-US" sz="3600" dirty="0"/>
+          </a:p>
+        </p:txBody>
+      </p:sp>
+      <p:sp>
+        <p:nvSpPr>
+          <p:cNvPr id="94" name="Content Placeholder 2">
+            <a:extLst>
+              <a:ext uri="{FF2B5EF4-FFF2-40B4-BE49-F238E27FC236}">
+                <a16:creationId xmlns:a16="http://schemas.microsoft.com/office/drawing/2014/main" id="{77341559-1C5D-4247-A0DF-DA21E5DD70A2}"/>
+              </a:ext>
+            </a:extLst>
+          </p:cNvPr>
+          <p:cNvSpPr>
+            <a:spLocks noGrp="1"/>
+          </p:cNvSpPr>
+          <p:nvPr>
+            <p:ph idx="1"/>
+          </p:nvPr>
+        </p:nvSpPr>
+        <p:spPr>
+          <a:xfrm>
+            <a:off x="1423370" y="1248938"/>
+            <a:ext cx="10905066" cy="4393982"/>
+          </a:xfrm>
+        </p:spPr>
+        <p:txBody>
+          <a:bodyPr>
+            <a:normAutofit/>
+          </a:bodyPr>
+          <a:lstStyle/>
+          <a:p>
+            <a:endParaRPr lang="en-US" sz="2000" dirty="0">
               <a:latin typeface="metropolislight"/>
             </a:endParaRPr>
           </a:p>
           <a:p>
             <a:pPr marL="457200" indent="-457200">
-              <a:lnSpc>
-                <a:spcPts val="2160"/>
-              </a:lnSpc>
               <a:buFont typeface="+mj-lt"/>
               <a:buAutoNum type="arabicPeriod"/>
             </a:pPr>
             <a:r>
-              <a:rPr lang="en-US" dirty="0">
-                <a:solidFill>
-                  <a:srgbClr val="565656"/>
-                </a:solidFill>
+              <a:rPr lang="en-US" sz="2000" dirty="0">
                 <a:latin typeface="metropolislight"/>
               </a:rPr>
               <a:t>Introduction</a:t>
@@ -4993,17 +4494,11 @@
           </a:p>
           <a:p>
             <a:pPr marL="457200" indent="-457200">
-              <a:lnSpc>
-                <a:spcPts val="2160"/>
-              </a:lnSpc>
               <a:buFont typeface="+mj-lt"/>
               <a:buAutoNum type="arabicPeriod"/>
             </a:pPr>
             <a:r>
-              <a:rPr lang="en-US" dirty="0">
-                <a:solidFill>
-                  <a:srgbClr val="565656"/>
-                </a:solidFill>
+              <a:rPr lang="en-US" sz="2000" dirty="0">
                 <a:latin typeface="metropolislight"/>
               </a:rPr>
               <a:t>Docker Architecture</a:t>
@@ -5011,17 +4506,11 @@
           </a:p>
           <a:p>
             <a:pPr marL="457200" indent="-457200">
-              <a:lnSpc>
-                <a:spcPts val="2160"/>
-              </a:lnSpc>
               <a:buFont typeface="+mj-lt"/>
               <a:buAutoNum type="arabicPeriod"/>
             </a:pPr>
             <a:r>
-              <a:rPr lang="en-US" dirty="0">
-                <a:solidFill>
-                  <a:srgbClr val="565656"/>
-                </a:solidFill>
+              <a:rPr lang="en-US" sz="2000" dirty="0">
                 <a:latin typeface="metropolislight"/>
               </a:rPr>
               <a:t>Docker Containers</a:t>
@@ -5029,17 +4518,11 @@
           </a:p>
           <a:p>
             <a:pPr marL="457200" indent="-457200">
-              <a:lnSpc>
-                <a:spcPts val="2160"/>
-              </a:lnSpc>
               <a:buFont typeface="+mj-lt"/>
               <a:buAutoNum type="arabicPeriod"/>
             </a:pPr>
             <a:r>
-              <a:rPr lang="en-US" dirty="0">
-                <a:solidFill>
-                  <a:srgbClr val="565656"/>
-                </a:solidFill>
+              <a:rPr lang="en-US" sz="2000" dirty="0">
                 <a:latin typeface="metropolislight"/>
               </a:rPr>
               <a:t>Docker Images</a:t>
@@ -5047,17 +4530,11 @@
           </a:p>
           <a:p>
             <a:pPr marL="457200" indent="-457200">
-              <a:lnSpc>
-                <a:spcPts val="2160"/>
-              </a:lnSpc>
               <a:buFont typeface="+mj-lt"/>
               <a:buAutoNum type="arabicPeriod"/>
             </a:pPr>
             <a:r>
-              <a:rPr lang="en-US" dirty="0">
-                <a:solidFill>
-                  <a:srgbClr val="565656"/>
-                </a:solidFill>
+              <a:rPr lang="en-US" sz="2000" dirty="0">
                 <a:latin typeface="metropolislight"/>
               </a:rPr>
               <a:t>Docker Volumes </a:t>
@@ -5065,17 +4542,11 @@
           </a:p>
           <a:p>
             <a:pPr marL="457200" indent="-457200">
-              <a:lnSpc>
-                <a:spcPts val="2160"/>
-              </a:lnSpc>
               <a:buFont typeface="+mj-lt"/>
               <a:buAutoNum type="arabicPeriod"/>
             </a:pPr>
             <a:r>
-              <a:rPr lang="en-US" dirty="0">
-                <a:solidFill>
-                  <a:srgbClr val="565656"/>
-                </a:solidFill>
+              <a:rPr lang="en-US" sz="2000" dirty="0">
                 <a:latin typeface="metropolislight"/>
               </a:rPr>
               <a:t>Docker Compose</a:t>
@@ -5083,6 +4554,310 @@
           </a:p>
         </p:txBody>
       </p:sp>
+      <p:sp>
+        <p:nvSpPr>
+          <p:cNvPr id="126" name="Rectangle 109">
+            <a:extLst>
+              <a:ext uri="{FF2B5EF4-FFF2-40B4-BE49-F238E27FC236}">
+                <a16:creationId xmlns:a16="http://schemas.microsoft.com/office/drawing/2014/main" id="{2E80C965-DB6D-4F81-9E9E-B027384D0BD6}"/>
+              </a:ext>
+              <a:ext uri="{C183D7F6-B498-43B3-948B-1728B52AA6E4}">
+                <adec:decorative xmlns:adec="http://schemas.microsoft.com/office/drawing/2017/decorative" val="1"/>
+              </a:ext>
+            </a:extLst>
+          </p:cNvPr>
+          <p:cNvSpPr>
+            <a:spLocks noGrp="1" noRot="1" noChangeAspect="1" noMove="1" noResize="1" noEditPoints="1" noAdjustHandles="1" noChangeArrowheads="1" noChangeShapeType="1" noTextEdit="1"/>
+          </p:cNvSpPr>
+          <p:nvPr>
+            <p:extLst>
+              <p:ext uri="{386F3935-93C4-4BCD-93E2-E3B085C9AB24}">
+                <p16:designElem xmlns:p16="http://schemas.microsoft.com/office/powerpoint/2015/main" val="1"/>
+              </p:ext>
+            </p:extLst>
+          </p:nvPr>
+        </p:nvSpPr>
+        <p:spPr>
+          <a:xfrm rot="2700000">
+            <a:off x="11052629" y="2120024"/>
+            <a:ext cx="645368" cy="645368"/>
+          </a:xfrm>
+          <a:prstGeom prst="rect">
+            <a:avLst/>
+          </a:prstGeom>
+          <a:solidFill>
+            <a:schemeClr val="accent4">
+              <a:alpha val="30000"/>
+            </a:schemeClr>
+          </a:solidFill>
+          <a:ln>
+            <a:noFill/>
+          </a:ln>
+        </p:spPr>
+        <p:style>
+          <a:lnRef idx="2">
+            <a:schemeClr val="accent1">
+              <a:shade val="50000"/>
+            </a:schemeClr>
+          </a:lnRef>
+          <a:fillRef idx="1">
+            <a:schemeClr val="accent1"/>
+          </a:fillRef>
+          <a:effectRef idx="0">
+            <a:schemeClr val="accent1"/>
+          </a:effectRef>
+          <a:fontRef idx="minor">
+            <a:schemeClr val="lt1"/>
+          </a:fontRef>
+        </p:style>
+        <p:txBody>
+          <a:bodyPr rtlCol="0" anchor="ctr"/>
+          <a:lstStyle/>
+          <a:p>
+            <a:pPr algn="ctr"/>
+            <a:endParaRPr lang="en-US"/>
+          </a:p>
+        </p:txBody>
+      </p:sp>
+      <p:sp>
+        <p:nvSpPr>
+          <p:cNvPr id="112" name="Isosceles Triangle 111">
+            <a:extLst>
+              <a:ext uri="{FF2B5EF4-FFF2-40B4-BE49-F238E27FC236}">
+                <a16:creationId xmlns:a16="http://schemas.microsoft.com/office/drawing/2014/main" id="{A580F890-B085-4E95-96AA-55AEBEC5CE6E}"/>
+              </a:ext>
+              <a:ext uri="{C183D7F6-B498-43B3-948B-1728B52AA6E4}">
+                <adec:decorative xmlns:adec="http://schemas.microsoft.com/office/drawing/2017/decorative" val="1"/>
+              </a:ext>
+            </a:extLst>
+          </p:cNvPr>
+          <p:cNvSpPr>
+            <a:spLocks noGrp="1" noRot="1" noChangeAspect="1" noMove="1" noResize="1" noEditPoints="1" noAdjustHandles="1" noChangeArrowheads="1" noChangeShapeType="1" noTextEdit="1"/>
+          </p:cNvSpPr>
+          <p:nvPr>
+            <p:extLst>
+              <p:ext uri="{386F3935-93C4-4BCD-93E2-E3B085C9AB24}">
+                <p16:designElem xmlns:p16="http://schemas.microsoft.com/office/powerpoint/2015/main" val="1"/>
+              </p:ext>
+            </p:extLst>
+          </p:nvPr>
+        </p:nvSpPr>
+        <p:spPr>
+          <a:xfrm rot="16200000">
+            <a:off x="10289068" y="1343027"/>
+            <a:ext cx="2532832" cy="1273032"/>
+          </a:xfrm>
+          <a:prstGeom prst="triangle">
+            <a:avLst>
+              <a:gd name="adj" fmla="val 50000"/>
+            </a:avLst>
+          </a:prstGeom>
+          <a:solidFill>
+            <a:schemeClr val="accent4">
+              <a:alpha val="30000"/>
+            </a:schemeClr>
+          </a:solidFill>
+          <a:ln>
+            <a:noFill/>
+          </a:ln>
+        </p:spPr>
+        <p:style>
+          <a:lnRef idx="2">
+            <a:schemeClr val="accent1">
+              <a:shade val="50000"/>
+            </a:schemeClr>
+          </a:lnRef>
+          <a:fillRef idx="1">
+            <a:schemeClr val="accent1"/>
+          </a:fillRef>
+          <a:effectRef idx="0">
+            <a:schemeClr val="accent1"/>
+          </a:effectRef>
+          <a:fontRef idx="minor">
+            <a:schemeClr val="lt1"/>
+          </a:fontRef>
+        </p:style>
+        <p:txBody>
+          <a:bodyPr rtlCol="0" anchor="ctr"/>
+          <a:lstStyle/>
+          <a:p>
+            <a:pPr algn="ctr"/>
+            <a:endParaRPr lang="en-US"/>
+          </a:p>
+        </p:txBody>
+      </p:sp>
+      <p:sp>
+        <p:nvSpPr>
+          <p:cNvPr id="114" name="Isosceles Triangle 113">
+            <a:extLst>
+              <a:ext uri="{FF2B5EF4-FFF2-40B4-BE49-F238E27FC236}">
+                <a16:creationId xmlns:a16="http://schemas.microsoft.com/office/drawing/2014/main" id="{D3F51FEB-38FB-4F6C-9F7B-2F2AFAB65463}"/>
+              </a:ext>
+              <a:ext uri="{C183D7F6-B498-43B3-948B-1728B52AA6E4}">
+                <adec:decorative xmlns:adec="http://schemas.microsoft.com/office/drawing/2017/decorative" val="1"/>
+              </a:ext>
+            </a:extLst>
+          </p:cNvPr>
+          <p:cNvSpPr>
+            <a:spLocks noGrp="1" noRot="1" noChangeAspect="1" noMove="1" noResize="1" noEditPoints="1" noAdjustHandles="1" noChangeArrowheads="1" noChangeShapeType="1" noTextEdit="1"/>
+          </p:cNvSpPr>
+          <p:nvPr>
+            <p:extLst>
+              <p:ext uri="{386F3935-93C4-4BCD-93E2-E3B085C9AB24}">
+                <p16:designElem xmlns:p16="http://schemas.microsoft.com/office/powerpoint/2015/main" val="1"/>
+              </p:ext>
+            </p:extLst>
+          </p:nvPr>
+        </p:nvSpPr>
+        <p:spPr>
+          <a:xfrm rot="5400000">
+            <a:off x="-501760" y="5103257"/>
+            <a:ext cx="2017580" cy="1014060"/>
+          </a:xfrm>
+          <a:prstGeom prst="triangle">
+            <a:avLst>
+              <a:gd name="adj" fmla="val 50000"/>
+            </a:avLst>
+          </a:prstGeom>
+          <a:solidFill>
+            <a:schemeClr val="accent1">
+              <a:alpha val="30000"/>
+            </a:schemeClr>
+          </a:solidFill>
+          <a:ln>
+            <a:noFill/>
+          </a:ln>
+        </p:spPr>
+        <p:style>
+          <a:lnRef idx="2">
+            <a:schemeClr val="accent1">
+              <a:shade val="50000"/>
+            </a:schemeClr>
+          </a:lnRef>
+          <a:fillRef idx="1">
+            <a:schemeClr val="accent1"/>
+          </a:fillRef>
+          <a:effectRef idx="0">
+            <a:schemeClr val="accent1"/>
+          </a:effectRef>
+          <a:fontRef idx="minor">
+            <a:schemeClr val="lt1"/>
+          </a:fontRef>
+        </p:style>
+        <p:txBody>
+          <a:bodyPr wrap="square" rtlCol="0" anchor="ctr">
+            <a:noAutofit/>
+          </a:bodyPr>
+          <a:lstStyle/>
+          <a:p>
+            <a:pPr algn="ctr"/>
+            <a:endParaRPr lang="en-US"/>
+          </a:p>
+        </p:txBody>
+      </p:sp>
+      <p:sp>
+        <p:nvSpPr>
+          <p:cNvPr id="116" name="Rectangle 115">
+            <a:extLst>
+              <a:ext uri="{FF2B5EF4-FFF2-40B4-BE49-F238E27FC236}">
+                <a16:creationId xmlns:a16="http://schemas.microsoft.com/office/drawing/2014/main" id="{1E547BA6-BAE0-43BB-A7CA-60F69CE252F0}"/>
+              </a:ext>
+              <a:ext uri="{C183D7F6-B498-43B3-948B-1728B52AA6E4}">
+                <adec:decorative xmlns:adec="http://schemas.microsoft.com/office/drawing/2017/decorative" val="1"/>
+              </a:ext>
+            </a:extLst>
+          </p:cNvPr>
+          <p:cNvSpPr>
+            <a:spLocks noGrp="1" noRot="1" noChangeAspect="1" noMove="1" noResize="1" noEditPoints="1" noAdjustHandles="1" noChangeArrowheads="1" noChangeShapeType="1" noTextEdit="1"/>
+          </p:cNvSpPr>
+          <p:nvPr>
+            <p:extLst>
+              <p:ext uri="{386F3935-93C4-4BCD-93E2-E3B085C9AB24}">
+                <p16:designElem xmlns:p16="http://schemas.microsoft.com/office/powerpoint/2015/main" val="1"/>
+              </p:ext>
+            </p:extLst>
+          </p:nvPr>
+        </p:nvSpPr>
+        <p:spPr>
+          <a:xfrm rot="2700000">
+            <a:off x="427916" y="5728708"/>
+            <a:ext cx="485578" cy="485578"/>
+          </a:xfrm>
+          <a:prstGeom prst="rect">
+            <a:avLst/>
+          </a:prstGeom>
+          <a:solidFill>
+            <a:schemeClr val="accent1">
+              <a:alpha val="30000"/>
+            </a:schemeClr>
+          </a:solidFill>
+          <a:ln>
+            <a:noFill/>
+          </a:ln>
+        </p:spPr>
+        <p:style>
+          <a:lnRef idx="2">
+            <a:schemeClr val="accent1">
+              <a:shade val="50000"/>
+            </a:schemeClr>
+          </a:lnRef>
+          <a:fillRef idx="1">
+            <a:schemeClr val="accent1"/>
+          </a:fillRef>
+          <a:effectRef idx="0">
+            <a:schemeClr val="accent1"/>
+          </a:effectRef>
+          <a:fontRef idx="minor">
+            <a:schemeClr val="lt1"/>
+          </a:fontRef>
+        </p:style>
+        <p:txBody>
+          <a:bodyPr wrap="square" rtlCol="0" anchor="ctr">
+            <a:noAutofit/>
+          </a:bodyPr>
+          <a:lstStyle/>
+          <a:p>
+            <a:pPr algn="ctr"/>
+            <a:endParaRPr lang="en-US"/>
+          </a:p>
+        </p:txBody>
+      </p:sp>
+      <p:cxnSp>
+        <p:nvCxnSpPr>
+          <p:cNvPr id="5" name="Straight Connector 4">
+            <a:extLst>
+              <a:ext uri="{FF2B5EF4-FFF2-40B4-BE49-F238E27FC236}">
+                <a16:creationId xmlns:a16="http://schemas.microsoft.com/office/drawing/2014/main" id="{05484CBB-470F-4BF0-83D0-87C4C1A58BCB}"/>
+              </a:ext>
+            </a:extLst>
+          </p:cNvPr>
+          <p:cNvCxnSpPr/>
+          <p:nvPr/>
+        </p:nvCxnSpPr>
+        <p:spPr>
+          <a:xfrm>
+            <a:off x="0" y="577610"/>
+            <a:ext cx="12192000" cy="0"/>
+          </a:xfrm>
+          <a:prstGeom prst="line">
+            <a:avLst/>
+          </a:prstGeom>
+        </p:spPr>
+        <p:style>
+          <a:lnRef idx="1">
+            <a:schemeClr val="accent1"/>
+          </a:lnRef>
+          <a:fillRef idx="0">
+            <a:schemeClr val="accent1"/>
+          </a:fillRef>
+          <a:effectRef idx="0">
+            <a:schemeClr val="accent1"/>
+          </a:effectRef>
+          <a:fontRef idx="minor">
+            <a:schemeClr val="tx1"/>
+          </a:fontRef>
+        </p:style>
+      </p:cxnSp>
     </p:spTree>
     <p:extLst>
       <p:ext uri="{BB962C8B-B14F-4D97-AF65-F5344CB8AC3E}">
@@ -5099,6 +4874,14 @@
 <file path=ppt/slides/slide3.xml><?xml version="1.0" encoding="utf-8"?>
 <p:sld xmlns:a="http://schemas.openxmlformats.org/drawingml/2006/main" xmlns:r="http://schemas.openxmlformats.org/officeDocument/2006/relationships" xmlns:p="http://schemas.openxmlformats.org/presentationml/2006/main">
   <p:cSld>
+    <p:bg>
+      <p:bgPr>
+        <a:solidFill>
+          <a:schemeClr val="bg1"/>
+        </a:solidFill>
+        <a:effectLst/>
+      </p:bgPr>
+    </p:bg>
     <p:spTree>
       <p:nvGrpSpPr>
         <p:cNvPr id="1" name=""/>
@@ -5115,54 +4898,429 @@
       </p:grpSpPr>
       <p:sp>
         <p:nvSpPr>
-          <p:cNvPr id="2" name="Title 1">
-            <a:extLst>
-              <a:ext uri="{FF2B5EF4-FFF2-40B4-BE49-F238E27FC236}">
-                <a16:creationId xmlns:a16="http://schemas.microsoft.com/office/drawing/2014/main" id="{6722B905-44A5-4BD9-942B-905146822424}"/>
-              </a:ext>
-            </a:extLst>
-          </p:cNvPr>
-          <p:cNvSpPr>
-            <a:spLocks noGrp="1"/>
-          </p:cNvSpPr>
-          <p:nvPr>
-            <p:ph type="title"/>
+          <p:cNvPr id="108" name="Rectangle 107">
+            <a:extLst>
+              <a:ext uri="{FF2B5EF4-FFF2-40B4-BE49-F238E27FC236}">
+                <a16:creationId xmlns:a16="http://schemas.microsoft.com/office/drawing/2014/main" id="{2B566528-1B12-4246-9431-5C2D7D081168}"/>
+              </a:ext>
+              <a:ext uri="{C183D7F6-B498-43B3-948B-1728B52AA6E4}">
+                <adec:decorative xmlns:adec="http://schemas.microsoft.com/office/drawing/2017/decorative" val="1"/>
+              </a:ext>
+            </a:extLst>
+          </p:cNvPr>
+          <p:cNvSpPr>
+            <a:spLocks noGrp="1" noRot="1" noChangeAspect="1" noMove="1" noResize="1" noEditPoints="1" noAdjustHandles="1" noChangeArrowheads="1" noChangeShapeType="1" noTextEdit="1"/>
+          </p:cNvSpPr>
+          <p:nvPr>
+            <p:extLst>
+              <p:ext uri="{386F3935-93C4-4BCD-93E2-E3B085C9AB24}">
+                <p16:designElem xmlns:p16="http://schemas.microsoft.com/office/powerpoint/2015/main" val="1"/>
+              </p:ext>
+            </p:extLst>
           </p:nvPr>
         </p:nvSpPr>
         <p:spPr>
           <a:xfrm>
-            <a:off x="107077" y="197200"/>
-            <a:ext cx="1490611" cy="626468"/>
+            <a:off x="0" y="0"/>
+            <a:ext cx="12192000" cy="6858000"/>
+          </a:xfrm>
+          <a:prstGeom prst="rect">
+            <a:avLst/>
+          </a:prstGeom>
+          <a:solidFill>
+            <a:schemeClr val="bg1"/>
+          </a:solidFill>
+          <a:ln>
+            <a:noFill/>
+          </a:ln>
+        </p:spPr>
+        <p:style>
+          <a:lnRef idx="2">
+            <a:schemeClr val="accent1">
+              <a:shade val="50000"/>
+            </a:schemeClr>
+          </a:lnRef>
+          <a:fillRef idx="1">
+            <a:schemeClr val="accent1"/>
+          </a:fillRef>
+          <a:effectRef idx="0">
+            <a:schemeClr val="accent1"/>
+          </a:effectRef>
+          <a:fontRef idx="minor">
+            <a:schemeClr val="lt1"/>
+          </a:fontRef>
+        </p:style>
+        <p:txBody>
+          <a:bodyPr rtlCol="0" anchor="ctr"/>
+          <a:lstStyle/>
+          <a:p>
+            <a:pPr algn="ctr"/>
+            <a:endParaRPr lang="en-US" dirty="0"/>
+          </a:p>
+        </p:txBody>
+      </p:sp>
+      <p:sp>
+        <p:nvSpPr>
+          <p:cNvPr id="2" name="Title 1">
+            <a:extLst>
+              <a:ext uri="{FF2B5EF4-FFF2-40B4-BE49-F238E27FC236}">
+                <a16:creationId xmlns:a16="http://schemas.microsoft.com/office/drawing/2014/main" id="{6A30319B-157B-8746-A5F5-2FCB994BD888}"/>
+              </a:ext>
+            </a:extLst>
+          </p:cNvPr>
+          <p:cNvSpPr>
+            <a:spLocks noGrp="1"/>
+          </p:cNvSpPr>
+          <p:nvPr>
+            <p:ph type="title"/>
+          </p:nvPr>
+        </p:nvSpPr>
+        <p:spPr>
+          <a:xfrm>
+            <a:off x="520861" y="-22315"/>
+            <a:ext cx="10905066" cy="1135737"/>
           </a:xfrm>
         </p:spPr>
         <p:txBody>
           <a:bodyPr>
-            <a:normAutofit fontScale="90000"/>
+            <a:normAutofit/>
           </a:bodyPr>
           <a:lstStyle/>
           <a:p>
             <a:r>
-              <a:rPr lang="en-US" sz="3100" dirty="0"/>
+              <a:rPr kumimoji="0" lang="en-US" sz="2800" b="0" i="0" u="none" strike="noStrike" kern="1200" cap="none" spc="0" normalizeH="0" baseline="0" noProof="0" dirty="0">
+                <a:ln>
+                  <a:noFill/>
+                </a:ln>
+                <a:solidFill>
+                  <a:srgbClr val="4B4B4B"/>
+                </a:solidFill>
+                <a:effectLst/>
+                <a:uLnTx/>
+                <a:uFillTx/>
+                <a:latin typeface="Gotham Book" panose="02000604040000020004" pitchFamily="2" charset="0"/>
+                <a:ea typeface="+mj-ea"/>
+                <a:cs typeface="+mj-cs"/>
+              </a:rPr>
               <a:t>Docker</a:t>
             </a:r>
             <a:br>
-              <a:rPr lang="en-US" dirty="0">
-                <a:solidFill>
-                  <a:srgbClr val="565656"/>
-                </a:solidFill>
-                <a:latin typeface="metropolislight"/>
-              </a:rPr>
+              <a:rPr lang="en-US" sz="3600" dirty="0"/>
             </a:br>
-            <a:endParaRPr lang="en-US" dirty="0"/>
-          </a:p>
-        </p:txBody>
-      </p:sp>
-      <p:sp>
-        <p:nvSpPr>
-          <p:cNvPr id="3" name="TextBox 2">
-            <a:extLst>
-              <a:ext uri="{FF2B5EF4-FFF2-40B4-BE49-F238E27FC236}">
-                <a16:creationId xmlns:a16="http://schemas.microsoft.com/office/drawing/2014/main" id="{C6937109-A8D2-4993-9778-9522C2D134C1}"/>
+            <a:endParaRPr lang="en-US" sz="3600" dirty="0"/>
+          </a:p>
+        </p:txBody>
+      </p:sp>
+      <p:sp>
+        <p:nvSpPr>
+          <p:cNvPr id="126" name="Rectangle 109">
+            <a:extLst>
+              <a:ext uri="{FF2B5EF4-FFF2-40B4-BE49-F238E27FC236}">
+                <a16:creationId xmlns:a16="http://schemas.microsoft.com/office/drawing/2014/main" id="{2E80C965-DB6D-4F81-9E9E-B027384D0BD6}"/>
+              </a:ext>
+              <a:ext uri="{C183D7F6-B498-43B3-948B-1728B52AA6E4}">
+                <adec:decorative xmlns:adec="http://schemas.microsoft.com/office/drawing/2017/decorative" val="1"/>
+              </a:ext>
+            </a:extLst>
+          </p:cNvPr>
+          <p:cNvSpPr>
+            <a:spLocks noGrp="1" noRot="1" noChangeAspect="1" noMove="1" noResize="1" noEditPoints="1" noAdjustHandles="1" noChangeArrowheads="1" noChangeShapeType="1" noTextEdit="1"/>
+          </p:cNvSpPr>
+          <p:nvPr>
+            <p:extLst>
+              <p:ext uri="{386F3935-93C4-4BCD-93E2-E3B085C9AB24}">
+                <p16:designElem xmlns:p16="http://schemas.microsoft.com/office/powerpoint/2015/main" val="1"/>
+              </p:ext>
+            </p:extLst>
+          </p:nvPr>
+        </p:nvSpPr>
+        <p:spPr>
+          <a:xfrm rot="2700000">
+            <a:off x="11052629" y="2120024"/>
+            <a:ext cx="645368" cy="645368"/>
+          </a:xfrm>
+          <a:prstGeom prst="rect">
+            <a:avLst/>
+          </a:prstGeom>
+          <a:solidFill>
+            <a:schemeClr val="accent4">
+              <a:alpha val="30000"/>
+            </a:schemeClr>
+          </a:solidFill>
+          <a:ln>
+            <a:noFill/>
+          </a:ln>
+        </p:spPr>
+        <p:style>
+          <a:lnRef idx="2">
+            <a:schemeClr val="accent1">
+              <a:shade val="50000"/>
+            </a:schemeClr>
+          </a:lnRef>
+          <a:fillRef idx="1">
+            <a:schemeClr val="accent1"/>
+          </a:fillRef>
+          <a:effectRef idx="0">
+            <a:schemeClr val="accent1"/>
+          </a:effectRef>
+          <a:fontRef idx="minor">
+            <a:schemeClr val="lt1"/>
+          </a:fontRef>
+        </p:style>
+        <p:txBody>
+          <a:bodyPr rtlCol="0" anchor="ctr"/>
+          <a:lstStyle/>
+          <a:p>
+            <a:pPr algn="ctr"/>
+            <a:endParaRPr lang="en-US"/>
+          </a:p>
+        </p:txBody>
+      </p:sp>
+      <p:sp>
+        <p:nvSpPr>
+          <p:cNvPr id="112" name="Isosceles Triangle 111">
+            <a:extLst>
+              <a:ext uri="{FF2B5EF4-FFF2-40B4-BE49-F238E27FC236}">
+                <a16:creationId xmlns:a16="http://schemas.microsoft.com/office/drawing/2014/main" id="{A580F890-B085-4E95-96AA-55AEBEC5CE6E}"/>
+              </a:ext>
+              <a:ext uri="{C183D7F6-B498-43B3-948B-1728B52AA6E4}">
+                <adec:decorative xmlns:adec="http://schemas.microsoft.com/office/drawing/2017/decorative" val="1"/>
+              </a:ext>
+            </a:extLst>
+          </p:cNvPr>
+          <p:cNvSpPr>
+            <a:spLocks noGrp="1" noRot="1" noChangeAspect="1" noMove="1" noResize="1" noEditPoints="1" noAdjustHandles="1" noChangeArrowheads="1" noChangeShapeType="1" noTextEdit="1"/>
+          </p:cNvSpPr>
+          <p:nvPr>
+            <p:extLst>
+              <p:ext uri="{386F3935-93C4-4BCD-93E2-E3B085C9AB24}">
+                <p16:designElem xmlns:p16="http://schemas.microsoft.com/office/powerpoint/2015/main" val="1"/>
+              </p:ext>
+            </p:extLst>
+          </p:nvPr>
+        </p:nvSpPr>
+        <p:spPr>
+          <a:xfrm rot="16200000">
+            <a:off x="10289068" y="1343027"/>
+            <a:ext cx="2532832" cy="1273032"/>
+          </a:xfrm>
+          <a:prstGeom prst="triangle">
+            <a:avLst>
+              <a:gd name="adj" fmla="val 50000"/>
+            </a:avLst>
+          </a:prstGeom>
+          <a:solidFill>
+            <a:schemeClr val="accent4">
+              <a:alpha val="30000"/>
+            </a:schemeClr>
+          </a:solidFill>
+          <a:ln>
+            <a:noFill/>
+          </a:ln>
+        </p:spPr>
+        <p:style>
+          <a:lnRef idx="2">
+            <a:schemeClr val="accent1">
+              <a:shade val="50000"/>
+            </a:schemeClr>
+          </a:lnRef>
+          <a:fillRef idx="1">
+            <a:schemeClr val="accent1"/>
+          </a:fillRef>
+          <a:effectRef idx="0">
+            <a:schemeClr val="accent1"/>
+          </a:effectRef>
+          <a:fontRef idx="minor">
+            <a:schemeClr val="lt1"/>
+          </a:fontRef>
+        </p:style>
+        <p:txBody>
+          <a:bodyPr rtlCol="0" anchor="ctr"/>
+          <a:lstStyle/>
+          <a:p>
+            <a:pPr algn="ctr"/>
+            <a:endParaRPr lang="en-US"/>
+          </a:p>
+        </p:txBody>
+      </p:sp>
+      <p:sp>
+        <p:nvSpPr>
+          <p:cNvPr id="114" name="Isosceles Triangle 113">
+            <a:extLst>
+              <a:ext uri="{FF2B5EF4-FFF2-40B4-BE49-F238E27FC236}">
+                <a16:creationId xmlns:a16="http://schemas.microsoft.com/office/drawing/2014/main" id="{D3F51FEB-38FB-4F6C-9F7B-2F2AFAB65463}"/>
+              </a:ext>
+              <a:ext uri="{C183D7F6-B498-43B3-948B-1728B52AA6E4}">
+                <adec:decorative xmlns:adec="http://schemas.microsoft.com/office/drawing/2017/decorative" val="1"/>
+              </a:ext>
+            </a:extLst>
+          </p:cNvPr>
+          <p:cNvSpPr>
+            <a:spLocks noGrp="1" noRot="1" noChangeAspect="1" noMove="1" noResize="1" noEditPoints="1" noAdjustHandles="1" noChangeArrowheads="1" noChangeShapeType="1" noTextEdit="1"/>
+          </p:cNvSpPr>
+          <p:nvPr>
+            <p:extLst>
+              <p:ext uri="{386F3935-93C4-4BCD-93E2-E3B085C9AB24}">
+                <p16:designElem xmlns:p16="http://schemas.microsoft.com/office/powerpoint/2015/main" val="1"/>
+              </p:ext>
+            </p:extLst>
+          </p:nvPr>
+        </p:nvSpPr>
+        <p:spPr>
+          <a:xfrm rot="5400000">
+            <a:off x="-501760" y="5103257"/>
+            <a:ext cx="2017580" cy="1014060"/>
+          </a:xfrm>
+          <a:prstGeom prst="triangle">
+            <a:avLst>
+              <a:gd name="adj" fmla="val 50000"/>
+            </a:avLst>
+          </a:prstGeom>
+          <a:solidFill>
+            <a:schemeClr val="accent1">
+              <a:alpha val="30000"/>
+            </a:schemeClr>
+          </a:solidFill>
+          <a:ln>
+            <a:noFill/>
+          </a:ln>
+        </p:spPr>
+        <p:style>
+          <a:lnRef idx="2">
+            <a:schemeClr val="accent1">
+              <a:shade val="50000"/>
+            </a:schemeClr>
+          </a:lnRef>
+          <a:fillRef idx="1">
+            <a:schemeClr val="accent1"/>
+          </a:fillRef>
+          <a:effectRef idx="0">
+            <a:schemeClr val="accent1"/>
+          </a:effectRef>
+          <a:fontRef idx="minor">
+            <a:schemeClr val="lt1"/>
+          </a:fontRef>
+        </p:style>
+        <p:txBody>
+          <a:bodyPr wrap="square" rtlCol="0" anchor="ctr">
+            <a:noAutofit/>
+          </a:bodyPr>
+          <a:lstStyle/>
+          <a:p>
+            <a:pPr algn="ctr"/>
+            <a:endParaRPr lang="en-US"/>
+          </a:p>
+        </p:txBody>
+      </p:sp>
+      <p:sp>
+        <p:nvSpPr>
+          <p:cNvPr id="116" name="Rectangle 115">
+            <a:extLst>
+              <a:ext uri="{FF2B5EF4-FFF2-40B4-BE49-F238E27FC236}">
+                <a16:creationId xmlns:a16="http://schemas.microsoft.com/office/drawing/2014/main" id="{1E547BA6-BAE0-43BB-A7CA-60F69CE252F0}"/>
+              </a:ext>
+              <a:ext uri="{C183D7F6-B498-43B3-948B-1728B52AA6E4}">
+                <adec:decorative xmlns:adec="http://schemas.microsoft.com/office/drawing/2017/decorative" val="1"/>
+              </a:ext>
+            </a:extLst>
+          </p:cNvPr>
+          <p:cNvSpPr>
+            <a:spLocks noGrp="1" noRot="1" noChangeAspect="1" noMove="1" noResize="1" noEditPoints="1" noAdjustHandles="1" noChangeArrowheads="1" noChangeShapeType="1" noTextEdit="1"/>
+          </p:cNvSpPr>
+          <p:nvPr>
+            <p:extLst>
+              <p:ext uri="{386F3935-93C4-4BCD-93E2-E3B085C9AB24}">
+                <p16:designElem xmlns:p16="http://schemas.microsoft.com/office/powerpoint/2015/main" val="1"/>
+              </p:ext>
+            </p:extLst>
+          </p:nvPr>
+        </p:nvSpPr>
+        <p:spPr>
+          <a:xfrm rot="2700000">
+            <a:off x="427916" y="5728708"/>
+            <a:ext cx="485578" cy="485578"/>
+          </a:xfrm>
+          <a:prstGeom prst="rect">
+            <a:avLst/>
+          </a:prstGeom>
+          <a:solidFill>
+            <a:schemeClr val="accent1">
+              <a:alpha val="30000"/>
+            </a:schemeClr>
+          </a:solidFill>
+          <a:ln>
+            <a:noFill/>
+          </a:ln>
+        </p:spPr>
+        <p:style>
+          <a:lnRef idx="2">
+            <a:schemeClr val="accent1">
+              <a:shade val="50000"/>
+            </a:schemeClr>
+          </a:lnRef>
+          <a:fillRef idx="1">
+            <a:schemeClr val="accent1"/>
+          </a:fillRef>
+          <a:effectRef idx="0">
+            <a:schemeClr val="accent1"/>
+          </a:effectRef>
+          <a:fontRef idx="minor">
+            <a:schemeClr val="lt1"/>
+          </a:fontRef>
+        </p:style>
+        <p:txBody>
+          <a:bodyPr wrap="square" rtlCol="0" anchor="ctr">
+            <a:noAutofit/>
+          </a:bodyPr>
+          <a:lstStyle/>
+          <a:p>
+            <a:pPr algn="ctr"/>
+            <a:endParaRPr lang="en-US"/>
+          </a:p>
+        </p:txBody>
+      </p:sp>
+      <p:cxnSp>
+        <p:nvCxnSpPr>
+          <p:cNvPr id="5" name="Straight Connector 4">
+            <a:extLst>
+              <a:ext uri="{FF2B5EF4-FFF2-40B4-BE49-F238E27FC236}">
+                <a16:creationId xmlns:a16="http://schemas.microsoft.com/office/drawing/2014/main" id="{05484CBB-470F-4BF0-83D0-87C4C1A58BCB}"/>
+              </a:ext>
+            </a:extLst>
+          </p:cNvPr>
+          <p:cNvCxnSpPr/>
+          <p:nvPr/>
+        </p:nvCxnSpPr>
+        <p:spPr>
+          <a:xfrm>
+            <a:off x="0" y="577610"/>
+            <a:ext cx="12192000" cy="0"/>
+          </a:xfrm>
+          <a:prstGeom prst="line">
+            <a:avLst/>
+          </a:prstGeom>
+        </p:spPr>
+        <p:style>
+          <a:lnRef idx="1">
+            <a:schemeClr val="accent1"/>
+          </a:lnRef>
+          <a:fillRef idx="0">
+            <a:schemeClr val="accent1"/>
+          </a:fillRef>
+          <a:effectRef idx="0">
+            <a:schemeClr val="accent1"/>
+          </a:effectRef>
+          <a:fontRef idx="minor">
+            <a:schemeClr val="tx1"/>
+          </a:fontRef>
+        </p:style>
+      </p:cxnSp>
+      <p:sp>
+        <p:nvSpPr>
+          <p:cNvPr id="12" name="TextBox 11">
+            <a:extLst>
+              <a:ext uri="{FF2B5EF4-FFF2-40B4-BE49-F238E27FC236}">
+                <a16:creationId xmlns:a16="http://schemas.microsoft.com/office/drawing/2014/main" id="{2B224964-71AA-425E-AAF3-1CF62F59D87F}"/>
               </a:ext>
             </a:extLst>
           </p:cNvPr>
@@ -5171,7 +5329,7 @@
         </p:nvSpPr>
         <p:spPr>
           <a:xfrm>
-            <a:off x="1416817" y="1155560"/>
+            <a:off x="1383901" y="1355537"/>
             <a:ext cx="10038304" cy="2031325"/>
           </a:xfrm>
           <a:prstGeom prst="rect">
@@ -5249,7 +5407,7 @@
     </p:spTree>
     <p:extLst>
       <p:ext uri="{BB962C8B-B14F-4D97-AF65-F5344CB8AC3E}">
-        <p14:creationId xmlns:p14="http://schemas.microsoft.com/office/powerpoint/2010/main" val="2426707211"/>
+        <p14:creationId xmlns:p14="http://schemas.microsoft.com/office/powerpoint/2010/main" val="2425994022"/>
       </p:ext>
     </p:extLst>
   </p:cSld>
@@ -5262,6 +5420,14 @@
 <file path=ppt/slides/slide4.xml><?xml version="1.0" encoding="utf-8"?>
 <p:sld xmlns:a="http://schemas.openxmlformats.org/drawingml/2006/main" xmlns:r="http://schemas.openxmlformats.org/officeDocument/2006/relationships" xmlns:p="http://schemas.openxmlformats.org/presentationml/2006/main">
   <p:cSld>
+    <p:bg>
+      <p:bgPr>
+        <a:solidFill>
+          <a:schemeClr val="bg1"/>
+        </a:solidFill>
+        <a:effectLst/>
+      </p:bgPr>
+    </p:bg>
     <p:spTree>
       <p:nvGrpSpPr>
         <p:cNvPr id="1" name=""/>
@@ -5278,49 +5444,429 @@
       </p:grpSpPr>
       <p:sp>
         <p:nvSpPr>
-          <p:cNvPr id="2" name="Title 1">
-            <a:extLst>
-              <a:ext uri="{FF2B5EF4-FFF2-40B4-BE49-F238E27FC236}">
-                <a16:creationId xmlns:a16="http://schemas.microsoft.com/office/drawing/2014/main" id="{6C65B055-F16B-41F3-A679-2BC43FEADE8B}"/>
-              </a:ext>
-            </a:extLst>
-          </p:cNvPr>
-          <p:cNvSpPr>
-            <a:spLocks noGrp="1"/>
-          </p:cNvSpPr>
-          <p:nvPr>
-            <p:ph type="title"/>
+          <p:cNvPr id="108" name="Rectangle 107">
+            <a:extLst>
+              <a:ext uri="{FF2B5EF4-FFF2-40B4-BE49-F238E27FC236}">
+                <a16:creationId xmlns:a16="http://schemas.microsoft.com/office/drawing/2014/main" id="{2B566528-1B12-4246-9431-5C2D7D081168}"/>
+              </a:ext>
+              <a:ext uri="{C183D7F6-B498-43B3-948B-1728B52AA6E4}">
+                <adec:decorative xmlns:adec="http://schemas.microsoft.com/office/drawing/2017/decorative" val="1"/>
+              </a:ext>
+            </a:extLst>
+          </p:cNvPr>
+          <p:cNvSpPr>
+            <a:spLocks noGrp="1" noRot="1" noChangeAspect="1" noMove="1" noResize="1" noEditPoints="1" noAdjustHandles="1" noChangeArrowheads="1" noChangeShapeType="1" noTextEdit="1"/>
+          </p:cNvSpPr>
+          <p:nvPr>
+            <p:extLst>
+              <p:ext uri="{386F3935-93C4-4BCD-93E2-E3B085C9AB24}">
+                <p16:designElem xmlns:p16="http://schemas.microsoft.com/office/powerpoint/2015/main" val="1"/>
+              </p:ext>
+            </p:extLst>
           </p:nvPr>
         </p:nvSpPr>
         <p:spPr>
           <a:xfrm>
-            <a:off x="127175" y="36427"/>
-            <a:ext cx="2013124" cy="626468"/>
+            <a:off x="0" y="0"/>
+            <a:ext cx="12192000" cy="6858000"/>
+          </a:xfrm>
+          <a:prstGeom prst="rect">
+            <a:avLst/>
+          </a:prstGeom>
+          <a:solidFill>
+            <a:schemeClr val="bg1"/>
+          </a:solidFill>
+          <a:ln>
+            <a:noFill/>
+          </a:ln>
+        </p:spPr>
+        <p:style>
+          <a:lnRef idx="2">
+            <a:schemeClr val="accent1">
+              <a:shade val="50000"/>
+            </a:schemeClr>
+          </a:lnRef>
+          <a:fillRef idx="1">
+            <a:schemeClr val="accent1"/>
+          </a:fillRef>
+          <a:effectRef idx="0">
+            <a:schemeClr val="accent1"/>
+          </a:effectRef>
+          <a:fontRef idx="minor">
+            <a:schemeClr val="lt1"/>
+          </a:fontRef>
+        </p:style>
+        <p:txBody>
+          <a:bodyPr rtlCol="0" anchor="ctr"/>
+          <a:lstStyle/>
+          <a:p>
+            <a:pPr algn="ctr"/>
+            <a:endParaRPr lang="en-US" dirty="0"/>
+          </a:p>
+        </p:txBody>
+      </p:sp>
+      <p:sp>
+        <p:nvSpPr>
+          <p:cNvPr id="2" name="Title 1">
+            <a:extLst>
+              <a:ext uri="{FF2B5EF4-FFF2-40B4-BE49-F238E27FC236}">
+                <a16:creationId xmlns:a16="http://schemas.microsoft.com/office/drawing/2014/main" id="{6A30319B-157B-8746-A5F5-2FCB994BD888}"/>
+              </a:ext>
+            </a:extLst>
+          </p:cNvPr>
+          <p:cNvSpPr>
+            <a:spLocks noGrp="1"/>
+          </p:cNvSpPr>
+          <p:nvPr>
+            <p:ph type="title"/>
+          </p:nvPr>
+        </p:nvSpPr>
+        <p:spPr>
+          <a:xfrm>
+            <a:off x="520861" y="-22315"/>
+            <a:ext cx="10905066" cy="1135737"/>
           </a:xfrm>
         </p:spPr>
         <p:txBody>
-          <a:bodyPr/>
-          <a:lstStyle/>
-          <a:p>
-            <a:r>
-              <a:rPr lang="en-US" dirty="0">
+          <a:bodyPr>
+            <a:normAutofit/>
+          </a:bodyPr>
+          <a:lstStyle/>
+          <a:p>
+            <a:r>
+              <a:rPr kumimoji="0" lang="en-US" sz="2800" b="0" i="0" u="none" strike="noStrike" kern="1200" cap="none" spc="0" normalizeH="0" baseline="0" noProof="0" dirty="0">
+                <a:ln>
+                  <a:noFill/>
+                </a:ln>
                 <a:solidFill>
                   <a:srgbClr val="565656"/>
                 </a:solidFill>
+                <a:effectLst/>
+                <a:uLnTx/>
+                <a:uFillTx/>
                 <a:latin typeface="metropolislight"/>
+                <a:ea typeface="+mj-ea"/>
+                <a:cs typeface="+mj-cs"/>
               </a:rPr>
               <a:t>Architecture</a:t>
             </a:r>
-            <a:endParaRPr lang="en-US" dirty="0"/>
-          </a:p>
-        </p:txBody>
-      </p:sp>
+            <a:br>
+              <a:rPr lang="en-US" sz="3600" dirty="0"/>
+            </a:br>
+            <a:endParaRPr lang="en-US" sz="3600" dirty="0"/>
+          </a:p>
+        </p:txBody>
+      </p:sp>
+      <p:sp>
+        <p:nvSpPr>
+          <p:cNvPr id="126" name="Rectangle 109">
+            <a:extLst>
+              <a:ext uri="{FF2B5EF4-FFF2-40B4-BE49-F238E27FC236}">
+                <a16:creationId xmlns:a16="http://schemas.microsoft.com/office/drawing/2014/main" id="{2E80C965-DB6D-4F81-9E9E-B027384D0BD6}"/>
+              </a:ext>
+              <a:ext uri="{C183D7F6-B498-43B3-948B-1728B52AA6E4}">
+                <adec:decorative xmlns:adec="http://schemas.microsoft.com/office/drawing/2017/decorative" val="1"/>
+              </a:ext>
+            </a:extLst>
+          </p:cNvPr>
+          <p:cNvSpPr>
+            <a:spLocks noGrp="1" noRot="1" noChangeAspect="1" noMove="1" noResize="1" noEditPoints="1" noAdjustHandles="1" noChangeArrowheads="1" noChangeShapeType="1" noTextEdit="1"/>
+          </p:cNvSpPr>
+          <p:nvPr>
+            <p:extLst>
+              <p:ext uri="{386F3935-93C4-4BCD-93E2-E3B085C9AB24}">
+                <p16:designElem xmlns:p16="http://schemas.microsoft.com/office/powerpoint/2015/main" val="1"/>
+              </p:ext>
+            </p:extLst>
+          </p:nvPr>
+        </p:nvSpPr>
+        <p:spPr>
+          <a:xfrm rot="2700000">
+            <a:off x="11052629" y="2120024"/>
+            <a:ext cx="645368" cy="645368"/>
+          </a:xfrm>
+          <a:prstGeom prst="rect">
+            <a:avLst/>
+          </a:prstGeom>
+          <a:solidFill>
+            <a:schemeClr val="accent4">
+              <a:alpha val="30000"/>
+            </a:schemeClr>
+          </a:solidFill>
+          <a:ln>
+            <a:noFill/>
+          </a:ln>
+        </p:spPr>
+        <p:style>
+          <a:lnRef idx="2">
+            <a:schemeClr val="accent1">
+              <a:shade val="50000"/>
+            </a:schemeClr>
+          </a:lnRef>
+          <a:fillRef idx="1">
+            <a:schemeClr val="accent1"/>
+          </a:fillRef>
+          <a:effectRef idx="0">
+            <a:schemeClr val="accent1"/>
+          </a:effectRef>
+          <a:fontRef idx="minor">
+            <a:schemeClr val="lt1"/>
+          </a:fontRef>
+        </p:style>
+        <p:txBody>
+          <a:bodyPr rtlCol="0" anchor="ctr"/>
+          <a:lstStyle/>
+          <a:p>
+            <a:pPr algn="ctr"/>
+            <a:endParaRPr lang="en-US"/>
+          </a:p>
+        </p:txBody>
+      </p:sp>
+      <p:sp>
+        <p:nvSpPr>
+          <p:cNvPr id="112" name="Isosceles Triangle 111">
+            <a:extLst>
+              <a:ext uri="{FF2B5EF4-FFF2-40B4-BE49-F238E27FC236}">
+                <a16:creationId xmlns:a16="http://schemas.microsoft.com/office/drawing/2014/main" id="{A580F890-B085-4E95-96AA-55AEBEC5CE6E}"/>
+              </a:ext>
+              <a:ext uri="{C183D7F6-B498-43B3-948B-1728B52AA6E4}">
+                <adec:decorative xmlns:adec="http://schemas.microsoft.com/office/drawing/2017/decorative" val="1"/>
+              </a:ext>
+            </a:extLst>
+          </p:cNvPr>
+          <p:cNvSpPr>
+            <a:spLocks noGrp="1" noRot="1" noChangeAspect="1" noMove="1" noResize="1" noEditPoints="1" noAdjustHandles="1" noChangeArrowheads="1" noChangeShapeType="1" noTextEdit="1"/>
+          </p:cNvSpPr>
+          <p:nvPr>
+            <p:extLst>
+              <p:ext uri="{386F3935-93C4-4BCD-93E2-E3B085C9AB24}">
+                <p16:designElem xmlns:p16="http://schemas.microsoft.com/office/powerpoint/2015/main" val="1"/>
+              </p:ext>
+            </p:extLst>
+          </p:nvPr>
+        </p:nvSpPr>
+        <p:spPr>
+          <a:xfrm rot="16200000">
+            <a:off x="10289068" y="1343027"/>
+            <a:ext cx="2532832" cy="1273032"/>
+          </a:xfrm>
+          <a:prstGeom prst="triangle">
+            <a:avLst>
+              <a:gd name="adj" fmla="val 50000"/>
+            </a:avLst>
+          </a:prstGeom>
+          <a:solidFill>
+            <a:schemeClr val="accent4">
+              <a:alpha val="30000"/>
+            </a:schemeClr>
+          </a:solidFill>
+          <a:ln>
+            <a:noFill/>
+          </a:ln>
+        </p:spPr>
+        <p:style>
+          <a:lnRef idx="2">
+            <a:schemeClr val="accent1">
+              <a:shade val="50000"/>
+            </a:schemeClr>
+          </a:lnRef>
+          <a:fillRef idx="1">
+            <a:schemeClr val="accent1"/>
+          </a:fillRef>
+          <a:effectRef idx="0">
+            <a:schemeClr val="accent1"/>
+          </a:effectRef>
+          <a:fontRef idx="minor">
+            <a:schemeClr val="lt1"/>
+          </a:fontRef>
+        </p:style>
+        <p:txBody>
+          <a:bodyPr rtlCol="0" anchor="ctr"/>
+          <a:lstStyle/>
+          <a:p>
+            <a:pPr algn="ctr"/>
+            <a:endParaRPr lang="en-US"/>
+          </a:p>
+        </p:txBody>
+      </p:sp>
+      <p:sp>
+        <p:nvSpPr>
+          <p:cNvPr id="114" name="Isosceles Triangle 113">
+            <a:extLst>
+              <a:ext uri="{FF2B5EF4-FFF2-40B4-BE49-F238E27FC236}">
+                <a16:creationId xmlns:a16="http://schemas.microsoft.com/office/drawing/2014/main" id="{D3F51FEB-38FB-4F6C-9F7B-2F2AFAB65463}"/>
+              </a:ext>
+              <a:ext uri="{C183D7F6-B498-43B3-948B-1728B52AA6E4}">
+                <adec:decorative xmlns:adec="http://schemas.microsoft.com/office/drawing/2017/decorative" val="1"/>
+              </a:ext>
+            </a:extLst>
+          </p:cNvPr>
+          <p:cNvSpPr>
+            <a:spLocks noGrp="1" noRot="1" noChangeAspect="1" noMove="1" noResize="1" noEditPoints="1" noAdjustHandles="1" noChangeArrowheads="1" noChangeShapeType="1" noTextEdit="1"/>
+          </p:cNvSpPr>
+          <p:nvPr>
+            <p:extLst>
+              <p:ext uri="{386F3935-93C4-4BCD-93E2-E3B085C9AB24}">
+                <p16:designElem xmlns:p16="http://schemas.microsoft.com/office/powerpoint/2015/main" val="1"/>
+              </p:ext>
+            </p:extLst>
+          </p:nvPr>
+        </p:nvSpPr>
+        <p:spPr>
+          <a:xfrm rot="5400000">
+            <a:off x="-501760" y="5103257"/>
+            <a:ext cx="2017580" cy="1014060"/>
+          </a:xfrm>
+          <a:prstGeom prst="triangle">
+            <a:avLst>
+              <a:gd name="adj" fmla="val 50000"/>
+            </a:avLst>
+          </a:prstGeom>
+          <a:solidFill>
+            <a:schemeClr val="accent1">
+              <a:alpha val="30000"/>
+            </a:schemeClr>
+          </a:solidFill>
+          <a:ln>
+            <a:noFill/>
+          </a:ln>
+        </p:spPr>
+        <p:style>
+          <a:lnRef idx="2">
+            <a:schemeClr val="accent1">
+              <a:shade val="50000"/>
+            </a:schemeClr>
+          </a:lnRef>
+          <a:fillRef idx="1">
+            <a:schemeClr val="accent1"/>
+          </a:fillRef>
+          <a:effectRef idx="0">
+            <a:schemeClr val="accent1"/>
+          </a:effectRef>
+          <a:fontRef idx="minor">
+            <a:schemeClr val="lt1"/>
+          </a:fontRef>
+        </p:style>
+        <p:txBody>
+          <a:bodyPr wrap="square" rtlCol="0" anchor="ctr">
+            <a:noAutofit/>
+          </a:bodyPr>
+          <a:lstStyle/>
+          <a:p>
+            <a:pPr algn="ctr"/>
+            <a:endParaRPr lang="en-US"/>
+          </a:p>
+        </p:txBody>
+      </p:sp>
+      <p:sp>
+        <p:nvSpPr>
+          <p:cNvPr id="116" name="Rectangle 115">
+            <a:extLst>
+              <a:ext uri="{FF2B5EF4-FFF2-40B4-BE49-F238E27FC236}">
+                <a16:creationId xmlns:a16="http://schemas.microsoft.com/office/drawing/2014/main" id="{1E547BA6-BAE0-43BB-A7CA-60F69CE252F0}"/>
+              </a:ext>
+              <a:ext uri="{C183D7F6-B498-43B3-948B-1728B52AA6E4}">
+                <adec:decorative xmlns:adec="http://schemas.microsoft.com/office/drawing/2017/decorative" val="1"/>
+              </a:ext>
+            </a:extLst>
+          </p:cNvPr>
+          <p:cNvSpPr>
+            <a:spLocks noGrp="1" noRot="1" noChangeAspect="1" noMove="1" noResize="1" noEditPoints="1" noAdjustHandles="1" noChangeArrowheads="1" noChangeShapeType="1" noTextEdit="1"/>
+          </p:cNvSpPr>
+          <p:nvPr>
+            <p:extLst>
+              <p:ext uri="{386F3935-93C4-4BCD-93E2-E3B085C9AB24}">
+                <p16:designElem xmlns:p16="http://schemas.microsoft.com/office/powerpoint/2015/main" val="1"/>
+              </p:ext>
+            </p:extLst>
+          </p:nvPr>
+        </p:nvSpPr>
+        <p:spPr>
+          <a:xfrm rot="2700000">
+            <a:off x="427916" y="5728708"/>
+            <a:ext cx="485578" cy="485578"/>
+          </a:xfrm>
+          <a:prstGeom prst="rect">
+            <a:avLst/>
+          </a:prstGeom>
+          <a:solidFill>
+            <a:schemeClr val="accent1">
+              <a:alpha val="30000"/>
+            </a:schemeClr>
+          </a:solidFill>
+          <a:ln>
+            <a:noFill/>
+          </a:ln>
+        </p:spPr>
+        <p:style>
+          <a:lnRef idx="2">
+            <a:schemeClr val="accent1">
+              <a:shade val="50000"/>
+            </a:schemeClr>
+          </a:lnRef>
+          <a:fillRef idx="1">
+            <a:schemeClr val="accent1"/>
+          </a:fillRef>
+          <a:effectRef idx="0">
+            <a:schemeClr val="accent1"/>
+          </a:effectRef>
+          <a:fontRef idx="minor">
+            <a:schemeClr val="lt1"/>
+          </a:fontRef>
+        </p:style>
+        <p:txBody>
+          <a:bodyPr wrap="square" rtlCol="0" anchor="ctr">
+            <a:noAutofit/>
+          </a:bodyPr>
+          <a:lstStyle/>
+          <a:p>
+            <a:pPr algn="ctr"/>
+            <a:endParaRPr lang="en-US"/>
+          </a:p>
+        </p:txBody>
+      </p:sp>
+      <p:cxnSp>
+        <p:nvCxnSpPr>
+          <p:cNvPr id="5" name="Straight Connector 4">
+            <a:extLst>
+              <a:ext uri="{FF2B5EF4-FFF2-40B4-BE49-F238E27FC236}">
+                <a16:creationId xmlns:a16="http://schemas.microsoft.com/office/drawing/2014/main" id="{05484CBB-470F-4BF0-83D0-87C4C1A58BCB}"/>
+              </a:ext>
+            </a:extLst>
+          </p:cNvPr>
+          <p:cNvCxnSpPr/>
+          <p:nvPr/>
+        </p:nvCxnSpPr>
+        <p:spPr>
+          <a:xfrm>
+            <a:off x="0" y="577610"/>
+            <a:ext cx="12192000" cy="0"/>
+          </a:xfrm>
+          <a:prstGeom prst="line">
+            <a:avLst/>
+          </a:prstGeom>
+        </p:spPr>
+        <p:style>
+          <a:lnRef idx="1">
+            <a:schemeClr val="accent1"/>
+          </a:lnRef>
+          <a:fillRef idx="0">
+            <a:schemeClr val="accent1"/>
+          </a:fillRef>
+          <a:effectRef idx="0">
+            <a:schemeClr val="accent1"/>
+          </a:effectRef>
+          <a:fontRef idx="minor">
+            <a:schemeClr val="tx1"/>
+          </a:fontRef>
+        </p:style>
+      </p:cxnSp>
       <p:pic>
         <p:nvPicPr>
-          <p:cNvPr id="4" name="Picture 3" descr="Diagram&#10;&#10;Description automatically generated">
-            <a:extLst>
-              <a:ext uri="{FF2B5EF4-FFF2-40B4-BE49-F238E27FC236}">
-                <a16:creationId xmlns:a16="http://schemas.microsoft.com/office/drawing/2014/main" id="{BABD763E-31D0-4C9A-AE2C-73828D9B39DC}"/>
+          <p:cNvPr id="10" name="Picture 9" descr="Diagram&#10;&#10;Description automatically generated">
+            <a:extLst>
+              <a:ext uri="{FF2B5EF4-FFF2-40B4-BE49-F238E27FC236}">
+                <a16:creationId xmlns:a16="http://schemas.microsoft.com/office/drawing/2014/main" id="{449CB79A-7C16-4769-8EE8-35191A75820E}"/>
               </a:ext>
             </a:extLst>
           </p:cNvPr>
@@ -5343,7 +5889,7 @@
         </p:blipFill>
         <p:spPr>
           <a:xfrm>
-            <a:off x="1622672" y="1116129"/>
+            <a:off x="1622672" y="1290594"/>
             <a:ext cx="8946655" cy="4625741"/>
           </a:xfrm>
           <a:prstGeom prst="rect">
@@ -5354,7 +5900,7 @@
     </p:spTree>
     <p:extLst>
       <p:ext uri="{BB962C8B-B14F-4D97-AF65-F5344CB8AC3E}">
-        <p14:creationId xmlns:p14="http://schemas.microsoft.com/office/powerpoint/2010/main" val="817460771"/>
+        <p14:creationId xmlns:p14="http://schemas.microsoft.com/office/powerpoint/2010/main" val="2929952641"/>
       </p:ext>
     </p:extLst>
   </p:cSld>
@@ -5367,6 +5913,14 @@
 <file path=ppt/slides/slide5.xml><?xml version="1.0" encoding="utf-8"?>
 <p:sld xmlns:a="http://schemas.openxmlformats.org/drawingml/2006/main" xmlns:r="http://schemas.openxmlformats.org/officeDocument/2006/relationships" xmlns:p="http://schemas.openxmlformats.org/presentationml/2006/main">
   <p:cSld>
+    <p:bg>
+      <p:bgPr>
+        <a:solidFill>
+          <a:schemeClr val="bg1"/>
+        </a:solidFill>
+        <a:effectLst/>
+      </p:bgPr>
+    </p:bg>
     <p:spTree>
       <p:nvGrpSpPr>
         <p:cNvPr id="1" name=""/>
@@ -5383,81 +5937,429 @@
       </p:grpSpPr>
       <p:sp>
         <p:nvSpPr>
-          <p:cNvPr id="2" name="Title 1">
-            <a:extLst>
-              <a:ext uri="{FF2B5EF4-FFF2-40B4-BE49-F238E27FC236}">
-                <a16:creationId xmlns:a16="http://schemas.microsoft.com/office/drawing/2014/main" id="{70AEC1B2-2649-4A50-8436-C7CA42810F73}"/>
-              </a:ext>
-            </a:extLst>
-          </p:cNvPr>
-          <p:cNvSpPr>
-            <a:spLocks noGrp="1"/>
-          </p:cNvSpPr>
-          <p:nvPr>
-            <p:ph type="title"/>
+          <p:cNvPr id="108" name="Rectangle 107">
+            <a:extLst>
+              <a:ext uri="{FF2B5EF4-FFF2-40B4-BE49-F238E27FC236}">
+                <a16:creationId xmlns:a16="http://schemas.microsoft.com/office/drawing/2014/main" id="{2B566528-1B12-4246-9431-5C2D7D081168}"/>
+              </a:ext>
+              <a:ext uri="{C183D7F6-B498-43B3-948B-1728B52AA6E4}">
+                <adec:decorative xmlns:adec="http://schemas.microsoft.com/office/drawing/2017/decorative" val="1"/>
+              </a:ext>
+            </a:extLst>
+          </p:cNvPr>
+          <p:cNvSpPr>
+            <a:spLocks noGrp="1" noRot="1" noChangeAspect="1" noMove="1" noResize="1" noEditPoints="1" noAdjustHandles="1" noChangeArrowheads="1" noChangeShapeType="1" noTextEdit="1"/>
+          </p:cNvSpPr>
+          <p:nvPr>
+            <p:extLst>
+              <p:ext uri="{386F3935-93C4-4BCD-93E2-E3B085C9AB24}">
+                <p16:designElem xmlns:p16="http://schemas.microsoft.com/office/powerpoint/2015/main" val="1"/>
+              </p:ext>
+            </p:extLst>
           </p:nvPr>
         </p:nvSpPr>
         <p:spPr>
           <a:xfrm>
-            <a:off x="127175" y="36427"/>
-            <a:ext cx="1741818" cy="626468"/>
-          </a:xfrm>
-        </p:spPr>
-        <p:txBody>
-          <a:bodyPr/>
-          <a:lstStyle/>
-          <a:p>
-            <a:r>
-              <a:rPr lang="en-US" dirty="0">
-                <a:solidFill>
-                  <a:srgbClr val="565656"/>
-                </a:solidFill>
-                <a:latin typeface="metropolislight"/>
-              </a:rPr>
-              <a:t>Containers</a:t>
-            </a:r>
-            <a:endParaRPr lang="en-US" dirty="0"/>
-          </a:p>
-        </p:txBody>
-      </p:sp>
-      <p:sp>
-        <p:nvSpPr>
-          <p:cNvPr id="4" name="TextBox 3">
-            <a:extLst>
-              <a:ext uri="{FF2B5EF4-FFF2-40B4-BE49-F238E27FC236}">
-                <a16:creationId xmlns:a16="http://schemas.microsoft.com/office/drawing/2014/main" id="{7125B27D-82C4-4D88-89EA-E082B2F388F0}"/>
-              </a:ext>
-            </a:extLst>
-          </p:cNvPr>
-          <p:cNvSpPr txBox="1"/>
-          <p:nvPr/>
-        </p:nvSpPr>
-        <p:spPr>
-          <a:xfrm>
-            <a:off x="1055077" y="994787"/>
-            <a:ext cx="10540721" cy="4994031"/>
+            <a:off x="0" y="0"/>
+            <a:ext cx="12192000" cy="6858000"/>
           </a:xfrm>
           <a:prstGeom prst="rect">
             <a:avLst/>
           </a:prstGeom>
-          <a:noFill/>
+          <a:solidFill>
+            <a:schemeClr val="bg1"/>
+          </a:solidFill>
+          <a:ln>
+            <a:noFill/>
+          </a:ln>
         </p:spPr>
-        <p:txBody>
-          <a:bodyPr wrap="square" rtlCol="0">
-            <a:spAutoFit/>
+        <p:style>
+          <a:lnRef idx="2">
+            <a:schemeClr val="accent1">
+              <a:shade val="50000"/>
+            </a:schemeClr>
+          </a:lnRef>
+          <a:fillRef idx="1">
+            <a:schemeClr val="accent1"/>
+          </a:fillRef>
+          <a:effectRef idx="0">
+            <a:schemeClr val="accent1"/>
+          </a:effectRef>
+          <a:fontRef idx="minor">
+            <a:schemeClr val="lt1"/>
+          </a:fontRef>
+        </p:style>
+        <p:txBody>
+          <a:bodyPr rtlCol="0" anchor="ctr"/>
+          <a:lstStyle/>
+          <a:p>
+            <a:pPr algn="ctr"/>
+            <a:endParaRPr lang="en-US" dirty="0"/>
+          </a:p>
+        </p:txBody>
+      </p:sp>
+      <p:sp>
+        <p:nvSpPr>
+          <p:cNvPr id="2" name="Title 1">
+            <a:extLst>
+              <a:ext uri="{FF2B5EF4-FFF2-40B4-BE49-F238E27FC236}">
+                <a16:creationId xmlns:a16="http://schemas.microsoft.com/office/drawing/2014/main" id="{6A30319B-157B-8746-A5F5-2FCB994BD888}"/>
+              </a:ext>
+            </a:extLst>
+          </p:cNvPr>
+          <p:cNvSpPr>
+            <a:spLocks noGrp="1"/>
+          </p:cNvSpPr>
+          <p:nvPr>
+            <p:ph type="title"/>
+          </p:nvPr>
+        </p:nvSpPr>
+        <p:spPr>
+          <a:xfrm>
+            <a:off x="520861" y="-22315"/>
+            <a:ext cx="10905066" cy="1135737"/>
+          </a:xfrm>
+        </p:spPr>
+        <p:txBody>
+          <a:bodyPr>
+            <a:normAutofit/>
           </a:bodyPr>
           <a:lstStyle/>
           <a:p>
-            <a:endParaRPr lang="en-US" dirty="0"/>
-          </a:p>
-        </p:txBody>
-      </p:sp>
-      <p:sp>
-        <p:nvSpPr>
-          <p:cNvPr id="5" name="TextBox 4">
-            <a:extLst>
-              <a:ext uri="{FF2B5EF4-FFF2-40B4-BE49-F238E27FC236}">
-                <a16:creationId xmlns:a16="http://schemas.microsoft.com/office/drawing/2014/main" id="{2648632D-6A8E-4D8E-B10D-0B53943BE012}"/>
+            <a:r>
+              <a:rPr kumimoji="0" lang="en-US" sz="2800" b="0" i="0" u="none" strike="noStrike" kern="1200" cap="none" spc="0" normalizeH="0" baseline="0" noProof="0" dirty="0">
+                <a:ln>
+                  <a:noFill/>
+                </a:ln>
+                <a:solidFill>
+                  <a:srgbClr val="565656"/>
+                </a:solidFill>
+                <a:effectLst/>
+                <a:uLnTx/>
+                <a:uFillTx/>
+                <a:latin typeface="metropolislight"/>
+                <a:ea typeface="+mj-ea"/>
+                <a:cs typeface="+mj-cs"/>
+              </a:rPr>
+              <a:t>Containers</a:t>
+            </a:r>
+            <a:br>
+              <a:rPr lang="en-US" sz="3600" dirty="0"/>
+            </a:br>
+            <a:endParaRPr lang="en-US" sz="3600" dirty="0"/>
+          </a:p>
+        </p:txBody>
+      </p:sp>
+      <p:sp>
+        <p:nvSpPr>
+          <p:cNvPr id="126" name="Rectangle 109">
+            <a:extLst>
+              <a:ext uri="{FF2B5EF4-FFF2-40B4-BE49-F238E27FC236}">
+                <a16:creationId xmlns:a16="http://schemas.microsoft.com/office/drawing/2014/main" id="{2E80C965-DB6D-4F81-9E9E-B027384D0BD6}"/>
+              </a:ext>
+              <a:ext uri="{C183D7F6-B498-43B3-948B-1728B52AA6E4}">
+                <adec:decorative xmlns:adec="http://schemas.microsoft.com/office/drawing/2017/decorative" val="1"/>
+              </a:ext>
+            </a:extLst>
+          </p:cNvPr>
+          <p:cNvSpPr>
+            <a:spLocks noGrp="1" noRot="1" noChangeAspect="1" noMove="1" noResize="1" noEditPoints="1" noAdjustHandles="1" noChangeArrowheads="1" noChangeShapeType="1" noTextEdit="1"/>
+          </p:cNvSpPr>
+          <p:nvPr>
+            <p:extLst>
+              <p:ext uri="{386F3935-93C4-4BCD-93E2-E3B085C9AB24}">
+                <p16:designElem xmlns:p16="http://schemas.microsoft.com/office/powerpoint/2015/main" val="1"/>
+              </p:ext>
+            </p:extLst>
+          </p:nvPr>
+        </p:nvSpPr>
+        <p:spPr>
+          <a:xfrm rot="2700000">
+            <a:off x="11052629" y="2120024"/>
+            <a:ext cx="645368" cy="645368"/>
+          </a:xfrm>
+          <a:prstGeom prst="rect">
+            <a:avLst/>
+          </a:prstGeom>
+          <a:solidFill>
+            <a:schemeClr val="accent4">
+              <a:alpha val="30000"/>
+            </a:schemeClr>
+          </a:solidFill>
+          <a:ln>
+            <a:noFill/>
+          </a:ln>
+        </p:spPr>
+        <p:style>
+          <a:lnRef idx="2">
+            <a:schemeClr val="accent1">
+              <a:shade val="50000"/>
+            </a:schemeClr>
+          </a:lnRef>
+          <a:fillRef idx="1">
+            <a:schemeClr val="accent1"/>
+          </a:fillRef>
+          <a:effectRef idx="0">
+            <a:schemeClr val="accent1"/>
+          </a:effectRef>
+          <a:fontRef idx="minor">
+            <a:schemeClr val="lt1"/>
+          </a:fontRef>
+        </p:style>
+        <p:txBody>
+          <a:bodyPr rtlCol="0" anchor="ctr"/>
+          <a:lstStyle/>
+          <a:p>
+            <a:pPr algn="ctr"/>
+            <a:endParaRPr lang="en-US"/>
+          </a:p>
+        </p:txBody>
+      </p:sp>
+      <p:sp>
+        <p:nvSpPr>
+          <p:cNvPr id="112" name="Isosceles Triangle 111">
+            <a:extLst>
+              <a:ext uri="{FF2B5EF4-FFF2-40B4-BE49-F238E27FC236}">
+                <a16:creationId xmlns:a16="http://schemas.microsoft.com/office/drawing/2014/main" id="{A580F890-B085-4E95-96AA-55AEBEC5CE6E}"/>
+              </a:ext>
+              <a:ext uri="{C183D7F6-B498-43B3-948B-1728B52AA6E4}">
+                <adec:decorative xmlns:adec="http://schemas.microsoft.com/office/drawing/2017/decorative" val="1"/>
+              </a:ext>
+            </a:extLst>
+          </p:cNvPr>
+          <p:cNvSpPr>
+            <a:spLocks noGrp="1" noRot="1" noChangeAspect="1" noMove="1" noResize="1" noEditPoints="1" noAdjustHandles="1" noChangeArrowheads="1" noChangeShapeType="1" noTextEdit="1"/>
+          </p:cNvSpPr>
+          <p:nvPr>
+            <p:extLst>
+              <p:ext uri="{386F3935-93C4-4BCD-93E2-E3B085C9AB24}">
+                <p16:designElem xmlns:p16="http://schemas.microsoft.com/office/powerpoint/2015/main" val="1"/>
+              </p:ext>
+            </p:extLst>
+          </p:nvPr>
+        </p:nvSpPr>
+        <p:spPr>
+          <a:xfrm rot="16200000">
+            <a:off x="10289068" y="1343027"/>
+            <a:ext cx="2532832" cy="1273032"/>
+          </a:xfrm>
+          <a:prstGeom prst="triangle">
+            <a:avLst>
+              <a:gd name="adj" fmla="val 50000"/>
+            </a:avLst>
+          </a:prstGeom>
+          <a:solidFill>
+            <a:schemeClr val="accent4">
+              <a:alpha val="30000"/>
+            </a:schemeClr>
+          </a:solidFill>
+          <a:ln>
+            <a:noFill/>
+          </a:ln>
+        </p:spPr>
+        <p:style>
+          <a:lnRef idx="2">
+            <a:schemeClr val="accent1">
+              <a:shade val="50000"/>
+            </a:schemeClr>
+          </a:lnRef>
+          <a:fillRef idx="1">
+            <a:schemeClr val="accent1"/>
+          </a:fillRef>
+          <a:effectRef idx="0">
+            <a:schemeClr val="accent1"/>
+          </a:effectRef>
+          <a:fontRef idx="minor">
+            <a:schemeClr val="lt1"/>
+          </a:fontRef>
+        </p:style>
+        <p:txBody>
+          <a:bodyPr rtlCol="0" anchor="ctr"/>
+          <a:lstStyle/>
+          <a:p>
+            <a:pPr algn="ctr"/>
+            <a:endParaRPr lang="en-US"/>
+          </a:p>
+        </p:txBody>
+      </p:sp>
+      <p:sp>
+        <p:nvSpPr>
+          <p:cNvPr id="114" name="Isosceles Triangle 113">
+            <a:extLst>
+              <a:ext uri="{FF2B5EF4-FFF2-40B4-BE49-F238E27FC236}">
+                <a16:creationId xmlns:a16="http://schemas.microsoft.com/office/drawing/2014/main" id="{D3F51FEB-38FB-4F6C-9F7B-2F2AFAB65463}"/>
+              </a:ext>
+              <a:ext uri="{C183D7F6-B498-43B3-948B-1728B52AA6E4}">
+                <adec:decorative xmlns:adec="http://schemas.microsoft.com/office/drawing/2017/decorative" val="1"/>
+              </a:ext>
+            </a:extLst>
+          </p:cNvPr>
+          <p:cNvSpPr>
+            <a:spLocks noGrp="1" noRot="1" noChangeAspect="1" noMove="1" noResize="1" noEditPoints="1" noAdjustHandles="1" noChangeArrowheads="1" noChangeShapeType="1" noTextEdit="1"/>
+          </p:cNvSpPr>
+          <p:nvPr>
+            <p:extLst>
+              <p:ext uri="{386F3935-93C4-4BCD-93E2-E3B085C9AB24}">
+                <p16:designElem xmlns:p16="http://schemas.microsoft.com/office/powerpoint/2015/main" val="1"/>
+              </p:ext>
+            </p:extLst>
+          </p:nvPr>
+        </p:nvSpPr>
+        <p:spPr>
+          <a:xfrm rot="5400000">
+            <a:off x="-501760" y="5103257"/>
+            <a:ext cx="2017580" cy="1014060"/>
+          </a:xfrm>
+          <a:prstGeom prst="triangle">
+            <a:avLst>
+              <a:gd name="adj" fmla="val 50000"/>
+            </a:avLst>
+          </a:prstGeom>
+          <a:solidFill>
+            <a:schemeClr val="accent1">
+              <a:alpha val="30000"/>
+            </a:schemeClr>
+          </a:solidFill>
+          <a:ln>
+            <a:noFill/>
+          </a:ln>
+        </p:spPr>
+        <p:style>
+          <a:lnRef idx="2">
+            <a:schemeClr val="accent1">
+              <a:shade val="50000"/>
+            </a:schemeClr>
+          </a:lnRef>
+          <a:fillRef idx="1">
+            <a:schemeClr val="accent1"/>
+          </a:fillRef>
+          <a:effectRef idx="0">
+            <a:schemeClr val="accent1"/>
+          </a:effectRef>
+          <a:fontRef idx="minor">
+            <a:schemeClr val="lt1"/>
+          </a:fontRef>
+        </p:style>
+        <p:txBody>
+          <a:bodyPr wrap="square" rtlCol="0" anchor="ctr">
+            <a:noAutofit/>
+          </a:bodyPr>
+          <a:lstStyle/>
+          <a:p>
+            <a:pPr algn="ctr"/>
+            <a:endParaRPr lang="en-US"/>
+          </a:p>
+        </p:txBody>
+      </p:sp>
+      <p:sp>
+        <p:nvSpPr>
+          <p:cNvPr id="116" name="Rectangle 115">
+            <a:extLst>
+              <a:ext uri="{FF2B5EF4-FFF2-40B4-BE49-F238E27FC236}">
+                <a16:creationId xmlns:a16="http://schemas.microsoft.com/office/drawing/2014/main" id="{1E547BA6-BAE0-43BB-A7CA-60F69CE252F0}"/>
+              </a:ext>
+              <a:ext uri="{C183D7F6-B498-43B3-948B-1728B52AA6E4}">
+                <adec:decorative xmlns:adec="http://schemas.microsoft.com/office/drawing/2017/decorative" val="1"/>
+              </a:ext>
+            </a:extLst>
+          </p:cNvPr>
+          <p:cNvSpPr>
+            <a:spLocks noGrp="1" noRot="1" noChangeAspect="1" noMove="1" noResize="1" noEditPoints="1" noAdjustHandles="1" noChangeArrowheads="1" noChangeShapeType="1" noTextEdit="1"/>
+          </p:cNvSpPr>
+          <p:nvPr>
+            <p:extLst>
+              <p:ext uri="{386F3935-93C4-4BCD-93E2-E3B085C9AB24}">
+                <p16:designElem xmlns:p16="http://schemas.microsoft.com/office/powerpoint/2015/main" val="1"/>
+              </p:ext>
+            </p:extLst>
+          </p:nvPr>
+        </p:nvSpPr>
+        <p:spPr>
+          <a:xfrm rot="2700000">
+            <a:off x="427916" y="5728708"/>
+            <a:ext cx="485578" cy="485578"/>
+          </a:xfrm>
+          <a:prstGeom prst="rect">
+            <a:avLst/>
+          </a:prstGeom>
+          <a:solidFill>
+            <a:schemeClr val="accent1">
+              <a:alpha val="30000"/>
+            </a:schemeClr>
+          </a:solidFill>
+          <a:ln>
+            <a:noFill/>
+          </a:ln>
+        </p:spPr>
+        <p:style>
+          <a:lnRef idx="2">
+            <a:schemeClr val="accent1">
+              <a:shade val="50000"/>
+            </a:schemeClr>
+          </a:lnRef>
+          <a:fillRef idx="1">
+            <a:schemeClr val="accent1"/>
+          </a:fillRef>
+          <a:effectRef idx="0">
+            <a:schemeClr val="accent1"/>
+          </a:effectRef>
+          <a:fontRef idx="minor">
+            <a:schemeClr val="lt1"/>
+          </a:fontRef>
+        </p:style>
+        <p:txBody>
+          <a:bodyPr wrap="square" rtlCol="0" anchor="ctr">
+            <a:noAutofit/>
+          </a:bodyPr>
+          <a:lstStyle/>
+          <a:p>
+            <a:pPr algn="ctr"/>
+            <a:endParaRPr lang="en-US"/>
+          </a:p>
+        </p:txBody>
+      </p:sp>
+      <p:cxnSp>
+        <p:nvCxnSpPr>
+          <p:cNvPr id="5" name="Straight Connector 4">
+            <a:extLst>
+              <a:ext uri="{FF2B5EF4-FFF2-40B4-BE49-F238E27FC236}">
+                <a16:creationId xmlns:a16="http://schemas.microsoft.com/office/drawing/2014/main" id="{05484CBB-470F-4BF0-83D0-87C4C1A58BCB}"/>
+              </a:ext>
+            </a:extLst>
+          </p:cNvPr>
+          <p:cNvCxnSpPr/>
+          <p:nvPr/>
+        </p:nvCxnSpPr>
+        <p:spPr>
+          <a:xfrm>
+            <a:off x="0" y="577610"/>
+            <a:ext cx="12192000" cy="0"/>
+          </a:xfrm>
+          <a:prstGeom prst="line">
+            <a:avLst/>
+          </a:prstGeom>
+        </p:spPr>
+        <p:style>
+          <a:lnRef idx="1">
+            <a:schemeClr val="accent1"/>
+          </a:lnRef>
+          <a:fillRef idx="0">
+            <a:schemeClr val="accent1"/>
+          </a:fillRef>
+          <a:effectRef idx="0">
+            <a:schemeClr val="accent1"/>
+          </a:effectRef>
+          <a:fontRef idx="minor">
+            <a:schemeClr val="tx1"/>
+          </a:fontRef>
+        </p:style>
+      </p:cxnSp>
+      <p:sp>
+        <p:nvSpPr>
+          <p:cNvPr id="11" name="TextBox 10">
+            <a:extLst>
+              <a:ext uri="{FF2B5EF4-FFF2-40B4-BE49-F238E27FC236}">
+                <a16:creationId xmlns:a16="http://schemas.microsoft.com/office/drawing/2014/main" id="{617108C1-12DB-44B6-9347-85C82D10939B}"/>
               </a:ext>
             </a:extLst>
           </p:cNvPr>
@@ -5543,10 +6445,10 @@
       </p:sp>
       <p:sp>
         <p:nvSpPr>
-          <p:cNvPr id="6" name="TextBox 5">
-            <a:extLst>
-              <a:ext uri="{FF2B5EF4-FFF2-40B4-BE49-F238E27FC236}">
-                <a16:creationId xmlns:a16="http://schemas.microsoft.com/office/drawing/2014/main" id="{66BBEF98-0FB2-4B15-9D13-CEDBA4781A2A}"/>
+          <p:cNvPr id="12" name="TextBox 11">
+            <a:extLst>
+              <a:ext uri="{FF2B5EF4-FFF2-40B4-BE49-F238E27FC236}">
+                <a16:creationId xmlns:a16="http://schemas.microsoft.com/office/drawing/2014/main" id="{A809ED23-97A2-45CD-881F-F21151331F19}"/>
               </a:ext>
             </a:extLst>
           </p:cNvPr>
@@ -5861,7 +6763,7 @@
     </p:spTree>
     <p:extLst>
       <p:ext uri="{BB962C8B-B14F-4D97-AF65-F5344CB8AC3E}">
-        <p14:creationId xmlns:p14="http://schemas.microsoft.com/office/powerpoint/2010/main" val="1192085846"/>
+        <p14:creationId xmlns:p14="http://schemas.microsoft.com/office/powerpoint/2010/main" val="2343462137"/>
       </p:ext>
     </p:extLst>
   </p:cSld>
@@ -5874,6 +6776,14 @@
 <file path=ppt/slides/slide6.xml><?xml version="1.0" encoding="utf-8"?>
 <p:sld xmlns:a="http://schemas.openxmlformats.org/drawingml/2006/main" xmlns:r="http://schemas.openxmlformats.org/officeDocument/2006/relationships" xmlns:p="http://schemas.openxmlformats.org/presentationml/2006/main">
   <p:cSld>
+    <p:bg>
+      <p:bgPr>
+        <a:solidFill>
+          <a:schemeClr val="bg1"/>
+        </a:solidFill>
+        <a:effectLst/>
+      </p:bgPr>
+    </p:bg>
     <p:spTree>
       <p:nvGrpSpPr>
         <p:cNvPr id="1" name=""/>
@@ -5890,49 +6800,429 @@
       </p:grpSpPr>
       <p:sp>
         <p:nvSpPr>
-          <p:cNvPr id="2" name="Title 1">
-            <a:extLst>
-              <a:ext uri="{FF2B5EF4-FFF2-40B4-BE49-F238E27FC236}">
-                <a16:creationId xmlns:a16="http://schemas.microsoft.com/office/drawing/2014/main" id="{B65EFFD1-DEB8-47C4-ACA5-0B5DD9267D1B}"/>
-              </a:ext>
-            </a:extLst>
-          </p:cNvPr>
-          <p:cNvSpPr>
-            <a:spLocks noGrp="1"/>
-          </p:cNvSpPr>
-          <p:nvPr>
-            <p:ph type="title"/>
+          <p:cNvPr id="108" name="Rectangle 107">
+            <a:extLst>
+              <a:ext uri="{FF2B5EF4-FFF2-40B4-BE49-F238E27FC236}">
+                <a16:creationId xmlns:a16="http://schemas.microsoft.com/office/drawing/2014/main" id="{2B566528-1B12-4246-9431-5C2D7D081168}"/>
+              </a:ext>
+              <a:ext uri="{C183D7F6-B498-43B3-948B-1728B52AA6E4}">
+                <adec:decorative xmlns:adec="http://schemas.microsoft.com/office/drawing/2017/decorative" val="1"/>
+              </a:ext>
+            </a:extLst>
+          </p:cNvPr>
+          <p:cNvSpPr>
+            <a:spLocks noGrp="1" noRot="1" noChangeAspect="1" noMove="1" noResize="1" noEditPoints="1" noAdjustHandles="1" noChangeArrowheads="1" noChangeShapeType="1" noTextEdit="1"/>
+          </p:cNvSpPr>
+          <p:nvPr>
+            <p:extLst>
+              <p:ext uri="{386F3935-93C4-4BCD-93E2-E3B085C9AB24}">
+                <p16:designElem xmlns:p16="http://schemas.microsoft.com/office/powerpoint/2015/main" val="1"/>
+              </p:ext>
+            </p:extLst>
           </p:nvPr>
         </p:nvSpPr>
         <p:spPr>
           <a:xfrm>
-            <a:off x="127175" y="36427"/>
-            <a:ext cx="1249449" cy="626468"/>
+            <a:off x="0" y="0"/>
+            <a:ext cx="12192000" cy="6858000"/>
+          </a:xfrm>
+          <a:prstGeom prst="rect">
+            <a:avLst/>
+          </a:prstGeom>
+          <a:solidFill>
+            <a:schemeClr val="bg1"/>
+          </a:solidFill>
+          <a:ln>
+            <a:noFill/>
+          </a:ln>
+        </p:spPr>
+        <p:style>
+          <a:lnRef idx="2">
+            <a:schemeClr val="accent1">
+              <a:shade val="50000"/>
+            </a:schemeClr>
+          </a:lnRef>
+          <a:fillRef idx="1">
+            <a:schemeClr val="accent1"/>
+          </a:fillRef>
+          <a:effectRef idx="0">
+            <a:schemeClr val="accent1"/>
+          </a:effectRef>
+          <a:fontRef idx="minor">
+            <a:schemeClr val="lt1"/>
+          </a:fontRef>
+        </p:style>
+        <p:txBody>
+          <a:bodyPr rtlCol="0" anchor="ctr"/>
+          <a:lstStyle/>
+          <a:p>
+            <a:pPr algn="ctr"/>
+            <a:endParaRPr lang="en-US" dirty="0"/>
+          </a:p>
+        </p:txBody>
+      </p:sp>
+      <p:sp>
+        <p:nvSpPr>
+          <p:cNvPr id="2" name="Title 1">
+            <a:extLst>
+              <a:ext uri="{FF2B5EF4-FFF2-40B4-BE49-F238E27FC236}">
+                <a16:creationId xmlns:a16="http://schemas.microsoft.com/office/drawing/2014/main" id="{6A30319B-157B-8746-A5F5-2FCB994BD888}"/>
+              </a:ext>
+            </a:extLst>
+          </p:cNvPr>
+          <p:cNvSpPr>
+            <a:spLocks noGrp="1"/>
+          </p:cNvSpPr>
+          <p:nvPr>
+            <p:ph type="title"/>
+          </p:nvPr>
+        </p:nvSpPr>
+        <p:spPr>
+          <a:xfrm>
+            <a:off x="520861" y="-22315"/>
+            <a:ext cx="10905066" cy="1135737"/>
           </a:xfrm>
         </p:spPr>
         <p:txBody>
-          <a:bodyPr/>
-          <a:lstStyle/>
-          <a:p>
-            <a:r>
-              <a:rPr lang="en-US" dirty="0">
+          <a:bodyPr>
+            <a:normAutofit/>
+          </a:bodyPr>
+          <a:lstStyle/>
+          <a:p>
+            <a:r>
+              <a:rPr kumimoji="0" lang="en-US" sz="2800" b="0" i="0" u="none" strike="noStrike" kern="1200" cap="none" spc="0" normalizeH="0" baseline="0" noProof="0" dirty="0">
+                <a:ln>
+                  <a:noFill/>
+                </a:ln>
                 <a:solidFill>
                   <a:srgbClr val="565656"/>
                 </a:solidFill>
+                <a:effectLst/>
+                <a:uLnTx/>
+                <a:uFillTx/>
                 <a:latin typeface="metropolislight"/>
+                <a:ea typeface="+mj-ea"/>
+                <a:cs typeface="+mj-cs"/>
               </a:rPr>
               <a:t>Images</a:t>
             </a:r>
-            <a:endParaRPr lang="en-US" dirty="0"/>
-          </a:p>
-        </p:txBody>
-      </p:sp>
-      <p:sp>
-        <p:nvSpPr>
-          <p:cNvPr id="3" name="TextBox 2">
-            <a:extLst>
-              <a:ext uri="{FF2B5EF4-FFF2-40B4-BE49-F238E27FC236}">
-                <a16:creationId xmlns:a16="http://schemas.microsoft.com/office/drawing/2014/main" id="{6E31E915-6CB7-4FBD-8323-299F79D5926B}"/>
+            <a:br>
+              <a:rPr lang="en-US" sz="3600" dirty="0"/>
+            </a:br>
+            <a:endParaRPr lang="en-US" sz="3600" dirty="0"/>
+          </a:p>
+        </p:txBody>
+      </p:sp>
+      <p:sp>
+        <p:nvSpPr>
+          <p:cNvPr id="126" name="Rectangle 109">
+            <a:extLst>
+              <a:ext uri="{FF2B5EF4-FFF2-40B4-BE49-F238E27FC236}">
+                <a16:creationId xmlns:a16="http://schemas.microsoft.com/office/drawing/2014/main" id="{2E80C965-DB6D-4F81-9E9E-B027384D0BD6}"/>
+              </a:ext>
+              <a:ext uri="{C183D7F6-B498-43B3-948B-1728B52AA6E4}">
+                <adec:decorative xmlns:adec="http://schemas.microsoft.com/office/drawing/2017/decorative" val="1"/>
+              </a:ext>
+            </a:extLst>
+          </p:cNvPr>
+          <p:cNvSpPr>
+            <a:spLocks noGrp="1" noRot="1" noChangeAspect="1" noMove="1" noResize="1" noEditPoints="1" noAdjustHandles="1" noChangeArrowheads="1" noChangeShapeType="1" noTextEdit="1"/>
+          </p:cNvSpPr>
+          <p:nvPr>
+            <p:extLst>
+              <p:ext uri="{386F3935-93C4-4BCD-93E2-E3B085C9AB24}">
+                <p16:designElem xmlns:p16="http://schemas.microsoft.com/office/powerpoint/2015/main" val="1"/>
+              </p:ext>
+            </p:extLst>
+          </p:nvPr>
+        </p:nvSpPr>
+        <p:spPr>
+          <a:xfrm rot="2700000">
+            <a:off x="11052629" y="2120024"/>
+            <a:ext cx="645368" cy="645368"/>
+          </a:xfrm>
+          <a:prstGeom prst="rect">
+            <a:avLst/>
+          </a:prstGeom>
+          <a:solidFill>
+            <a:schemeClr val="accent4">
+              <a:alpha val="30000"/>
+            </a:schemeClr>
+          </a:solidFill>
+          <a:ln>
+            <a:noFill/>
+          </a:ln>
+        </p:spPr>
+        <p:style>
+          <a:lnRef idx="2">
+            <a:schemeClr val="accent1">
+              <a:shade val="50000"/>
+            </a:schemeClr>
+          </a:lnRef>
+          <a:fillRef idx="1">
+            <a:schemeClr val="accent1"/>
+          </a:fillRef>
+          <a:effectRef idx="0">
+            <a:schemeClr val="accent1"/>
+          </a:effectRef>
+          <a:fontRef idx="minor">
+            <a:schemeClr val="lt1"/>
+          </a:fontRef>
+        </p:style>
+        <p:txBody>
+          <a:bodyPr rtlCol="0" anchor="ctr"/>
+          <a:lstStyle/>
+          <a:p>
+            <a:pPr algn="ctr"/>
+            <a:endParaRPr lang="en-US"/>
+          </a:p>
+        </p:txBody>
+      </p:sp>
+      <p:sp>
+        <p:nvSpPr>
+          <p:cNvPr id="112" name="Isosceles Triangle 111">
+            <a:extLst>
+              <a:ext uri="{FF2B5EF4-FFF2-40B4-BE49-F238E27FC236}">
+                <a16:creationId xmlns:a16="http://schemas.microsoft.com/office/drawing/2014/main" id="{A580F890-B085-4E95-96AA-55AEBEC5CE6E}"/>
+              </a:ext>
+              <a:ext uri="{C183D7F6-B498-43B3-948B-1728B52AA6E4}">
+                <adec:decorative xmlns:adec="http://schemas.microsoft.com/office/drawing/2017/decorative" val="1"/>
+              </a:ext>
+            </a:extLst>
+          </p:cNvPr>
+          <p:cNvSpPr>
+            <a:spLocks noGrp="1" noRot="1" noChangeAspect="1" noMove="1" noResize="1" noEditPoints="1" noAdjustHandles="1" noChangeArrowheads="1" noChangeShapeType="1" noTextEdit="1"/>
+          </p:cNvSpPr>
+          <p:nvPr>
+            <p:extLst>
+              <p:ext uri="{386F3935-93C4-4BCD-93E2-E3B085C9AB24}">
+                <p16:designElem xmlns:p16="http://schemas.microsoft.com/office/powerpoint/2015/main" val="1"/>
+              </p:ext>
+            </p:extLst>
+          </p:nvPr>
+        </p:nvSpPr>
+        <p:spPr>
+          <a:xfrm rot="16200000">
+            <a:off x="10289068" y="1343027"/>
+            <a:ext cx="2532832" cy="1273032"/>
+          </a:xfrm>
+          <a:prstGeom prst="triangle">
+            <a:avLst>
+              <a:gd name="adj" fmla="val 50000"/>
+            </a:avLst>
+          </a:prstGeom>
+          <a:solidFill>
+            <a:schemeClr val="accent4">
+              <a:alpha val="30000"/>
+            </a:schemeClr>
+          </a:solidFill>
+          <a:ln>
+            <a:noFill/>
+          </a:ln>
+        </p:spPr>
+        <p:style>
+          <a:lnRef idx="2">
+            <a:schemeClr val="accent1">
+              <a:shade val="50000"/>
+            </a:schemeClr>
+          </a:lnRef>
+          <a:fillRef idx="1">
+            <a:schemeClr val="accent1"/>
+          </a:fillRef>
+          <a:effectRef idx="0">
+            <a:schemeClr val="accent1"/>
+          </a:effectRef>
+          <a:fontRef idx="minor">
+            <a:schemeClr val="lt1"/>
+          </a:fontRef>
+        </p:style>
+        <p:txBody>
+          <a:bodyPr rtlCol="0" anchor="ctr"/>
+          <a:lstStyle/>
+          <a:p>
+            <a:pPr algn="ctr"/>
+            <a:endParaRPr lang="en-US"/>
+          </a:p>
+        </p:txBody>
+      </p:sp>
+      <p:sp>
+        <p:nvSpPr>
+          <p:cNvPr id="114" name="Isosceles Triangle 113">
+            <a:extLst>
+              <a:ext uri="{FF2B5EF4-FFF2-40B4-BE49-F238E27FC236}">
+                <a16:creationId xmlns:a16="http://schemas.microsoft.com/office/drawing/2014/main" id="{D3F51FEB-38FB-4F6C-9F7B-2F2AFAB65463}"/>
+              </a:ext>
+              <a:ext uri="{C183D7F6-B498-43B3-948B-1728B52AA6E4}">
+                <adec:decorative xmlns:adec="http://schemas.microsoft.com/office/drawing/2017/decorative" val="1"/>
+              </a:ext>
+            </a:extLst>
+          </p:cNvPr>
+          <p:cNvSpPr>
+            <a:spLocks noGrp="1" noRot="1" noChangeAspect="1" noMove="1" noResize="1" noEditPoints="1" noAdjustHandles="1" noChangeArrowheads="1" noChangeShapeType="1" noTextEdit="1"/>
+          </p:cNvSpPr>
+          <p:nvPr>
+            <p:extLst>
+              <p:ext uri="{386F3935-93C4-4BCD-93E2-E3B085C9AB24}">
+                <p16:designElem xmlns:p16="http://schemas.microsoft.com/office/powerpoint/2015/main" val="1"/>
+              </p:ext>
+            </p:extLst>
+          </p:nvPr>
+        </p:nvSpPr>
+        <p:spPr>
+          <a:xfrm rot="5400000">
+            <a:off x="-501760" y="5103257"/>
+            <a:ext cx="2017580" cy="1014060"/>
+          </a:xfrm>
+          <a:prstGeom prst="triangle">
+            <a:avLst>
+              <a:gd name="adj" fmla="val 50000"/>
+            </a:avLst>
+          </a:prstGeom>
+          <a:solidFill>
+            <a:schemeClr val="accent1">
+              <a:alpha val="30000"/>
+            </a:schemeClr>
+          </a:solidFill>
+          <a:ln>
+            <a:noFill/>
+          </a:ln>
+        </p:spPr>
+        <p:style>
+          <a:lnRef idx="2">
+            <a:schemeClr val="accent1">
+              <a:shade val="50000"/>
+            </a:schemeClr>
+          </a:lnRef>
+          <a:fillRef idx="1">
+            <a:schemeClr val="accent1"/>
+          </a:fillRef>
+          <a:effectRef idx="0">
+            <a:schemeClr val="accent1"/>
+          </a:effectRef>
+          <a:fontRef idx="minor">
+            <a:schemeClr val="lt1"/>
+          </a:fontRef>
+        </p:style>
+        <p:txBody>
+          <a:bodyPr wrap="square" rtlCol="0" anchor="ctr">
+            <a:noAutofit/>
+          </a:bodyPr>
+          <a:lstStyle/>
+          <a:p>
+            <a:pPr algn="ctr"/>
+            <a:endParaRPr lang="en-US"/>
+          </a:p>
+        </p:txBody>
+      </p:sp>
+      <p:sp>
+        <p:nvSpPr>
+          <p:cNvPr id="116" name="Rectangle 115">
+            <a:extLst>
+              <a:ext uri="{FF2B5EF4-FFF2-40B4-BE49-F238E27FC236}">
+                <a16:creationId xmlns:a16="http://schemas.microsoft.com/office/drawing/2014/main" id="{1E547BA6-BAE0-43BB-A7CA-60F69CE252F0}"/>
+              </a:ext>
+              <a:ext uri="{C183D7F6-B498-43B3-948B-1728B52AA6E4}">
+                <adec:decorative xmlns:adec="http://schemas.microsoft.com/office/drawing/2017/decorative" val="1"/>
+              </a:ext>
+            </a:extLst>
+          </p:cNvPr>
+          <p:cNvSpPr>
+            <a:spLocks noGrp="1" noRot="1" noChangeAspect="1" noMove="1" noResize="1" noEditPoints="1" noAdjustHandles="1" noChangeArrowheads="1" noChangeShapeType="1" noTextEdit="1"/>
+          </p:cNvSpPr>
+          <p:nvPr>
+            <p:extLst>
+              <p:ext uri="{386F3935-93C4-4BCD-93E2-E3B085C9AB24}">
+                <p16:designElem xmlns:p16="http://schemas.microsoft.com/office/powerpoint/2015/main" val="1"/>
+              </p:ext>
+            </p:extLst>
+          </p:nvPr>
+        </p:nvSpPr>
+        <p:spPr>
+          <a:xfrm rot="2700000">
+            <a:off x="427916" y="5728708"/>
+            <a:ext cx="485578" cy="485578"/>
+          </a:xfrm>
+          <a:prstGeom prst="rect">
+            <a:avLst/>
+          </a:prstGeom>
+          <a:solidFill>
+            <a:schemeClr val="accent1">
+              <a:alpha val="30000"/>
+            </a:schemeClr>
+          </a:solidFill>
+          <a:ln>
+            <a:noFill/>
+          </a:ln>
+        </p:spPr>
+        <p:style>
+          <a:lnRef idx="2">
+            <a:schemeClr val="accent1">
+              <a:shade val="50000"/>
+            </a:schemeClr>
+          </a:lnRef>
+          <a:fillRef idx="1">
+            <a:schemeClr val="accent1"/>
+          </a:fillRef>
+          <a:effectRef idx="0">
+            <a:schemeClr val="accent1"/>
+          </a:effectRef>
+          <a:fontRef idx="minor">
+            <a:schemeClr val="lt1"/>
+          </a:fontRef>
+        </p:style>
+        <p:txBody>
+          <a:bodyPr wrap="square" rtlCol="0" anchor="ctr">
+            <a:noAutofit/>
+          </a:bodyPr>
+          <a:lstStyle/>
+          <a:p>
+            <a:pPr algn="ctr"/>
+            <a:endParaRPr lang="en-US"/>
+          </a:p>
+        </p:txBody>
+      </p:sp>
+      <p:cxnSp>
+        <p:nvCxnSpPr>
+          <p:cNvPr id="5" name="Straight Connector 4">
+            <a:extLst>
+              <a:ext uri="{FF2B5EF4-FFF2-40B4-BE49-F238E27FC236}">
+                <a16:creationId xmlns:a16="http://schemas.microsoft.com/office/drawing/2014/main" id="{05484CBB-470F-4BF0-83D0-87C4C1A58BCB}"/>
+              </a:ext>
+            </a:extLst>
+          </p:cNvPr>
+          <p:cNvCxnSpPr/>
+          <p:nvPr/>
+        </p:nvCxnSpPr>
+        <p:spPr>
+          <a:xfrm>
+            <a:off x="0" y="577610"/>
+            <a:ext cx="12192000" cy="0"/>
+          </a:xfrm>
+          <a:prstGeom prst="line">
+            <a:avLst/>
+          </a:prstGeom>
+        </p:spPr>
+        <p:style>
+          <a:lnRef idx="1">
+            <a:schemeClr val="accent1"/>
+          </a:lnRef>
+          <a:fillRef idx="0">
+            <a:schemeClr val="accent1"/>
+          </a:fillRef>
+          <a:effectRef idx="0">
+            <a:schemeClr val="accent1"/>
+          </a:effectRef>
+          <a:fontRef idx="minor">
+            <a:schemeClr val="tx1"/>
+          </a:fontRef>
+        </p:style>
+      </p:cxnSp>
+      <p:sp>
+        <p:nvSpPr>
+          <p:cNvPr id="13" name="TextBox 12">
+            <a:extLst>
+              <a:ext uri="{FF2B5EF4-FFF2-40B4-BE49-F238E27FC236}">
+                <a16:creationId xmlns:a16="http://schemas.microsoft.com/office/drawing/2014/main" id="{1D8C0A22-4BAB-4A15-B429-4BE963A92CBB}"/>
               </a:ext>
             </a:extLst>
           </p:cNvPr>
@@ -6048,10 +7338,10 @@
       </p:sp>
       <p:sp>
         <p:nvSpPr>
-          <p:cNvPr id="4" name="TextBox 3">
-            <a:extLst>
-              <a:ext uri="{FF2B5EF4-FFF2-40B4-BE49-F238E27FC236}">
-                <a16:creationId xmlns:a16="http://schemas.microsoft.com/office/drawing/2014/main" id="{7FEC5549-E14E-4DCB-928D-402B00CDE01E}"/>
+          <p:cNvPr id="14" name="TextBox 13">
+            <a:extLst>
+              <a:ext uri="{FF2B5EF4-FFF2-40B4-BE49-F238E27FC236}">
+                <a16:creationId xmlns:a16="http://schemas.microsoft.com/office/drawing/2014/main" id="{CB4B0DCF-D3BF-4EC3-BE21-DFCD766FD1A9}"/>
               </a:ext>
             </a:extLst>
           </p:cNvPr>
@@ -6307,7 +7597,7 @@
     </p:spTree>
     <p:extLst>
       <p:ext uri="{BB962C8B-B14F-4D97-AF65-F5344CB8AC3E}">
-        <p14:creationId xmlns:p14="http://schemas.microsoft.com/office/powerpoint/2010/main" val="3920005302"/>
+        <p14:creationId xmlns:p14="http://schemas.microsoft.com/office/powerpoint/2010/main" val="1271723225"/>
       </p:ext>
     </p:extLst>
   </p:cSld>
@@ -6320,6 +7610,14 @@
 <file path=ppt/slides/slide7.xml><?xml version="1.0" encoding="utf-8"?>
 <p:sld xmlns:a="http://schemas.openxmlformats.org/drawingml/2006/main" xmlns:r="http://schemas.openxmlformats.org/officeDocument/2006/relationships" xmlns:p="http://schemas.openxmlformats.org/presentationml/2006/main">
   <p:cSld>
+    <p:bg>
+      <p:bgPr>
+        <a:solidFill>
+          <a:schemeClr val="bg1"/>
+        </a:solidFill>
+        <a:effectLst/>
+      </p:bgPr>
+    </p:bg>
     <p:spTree>
       <p:nvGrpSpPr>
         <p:cNvPr id="1" name=""/>
@@ -6336,49 +7634,429 @@
       </p:grpSpPr>
       <p:sp>
         <p:nvSpPr>
-          <p:cNvPr id="2" name="Title 1">
-            <a:extLst>
-              <a:ext uri="{FF2B5EF4-FFF2-40B4-BE49-F238E27FC236}">
-                <a16:creationId xmlns:a16="http://schemas.microsoft.com/office/drawing/2014/main" id="{3AB85320-71E8-41FE-9E02-B33C9CF9AF89}"/>
-              </a:ext>
-            </a:extLst>
-          </p:cNvPr>
-          <p:cNvSpPr>
-            <a:spLocks noGrp="1"/>
-          </p:cNvSpPr>
-          <p:nvPr>
-            <p:ph type="title"/>
+          <p:cNvPr id="108" name="Rectangle 107">
+            <a:extLst>
+              <a:ext uri="{FF2B5EF4-FFF2-40B4-BE49-F238E27FC236}">
+                <a16:creationId xmlns:a16="http://schemas.microsoft.com/office/drawing/2014/main" id="{2B566528-1B12-4246-9431-5C2D7D081168}"/>
+              </a:ext>
+              <a:ext uri="{C183D7F6-B498-43B3-948B-1728B52AA6E4}">
+                <adec:decorative xmlns:adec="http://schemas.microsoft.com/office/drawing/2017/decorative" val="1"/>
+              </a:ext>
+            </a:extLst>
+          </p:cNvPr>
+          <p:cNvSpPr>
+            <a:spLocks noGrp="1" noRot="1" noChangeAspect="1" noMove="1" noResize="1" noEditPoints="1" noAdjustHandles="1" noChangeArrowheads="1" noChangeShapeType="1" noTextEdit="1"/>
+          </p:cNvSpPr>
+          <p:nvPr>
+            <p:extLst>
+              <p:ext uri="{386F3935-93C4-4BCD-93E2-E3B085C9AB24}">
+                <p16:designElem xmlns:p16="http://schemas.microsoft.com/office/powerpoint/2015/main" val="1"/>
+              </p:ext>
+            </p:extLst>
           </p:nvPr>
         </p:nvSpPr>
         <p:spPr>
           <a:xfrm>
-            <a:off x="127175" y="36427"/>
-            <a:ext cx="1450416" cy="626468"/>
+            <a:off x="0" y="0"/>
+            <a:ext cx="12192000" cy="6858000"/>
+          </a:xfrm>
+          <a:prstGeom prst="rect">
+            <a:avLst/>
+          </a:prstGeom>
+          <a:solidFill>
+            <a:schemeClr val="bg1"/>
+          </a:solidFill>
+          <a:ln>
+            <a:noFill/>
+          </a:ln>
+        </p:spPr>
+        <p:style>
+          <a:lnRef idx="2">
+            <a:schemeClr val="accent1">
+              <a:shade val="50000"/>
+            </a:schemeClr>
+          </a:lnRef>
+          <a:fillRef idx="1">
+            <a:schemeClr val="accent1"/>
+          </a:fillRef>
+          <a:effectRef idx="0">
+            <a:schemeClr val="accent1"/>
+          </a:effectRef>
+          <a:fontRef idx="minor">
+            <a:schemeClr val="lt1"/>
+          </a:fontRef>
+        </p:style>
+        <p:txBody>
+          <a:bodyPr rtlCol="0" anchor="ctr"/>
+          <a:lstStyle/>
+          <a:p>
+            <a:pPr algn="ctr"/>
+            <a:endParaRPr lang="en-US" dirty="0"/>
+          </a:p>
+        </p:txBody>
+      </p:sp>
+      <p:sp>
+        <p:nvSpPr>
+          <p:cNvPr id="2" name="Title 1">
+            <a:extLst>
+              <a:ext uri="{FF2B5EF4-FFF2-40B4-BE49-F238E27FC236}">
+                <a16:creationId xmlns:a16="http://schemas.microsoft.com/office/drawing/2014/main" id="{6A30319B-157B-8746-A5F5-2FCB994BD888}"/>
+              </a:ext>
+            </a:extLst>
+          </p:cNvPr>
+          <p:cNvSpPr>
+            <a:spLocks noGrp="1"/>
+          </p:cNvSpPr>
+          <p:nvPr>
+            <p:ph type="title"/>
+          </p:nvPr>
+        </p:nvSpPr>
+        <p:spPr>
+          <a:xfrm>
+            <a:off x="520861" y="-22315"/>
+            <a:ext cx="10905066" cy="1135737"/>
           </a:xfrm>
         </p:spPr>
         <p:txBody>
-          <a:bodyPr/>
-          <a:lstStyle/>
-          <a:p>
-            <a:r>
-              <a:rPr lang="en-US" dirty="0">
+          <a:bodyPr>
+            <a:normAutofit/>
+          </a:bodyPr>
+          <a:lstStyle/>
+          <a:p>
+            <a:r>
+              <a:rPr kumimoji="0" lang="en-US" sz="2800" b="0" i="0" u="none" strike="noStrike" kern="1200" cap="none" spc="0" normalizeH="0" baseline="0" noProof="0" dirty="0">
+                <a:ln>
+                  <a:noFill/>
+                </a:ln>
                 <a:solidFill>
                   <a:srgbClr val="565656"/>
                 </a:solidFill>
+                <a:effectLst/>
+                <a:uLnTx/>
+                <a:uFillTx/>
                 <a:latin typeface="metropolislight"/>
+                <a:ea typeface="+mj-ea"/>
+                <a:cs typeface="+mj-cs"/>
               </a:rPr>
               <a:t>Volumes</a:t>
             </a:r>
-            <a:endParaRPr lang="en-US" dirty="0"/>
-          </a:p>
-        </p:txBody>
-      </p:sp>
-      <p:sp>
-        <p:nvSpPr>
-          <p:cNvPr id="3" name="TextBox 2">
-            <a:extLst>
-              <a:ext uri="{FF2B5EF4-FFF2-40B4-BE49-F238E27FC236}">
-                <a16:creationId xmlns:a16="http://schemas.microsoft.com/office/drawing/2014/main" id="{C08F17E3-706E-4537-A5F5-F9D97D82314C}"/>
+            <a:br>
+              <a:rPr lang="en-US" sz="3600" dirty="0"/>
+            </a:br>
+            <a:endParaRPr lang="en-US" sz="3600" dirty="0"/>
+          </a:p>
+        </p:txBody>
+      </p:sp>
+      <p:sp>
+        <p:nvSpPr>
+          <p:cNvPr id="126" name="Rectangle 109">
+            <a:extLst>
+              <a:ext uri="{FF2B5EF4-FFF2-40B4-BE49-F238E27FC236}">
+                <a16:creationId xmlns:a16="http://schemas.microsoft.com/office/drawing/2014/main" id="{2E80C965-DB6D-4F81-9E9E-B027384D0BD6}"/>
+              </a:ext>
+              <a:ext uri="{C183D7F6-B498-43B3-948B-1728B52AA6E4}">
+                <adec:decorative xmlns:adec="http://schemas.microsoft.com/office/drawing/2017/decorative" val="1"/>
+              </a:ext>
+            </a:extLst>
+          </p:cNvPr>
+          <p:cNvSpPr>
+            <a:spLocks noGrp="1" noRot="1" noChangeAspect="1" noMove="1" noResize="1" noEditPoints="1" noAdjustHandles="1" noChangeArrowheads="1" noChangeShapeType="1" noTextEdit="1"/>
+          </p:cNvSpPr>
+          <p:nvPr>
+            <p:extLst>
+              <p:ext uri="{386F3935-93C4-4BCD-93E2-E3B085C9AB24}">
+                <p16:designElem xmlns:p16="http://schemas.microsoft.com/office/powerpoint/2015/main" val="1"/>
+              </p:ext>
+            </p:extLst>
+          </p:nvPr>
+        </p:nvSpPr>
+        <p:spPr>
+          <a:xfrm rot="2700000">
+            <a:off x="11052629" y="2120024"/>
+            <a:ext cx="645368" cy="645368"/>
+          </a:xfrm>
+          <a:prstGeom prst="rect">
+            <a:avLst/>
+          </a:prstGeom>
+          <a:solidFill>
+            <a:schemeClr val="accent4">
+              <a:alpha val="30000"/>
+            </a:schemeClr>
+          </a:solidFill>
+          <a:ln>
+            <a:noFill/>
+          </a:ln>
+        </p:spPr>
+        <p:style>
+          <a:lnRef idx="2">
+            <a:schemeClr val="accent1">
+              <a:shade val="50000"/>
+            </a:schemeClr>
+          </a:lnRef>
+          <a:fillRef idx="1">
+            <a:schemeClr val="accent1"/>
+          </a:fillRef>
+          <a:effectRef idx="0">
+            <a:schemeClr val="accent1"/>
+          </a:effectRef>
+          <a:fontRef idx="minor">
+            <a:schemeClr val="lt1"/>
+          </a:fontRef>
+        </p:style>
+        <p:txBody>
+          <a:bodyPr rtlCol="0" anchor="ctr"/>
+          <a:lstStyle/>
+          <a:p>
+            <a:pPr algn="ctr"/>
+            <a:endParaRPr lang="en-US"/>
+          </a:p>
+        </p:txBody>
+      </p:sp>
+      <p:sp>
+        <p:nvSpPr>
+          <p:cNvPr id="112" name="Isosceles Triangle 111">
+            <a:extLst>
+              <a:ext uri="{FF2B5EF4-FFF2-40B4-BE49-F238E27FC236}">
+                <a16:creationId xmlns:a16="http://schemas.microsoft.com/office/drawing/2014/main" id="{A580F890-B085-4E95-96AA-55AEBEC5CE6E}"/>
+              </a:ext>
+              <a:ext uri="{C183D7F6-B498-43B3-948B-1728B52AA6E4}">
+                <adec:decorative xmlns:adec="http://schemas.microsoft.com/office/drawing/2017/decorative" val="1"/>
+              </a:ext>
+            </a:extLst>
+          </p:cNvPr>
+          <p:cNvSpPr>
+            <a:spLocks noGrp="1" noRot="1" noChangeAspect="1" noMove="1" noResize="1" noEditPoints="1" noAdjustHandles="1" noChangeArrowheads="1" noChangeShapeType="1" noTextEdit="1"/>
+          </p:cNvSpPr>
+          <p:nvPr>
+            <p:extLst>
+              <p:ext uri="{386F3935-93C4-4BCD-93E2-E3B085C9AB24}">
+                <p16:designElem xmlns:p16="http://schemas.microsoft.com/office/powerpoint/2015/main" val="1"/>
+              </p:ext>
+            </p:extLst>
+          </p:nvPr>
+        </p:nvSpPr>
+        <p:spPr>
+          <a:xfrm rot="16200000">
+            <a:off x="10289068" y="1343027"/>
+            <a:ext cx="2532832" cy="1273032"/>
+          </a:xfrm>
+          <a:prstGeom prst="triangle">
+            <a:avLst>
+              <a:gd name="adj" fmla="val 50000"/>
+            </a:avLst>
+          </a:prstGeom>
+          <a:solidFill>
+            <a:schemeClr val="accent4">
+              <a:alpha val="30000"/>
+            </a:schemeClr>
+          </a:solidFill>
+          <a:ln>
+            <a:noFill/>
+          </a:ln>
+        </p:spPr>
+        <p:style>
+          <a:lnRef idx="2">
+            <a:schemeClr val="accent1">
+              <a:shade val="50000"/>
+            </a:schemeClr>
+          </a:lnRef>
+          <a:fillRef idx="1">
+            <a:schemeClr val="accent1"/>
+          </a:fillRef>
+          <a:effectRef idx="0">
+            <a:schemeClr val="accent1"/>
+          </a:effectRef>
+          <a:fontRef idx="minor">
+            <a:schemeClr val="lt1"/>
+          </a:fontRef>
+        </p:style>
+        <p:txBody>
+          <a:bodyPr rtlCol="0" anchor="ctr"/>
+          <a:lstStyle/>
+          <a:p>
+            <a:pPr algn="ctr"/>
+            <a:endParaRPr lang="en-US"/>
+          </a:p>
+        </p:txBody>
+      </p:sp>
+      <p:sp>
+        <p:nvSpPr>
+          <p:cNvPr id="114" name="Isosceles Triangle 113">
+            <a:extLst>
+              <a:ext uri="{FF2B5EF4-FFF2-40B4-BE49-F238E27FC236}">
+                <a16:creationId xmlns:a16="http://schemas.microsoft.com/office/drawing/2014/main" id="{D3F51FEB-38FB-4F6C-9F7B-2F2AFAB65463}"/>
+              </a:ext>
+              <a:ext uri="{C183D7F6-B498-43B3-948B-1728B52AA6E4}">
+                <adec:decorative xmlns:adec="http://schemas.microsoft.com/office/drawing/2017/decorative" val="1"/>
+              </a:ext>
+            </a:extLst>
+          </p:cNvPr>
+          <p:cNvSpPr>
+            <a:spLocks noGrp="1" noRot="1" noChangeAspect="1" noMove="1" noResize="1" noEditPoints="1" noAdjustHandles="1" noChangeArrowheads="1" noChangeShapeType="1" noTextEdit="1"/>
+          </p:cNvSpPr>
+          <p:nvPr>
+            <p:extLst>
+              <p:ext uri="{386F3935-93C4-4BCD-93E2-E3B085C9AB24}">
+                <p16:designElem xmlns:p16="http://schemas.microsoft.com/office/powerpoint/2015/main" val="1"/>
+              </p:ext>
+            </p:extLst>
+          </p:nvPr>
+        </p:nvSpPr>
+        <p:spPr>
+          <a:xfrm rot="5400000">
+            <a:off x="-501760" y="5103257"/>
+            <a:ext cx="2017580" cy="1014060"/>
+          </a:xfrm>
+          <a:prstGeom prst="triangle">
+            <a:avLst>
+              <a:gd name="adj" fmla="val 50000"/>
+            </a:avLst>
+          </a:prstGeom>
+          <a:solidFill>
+            <a:schemeClr val="accent1">
+              <a:alpha val="30000"/>
+            </a:schemeClr>
+          </a:solidFill>
+          <a:ln>
+            <a:noFill/>
+          </a:ln>
+        </p:spPr>
+        <p:style>
+          <a:lnRef idx="2">
+            <a:schemeClr val="accent1">
+              <a:shade val="50000"/>
+            </a:schemeClr>
+          </a:lnRef>
+          <a:fillRef idx="1">
+            <a:schemeClr val="accent1"/>
+          </a:fillRef>
+          <a:effectRef idx="0">
+            <a:schemeClr val="accent1"/>
+          </a:effectRef>
+          <a:fontRef idx="minor">
+            <a:schemeClr val="lt1"/>
+          </a:fontRef>
+        </p:style>
+        <p:txBody>
+          <a:bodyPr wrap="square" rtlCol="0" anchor="ctr">
+            <a:noAutofit/>
+          </a:bodyPr>
+          <a:lstStyle/>
+          <a:p>
+            <a:pPr algn="ctr"/>
+            <a:endParaRPr lang="en-US"/>
+          </a:p>
+        </p:txBody>
+      </p:sp>
+      <p:sp>
+        <p:nvSpPr>
+          <p:cNvPr id="116" name="Rectangle 115">
+            <a:extLst>
+              <a:ext uri="{FF2B5EF4-FFF2-40B4-BE49-F238E27FC236}">
+                <a16:creationId xmlns:a16="http://schemas.microsoft.com/office/drawing/2014/main" id="{1E547BA6-BAE0-43BB-A7CA-60F69CE252F0}"/>
+              </a:ext>
+              <a:ext uri="{C183D7F6-B498-43B3-948B-1728B52AA6E4}">
+                <adec:decorative xmlns:adec="http://schemas.microsoft.com/office/drawing/2017/decorative" val="1"/>
+              </a:ext>
+            </a:extLst>
+          </p:cNvPr>
+          <p:cNvSpPr>
+            <a:spLocks noGrp="1" noRot="1" noChangeAspect="1" noMove="1" noResize="1" noEditPoints="1" noAdjustHandles="1" noChangeArrowheads="1" noChangeShapeType="1" noTextEdit="1"/>
+          </p:cNvSpPr>
+          <p:nvPr>
+            <p:extLst>
+              <p:ext uri="{386F3935-93C4-4BCD-93E2-E3B085C9AB24}">
+                <p16:designElem xmlns:p16="http://schemas.microsoft.com/office/powerpoint/2015/main" val="1"/>
+              </p:ext>
+            </p:extLst>
+          </p:nvPr>
+        </p:nvSpPr>
+        <p:spPr>
+          <a:xfrm rot="2700000">
+            <a:off x="427916" y="5728708"/>
+            <a:ext cx="485578" cy="485578"/>
+          </a:xfrm>
+          <a:prstGeom prst="rect">
+            <a:avLst/>
+          </a:prstGeom>
+          <a:solidFill>
+            <a:schemeClr val="accent1">
+              <a:alpha val="30000"/>
+            </a:schemeClr>
+          </a:solidFill>
+          <a:ln>
+            <a:noFill/>
+          </a:ln>
+        </p:spPr>
+        <p:style>
+          <a:lnRef idx="2">
+            <a:schemeClr val="accent1">
+              <a:shade val="50000"/>
+            </a:schemeClr>
+          </a:lnRef>
+          <a:fillRef idx="1">
+            <a:schemeClr val="accent1"/>
+          </a:fillRef>
+          <a:effectRef idx="0">
+            <a:schemeClr val="accent1"/>
+          </a:effectRef>
+          <a:fontRef idx="minor">
+            <a:schemeClr val="lt1"/>
+          </a:fontRef>
+        </p:style>
+        <p:txBody>
+          <a:bodyPr wrap="square" rtlCol="0" anchor="ctr">
+            <a:noAutofit/>
+          </a:bodyPr>
+          <a:lstStyle/>
+          <a:p>
+            <a:pPr algn="ctr"/>
+            <a:endParaRPr lang="en-US"/>
+          </a:p>
+        </p:txBody>
+      </p:sp>
+      <p:cxnSp>
+        <p:nvCxnSpPr>
+          <p:cNvPr id="5" name="Straight Connector 4">
+            <a:extLst>
+              <a:ext uri="{FF2B5EF4-FFF2-40B4-BE49-F238E27FC236}">
+                <a16:creationId xmlns:a16="http://schemas.microsoft.com/office/drawing/2014/main" id="{05484CBB-470F-4BF0-83D0-87C4C1A58BCB}"/>
+              </a:ext>
+            </a:extLst>
+          </p:cNvPr>
+          <p:cNvCxnSpPr/>
+          <p:nvPr/>
+        </p:nvCxnSpPr>
+        <p:spPr>
+          <a:xfrm>
+            <a:off x="0" y="577610"/>
+            <a:ext cx="12192000" cy="0"/>
+          </a:xfrm>
+          <a:prstGeom prst="line">
+            <a:avLst/>
+          </a:prstGeom>
+        </p:spPr>
+        <p:style>
+          <a:lnRef idx="1">
+            <a:schemeClr val="accent1"/>
+          </a:lnRef>
+          <a:fillRef idx="0">
+            <a:schemeClr val="accent1"/>
+          </a:fillRef>
+          <a:effectRef idx="0">
+            <a:schemeClr val="accent1"/>
+          </a:effectRef>
+          <a:fontRef idx="minor">
+            <a:schemeClr val="tx1"/>
+          </a:fontRef>
+        </p:style>
+      </p:cxnSp>
+      <p:sp>
+        <p:nvSpPr>
+          <p:cNvPr id="9" name="TextBox 8">
+            <a:extLst>
+              <a:ext uri="{FF2B5EF4-FFF2-40B4-BE49-F238E27FC236}">
+                <a16:creationId xmlns:a16="http://schemas.microsoft.com/office/drawing/2014/main" id="{B3C71786-3DA8-40B1-816D-CD98D8675948}"/>
               </a:ext>
             </a:extLst>
           </p:cNvPr>
@@ -6488,10 +8166,10 @@
       </p:sp>
       <p:sp>
         <p:nvSpPr>
-          <p:cNvPr id="4" name="TextBox 3">
-            <a:extLst>
-              <a:ext uri="{FF2B5EF4-FFF2-40B4-BE49-F238E27FC236}">
-                <a16:creationId xmlns:a16="http://schemas.microsoft.com/office/drawing/2014/main" id="{E85AAEA1-EB28-4987-BED9-4C8EC4B55CD5}"/>
+          <p:cNvPr id="10" name="TextBox 9">
+            <a:extLst>
+              <a:ext uri="{FF2B5EF4-FFF2-40B4-BE49-F238E27FC236}">
+                <a16:creationId xmlns:a16="http://schemas.microsoft.com/office/drawing/2014/main" id="{7842ED1F-29B3-41A3-B6AD-4D77282A58BE}"/>
               </a:ext>
             </a:extLst>
           </p:cNvPr>
@@ -6701,7 +8379,7 @@
     </p:spTree>
     <p:extLst>
       <p:ext uri="{BB962C8B-B14F-4D97-AF65-F5344CB8AC3E}">
-        <p14:creationId xmlns:p14="http://schemas.microsoft.com/office/powerpoint/2010/main" val="2603688954"/>
+        <p14:creationId xmlns:p14="http://schemas.microsoft.com/office/powerpoint/2010/main" val="1082105769"/>
       </p:ext>
     </p:extLst>
   </p:cSld>
@@ -6714,6 +8392,14 @@
 <file path=ppt/slides/slide8.xml><?xml version="1.0" encoding="utf-8"?>
 <p:sld xmlns:a="http://schemas.openxmlformats.org/drawingml/2006/main" xmlns:r="http://schemas.openxmlformats.org/officeDocument/2006/relationships" xmlns:p="http://schemas.openxmlformats.org/presentationml/2006/main">
   <p:cSld>
+    <p:bg>
+      <p:bgPr>
+        <a:solidFill>
+          <a:schemeClr val="bg1"/>
+        </a:solidFill>
+        <a:effectLst/>
+      </p:bgPr>
+    </p:bg>
     <p:spTree>
       <p:nvGrpSpPr>
         <p:cNvPr id="1" name=""/>
@@ -6730,45 +8416,429 @@
       </p:grpSpPr>
       <p:sp>
         <p:nvSpPr>
-          <p:cNvPr id="2" name="Title 1">
-            <a:extLst>
-              <a:ext uri="{FF2B5EF4-FFF2-40B4-BE49-F238E27FC236}">
-                <a16:creationId xmlns:a16="http://schemas.microsoft.com/office/drawing/2014/main" id="{3AB85320-71E8-41FE-9E02-B33C9CF9AF89}"/>
-              </a:ext>
-            </a:extLst>
-          </p:cNvPr>
-          <p:cNvSpPr>
-            <a:spLocks noGrp="1"/>
-          </p:cNvSpPr>
-          <p:nvPr>
-            <p:ph type="title"/>
+          <p:cNvPr id="108" name="Rectangle 107">
+            <a:extLst>
+              <a:ext uri="{FF2B5EF4-FFF2-40B4-BE49-F238E27FC236}">
+                <a16:creationId xmlns:a16="http://schemas.microsoft.com/office/drawing/2014/main" id="{2B566528-1B12-4246-9431-5C2D7D081168}"/>
+              </a:ext>
+              <a:ext uri="{C183D7F6-B498-43B3-948B-1728B52AA6E4}">
+                <adec:decorative xmlns:adec="http://schemas.microsoft.com/office/drawing/2017/decorative" val="1"/>
+              </a:ext>
+            </a:extLst>
+          </p:cNvPr>
+          <p:cNvSpPr>
+            <a:spLocks noGrp="1" noRot="1" noChangeAspect="1" noMove="1" noResize="1" noEditPoints="1" noAdjustHandles="1" noChangeArrowheads="1" noChangeShapeType="1" noTextEdit="1"/>
+          </p:cNvSpPr>
+          <p:nvPr>
+            <p:extLst>
+              <p:ext uri="{386F3935-93C4-4BCD-93E2-E3B085C9AB24}">
+                <p16:designElem xmlns:p16="http://schemas.microsoft.com/office/powerpoint/2015/main" val="1"/>
+              </p:ext>
+            </p:extLst>
           </p:nvPr>
         </p:nvSpPr>
         <p:spPr>
           <a:xfrm>
-            <a:off x="127175" y="36427"/>
-            <a:ext cx="1450416" cy="626468"/>
+            <a:off x="0" y="0"/>
+            <a:ext cx="12192000" cy="6858000"/>
+          </a:xfrm>
+          <a:prstGeom prst="rect">
+            <a:avLst/>
+          </a:prstGeom>
+          <a:solidFill>
+            <a:schemeClr val="bg1"/>
+          </a:solidFill>
+          <a:ln>
+            <a:noFill/>
+          </a:ln>
+        </p:spPr>
+        <p:style>
+          <a:lnRef idx="2">
+            <a:schemeClr val="accent1">
+              <a:shade val="50000"/>
+            </a:schemeClr>
+          </a:lnRef>
+          <a:fillRef idx="1">
+            <a:schemeClr val="accent1"/>
+          </a:fillRef>
+          <a:effectRef idx="0">
+            <a:schemeClr val="accent1"/>
+          </a:effectRef>
+          <a:fontRef idx="minor">
+            <a:schemeClr val="lt1"/>
+          </a:fontRef>
+        </p:style>
+        <p:txBody>
+          <a:bodyPr rtlCol="0" anchor="ctr"/>
+          <a:lstStyle/>
+          <a:p>
+            <a:pPr algn="ctr"/>
+            <a:endParaRPr lang="en-US" dirty="0"/>
+          </a:p>
+        </p:txBody>
+      </p:sp>
+      <p:sp>
+        <p:nvSpPr>
+          <p:cNvPr id="2" name="Title 1">
+            <a:extLst>
+              <a:ext uri="{FF2B5EF4-FFF2-40B4-BE49-F238E27FC236}">
+                <a16:creationId xmlns:a16="http://schemas.microsoft.com/office/drawing/2014/main" id="{6A30319B-157B-8746-A5F5-2FCB994BD888}"/>
+              </a:ext>
+            </a:extLst>
+          </p:cNvPr>
+          <p:cNvSpPr>
+            <a:spLocks noGrp="1"/>
+          </p:cNvSpPr>
+          <p:nvPr>
+            <p:ph type="title"/>
+          </p:nvPr>
+        </p:nvSpPr>
+        <p:spPr>
+          <a:xfrm>
+            <a:off x="520861" y="-22315"/>
+            <a:ext cx="10905066" cy="1135737"/>
           </a:xfrm>
         </p:spPr>
         <p:txBody>
           <a:bodyPr>
-            <a:normAutofit fontScale="90000"/>
+            <a:normAutofit/>
           </a:bodyPr>
           <a:lstStyle/>
           <a:p>
             <a:r>
-              <a:rPr lang="en-US" dirty="0"/>
+              <a:rPr kumimoji="0" lang="en-US" sz="2500" b="0" i="0" u="none" strike="noStrike" kern="1200" cap="none" spc="0" normalizeH="0" baseline="0" noProof="0" dirty="0">
+                <a:ln>
+                  <a:noFill/>
+                </a:ln>
+                <a:solidFill>
+                  <a:srgbClr val="4B4B4B"/>
+                </a:solidFill>
+                <a:effectLst/>
+                <a:uLnTx/>
+                <a:uFillTx/>
+                <a:latin typeface="Gotham Book" panose="02000604040000020004" pitchFamily="2" charset="0"/>
+                <a:ea typeface="+mj-ea"/>
+                <a:cs typeface="+mj-cs"/>
+              </a:rPr>
               <a:t>Compose</a:t>
             </a:r>
-          </a:p>
-        </p:txBody>
-      </p:sp>
-      <p:sp>
-        <p:nvSpPr>
-          <p:cNvPr id="3" name="TextBox 2">
-            <a:extLst>
-              <a:ext uri="{FF2B5EF4-FFF2-40B4-BE49-F238E27FC236}">
-                <a16:creationId xmlns:a16="http://schemas.microsoft.com/office/drawing/2014/main" id="{C08F17E3-706E-4537-A5F5-F9D97D82314C}"/>
+            <a:br>
+              <a:rPr lang="en-US" sz="3600" dirty="0"/>
+            </a:br>
+            <a:endParaRPr lang="en-US" sz="3600" dirty="0"/>
+          </a:p>
+        </p:txBody>
+      </p:sp>
+      <p:sp>
+        <p:nvSpPr>
+          <p:cNvPr id="126" name="Rectangle 109">
+            <a:extLst>
+              <a:ext uri="{FF2B5EF4-FFF2-40B4-BE49-F238E27FC236}">
+                <a16:creationId xmlns:a16="http://schemas.microsoft.com/office/drawing/2014/main" id="{2E80C965-DB6D-4F81-9E9E-B027384D0BD6}"/>
+              </a:ext>
+              <a:ext uri="{C183D7F6-B498-43B3-948B-1728B52AA6E4}">
+                <adec:decorative xmlns:adec="http://schemas.microsoft.com/office/drawing/2017/decorative" val="1"/>
+              </a:ext>
+            </a:extLst>
+          </p:cNvPr>
+          <p:cNvSpPr>
+            <a:spLocks noGrp="1" noRot="1" noChangeAspect="1" noMove="1" noResize="1" noEditPoints="1" noAdjustHandles="1" noChangeArrowheads="1" noChangeShapeType="1" noTextEdit="1"/>
+          </p:cNvSpPr>
+          <p:nvPr>
+            <p:extLst>
+              <p:ext uri="{386F3935-93C4-4BCD-93E2-E3B085C9AB24}">
+                <p16:designElem xmlns:p16="http://schemas.microsoft.com/office/powerpoint/2015/main" val="1"/>
+              </p:ext>
+            </p:extLst>
+          </p:nvPr>
+        </p:nvSpPr>
+        <p:spPr>
+          <a:xfrm rot="2700000">
+            <a:off x="11052629" y="2120024"/>
+            <a:ext cx="645368" cy="645368"/>
+          </a:xfrm>
+          <a:prstGeom prst="rect">
+            <a:avLst/>
+          </a:prstGeom>
+          <a:solidFill>
+            <a:schemeClr val="accent4">
+              <a:alpha val="30000"/>
+            </a:schemeClr>
+          </a:solidFill>
+          <a:ln>
+            <a:noFill/>
+          </a:ln>
+        </p:spPr>
+        <p:style>
+          <a:lnRef idx="2">
+            <a:schemeClr val="accent1">
+              <a:shade val="50000"/>
+            </a:schemeClr>
+          </a:lnRef>
+          <a:fillRef idx="1">
+            <a:schemeClr val="accent1"/>
+          </a:fillRef>
+          <a:effectRef idx="0">
+            <a:schemeClr val="accent1"/>
+          </a:effectRef>
+          <a:fontRef idx="minor">
+            <a:schemeClr val="lt1"/>
+          </a:fontRef>
+        </p:style>
+        <p:txBody>
+          <a:bodyPr rtlCol="0" anchor="ctr"/>
+          <a:lstStyle/>
+          <a:p>
+            <a:pPr algn="ctr"/>
+            <a:endParaRPr lang="en-US"/>
+          </a:p>
+        </p:txBody>
+      </p:sp>
+      <p:sp>
+        <p:nvSpPr>
+          <p:cNvPr id="112" name="Isosceles Triangle 111">
+            <a:extLst>
+              <a:ext uri="{FF2B5EF4-FFF2-40B4-BE49-F238E27FC236}">
+                <a16:creationId xmlns:a16="http://schemas.microsoft.com/office/drawing/2014/main" id="{A580F890-B085-4E95-96AA-55AEBEC5CE6E}"/>
+              </a:ext>
+              <a:ext uri="{C183D7F6-B498-43B3-948B-1728B52AA6E4}">
+                <adec:decorative xmlns:adec="http://schemas.microsoft.com/office/drawing/2017/decorative" val="1"/>
+              </a:ext>
+            </a:extLst>
+          </p:cNvPr>
+          <p:cNvSpPr>
+            <a:spLocks noGrp="1" noRot="1" noChangeAspect="1" noMove="1" noResize="1" noEditPoints="1" noAdjustHandles="1" noChangeArrowheads="1" noChangeShapeType="1" noTextEdit="1"/>
+          </p:cNvSpPr>
+          <p:nvPr>
+            <p:extLst>
+              <p:ext uri="{386F3935-93C4-4BCD-93E2-E3B085C9AB24}">
+                <p16:designElem xmlns:p16="http://schemas.microsoft.com/office/powerpoint/2015/main" val="1"/>
+              </p:ext>
+            </p:extLst>
+          </p:nvPr>
+        </p:nvSpPr>
+        <p:spPr>
+          <a:xfrm rot="16200000">
+            <a:off x="10289068" y="1343027"/>
+            <a:ext cx="2532832" cy="1273032"/>
+          </a:xfrm>
+          <a:prstGeom prst="triangle">
+            <a:avLst>
+              <a:gd name="adj" fmla="val 50000"/>
+            </a:avLst>
+          </a:prstGeom>
+          <a:solidFill>
+            <a:schemeClr val="accent4">
+              <a:alpha val="30000"/>
+            </a:schemeClr>
+          </a:solidFill>
+          <a:ln>
+            <a:noFill/>
+          </a:ln>
+        </p:spPr>
+        <p:style>
+          <a:lnRef idx="2">
+            <a:schemeClr val="accent1">
+              <a:shade val="50000"/>
+            </a:schemeClr>
+          </a:lnRef>
+          <a:fillRef idx="1">
+            <a:schemeClr val="accent1"/>
+          </a:fillRef>
+          <a:effectRef idx="0">
+            <a:schemeClr val="accent1"/>
+          </a:effectRef>
+          <a:fontRef idx="minor">
+            <a:schemeClr val="lt1"/>
+          </a:fontRef>
+        </p:style>
+        <p:txBody>
+          <a:bodyPr rtlCol="0" anchor="ctr"/>
+          <a:lstStyle/>
+          <a:p>
+            <a:pPr algn="ctr"/>
+            <a:endParaRPr lang="en-US"/>
+          </a:p>
+        </p:txBody>
+      </p:sp>
+      <p:sp>
+        <p:nvSpPr>
+          <p:cNvPr id="114" name="Isosceles Triangle 113">
+            <a:extLst>
+              <a:ext uri="{FF2B5EF4-FFF2-40B4-BE49-F238E27FC236}">
+                <a16:creationId xmlns:a16="http://schemas.microsoft.com/office/drawing/2014/main" id="{D3F51FEB-38FB-4F6C-9F7B-2F2AFAB65463}"/>
+              </a:ext>
+              <a:ext uri="{C183D7F6-B498-43B3-948B-1728B52AA6E4}">
+                <adec:decorative xmlns:adec="http://schemas.microsoft.com/office/drawing/2017/decorative" val="1"/>
+              </a:ext>
+            </a:extLst>
+          </p:cNvPr>
+          <p:cNvSpPr>
+            <a:spLocks noGrp="1" noRot="1" noChangeAspect="1" noMove="1" noResize="1" noEditPoints="1" noAdjustHandles="1" noChangeArrowheads="1" noChangeShapeType="1" noTextEdit="1"/>
+          </p:cNvSpPr>
+          <p:nvPr>
+            <p:extLst>
+              <p:ext uri="{386F3935-93C4-4BCD-93E2-E3B085C9AB24}">
+                <p16:designElem xmlns:p16="http://schemas.microsoft.com/office/powerpoint/2015/main" val="1"/>
+              </p:ext>
+            </p:extLst>
+          </p:nvPr>
+        </p:nvSpPr>
+        <p:spPr>
+          <a:xfrm rot="5400000">
+            <a:off x="-501760" y="5103257"/>
+            <a:ext cx="2017580" cy="1014060"/>
+          </a:xfrm>
+          <a:prstGeom prst="triangle">
+            <a:avLst>
+              <a:gd name="adj" fmla="val 50000"/>
+            </a:avLst>
+          </a:prstGeom>
+          <a:solidFill>
+            <a:schemeClr val="accent1">
+              <a:alpha val="30000"/>
+            </a:schemeClr>
+          </a:solidFill>
+          <a:ln>
+            <a:noFill/>
+          </a:ln>
+        </p:spPr>
+        <p:style>
+          <a:lnRef idx="2">
+            <a:schemeClr val="accent1">
+              <a:shade val="50000"/>
+            </a:schemeClr>
+          </a:lnRef>
+          <a:fillRef idx="1">
+            <a:schemeClr val="accent1"/>
+          </a:fillRef>
+          <a:effectRef idx="0">
+            <a:schemeClr val="accent1"/>
+          </a:effectRef>
+          <a:fontRef idx="minor">
+            <a:schemeClr val="lt1"/>
+          </a:fontRef>
+        </p:style>
+        <p:txBody>
+          <a:bodyPr wrap="square" rtlCol="0" anchor="ctr">
+            <a:noAutofit/>
+          </a:bodyPr>
+          <a:lstStyle/>
+          <a:p>
+            <a:pPr algn="ctr"/>
+            <a:endParaRPr lang="en-US"/>
+          </a:p>
+        </p:txBody>
+      </p:sp>
+      <p:sp>
+        <p:nvSpPr>
+          <p:cNvPr id="116" name="Rectangle 115">
+            <a:extLst>
+              <a:ext uri="{FF2B5EF4-FFF2-40B4-BE49-F238E27FC236}">
+                <a16:creationId xmlns:a16="http://schemas.microsoft.com/office/drawing/2014/main" id="{1E547BA6-BAE0-43BB-A7CA-60F69CE252F0}"/>
+              </a:ext>
+              <a:ext uri="{C183D7F6-B498-43B3-948B-1728B52AA6E4}">
+                <adec:decorative xmlns:adec="http://schemas.microsoft.com/office/drawing/2017/decorative" val="1"/>
+              </a:ext>
+            </a:extLst>
+          </p:cNvPr>
+          <p:cNvSpPr>
+            <a:spLocks noGrp="1" noRot="1" noChangeAspect="1" noMove="1" noResize="1" noEditPoints="1" noAdjustHandles="1" noChangeArrowheads="1" noChangeShapeType="1" noTextEdit="1"/>
+          </p:cNvSpPr>
+          <p:nvPr>
+            <p:extLst>
+              <p:ext uri="{386F3935-93C4-4BCD-93E2-E3B085C9AB24}">
+                <p16:designElem xmlns:p16="http://schemas.microsoft.com/office/powerpoint/2015/main" val="1"/>
+              </p:ext>
+            </p:extLst>
+          </p:nvPr>
+        </p:nvSpPr>
+        <p:spPr>
+          <a:xfrm rot="2700000">
+            <a:off x="427916" y="5728708"/>
+            <a:ext cx="485578" cy="485578"/>
+          </a:xfrm>
+          <a:prstGeom prst="rect">
+            <a:avLst/>
+          </a:prstGeom>
+          <a:solidFill>
+            <a:schemeClr val="accent1">
+              <a:alpha val="30000"/>
+            </a:schemeClr>
+          </a:solidFill>
+          <a:ln>
+            <a:noFill/>
+          </a:ln>
+        </p:spPr>
+        <p:style>
+          <a:lnRef idx="2">
+            <a:schemeClr val="accent1">
+              <a:shade val="50000"/>
+            </a:schemeClr>
+          </a:lnRef>
+          <a:fillRef idx="1">
+            <a:schemeClr val="accent1"/>
+          </a:fillRef>
+          <a:effectRef idx="0">
+            <a:schemeClr val="accent1"/>
+          </a:effectRef>
+          <a:fontRef idx="minor">
+            <a:schemeClr val="lt1"/>
+          </a:fontRef>
+        </p:style>
+        <p:txBody>
+          <a:bodyPr wrap="square" rtlCol="0" anchor="ctr">
+            <a:noAutofit/>
+          </a:bodyPr>
+          <a:lstStyle/>
+          <a:p>
+            <a:pPr algn="ctr"/>
+            <a:endParaRPr lang="en-US"/>
+          </a:p>
+        </p:txBody>
+      </p:sp>
+      <p:cxnSp>
+        <p:nvCxnSpPr>
+          <p:cNvPr id="5" name="Straight Connector 4">
+            <a:extLst>
+              <a:ext uri="{FF2B5EF4-FFF2-40B4-BE49-F238E27FC236}">
+                <a16:creationId xmlns:a16="http://schemas.microsoft.com/office/drawing/2014/main" id="{05484CBB-470F-4BF0-83D0-87C4C1A58BCB}"/>
+              </a:ext>
+            </a:extLst>
+          </p:cNvPr>
+          <p:cNvCxnSpPr/>
+          <p:nvPr/>
+        </p:nvCxnSpPr>
+        <p:spPr>
+          <a:xfrm>
+            <a:off x="0" y="577610"/>
+            <a:ext cx="12192000" cy="0"/>
+          </a:xfrm>
+          <a:prstGeom prst="line">
+            <a:avLst/>
+          </a:prstGeom>
+        </p:spPr>
+        <p:style>
+          <a:lnRef idx="1">
+            <a:schemeClr val="accent1"/>
+          </a:lnRef>
+          <a:fillRef idx="0">
+            <a:schemeClr val="accent1"/>
+          </a:fillRef>
+          <a:effectRef idx="0">
+            <a:schemeClr val="accent1"/>
+          </a:effectRef>
+          <a:fontRef idx="minor">
+            <a:schemeClr val="tx1"/>
+          </a:fontRef>
+        </p:style>
+      </p:cxnSp>
+      <p:sp>
+        <p:nvSpPr>
+          <p:cNvPr id="9" name="TextBox 8">
+            <a:extLst>
+              <a:ext uri="{FF2B5EF4-FFF2-40B4-BE49-F238E27FC236}">
+                <a16:creationId xmlns:a16="http://schemas.microsoft.com/office/drawing/2014/main" id="{A6EB5D6F-79EC-43A6-8EDC-3C4FFE7C6902}"/>
               </a:ext>
             </a:extLst>
           </p:cNvPr>
@@ -6851,10 +8921,10 @@
       </p:sp>
       <p:sp>
         <p:nvSpPr>
-          <p:cNvPr id="5" name="TextBox 4">
-            <a:extLst>
-              <a:ext uri="{FF2B5EF4-FFF2-40B4-BE49-F238E27FC236}">
-                <a16:creationId xmlns:a16="http://schemas.microsoft.com/office/drawing/2014/main" id="{813FF199-8331-4AA2-8196-31844AF4D9DA}"/>
+          <p:cNvPr id="10" name="TextBox 9">
+            <a:extLst>
+              <a:ext uri="{FF2B5EF4-FFF2-40B4-BE49-F238E27FC236}">
+                <a16:creationId xmlns:a16="http://schemas.microsoft.com/office/drawing/2014/main" id="{561C96F6-B01D-4D81-B957-E55A20929B98}"/>
               </a:ext>
             </a:extLst>
           </p:cNvPr>
@@ -7192,7 +9262,7 @@
     </p:spTree>
     <p:extLst>
       <p:ext uri="{BB962C8B-B14F-4D97-AF65-F5344CB8AC3E}">
-        <p14:creationId xmlns:p14="http://schemas.microsoft.com/office/powerpoint/2010/main" val="544447542"/>
+        <p14:creationId xmlns:p14="http://schemas.microsoft.com/office/powerpoint/2010/main" val="4078503406"/>
       </p:ext>
     </p:extLst>
   </p:cSld>
@@ -7205,6 +9275,14 @@
 <file path=ppt/slides/slide9.xml><?xml version="1.0" encoding="utf-8"?>
 <p:sld xmlns:a="http://schemas.openxmlformats.org/drawingml/2006/main" xmlns:r="http://schemas.openxmlformats.org/officeDocument/2006/relationships" xmlns:p="http://schemas.openxmlformats.org/presentationml/2006/main">
   <p:cSld>
+    <p:bg>
+      <p:bgPr>
+        <a:solidFill>
+          <a:schemeClr val="bg1"/>
+        </a:solidFill>
+        <a:effectLst/>
+      </p:bgPr>
+    </p:bg>
     <p:spTree>
       <p:nvGrpSpPr>
         <p:cNvPr id="1" name=""/>
@@ -7221,45 +9299,429 @@
       </p:grpSpPr>
       <p:sp>
         <p:nvSpPr>
-          <p:cNvPr id="2" name="Title 1">
-            <a:extLst>
-              <a:ext uri="{FF2B5EF4-FFF2-40B4-BE49-F238E27FC236}">
-                <a16:creationId xmlns:a16="http://schemas.microsoft.com/office/drawing/2014/main" id="{3AB85320-71E8-41FE-9E02-B33C9CF9AF89}"/>
-              </a:ext>
-            </a:extLst>
-          </p:cNvPr>
-          <p:cNvSpPr>
-            <a:spLocks noGrp="1"/>
-          </p:cNvSpPr>
-          <p:nvPr>
-            <p:ph type="title"/>
+          <p:cNvPr id="108" name="Rectangle 107">
+            <a:extLst>
+              <a:ext uri="{FF2B5EF4-FFF2-40B4-BE49-F238E27FC236}">
+                <a16:creationId xmlns:a16="http://schemas.microsoft.com/office/drawing/2014/main" id="{2B566528-1B12-4246-9431-5C2D7D081168}"/>
+              </a:ext>
+              <a:ext uri="{C183D7F6-B498-43B3-948B-1728B52AA6E4}">
+                <adec:decorative xmlns:adec="http://schemas.microsoft.com/office/drawing/2017/decorative" val="1"/>
+              </a:ext>
+            </a:extLst>
+          </p:cNvPr>
+          <p:cNvSpPr>
+            <a:spLocks noGrp="1" noRot="1" noChangeAspect="1" noMove="1" noResize="1" noEditPoints="1" noAdjustHandles="1" noChangeArrowheads="1" noChangeShapeType="1" noTextEdit="1"/>
+          </p:cNvSpPr>
+          <p:nvPr>
+            <p:extLst>
+              <p:ext uri="{386F3935-93C4-4BCD-93E2-E3B085C9AB24}">
+                <p16:designElem xmlns:p16="http://schemas.microsoft.com/office/powerpoint/2015/main" val="1"/>
+              </p:ext>
+            </p:extLst>
           </p:nvPr>
         </p:nvSpPr>
         <p:spPr>
           <a:xfrm>
-            <a:off x="127175" y="36427"/>
-            <a:ext cx="1450416" cy="626468"/>
+            <a:off x="0" y="0"/>
+            <a:ext cx="12192000" cy="6858000"/>
+          </a:xfrm>
+          <a:prstGeom prst="rect">
+            <a:avLst/>
+          </a:prstGeom>
+          <a:solidFill>
+            <a:schemeClr val="bg1"/>
+          </a:solidFill>
+          <a:ln>
+            <a:noFill/>
+          </a:ln>
+        </p:spPr>
+        <p:style>
+          <a:lnRef idx="2">
+            <a:schemeClr val="accent1">
+              <a:shade val="50000"/>
+            </a:schemeClr>
+          </a:lnRef>
+          <a:fillRef idx="1">
+            <a:schemeClr val="accent1"/>
+          </a:fillRef>
+          <a:effectRef idx="0">
+            <a:schemeClr val="accent1"/>
+          </a:effectRef>
+          <a:fontRef idx="minor">
+            <a:schemeClr val="lt1"/>
+          </a:fontRef>
+        </p:style>
+        <p:txBody>
+          <a:bodyPr rtlCol="0" anchor="ctr"/>
+          <a:lstStyle/>
+          <a:p>
+            <a:pPr algn="ctr"/>
+            <a:endParaRPr lang="en-US" dirty="0"/>
+          </a:p>
+        </p:txBody>
+      </p:sp>
+      <p:sp>
+        <p:nvSpPr>
+          <p:cNvPr id="2" name="Title 1">
+            <a:extLst>
+              <a:ext uri="{FF2B5EF4-FFF2-40B4-BE49-F238E27FC236}">
+                <a16:creationId xmlns:a16="http://schemas.microsoft.com/office/drawing/2014/main" id="{6A30319B-157B-8746-A5F5-2FCB994BD888}"/>
+              </a:ext>
+            </a:extLst>
+          </p:cNvPr>
+          <p:cNvSpPr>
+            <a:spLocks noGrp="1"/>
+          </p:cNvSpPr>
+          <p:nvPr>
+            <p:ph type="title"/>
+          </p:nvPr>
+        </p:nvSpPr>
+        <p:spPr>
+          <a:xfrm>
+            <a:off x="520861" y="-22315"/>
+            <a:ext cx="10905066" cy="1135737"/>
           </a:xfrm>
         </p:spPr>
         <p:txBody>
           <a:bodyPr>
-            <a:normAutofit fontScale="90000"/>
+            <a:normAutofit/>
           </a:bodyPr>
           <a:lstStyle/>
           <a:p>
             <a:r>
-              <a:rPr lang="en-US" dirty="0"/>
+              <a:rPr kumimoji="0" lang="en-US" sz="2500" b="0" i="0" u="none" strike="noStrike" kern="1200" cap="none" spc="0" normalizeH="0" baseline="0" noProof="0" dirty="0">
+                <a:ln>
+                  <a:noFill/>
+                </a:ln>
+                <a:solidFill>
+                  <a:srgbClr val="4B4B4B"/>
+                </a:solidFill>
+                <a:effectLst/>
+                <a:uLnTx/>
+                <a:uFillTx/>
+                <a:latin typeface="Gotham Book" panose="02000604040000020004" pitchFamily="2" charset="0"/>
+                <a:ea typeface="+mj-ea"/>
+                <a:cs typeface="+mj-cs"/>
+              </a:rPr>
               <a:t>Compose</a:t>
             </a:r>
-          </a:p>
-        </p:txBody>
-      </p:sp>
-      <p:sp>
-        <p:nvSpPr>
-          <p:cNvPr id="5" name="TextBox 4">
-            <a:extLst>
-              <a:ext uri="{FF2B5EF4-FFF2-40B4-BE49-F238E27FC236}">
-                <a16:creationId xmlns:a16="http://schemas.microsoft.com/office/drawing/2014/main" id="{813FF199-8331-4AA2-8196-31844AF4D9DA}"/>
+            <a:br>
+              <a:rPr lang="en-US" sz="3600" dirty="0"/>
+            </a:br>
+            <a:endParaRPr lang="en-US" sz="3600" dirty="0"/>
+          </a:p>
+        </p:txBody>
+      </p:sp>
+      <p:sp>
+        <p:nvSpPr>
+          <p:cNvPr id="126" name="Rectangle 109">
+            <a:extLst>
+              <a:ext uri="{FF2B5EF4-FFF2-40B4-BE49-F238E27FC236}">
+                <a16:creationId xmlns:a16="http://schemas.microsoft.com/office/drawing/2014/main" id="{2E80C965-DB6D-4F81-9E9E-B027384D0BD6}"/>
+              </a:ext>
+              <a:ext uri="{C183D7F6-B498-43B3-948B-1728B52AA6E4}">
+                <adec:decorative xmlns:adec="http://schemas.microsoft.com/office/drawing/2017/decorative" val="1"/>
+              </a:ext>
+            </a:extLst>
+          </p:cNvPr>
+          <p:cNvSpPr>
+            <a:spLocks noGrp="1" noRot="1" noChangeAspect="1" noMove="1" noResize="1" noEditPoints="1" noAdjustHandles="1" noChangeArrowheads="1" noChangeShapeType="1" noTextEdit="1"/>
+          </p:cNvSpPr>
+          <p:nvPr>
+            <p:extLst>
+              <p:ext uri="{386F3935-93C4-4BCD-93E2-E3B085C9AB24}">
+                <p16:designElem xmlns:p16="http://schemas.microsoft.com/office/powerpoint/2015/main" val="1"/>
+              </p:ext>
+            </p:extLst>
+          </p:nvPr>
+        </p:nvSpPr>
+        <p:spPr>
+          <a:xfrm rot="2700000">
+            <a:off x="11052629" y="2120024"/>
+            <a:ext cx="645368" cy="645368"/>
+          </a:xfrm>
+          <a:prstGeom prst="rect">
+            <a:avLst/>
+          </a:prstGeom>
+          <a:solidFill>
+            <a:schemeClr val="accent4">
+              <a:alpha val="30000"/>
+            </a:schemeClr>
+          </a:solidFill>
+          <a:ln>
+            <a:noFill/>
+          </a:ln>
+        </p:spPr>
+        <p:style>
+          <a:lnRef idx="2">
+            <a:schemeClr val="accent1">
+              <a:shade val="50000"/>
+            </a:schemeClr>
+          </a:lnRef>
+          <a:fillRef idx="1">
+            <a:schemeClr val="accent1"/>
+          </a:fillRef>
+          <a:effectRef idx="0">
+            <a:schemeClr val="accent1"/>
+          </a:effectRef>
+          <a:fontRef idx="minor">
+            <a:schemeClr val="lt1"/>
+          </a:fontRef>
+        </p:style>
+        <p:txBody>
+          <a:bodyPr rtlCol="0" anchor="ctr"/>
+          <a:lstStyle/>
+          <a:p>
+            <a:pPr algn="ctr"/>
+            <a:endParaRPr lang="en-US"/>
+          </a:p>
+        </p:txBody>
+      </p:sp>
+      <p:sp>
+        <p:nvSpPr>
+          <p:cNvPr id="112" name="Isosceles Triangle 111">
+            <a:extLst>
+              <a:ext uri="{FF2B5EF4-FFF2-40B4-BE49-F238E27FC236}">
+                <a16:creationId xmlns:a16="http://schemas.microsoft.com/office/drawing/2014/main" id="{A580F890-B085-4E95-96AA-55AEBEC5CE6E}"/>
+              </a:ext>
+              <a:ext uri="{C183D7F6-B498-43B3-948B-1728B52AA6E4}">
+                <adec:decorative xmlns:adec="http://schemas.microsoft.com/office/drawing/2017/decorative" val="1"/>
+              </a:ext>
+            </a:extLst>
+          </p:cNvPr>
+          <p:cNvSpPr>
+            <a:spLocks noGrp="1" noRot="1" noChangeAspect="1" noMove="1" noResize="1" noEditPoints="1" noAdjustHandles="1" noChangeArrowheads="1" noChangeShapeType="1" noTextEdit="1"/>
+          </p:cNvSpPr>
+          <p:nvPr>
+            <p:extLst>
+              <p:ext uri="{386F3935-93C4-4BCD-93E2-E3B085C9AB24}">
+                <p16:designElem xmlns:p16="http://schemas.microsoft.com/office/powerpoint/2015/main" val="1"/>
+              </p:ext>
+            </p:extLst>
+          </p:nvPr>
+        </p:nvSpPr>
+        <p:spPr>
+          <a:xfrm rot="16200000">
+            <a:off x="10289068" y="1343027"/>
+            <a:ext cx="2532832" cy="1273032"/>
+          </a:xfrm>
+          <a:prstGeom prst="triangle">
+            <a:avLst>
+              <a:gd name="adj" fmla="val 50000"/>
+            </a:avLst>
+          </a:prstGeom>
+          <a:solidFill>
+            <a:schemeClr val="accent4">
+              <a:alpha val="30000"/>
+            </a:schemeClr>
+          </a:solidFill>
+          <a:ln>
+            <a:noFill/>
+          </a:ln>
+        </p:spPr>
+        <p:style>
+          <a:lnRef idx="2">
+            <a:schemeClr val="accent1">
+              <a:shade val="50000"/>
+            </a:schemeClr>
+          </a:lnRef>
+          <a:fillRef idx="1">
+            <a:schemeClr val="accent1"/>
+          </a:fillRef>
+          <a:effectRef idx="0">
+            <a:schemeClr val="accent1"/>
+          </a:effectRef>
+          <a:fontRef idx="minor">
+            <a:schemeClr val="lt1"/>
+          </a:fontRef>
+        </p:style>
+        <p:txBody>
+          <a:bodyPr rtlCol="0" anchor="ctr"/>
+          <a:lstStyle/>
+          <a:p>
+            <a:pPr algn="ctr"/>
+            <a:endParaRPr lang="en-US"/>
+          </a:p>
+        </p:txBody>
+      </p:sp>
+      <p:sp>
+        <p:nvSpPr>
+          <p:cNvPr id="114" name="Isosceles Triangle 113">
+            <a:extLst>
+              <a:ext uri="{FF2B5EF4-FFF2-40B4-BE49-F238E27FC236}">
+                <a16:creationId xmlns:a16="http://schemas.microsoft.com/office/drawing/2014/main" id="{D3F51FEB-38FB-4F6C-9F7B-2F2AFAB65463}"/>
+              </a:ext>
+              <a:ext uri="{C183D7F6-B498-43B3-948B-1728B52AA6E4}">
+                <adec:decorative xmlns:adec="http://schemas.microsoft.com/office/drawing/2017/decorative" val="1"/>
+              </a:ext>
+            </a:extLst>
+          </p:cNvPr>
+          <p:cNvSpPr>
+            <a:spLocks noGrp="1" noRot="1" noChangeAspect="1" noMove="1" noResize="1" noEditPoints="1" noAdjustHandles="1" noChangeArrowheads="1" noChangeShapeType="1" noTextEdit="1"/>
+          </p:cNvSpPr>
+          <p:nvPr>
+            <p:extLst>
+              <p:ext uri="{386F3935-93C4-4BCD-93E2-E3B085C9AB24}">
+                <p16:designElem xmlns:p16="http://schemas.microsoft.com/office/powerpoint/2015/main" val="1"/>
+              </p:ext>
+            </p:extLst>
+          </p:nvPr>
+        </p:nvSpPr>
+        <p:spPr>
+          <a:xfrm rot="5400000">
+            <a:off x="-501760" y="5103257"/>
+            <a:ext cx="2017580" cy="1014060"/>
+          </a:xfrm>
+          <a:prstGeom prst="triangle">
+            <a:avLst>
+              <a:gd name="adj" fmla="val 50000"/>
+            </a:avLst>
+          </a:prstGeom>
+          <a:solidFill>
+            <a:schemeClr val="accent1">
+              <a:alpha val="30000"/>
+            </a:schemeClr>
+          </a:solidFill>
+          <a:ln>
+            <a:noFill/>
+          </a:ln>
+        </p:spPr>
+        <p:style>
+          <a:lnRef idx="2">
+            <a:schemeClr val="accent1">
+              <a:shade val="50000"/>
+            </a:schemeClr>
+          </a:lnRef>
+          <a:fillRef idx="1">
+            <a:schemeClr val="accent1"/>
+          </a:fillRef>
+          <a:effectRef idx="0">
+            <a:schemeClr val="accent1"/>
+          </a:effectRef>
+          <a:fontRef idx="minor">
+            <a:schemeClr val="lt1"/>
+          </a:fontRef>
+        </p:style>
+        <p:txBody>
+          <a:bodyPr wrap="square" rtlCol="0" anchor="ctr">
+            <a:noAutofit/>
+          </a:bodyPr>
+          <a:lstStyle/>
+          <a:p>
+            <a:pPr algn="ctr"/>
+            <a:endParaRPr lang="en-US"/>
+          </a:p>
+        </p:txBody>
+      </p:sp>
+      <p:sp>
+        <p:nvSpPr>
+          <p:cNvPr id="116" name="Rectangle 115">
+            <a:extLst>
+              <a:ext uri="{FF2B5EF4-FFF2-40B4-BE49-F238E27FC236}">
+                <a16:creationId xmlns:a16="http://schemas.microsoft.com/office/drawing/2014/main" id="{1E547BA6-BAE0-43BB-A7CA-60F69CE252F0}"/>
+              </a:ext>
+              <a:ext uri="{C183D7F6-B498-43B3-948B-1728B52AA6E4}">
+                <adec:decorative xmlns:adec="http://schemas.microsoft.com/office/drawing/2017/decorative" val="1"/>
+              </a:ext>
+            </a:extLst>
+          </p:cNvPr>
+          <p:cNvSpPr>
+            <a:spLocks noGrp="1" noRot="1" noChangeAspect="1" noMove="1" noResize="1" noEditPoints="1" noAdjustHandles="1" noChangeArrowheads="1" noChangeShapeType="1" noTextEdit="1"/>
+          </p:cNvSpPr>
+          <p:nvPr>
+            <p:extLst>
+              <p:ext uri="{386F3935-93C4-4BCD-93E2-E3B085C9AB24}">
+                <p16:designElem xmlns:p16="http://schemas.microsoft.com/office/powerpoint/2015/main" val="1"/>
+              </p:ext>
+            </p:extLst>
+          </p:nvPr>
+        </p:nvSpPr>
+        <p:spPr>
+          <a:xfrm rot="2700000">
+            <a:off x="427916" y="5728708"/>
+            <a:ext cx="485578" cy="485578"/>
+          </a:xfrm>
+          <a:prstGeom prst="rect">
+            <a:avLst/>
+          </a:prstGeom>
+          <a:solidFill>
+            <a:schemeClr val="accent1">
+              <a:alpha val="30000"/>
+            </a:schemeClr>
+          </a:solidFill>
+          <a:ln>
+            <a:noFill/>
+          </a:ln>
+        </p:spPr>
+        <p:style>
+          <a:lnRef idx="2">
+            <a:schemeClr val="accent1">
+              <a:shade val="50000"/>
+            </a:schemeClr>
+          </a:lnRef>
+          <a:fillRef idx="1">
+            <a:schemeClr val="accent1"/>
+          </a:fillRef>
+          <a:effectRef idx="0">
+            <a:schemeClr val="accent1"/>
+          </a:effectRef>
+          <a:fontRef idx="minor">
+            <a:schemeClr val="lt1"/>
+          </a:fontRef>
+        </p:style>
+        <p:txBody>
+          <a:bodyPr wrap="square" rtlCol="0" anchor="ctr">
+            <a:noAutofit/>
+          </a:bodyPr>
+          <a:lstStyle/>
+          <a:p>
+            <a:pPr algn="ctr"/>
+            <a:endParaRPr lang="en-US"/>
+          </a:p>
+        </p:txBody>
+      </p:sp>
+      <p:cxnSp>
+        <p:nvCxnSpPr>
+          <p:cNvPr id="5" name="Straight Connector 4">
+            <a:extLst>
+              <a:ext uri="{FF2B5EF4-FFF2-40B4-BE49-F238E27FC236}">
+                <a16:creationId xmlns:a16="http://schemas.microsoft.com/office/drawing/2014/main" id="{05484CBB-470F-4BF0-83D0-87C4C1A58BCB}"/>
+              </a:ext>
+            </a:extLst>
+          </p:cNvPr>
+          <p:cNvCxnSpPr/>
+          <p:nvPr/>
+        </p:nvCxnSpPr>
+        <p:spPr>
+          <a:xfrm>
+            <a:off x="0" y="577610"/>
+            <a:ext cx="12192000" cy="0"/>
+          </a:xfrm>
+          <a:prstGeom prst="line">
+            <a:avLst/>
+          </a:prstGeom>
+        </p:spPr>
+        <p:style>
+          <a:lnRef idx="1">
+            <a:schemeClr val="accent1"/>
+          </a:lnRef>
+          <a:fillRef idx="0">
+            <a:schemeClr val="accent1"/>
+          </a:fillRef>
+          <a:effectRef idx="0">
+            <a:schemeClr val="accent1"/>
+          </a:effectRef>
+          <a:fontRef idx="minor">
+            <a:schemeClr val="tx1"/>
+          </a:fontRef>
+        </p:style>
+      </p:cxnSp>
+      <p:sp>
+        <p:nvSpPr>
+          <p:cNvPr id="9" name="TextBox 8">
+            <a:extLst>
+              <a:ext uri="{FF2B5EF4-FFF2-40B4-BE49-F238E27FC236}">
+                <a16:creationId xmlns:a16="http://schemas.microsoft.com/office/drawing/2014/main" id="{9962581F-9D06-4D58-97C3-C781D601E0A8}"/>
               </a:ext>
             </a:extLst>
           </p:cNvPr>
@@ -7803,7 +10265,7 @@
     </p:spTree>
     <p:extLst>
       <p:ext uri="{BB962C8B-B14F-4D97-AF65-F5344CB8AC3E}">
-        <p14:creationId xmlns:p14="http://schemas.microsoft.com/office/powerpoint/2010/main" val="1052602491"/>
+        <p14:creationId xmlns:p14="http://schemas.microsoft.com/office/powerpoint/2010/main" val="2681282894"/>
       </p:ext>
     </p:extLst>
   </p:cSld>
